--- a/Article02.pptx
+++ b/Article02.pptx
@@ -29,6 +29,19 @@
     <p:sldId id="276" r:id="rId23"/>
     <p:sldId id="277" r:id="rId24"/>
     <p:sldId id="278" r:id="rId25"/>
+    <p:sldId id="279" r:id="rId26"/>
+    <p:sldId id="281" r:id="rId27"/>
+    <p:sldId id="282" r:id="rId28"/>
+    <p:sldId id="283" r:id="rId29"/>
+    <p:sldId id="284" r:id="rId30"/>
+    <p:sldId id="285" r:id="rId31"/>
+    <p:sldId id="286" r:id="rId32"/>
+    <p:sldId id="287" r:id="rId33"/>
+    <p:sldId id="288" r:id="rId34"/>
+    <p:sldId id="289" r:id="rId35"/>
+    <p:sldId id="290" r:id="rId36"/>
+    <p:sldId id="291" r:id="rId37"/>
+    <p:sldId id="292" r:id="rId38"/>
   </p:sldIdLst>
   <p:sldSz cx="12192000" cy="6858000"/>
   <p:notesSz cx="6858000" cy="9144000"/>
@@ -277,7 +290,7 @@
           <a:p>
             <a:fld id="{626702AC-6BD8-4265-8194-254349EA603F}" type="datetimeFigureOut">
               <a:rPr kumimoji="1" lang="ja-JP" altLang="en-US" smtClean="0"/>
-              <a:t>2023/3/23</a:t>
+              <a:t>2023/3/25</a:t>
             </a:fld>
             <a:endParaRPr kumimoji="1" lang="ja-JP" altLang="en-US"/>
           </a:p>
@@ -479,7 +492,7 @@
           <a:p>
             <a:fld id="{626702AC-6BD8-4265-8194-254349EA603F}" type="datetimeFigureOut">
               <a:rPr kumimoji="1" lang="ja-JP" altLang="en-US" smtClean="0"/>
-              <a:t>2023/3/23</a:t>
+              <a:t>2023/3/25</a:t>
             </a:fld>
             <a:endParaRPr kumimoji="1" lang="ja-JP" altLang="en-US"/>
           </a:p>
@@ -691,7 +704,7 @@
           <a:p>
             <a:fld id="{626702AC-6BD8-4265-8194-254349EA603F}" type="datetimeFigureOut">
               <a:rPr kumimoji="1" lang="ja-JP" altLang="en-US" smtClean="0"/>
-              <a:t>2023/3/23</a:t>
+              <a:t>2023/3/25</a:t>
             </a:fld>
             <a:endParaRPr kumimoji="1" lang="ja-JP" altLang="en-US"/>
           </a:p>
@@ -899,7 +912,7 @@
           <a:p>
             <a:fld id="{626702AC-6BD8-4265-8194-254349EA603F}" type="datetimeFigureOut">
               <a:rPr kumimoji="1" lang="ja-JP" altLang="en-US" smtClean="0"/>
-              <a:t>2023/3/23</a:t>
+              <a:t>2023/3/25</a:t>
             </a:fld>
             <a:endParaRPr kumimoji="1" lang="ja-JP" altLang="en-US"/>
           </a:p>
@@ -1129,7 +1142,7 @@
           <a:p>
             <a:fld id="{626702AC-6BD8-4265-8194-254349EA603F}" type="datetimeFigureOut">
               <a:rPr kumimoji="1" lang="ja-JP" altLang="en-US" smtClean="0"/>
-              <a:t>2023/3/23</a:t>
+              <a:t>2023/3/25</a:t>
             </a:fld>
             <a:endParaRPr kumimoji="1" lang="ja-JP" altLang="en-US"/>
           </a:p>
@@ -1404,7 +1417,7 @@
           <a:p>
             <a:fld id="{626702AC-6BD8-4265-8194-254349EA603F}" type="datetimeFigureOut">
               <a:rPr kumimoji="1" lang="ja-JP" altLang="en-US" smtClean="0"/>
-              <a:t>2023/3/23</a:t>
+              <a:t>2023/3/25</a:t>
             </a:fld>
             <a:endParaRPr kumimoji="1" lang="ja-JP" altLang="en-US"/>
           </a:p>
@@ -1733,7 +1746,7 @@
           <a:p>
             <a:fld id="{626702AC-6BD8-4265-8194-254349EA603F}" type="datetimeFigureOut">
               <a:rPr kumimoji="1" lang="ja-JP" altLang="en-US" smtClean="0"/>
-              <a:t>2023/3/23</a:t>
+              <a:t>2023/3/25</a:t>
             </a:fld>
             <a:endParaRPr kumimoji="1" lang="ja-JP" altLang="en-US"/>
           </a:p>
@@ -2209,7 +2222,7 @@
           <a:p>
             <a:fld id="{626702AC-6BD8-4265-8194-254349EA603F}" type="datetimeFigureOut">
               <a:rPr kumimoji="1" lang="ja-JP" altLang="en-US" smtClean="0"/>
-              <a:t>2023/3/23</a:t>
+              <a:t>2023/3/25</a:t>
             </a:fld>
             <a:endParaRPr kumimoji="1" lang="ja-JP" altLang="en-US"/>
           </a:p>
@@ -2350,7 +2363,7 @@
           <a:p>
             <a:fld id="{626702AC-6BD8-4265-8194-254349EA603F}" type="datetimeFigureOut">
               <a:rPr kumimoji="1" lang="ja-JP" altLang="en-US" smtClean="0"/>
-              <a:t>2023/3/23</a:t>
+              <a:t>2023/3/25</a:t>
             </a:fld>
             <a:endParaRPr kumimoji="1" lang="ja-JP" altLang="en-US"/>
           </a:p>
@@ -2463,7 +2476,7 @@
           <a:p>
             <a:fld id="{626702AC-6BD8-4265-8194-254349EA603F}" type="datetimeFigureOut">
               <a:rPr kumimoji="1" lang="ja-JP" altLang="en-US" smtClean="0"/>
-              <a:t>2023/3/23</a:t>
+              <a:t>2023/3/25</a:t>
             </a:fld>
             <a:endParaRPr kumimoji="1" lang="ja-JP" altLang="en-US"/>
           </a:p>
@@ -2806,7 +2819,7 @@
           <a:p>
             <a:fld id="{626702AC-6BD8-4265-8194-254349EA603F}" type="datetimeFigureOut">
               <a:rPr kumimoji="1" lang="ja-JP" altLang="en-US" smtClean="0"/>
-              <a:t>2023/3/23</a:t>
+              <a:t>2023/3/25</a:t>
             </a:fld>
             <a:endParaRPr kumimoji="1" lang="ja-JP" altLang="en-US"/>
           </a:p>
@@ -3020,7 +3033,7 @@
           <a:p>
             <a:fld id="{626702AC-6BD8-4265-8194-254349EA603F}" type="datetimeFigureOut">
               <a:rPr kumimoji="1" lang="ja-JP" altLang="en-US" smtClean="0"/>
-              <a:t>2023/3/23</a:t>
+              <a:t>2023/3/25</a:t>
             </a:fld>
             <a:endParaRPr kumimoji="1" lang="ja-JP" altLang="en-US"/>
           </a:p>
@@ -3296,7 +3309,7 @@
           <a:p>
             <a:fld id="{626702AC-6BD8-4265-8194-254349EA603F}" type="datetimeFigureOut">
               <a:rPr kumimoji="1" lang="ja-JP" altLang="en-US" smtClean="0"/>
-              <a:t>2023/3/23</a:t>
+              <a:t>2023/3/25</a:t>
             </a:fld>
             <a:endParaRPr kumimoji="1" lang="ja-JP" altLang="en-US"/>
           </a:p>
@@ -3526,7 +3539,7 @@
           <a:p>
             <a:fld id="{626702AC-6BD8-4265-8194-254349EA603F}" type="datetimeFigureOut">
               <a:rPr kumimoji="1" lang="ja-JP" altLang="en-US" smtClean="0"/>
-              <a:t>2023/3/23</a:t>
+              <a:t>2023/3/25</a:t>
             </a:fld>
             <a:endParaRPr kumimoji="1" lang="ja-JP" altLang="en-US"/>
           </a:p>
@@ -3766,7 +3779,7 @@
           <a:p>
             <a:fld id="{626702AC-6BD8-4265-8194-254349EA603F}" type="datetimeFigureOut">
               <a:rPr kumimoji="1" lang="ja-JP" altLang="en-US" smtClean="0"/>
-              <a:t>2023/3/23</a:t>
+              <a:t>2023/3/25</a:t>
             </a:fld>
             <a:endParaRPr kumimoji="1" lang="ja-JP" altLang="en-US"/>
           </a:p>
@@ -4029,7 +4042,7 @@
           <a:p>
             <a:fld id="{626702AC-6BD8-4265-8194-254349EA603F}" type="datetimeFigureOut">
               <a:rPr kumimoji="1" lang="ja-JP" altLang="en-US" smtClean="0"/>
-              <a:t>2023/3/23</a:t>
+              <a:t>2023/3/25</a:t>
             </a:fld>
             <a:endParaRPr kumimoji="1" lang="ja-JP" altLang="en-US"/>
           </a:p>
@@ -4325,7 +4338,7 @@
           <a:p>
             <a:fld id="{626702AC-6BD8-4265-8194-254349EA603F}" type="datetimeFigureOut">
               <a:rPr kumimoji="1" lang="ja-JP" altLang="en-US" smtClean="0"/>
-              <a:t>2023/3/23</a:t>
+              <a:t>2023/3/25</a:t>
             </a:fld>
             <a:endParaRPr kumimoji="1" lang="ja-JP" altLang="en-US"/>
           </a:p>
@@ -4736,7 +4749,7 @@
           <a:p>
             <a:fld id="{626702AC-6BD8-4265-8194-254349EA603F}" type="datetimeFigureOut">
               <a:rPr kumimoji="1" lang="ja-JP" altLang="en-US" smtClean="0"/>
-              <a:t>2023/3/23</a:t>
+              <a:t>2023/3/25</a:t>
             </a:fld>
             <a:endParaRPr kumimoji="1" lang="ja-JP" altLang="en-US"/>
           </a:p>
@@ -4854,7 +4867,7 @@
           <a:p>
             <a:fld id="{626702AC-6BD8-4265-8194-254349EA603F}" type="datetimeFigureOut">
               <a:rPr kumimoji="1" lang="ja-JP" altLang="en-US" smtClean="0"/>
-              <a:t>2023/3/23</a:t>
+              <a:t>2023/3/25</a:t>
             </a:fld>
             <a:endParaRPr kumimoji="1" lang="ja-JP" altLang="en-US"/>
           </a:p>
@@ -4972,7 +4985,7 @@
           <a:p>
             <a:fld id="{626702AC-6BD8-4265-8194-254349EA603F}" type="datetimeFigureOut">
               <a:rPr kumimoji="1" lang="ja-JP" altLang="en-US" smtClean="0"/>
-              <a:t>2023/3/23</a:t>
+              <a:t>2023/3/25</a:t>
             </a:fld>
             <a:endParaRPr kumimoji="1" lang="ja-JP" altLang="en-US"/>
           </a:p>
@@ -5288,7 +5301,7 @@
           <a:p>
             <a:fld id="{626702AC-6BD8-4265-8194-254349EA603F}" type="datetimeFigureOut">
               <a:rPr kumimoji="1" lang="ja-JP" altLang="en-US" smtClean="0"/>
-              <a:t>2023/3/23</a:t>
+              <a:t>2023/3/25</a:t>
             </a:fld>
             <a:endParaRPr kumimoji="1" lang="ja-JP" altLang="en-US"/>
           </a:p>
@@ -5552,7 +5565,7 @@
           <a:p>
             <a:fld id="{626702AC-6BD8-4265-8194-254349EA603F}" type="datetimeFigureOut">
               <a:rPr kumimoji="1" lang="ja-JP" altLang="en-US" smtClean="0"/>
-              <a:t>2023/3/23</a:t>
+              <a:t>2023/3/25</a:t>
             </a:fld>
             <a:endParaRPr kumimoji="1" lang="ja-JP" altLang="en-US"/>
           </a:p>
@@ -5798,7 +5811,7 @@
           <a:p>
             <a:fld id="{626702AC-6BD8-4265-8194-254349EA603F}" type="datetimeFigureOut">
               <a:rPr kumimoji="1" lang="ja-JP" altLang="en-US" smtClean="0"/>
-              <a:t>2023/3/23</a:t>
+              <a:t>2023/3/25</a:t>
             </a:fld>
             <a:endParaRPr kumimoji="1" lang="ja-JP" altLang="en-US"/>
           </a:p>
@@ -6375,7 +6388,7 @@
           <a:p>
             <a:fld id="{626702AC-6BD8-4265-8194-254349EA603F}" type="datetimeFigureOut">
               <a:rPr kumimoji="1" lang="ja-JP" altLang="en-US" smtClean="0"/>
-              <a:t>2023/3/23</a:t>
+              <a:t>2023/3/25</a:t>
             </a:fld>
             <a:endParaRPr kumimoji="1" lang="ja-JP" altLang="en-US"/>
           </a:p>
@@ -7594,10 +7607,10 @@
       </p:grpSpPr>
       <p:pic>
         <p:nvPicPr>
-          <p:cNvPr id="5" name="図 4">
-            <a:extLst>
-              <a:ext uri="{FF2B5EF4-FFF2-40B4-BE49-F238E27FC236}">
-                <a16:creationId xmlns:a16="http://schemas.microsoft.com/office/drawing/2014/main" id="{5E74D676-FC50-6128-3724-9E2958FDF9D0}"/>
+          <p:cNvPr id="8" name="図 7">
+            <a:extLst>
+              <a:ext uri="{FF2B5EF4-FFF2-40B4-BE49-F238E27FC236}">
+                <a16:creationId xmlns:a16="http://schemas.microsoft.com/office/drawing/2014/main" id="{159E3F72-0541-DC4A-7F8B-22C85F78EF17}"/>
               </a:ext>
             </a:extLst>
           </p:cNvPr>
@@ -12768,7 +12781,7 @@
         </p:nvCxnSpPr>
         <p:spPr>
           <a:xfrm flipH="1">
-            <a:off x="7766685" y="5909134"/>
+            <a:off x="8187793" y="293547"/>
             <a:ext cx="543434" cy="0"/>
           </a:xfrm>
           <a:prstGeom prst="straightConnector1">
@@ -12813,7 +12826,7 @@
         </p:nvCxnSpPr>
         <p:spPr>
           <a:xfrm flipH="1">
-            <a:off x="7766685" y="6230859"/>
+            <a:off x="8187793" y="615272"/>
             <a:ext cx="543434" cy="0"/>
           </a:xfrm>
           <a:prstGeom prst="straightConnector1">
@@ -12856,7 +12869,7 @@
         </p:nvSpPr>
         <p:spPr>
           <a:xfrm>
-            <a:off x="8310119" y="5739857"/>
+            <a:off x="8731227" y="124270"/>
             <a:ext cx="1620957" cy="338554"/>
           </a:xfrm>
           <a:prstGeom prst="rect">
@@ -12891,7 +12904,7 @@
         </p:nvSpPr>
         <p:spPr>
           <a:xfrm>
-            <a:off x="8310119" y="6069782"/>
+            <a:off x="8731227" y="454195"/>
             <a:ext cx="2441694" cy="338554"/>
           </a:xfrm>
           <a:prstGeom prst="rect">
@@ -13035,6 +13048,517 @@
               </a:rPr>
               <a:t>クライアント</a:t>
             </a:r>
+          </a:p>
+        </p:txBody>
+      </p:sp>
+      <p:grpSp>
+        <p:nvGrpSpPr>
+          <p:cNvPr id="4" name="グループ化 3">
+            <a:extLst>
+              <a:ext uri="{FF2B5EF4-FFF2-40B4-BE49-F238E27FC236}">
+                <a16:creationId xmlns:a16="http://schemas.microsoft.com/office/drawing/2014/main" id="{C91AC1E5-CBD2-D343-3E07-0AAA6E5AE45F}"/>
+              </a:ext>
+            </a:extLst>
+          </p:cNvPr>
+          <p:cNvGrpSpPr/>
+          <p:nvPr/>
+        </p:nvGrpSpPr>
+        <p:grpSpPr>
+          <a:xfrm>
+            <a:off x="8202622" y="6111468"/>
+            <a:ext cx="3298772" cy="388882"/>
+            <a:chOff x="8200596" y="5696761"/>
+            <a:chExt cx="3298772" cy="388882"/>
+          </a:xfrm>
+        </p:grpSpPr>
+        <p:sp>
+          <p:nvSpPr>
+            <p:cNvPr id="18" name="正方形/長方形 17">
+              <a:extLst>
+                <a:ext uri="{FF2B5EF4-FFF2-40B4-BE49-F238E27FC236}">
+                  <a16:creationId xmlns:a16="http://schemas.microsoft.com/office/drawing/2014/main" id="{87914B25-31AC-3048-EB54-C42A2FDA1219}"/>
+                </a:ext>
+              </a:extLst>
+            </p:cNvPr>
+            <p:cNvSpPr/>
+            <p:nvPr/>
+          </p:nvSpPr>
+          <p:spPr>
+            <a:xfrm>
+              <a:off x="8200596" y="5696761"/>
+              <a:ext cx="683953" cy="388882"/>
+            </a:xfrm>
+            <a:prstGeom prst="rect">
+              <a:avLst/>
+            </a:prstGeom>
+            <a:solidFill>
+              <a:schemeClr val="accent1">
+                <a:lumMod val="20000"/>
+                <a:lumOff val="80000"/>
+              </a:schemeClr>
+            </a:solidFill>
+            <a:ln>
+              <a:solidFill>
+                <a:schemeClr val="tx1"/>
+              </a:solidFill>
+            </a:ln>
+          </p:spPr>
+          <p:style>
+            <a:lnRef idx="2">
+              <a:schemeClr val="accent1"/>
+            </a:lnRef>
+            <a:fillRef idx="1">
+              <a:schemeClr val="lt1"/>
+            </a:fillRef>
+            <a:effectRef idx="0">
+              <a:schemeClr val="accent1"/>
+            </a:effectRef>
+            <a:fontRef idx="minor">
+              <a:schemeClr val="dk1"/>
+            </a:fontRef>
+          </p:style>
+          <p:txBody>
+            <a:bodyPr tIns="0" bIns="0" rtlCol="0" anchor="t"/>
+            <a:lstStyle/>
+            <a:p>
+              <a:pPr algn="ctr"/>
+              <a:endParaRPr kumimoji="1" lang="ja-JP" altLang="en-US" sz="1600" dirty="0"/>
+            </a:p>
+          </p:txBody>
+        </p:sp>
+        <p:sp>
+          <p:nvSpPr>
+            <p:cNvPr id="20" name="テキスト ボックス 19">
+              <a:extLst>
+                <a:ext uri="{FF2B5EF4-FFF2-40B4-BE49-F238E27FC236}">
+                  <a16:creationId xmlns:a16="http://schemas.microsoft.com/office/drawing/2014/main" id="{12EC3FDB-41ED-0878-1061-0CA0E633FDCC}"/>
+                </a:ext>
+              </a:extLst>
+            </p:cNvPr>
+            <p:cNvSpPr txBox="1"/>
+            <p:nvPr/>
+          </p:nvSpPr>
+          <p:spPr>
+            <a:xfrm>
+              <a:off x="8884549" y="5706536"/>
+              <a:ext cx="2614819" cy="369332"/>
+            </a:xfrm>
+            <a:prstGeom prst="rect">
+              <a:avLst/>
+            </a:prstGeom>
+            <a:noFill/>
+          </p:spPr>
+          <p:txBody>
+            <a:bodyPr wrap="none" rtlCol="0">
+              <a:spAutoFit/>
+            </a:bodyPr>
+            <a:lstStyle/>
+            <a:p>
+              <a:r>
+                <a:rPr kumimoji="1" lang="en-US" altLang="ja-JP" dirty="0"/>
+                <a:t>Frameworks</a:t>
+              </a:r>
+              <a:r>
+                <a:rPr kumimoji="1" lang="ja-JP" altLang="en-US" dirty="0"/>
+                <a:t> ＆ </a:t>
+              </a:r>
+              <a:r>
+                <a:rPr kumimoji="1" lang="en-US" altLang="ja-JP" dirty="0"/>
+                <a:t>Drivers</a:t>
+              </a:r>
+              <a:endParaRPr kumimoji="1" lang="ja-JP" altLang="en-US" dirty="0"/>
+            </a:p>
+          </p:txBody>
+        </p:sp>
+      </p:grpSp>
+      <p:grpSp>
+        <p:nvGrpSpPr>
+          <p:cNvPr id="21" name="グループ化 20">
+            <a:extLst>
+              <a:ext uri="{FF2B5EF4-FFF2-40B4-BE49-F238E27FC236}">
+                <a16:creationId xmlns:a16="http://schemas.microsoft.com/office/drawing/2014/main" id="{6400DE47-E1B2-9B0A-7043-2B5249F6B81F}"/>
+              </a:ext>
+            </a:extLst>
+          </p:cNvPr>
+          <p:cNvGrpSpPr/>
+          <p:nvPr/>
+        </p:nvGrpSpPr>
+        <p:grpSpPr>
+          <a:xfrm>
+            <a:off x="8209421" y="5533033"/>
+            <a:ext cx="3346861" cy="388882"/>
+            <a:chOff x="8200596" y="5696761"/>
+            <a:chExt cx="3346861" cy="388882"/>
+          </a:xfrm>
+        </p:grpSpPr>
+        <p:sp>
+          <p:nvSpPr>
+            <p:cNvPr id="22" name="正方形/長方形 21">
+              <a:extLst>
+                <a:ext uri="{FF2B5EF4-FFF2-40B4-BE49-F238E27FC236}">
+                  <a16:creationId xmlns:a16="http://schemas.microsoft.com/office/drawing/2014/main" id="{9D151DAB-FF70-6900-D4EB-5A2CEB77EBFA}"/>
+                </a:ext>
+              </a:extLst>
+            </p:cNvPr>
+            <p:cNvSpPr/>
+            <p:nvPr/>
+          </p:nvSpPr>
+          <p:spPr>
+            <a:xfrm>
+              <a:off x="8200596" y="5696761"/>
+              <a:ext cx="683953" cy="388882"/>
+            </a:xfrm>
+            <a:prstGeom prst="rect">
+              <a:avLst/>
+            </a:prstGeom>
+            <a:solidFill>
+              <a:schemeClr val="accent6">
+                <a:lumMod val="20000"/>
+                <a:lumOff val="80000"/>
+              </a:schemeClr>
+            </a:solidFill>
+            <a:ln>
+              <a:solidFill>
+                <a:schemeClr val="tx1"/>
+              </a:solidFill>
+            </a:ln>
+          </p:spPr>
+          <p:style>
+            <a:lnRef idx="2">
+              <a:schemeClr val="accent1"/>
+            </a:lnRef>
+            <a:fillRef idx="1">
+              <a:schemeClr val="lt1"/>
+            </a:fillRef>
+            <a:effectRef idx="0">
+              <a:schemeClr val="accent1"/>
+            </a:effectRef>
+            <a:fontRef idx="minor">
+              <a:schemeClr val="dk1"/>
+            </a:fontRef>
+          </p:style>
+          <p:txBody>
+            <a:bodyPr tIns="0" bIns="0" rtlCol="0" anchor="t"/>
+            <a:lstStyle/>
+            <a:p>
+              <a:pPr algn="ctr"/>
+              <a:endParaRPr kumimoji="1" lang="ja-JP" altLang="en-US" sz="1600" dirty="0"/>
+            </a:p>
+          </p:txBody>
+        </p:sp>
+        <p:sp>
+          <p:nvSpPr>
+            <p:cNvPr id="24" name="テキスト ボックス 23">
+              <a:extLst>
+                <a:ext uri="{FF2B5EF4-FFF2-40B4-BE49-F238E27FC236}">
+                  <a16:creationId xmlns:a16="http://schemas.microsoft.com/office/drawing/2014/main" id="{76AFBFD2-4C9A-3C71-C0F5-8388CA2C0C64}"/>
+                </a:ext>
+              </a:extLst>
+            </p:cNvPr>
+            <p:cNvSpPr txBox="1"/>
+            <p:nvPr/>
+          </p:nvSpPr>
+          <p:spPr>
+            <a:xfrm>
+              <a:off x="8884549" y="5706536"/>
+              <a:ext cx="2662908" cy="369332"/>
+            </a:xfrm>
+            <a:prstGeom prst="rect">
+              <a:avLst/>
+            </a:prstGeom>
+            <a:noFill/>
+          </p:spPr>
+          <p:txBody>
+            <a:bodyPr wrap="none" rtlCol="0">
+              <a:spAutoFit/>
+            </a:bodyPr>
+            <a:lstStyle/>
+            <a:p>
+              <a:r>
+                <a:rPr kumimoji="1" lang="en-US" altLang="ja-JP" dirty="0"/>
+                <a:t>Infrastructure Adapters</a:t>
+              </a:r>
+              <a:endParaRPr kumimoji="1" lang="ja-JP" altLang="en-US" dirty="0"/>
+            </a:p>
+          </p:txBody>
+        </p:sp>
+      </p:grpSp>
+      <p:grpSp>
+        <p:nvGrpSpPr>
+          <p:cNvPr id="25" name="グループ化 24">
+            <a:extLst>
+              <a:ext uri="{FF2B5EF4-FFF2-40B4-BE49-F238E27FC236}">
+                <a16:creationId xmlns:a16="http://schemas.microsoft.com/office/drawing/2014/main" id="{8A3BF4A5-6538-B808-1FF5-AD4FDE84F997}"/>
+              </a:ext>
+            </a:extLst>
+          </p:cNvPr>
+          <p:cNvGrpSpPr/>
+          <p:nvPr/>
+        </p:nvGrpSpPr>
+        <p:grpSpPr>
+          <a:xfrm>
+            <a:off x="8202622" y="4954598"/>
+            <a:ext cx="3755628" cy="388882"/>
+            <a:chOff x="8200596" y="5696761"/>
+            <a:chExt cx="3755628" cy="388882"/>
+          </a:xfrm>
+        </p:grpSpPr>
+        <p:sp>
+          <p:nvSpPr>
+            <p:cNvPr id="30" name="正方形/長方形 29">
+              <a:extLst>
+                <a:ext uri="{FF2B5EF4-FFF2-40B4-BE49-F238E27FC236}">
+                  <a16:creationId xmlns:a16="http://schemas.microsoft.com/office/drawing/2014/main" id="{1F0922E0-580B-5CB1-79C3-9C7CC5B3DCE0}"/>
+                </a:ext>
+              </a:extLst>
+            </p:cNvPr>
+            <p:cNvSpPr/>
+            <p:nvPr/>
+          </p:nvSpPr>
+          <p:spPr>
+            <a:xfrm>
+              <a:off x="8200596" y="5696761"/>
+              <a:ext cx="683953" cy="388882"/>
+            </a:xfrm>
+            <a:prstGeom prst="rect">
+              <a:avLst/>
+            </a:prstGeom>
+            <a:solidFill>
+              <a:schemeClr val="accent2">
+                <a:lumMod val="20000"/>
+                <a:lumOff val="80000"/>
+              </a:schemeClr>
+            </a:solidFill>
+            <a:ln>
+              <a:solidFill>
+                <a:schemeClr val="tx1"/>
+              </a:solidFill>
+            </a:ln>
+          </p:spPr>
+          <p:style>
+            <a:lnRef idx="2">
+              <a:schemeClr val="accent1"/>
+            </a:lnRef>
+            <a:fillRef idx="1">
+              <a:schemeClr val="lt1"/>
+            </a:fillRef>
+            <a:effectRef idx="0">
+              <a:schemeClr val="accent1"/>
+            </a:effectRef>
+            <a:fontRef idx="minor">
+              <a:schemeClr val="dk1"/>
+            </a:fontRef>
+          </p:style>
+          <p:txBody>
+            <a:bodyPr tIns="0" bIns="0" rtlCol="0" anchor="t"/>
+            <a:lstStyle/>
+            <a:p>
+              <a:pPr algn="ctr"/>
+              <a:endParaRPr kumimoji="1" lang="ja-JP" altLang="en-US" sz="1600" dirty="0"/>
+            </a:p>
+          </p:txBody>
+        </p:sp>
+        <p:sp>
+          <p:nvSpPr>
+            <p:cNvPr id="31" name="テキスト ボックス 30">
+              <a:extLst>
+                <a:ext uri="{FF2B5EF4-FFF2-40B4-BE49-F238E27FC236}">
+                  <a16:creationId xmlns:a16="http://schemas.microsoft.com/office/drawing/2014/main" id="{7412E5D4-0576-5BF2-AA77-A6F20232BC6E}"/>
+                </a:ext>
+              </a:extLst>
+            </p:cNvPr>
+            <p:cNvSpPr txBox="1"/>
+            <p:nvPr/>
+          </p:nvSpPr>
+          <p:spPr>
+            <a:xfrm>
+              <a:off x="8884549" y="5706536"/>
+              <a:ext cx="3071675" cy="369332"/>
+            </a:xfrm>
+            <a:prstGeom prst="rect">
+              <a:avLst/>
+            </a:prstGeom>
+            <a:noFill/>
+          </p:spPr>
+          <p:txBody>
+            <a:bodyPr wrap="none" rtlCol="0">
+              <a:spAutoFit/>
+            </a:bodyPr>
+            <a:lstStyle/>
+            <a:p>
+              <a:r>
+                <a:rPr kumimoji="1" lang="en-US" altLang="ja-JP" dirty="0"/>
+                <a:t>Application Business Rules</a:t>
+              </a:r>
+              <a:endParaRPr kumimoji="1" lang="ja-JP" altLang="en-US" dirty="0"/>
+            </a:p>
+          </p:txBody>
+        </p:sp>
+      </p:grpSp>
+      <p:grpSp>
+        <p:nvGrpSpPr>
+          <p:cNvPr id="32" name="グループ化 31">
+            <a:extLst>
+              <a:ext uri="{FF2B5EF4-FFF2-40B4-BE49-F238E27FC236}">
+                <a16:creationId xmlns:a16="http://schemas.microsoft.com/office/drawing/2014/main" id="{6CC15F87-A867-FD22-0DC4-278721A3873B}"/>
+              </a:ext>
+            </a:extLst>
+          </p:cNvPr>
+          <p:cNvGrpSpPr/>
+          <p:nvPr/>
+        </p:nvGrpSpPr>
+        <p:grpSpPr>
+          <a:xfrm>
+            <a:off x="8202622" y="4356613"/>
+            <a:ext cx="3656242" cy="388882"/>
+            <a:chOff x="8200596" y="5696761"/>
+            <a:chExt cx="3656242" cy="388882"/>
+          </a:xfrm>
+        </p:grpSpPr>
+        <p:sp>
+          <p:nvSpPr>
+            <p:cNvPr id="33" name="正方形/長方形 32">
+              <a:extLst>
+                <a:ext uri="{FF2B5EF4-FFF2-40B4-BE49-F238E27FC236}">
+                  <a16:creationId xmlns:a16="http://schemas.microsoft.com/office/drawing/2014/main" id="{7DD5DA67-CAC4-31D6-D36E-EEC6068A511D}"/>
+                </a:ext>
+              </a:extLst>
+            </p:cNvPr>
+            <p:cNvSpPr/>
+            <p:nvPr/>
+          </p:nvSpPr>
+          <p:spPr>
+            <a:xfrm>
+              <a:off x="8200596" y="5696761"/>
+              <a:ext cx="683953" cy="388882"/>
+            </a:xfrm>
+            <a:prstGeom prst="rect">
+              <a:avLst/>
+            </a:prstGeom>
+            <a:solidFill>
+              <a:schemeClr val="accent2">
+                <a:lumMod val="20000"/>
+                <a:lumOff val="80000"/>
+              </a:schemeClr>
+            </a:solidFill>
+            <a:ln>
+              <a:solidFill>
+                <a:schemeClr val="tx1"/>
+              </a:solidFill>
+            </a:ln>
+          </p:spPr>
+          <p:style>
+            <a:lnRef idx="2">
+              <a:schemeClr val="accent1"/>
+            </a:lnRef>
+            <a:fillRef idx="1">
+              <a:schemeClr val="lt1"/>
+            </a:fillRef>
+            <a:effectRef idx="0">
+              <a:schemeClr val="accent1"/>
+            </a:effectRef>
+            <a:fontRef idx="minor">
+              <a:schemeClr val="dk1"/>
+            </a:fontRef>
+          </p:style>
+          <p:txBody>
+            <a:bodyPr tIns="0" bIns="0" rtlCol="0" anchor="t"/>
+            <a:lstStyle/>
+            <a:p>
+              <a:pPr algn="ctr"/>
+              <a:endParaRPr kumimoji="1" lang="ja-JP" altLang="en-US" sz="1600" dirty="0"/>
+            </a:p>
+          </p:txBody>
+        </p:sp>
+        <p:sp>
+          <p:nvSpPr>
+            <p:cNvPr id="34" name="テキスト ボックス 33">
+              <a:extLst>
+                <a:ext uri="{FF2B5EF4-FFF2-40B4-BE49-F238E27FC236}">
+                  <a16:creationId xmlns:a16="http://schemas.microsoft.com/office/drawing/2014/main" id="{CFD44B76-E045-0DDD-2355-66C7DC3C04E0}"/>
+                </a:ext>
+              </a:extLst>
+            </p:cNvPr>
+            <p:cNvSpPr txBox="1"/>
+            <p:nvPr/>
+          </p:nvSpPr>
+          <p:spPr>
+            <a:xfrm>
+              <a:off x="8884549" y="5706536"/>
+              <a:ext cx="2972289" cy="369332"/>
+            </a:xfrm>
+            <a:prstGeom prst="rect">
+              <a:avLst/>
+            </a:prstGeom>
+            <a:noFill/>
+          </p:spPr>
+          <p:txBody>
+            <a:bodyPr wrap="none" rtlCol="0">
+              <a:spAutoFit/>
+            </a:bodyPr>
+            <a:lstStyle/>
+            <a:p>
+              <a:r>
+                <a:rPr kumimoji="1" lang="en-US" altLang="ja-JP" dirty="0"/>
+                <a:t>Enterprise Business Rules</a:t>
+              </a:r>
+              <a:endParaRPr kumimoji="1" lang="ja-JP" altLang="en-US" dirty="0"/>
+            </a:p>
+          </p:txBody>
+        </p:sp>
+      </p:grpSp>
+      <p:sp>
+        <p:nvSpPr>
+          <p:cNvPr id="35" name="正方形/長方形 34">
+            <a:extLst>
+              <a:ext uri="{FF2B5EF4-FFF2-40B4-BE49-F238E27FC236}">
+                <a16:creationId xmlns:a16="http://schemas.microsoft.com/office/drawing/2014/main" id="{333AED2D-2BFE-5B1A-909A-C1EB58A4D128}"/>
+              </a:ext>
+            </a:extLst>
+          </p:cNvPr>
+          <p:cNvSpPr/>
+          <p:nvPr/>
+        </p:nvSpPr>
+        <p:spPr>
+          <a:xfrm>
+            <a:off x="8531682" y="4356613"/>
+            <a:ext cx="355827" cy="388882"/>
+          </a:xfrm>
+          <a:prstGeom prst="rect">
+            <a:avLst/>
+          </a:prstGeom>
+          <a:solidFill>
+            <a:schemeClr val="accent4">
+              <a:lumMod val="40000"/>
+              <a:lumOff val="60000"/>
+            </a:schemeClr>
+          </a:solidFill>
+          <a:ln>
+            <a:solidFill>
+              <a:schemeClr val="tx1"/>
+            </a:solidFill>
+          </a:ln>
+        </p:spPr>
+        <p:style>
+          <a:lnRef idx="2">
+            <a:schemeClr val="accent1"/>
+          </a:lnRef>
+          <a:fillRef idx="1">
+            <a:schemeClr val="lt1"/>
+          </a:fillRef>
+          <a:effectRef idx="0">
+            <a:schemeClr val="accent1"/>
+          </a:effectRef>
+          <a:fontRef idx="minor">
+            <a:schemeClr val="dk1"/>
+          </a:fontRef>
+        </p:style>
+        <p:txBody>
+          <a:bodyPr tIns="0" bIns="0" rtlCol="0" anchor="t"/>
+          <a:lstStyle/>
+          <a:p>
+            <a:pPr algn="ctr"/>
+            <a:endParaRPr kumimoji="1" lang="ja-JP" altLang="en-US" sz="1600" dirty="0"/>
           </a:p>
         </p:txBody>
       </p:sp>
@@ -14407,10 +14931,10 @@
       </p:grpSpPr>
       <p:pic>
         <p:nvPicPr>
-          <p:cNvPr id="3" name="図 2">
-            <a:extLst>
-              <a:ext uri="{FF2B5EF4-FFF2-40B4-BE49-F238E27FC236}">
-                <a16:creationId xmlns:a16="http://schemas.microsoft.com/office/drawing/2014/main" id="{C98F1211-635B-073D-C618-9D605368976F}"/>
+          <p:cNvPr id="12" name="図 11">
+            <a:extLst>
+              <a:ext uri="{FF2B5EF4-FFF2-40B4-BE49-F238E27FC236}">
+                <a16:creationId xmlns:a16="http://schemas.microsoft.com/office/drawing/2014/main" id="{933DDE6E-D331-61B4-6209-A4EC7D73FBF5}"/>
               </a:ext>
             </a:extLst>
           </p:cNvPr>
@@ -14427,8 +14951,8 @@
         </p:blipFill>
         <p:spPr>
           <a:xfrm>
-            <a:off x="2136768" y="0"/>
-            <a:ext cx="7918464" cy="6858000"/>
+            <a:off x="187397" y="0"/>
+            <a:ext cx="11817206" cy="6858000"/>
           </a:xfrm>
           <a:prstGeom prst="rect">
             <a:avLst/>
@@ -14467,10 +14991,10 @@
       </p:grpSpPr>
       <p:pic>
         <p:nvPicPr>
-          <p:cNvPr id="3" name="図 2">
-            <a:extLst>
-              <a:ext uri="{FF2B5EF4-FFF2-40B4-BE49-F238E27FC236}">
-                <a16:creationId xmlns:a16="http://schemas.microsoft.com/office/drawing/2014/main" id="{E250558B-FC78-43AF-2D54-AAA45CB34921}"/>
+          <p:cNvPr id="8" name="図 7">
+            <a:extLst>
+              <a:ext uri="{FF2B5EF4-FFF2-40B4-BE49-F238E27FC236}">
+                <a16:creationId xmlns:a16="http://schemas.microsoft.com/office/drawing/2014/main" id="{6A36E27C-19C9-0739-B3A8-A198647C0183}"/>
               </a:ext>
             </a:extLst>
           </p:cNvPr>
@@ -14487,8 +15011,8 @@
         </p:blipFill>
         <p:spPr>
           <a:xfrm>
-            <a:off x="2136768" y="0"/>
-            <a:ext cx="7918464" cy="6858000"/>
+            <a:off x="275868" y="0"/>
+            <a:ext cx="11640263" cy="6858000"/>
           </a:xfrm>
           <a:prstGeom prst="rect">
             <a:avLst/>
@@ -15330,10 +15854,10 @@
       </p:cxnSp>
       <p:cxnSp>
         <p:nvCxnSpPr>
-          <p:cNvPr id="51" name="直線矢印コネクタ 50">
-            <a:extLst>
-              <a:ext uri="{FF2B5EF4-FFF2-40B4-BE49-F238E27FC236}">
-                <a16:creationId xmlns:a16="http://schemas.microsoft.com/office/drawing/2014/main" id="{54F2590F-F488-D918-3CFB-188B884ECA9C}"/>
+          <p:cNvPr id="2" name="直線矢印コネクタ 1">
+            <a:extLst>
+              <a:ext uri="{FF2B5EF4-FFF2-40B4-BE49-F238E27FC236}">
+                <a16:creationId xmlns:a16="http://schemas.microsoft.com/office/drawing/2014/main" id="{1D9B2AD3-5955-0255-6EAD-C6325B89B686}"/>
               </a:ext>
             </a:extLst>
           </p:cNvPr>
@@ -15344,7 +15868,7 @@
         </p:nvCxnSpPr>
         <p:spPr>
           <a:xfrm flipH="1">
-            <a:off x="7766685" y="5909134"/>
+            <a:off x="8187793" y="293547"/>
             <a:ext cx="543434" cy="0"/>
           </a:xfrm>
           <a:prstGeom prst="straightConnector1">
@@ -15375,10 +15899,10 @@
       </p:cxnSp>
       <p:cxnSp>
         <p:nvCxnSpPr>
-          <p:cNvPr id="52" name="直線矢印コネクタ 51">
-            <a:extLst>
-              <a:ext uri="{FF2B5EF4-FFF2-40B4-BE49-F238E27FC236}">
-                <a16:creationId xmlns:a16="http://schemas.microsoft.com/office/drawing/2014/main" id="{F9E374A4-8D6A-70BB-EB95-D94665C81C83}"/>
+          <p:cNvPr id="6" name="直線矢印コネクタ 5">
+            <a:extLst>
+              <a:ext uri="{FF2B5EF4-FFF2-40B4-BE49-F238E27FC236}">
+                <a16:creationId xmlns:a16="http://schemas.microsoft.com/office/drawing/2014/main" id="{200752DB-385E-816E-74F6-C86975CAB38A}"/>
               </a:ext>
             </a:extLst>
           </p:cNvPr>
@@ -15389,7 +15913,7 @@
         </p:nvCxnSpPr>
         <p:spPr>
           <a:xfrm flipH="1">
-            <a:off x="7766685" y="6230859"/>
+            <a:off x="8187793" y="615272"/>
             <a:ext cx="543434" cy="0"/>
           </a:xfrm>
           <a:prstGeom prst="straightConnector1">
@@ -15420,10 +15944,10 @@
       </p:cxnSp>
       <p:sp>
         <p:nvSpPr>
-          <p:cNvPr id="53" name="テキスト ボックス 52">
-            <a:extLst>
-              <a:ext uri="{FF2B5EF4-FFF2-40B4-BE49-F238E27FC236}">
-                <a16:creationId xmlns:a16="http://schemas.microsoft.com/office/drawing/2014/main" id="{69A1BF85-F52C-7E25-C9B2-FCAF6919D5A6}"/>
+          <p:cNvPr id="17" name="テキスト ボックス 16">
+            <a:extLst>
+              <a:ext uri="{FF2B5EF4-FFF2-40B4-BE49-F238E27FC236}">
+                <a16:creationId xmlns:a16="http://schemas.microsoft.com/office/drawing/2014/main" id="{02739AAC-0537-9316-337E-66D25B7948B5}"/>
               </a:ext>
             </a:extLst>
           </p:cNvPr>
@@ -15432,8 +15956,8 @@
         </p:nvSpPr>
         <p:spPr>
           <a:xfrm>
-            <a:off x="8310119" y="5739857"/>
-            <a:ext cx="1620957" cy="338554"/>
+            <a:off x="8731227" y="124270"/>
+            <a:ext cx="595035" cy="338554"/>
           </a:xfrm>
           <a:prstGeom prst="rect">
             <a:avLst/>
@@ -15448,17 +15972,17 @@
           <a:p>
             <a:r>
               <a:rPr kumimoji="1" lang="ja-JP" altLang="en-US" sz="1600" dirty="0"/>
-              <a:t>依存（呼出し）</a:t>
-            </a:r>
-          </a:p>
-        </p:txBody>
-      </p:sp>
-      <p:sp>
-        <p:nvSpPr>
-          <p:cNvPr id="54" name="テキスト ボックス 53">
-            <a:extLst>
-              <a:ext uri="{FF2B5EF4-FFF2-40B4-BE49-F238E27FC236}">
-                <a16:creationId xmlns:a16="http://schemas.microsoft.com/office/drawing/2014/main" id="{A7020AFC-B1BF-5887-1E08-89FA132D2BE1}"/>
+              <a:t>依存</a:t>
+            </a:r>
+          </a:p>
+        </p:txBody>
+      </p:sp>
+      <p:sp>
+        <p:nvSpPr>
+          <p:cNvPr id="18" name="テキスト ボックス 17">
+            <a:extLst>
+              <a:ext uri="{FF2B5EF4-FFF2-40B4-BE49-F238E27FC236}">
+                <a16:creationId xmlns:a16="http://schemas.microsoft.com/office/drawing/2014/main" id="{679DD35F-C7FD-3B3D-2ED1-3DDDA4D98BEE}"/>
               </a:ext>
             </a:extLst>
           </p:cNvPr>
@@ -15467,7 +15991,7 @@
         </p:nvSpPr>
         <p:spPr>
           <a:xfrm>
-            <a:off x="8310119" y="6069782"/>
+            <a:off x="8731227" y="454195"/>
             <a:ext cx="2441694" cy="338554"/>
           </a:xfrm>
           <a:prstGeom prst="rect">
@@ -15485,6 +16009,517 @@
               <a:rPr kumimoji="1" lang="ja-JP" altLang="en-US" sz="1600" dirty="0"/>
               <a:t>インターフェイスの実装</a:t>
             </a:r>
+          </a:p>
+        </p:txBody>
+      </p:sp>
+      <p:grpSp>
+        <p:nvGrpSpPr>
+          <p:cNvPr id="19" name="グループ化 18">
+            <a:extLst>
+              <a:ext uri="{FF2B5EF4-FFF2-40B4-BE49-F238E27FC236}">
+                <a16:creationId xmlns:a16="http://schemas.microsoft.com/office/drawing/2014/main" id="{143D6D13-7976-0FB1-5B4A-24D43E2EE711}"/>
+              </a:ext>
+            </a:extLst>
+          </p:cNvPr>
+          <p:cNvGrpSpPr/>
+          <p:nvPr/>
+        </p:nvGrpSpPr>
+        <p:grpSpPr>
+          <a:xfrm>
+            <a:off x="8202622" y="6111468"/>
+            <a:ext cx="3298772" cy="388882"/>
+            <a:chOff x="8200596" y="5696761"/>
+            <a:chExt cx="3298772" cy="388882"/>
+          </a:xfrm>
+        </p:grpSpPr>
+        <p:sp>
+          <p:nvSpPr>
+            <p:cNvPr id="20" name="正方形/長方形 19">
+              <a:extLst>
+                <a:ext uri="{FF2B5EF4-FFF2-40B4-BE49-F238E27FC236}">
+                  <a16:creationId xmlns:a16="http://schemas.microsoft.com/office/drawing/2014/main" id="{7C1CF807-4DAF-6649-3246-B8D61EC89C99}"/>
+                </a:ext>
+              </a:extLst>
+            </p:cNvPr>
+            <p:cNvSpPr/>
+            <p:nvPr/>
+          </p:nvSpPr>
+          <p:spPr>
+            <a:xfrm>
+              <a:off x="8200596" y="5696761"/>
+              <a:ext cx="683953" cy="388882"/>
+            </a:xfrm>
+            <a:prstGeom prst="rect">
+              <a:avLst/>
+            </a:prstGeom>
+            <a:solidFill>
+              <a:schemeClr val="accent1">
+                <a:lumMod val="20000"/>
+                <a:lumOff val="80000"/>
+              </a:schemeClr>
+            </a:solidFill>
+            <a:ln>
+              <a:solidFill>
+                <a:schemeClr val="tx1"/>
+              </a:solidFill>
+            </a:ln>
+          </p:spPr>
+          <p:style>
+            <a:lnRef idx="2">
+              <a:schemeClr val="accent1"/>
+            </a:lnRef>
+            <a:fillRef idx="1">
+              <a:schemeClr val="lt1"/>
+            </a:fillRef>
+            <a:effectRef idx="0">
+              <a:schemeClr val="accent1"/>
+            </a:effectRef>
+            <a:fontRef idx="minor">
+              <a:schemeClr val="dk1"/>
+            </a:fontRef>
+          </p:style>
+          <p:txBody>
+            <a:bodyPr tIns="0" bIns="0" rtlCol="0" anchor="t"/>
+            <a:lstStyle/>
+            <a:p>
+              <a:pPr algn="ctr"/>
+              <a:endParaRPr kumimoji="1" lang="ja-JP" altLang="en-US" sz="1600" dirty="0"/>
+            </a:p>
+          </p:txBody>
+        </p:sp>
+        <p:sp>
+          <p:nvSpPr>
+            <p:cNvPr id="21" name="テキスト ボックス 20">
+              <a:extLst>
+                <a:ext uri="{FF2B5EF4-FFF2-40B4-BE49-F238E27FC236}">
+                  <a16:creationId xmlns:a16="http://schemas.microsoft.com/office/drawing/2014/main" id="{54AAF935-99E0-3F3E-CE77-DA03FA08B43F}"/>
+                </a:ext>
+              </a:extLst>
+            </p:cNvPr>
+            <p:cNvSpPr txBox="1"/>
+            <p:nvPr/>
+          </p:nvSpPr>
+          <p:spPr>
+            <a:xfrm>
+              <a:off x="8884549" y="5706536"/>
+              <a:ext cx="2614819" cy="369332"/>
+            </a:xfrm>
+            <a:prstGeom prst="rect">
+              <a:avLst/>
+            </a:prstGeom>
+            <a:noFill/>
+          </p:spPr>
+          <p:txBody>
+            <a:bodyPr wrap="none" rtlCol="0">
+              <a:spAutoFit/>
+            </a:bodyPr>
+            <a:lstStyle/>
+            <a:p>
+              <a:r>
+                <a:rPr kumimoji="1" lang="en-US" altLang="ja-JP" dirty="0"/>
+                <a:t>Frameworks</a:t>
+              </a:r>
+              <a:r>
+                <a:rPr kumimoji="1" lang="ja-JP" altLang="en-US" dirty="0"/>
+                <a:t> ＆ </a:t>
+              </a:r>
+              <a:r>
+                <a:rPr kumimoji="1" lang="en-US" altLang="ja-JP" dirty="0"/>
+                <a:t>Drivers</a:t>
+              </a:r>
+              <a:endParaRPr kumimoji="1" lang="ja-JP" altLang="en-US" dirty="0"/>
+            </a:p>
+          </p:txBody>
+        </p:sp>
+      </p:grpSp>
+      <p:grpSp>
+        <p:nvGrpSpPr>
+          <p:cNvPr id="22" name="グループ化 21">
+            <a:extLst>
+              <a:ext uri="{FF2B5EF4-FFF2-40B4-BE49-F238E27FC236}">
+                <a16:creationId xmlns:a16="http://schemas.microsoft.com/office/drawing/2014/main" id="{067AA25D-64B6-63BD-35ED-8D1D6CE8EAF4}"/>
+              </a:ext>
+            </a:extLst>
+          </p:cNvPr>
+          <p:cNvGrpSpPr/>
+          <p:nvPr/>
+        </p:nvGrpSpPr>
+        <p:grpSpPr>
+          <a:xfrm>
+            <a:off x="8209421" y="5533033"/>
+            <a:ext cx="3346861" cy="388882"/>
+            <a:chOff x="8200596" y="5696761"/>
+            <a:chExt cx="3346861" cy="388882"/>
+          </a:xfrm>
+        </p:grpSpPr>
+        <p:sp>
+          <p:nvSpPr>
+            <p:cNvPr id="23" name="正方形/長方形 22">
+              <a:extLst>
+                <a:ext uri="{FF2B5EF4-FFF2-40B4-BE49-F238E27FC236}">
+                  <a16:creationId xmlns:a16="http://schemas.microsoft.com/office/drawing/2014/main" id="{D7DBFDDF-7431-1A7E-0465-E34102A2FE87}"/>
+                </a:ext>
+              </a:extLst>
+            </p:cNvPr>
+            <p:cNvSpPr/>
+            <p:nvPr/>
+          </p:nvSpPr>
+          <p:spPr>
+            <a:xfrm>
+              <a:off x="8200596" y="5696761"/>
+              <a:ext cx="683953" cy="388882"/>
+            </a:xfrm>
+            <a:prstGeom prst="rect">
+              <a:avLst/>
+            </a:prstGeom>
+            <a:solidFill>
+              <a:schemeClr val="accent6">
+                <a:lumMod val="20000"/>
+                <a:lumOff val="80000"/>
+              </a:schemeClr>
+            </a:solidFill>
+            <a:ln>
+              <a:solidFill>
+                <a:schemeClr val="tx1"/>
+              </a:solidFill>
+            </a:ln>
+          </p:spPr>
+          <p:style>
+            <a:lnRef idx="2">
+              <a:schemeClr val="accent1"/>
+            </a:lnRef>
+            <a:fillRef idx="1">
+              <a:schemeClr val="lt1"/>
+            </a:fillRef>
+            <a:effectRef idx="0">
+              <a:schemeClr val="accent1"/>
+            </a:effectRef>
+            <a:fontRef idx="minor">
+              <a:schemeClr val="dk1"/>
+            </a:fontRef>
+          </p:style>
+          <p:txBody>
+            <a:bodyPr tIns="0" bIns="0" rtlCol="0" anchor="t"/>
+            <a:lstStyle/>
+            <a:p>
+              <a:pPr algn="ctr"/>
+              <a:endParaRPr kumimoji="1" lang="ja-JP" altLang="en-US" sz="1600" dirty="0"/>
+            </a:p>
+          </p:txBody>
+        </p:sp>
+        <p:sp>
+          <p:nvSpPr>
+            <p:cNvPr id="24" name="テキスト ボックス 23">
+              <a:extLst>
+                <a:ext uri="{FF2B5EF4-FFF2-40B4-BE49-F238E27FC236}">
+                  <a16:creationId xmlns:a16="http://schemas.microsoft.com/office/drawing/2014/main" id="{D2D227C2-0B8A-14CA-F946-3079B389AB10}"/>
+                </a:ext>
+              </a:extLst>
+            </p:cNvPr>
+            <p:cNvSpPr txBox="1"/>
+            <p:nvPr/>
+          </p:nvSpPr>
+          <p:spPr>
+            <a:xfrm>
+              <a:off x="8884549" y="5706536"/>
+              <a:ext cx="2662908" cy="369332"/>
+            </a:xfrm>
+            <a:prstGeom prst="rect">
+              <a:avLst/>
+            </a:prstGeom>
+            <a:noFill/>
+          </p:spPr>
+          <p:txBody>
+            <a:bodyPr wrap="none" rtlCol="0">
+              <a:spAutoFit/>
+            </a:bodyPr>
+            <a:lstStyle/>
+            <a:p>
+              <a:r>
+                <a:rPr kumimoji="1" lang="en-US" altLang="ja-JP" dirty="0"/>
+                <a:t>Infrastructure Adapters</a:t>
+              </a:r>
+              <a:endParaRPr kumimoji="1" lang="ja-JP" altLang="en-US" dirty="0"/>
+            </a:p>
+          </p:txBody>
+        </p:sp>
+      </p:grpSp>
+      <p:grpSp>
+        <p:nvGrpSpPr>
+          <p:cNvPr id="25" name="グループ化 24">
+            <a:extLst>
+              <a:ext uri="{FF2B5EF4-FFF2-40B4-BE49-F238E27FC236}">
+                <a16:creationId xmlns:a16="http://schemas.microsoft.com/office/drawing/2014/main" id="{9225EAFB-7951-5B55-40CC-F2AEF91B383E}"/>
+              </a:ext>
+            </a:extLst>
+          </p:cNvPr>
+          <p:cNvGrpSpPr/>
+          <p:nvPr/>
+        </p:nvGrpSpPr>
+        <p:grpSpPr>
+          <a:xfrm>
+            <a:off x="8202622" y="4954598"/>
+            <a:ext cx="3755628" cy="388882"/>
+            <a:chOff x="8200596" y="5696761"/>
+            <a:chExt cx="3755628" cy="388882"/>
+          </a:xfrm>
+        </p:grpSpPr>
+        <p:sp>
+          <p:nvSpPr>
+            <p:cNvPr id="26" name="正方形/長方形 25">
+              <a:extLst>
+                <a:ext uri="{FF2B5EF4-FFF2-40B4-BE49-F238E27FC236}">
+                  <a16:creationId xmlns:a16="http://schemas.microsoft.com/office/drawing/2014/main" id="{ACF72B8C-0B43-01C5-D62E-C5AB4E75796D}"/>
+                </a:ext>
+              </a:extLst>
+            </p:cNvPr>
+            <p:cNvSpPr/>
+            <p:nvPr/>
+          </p:nvSpPr>
+          <p:spPr>
+            <a:xfrm>
+              <a:off x="8200596" y="5696761"/>
+              <a:ext cx="683953" cy="388882"/>
+            </a:xfrm>
+            <a:prstGeom prst="rect">
+              <a:avLst/>
+            </a:prstGeom>
+            <a:solidFill>
+              <a:schemeClr val="accent2">
+                <a:lumMod val="20000"/>
+                <a:lumOff val="80000"/>
+              </a:schemeClr>
+            </a:solidFill>
+            <a:ln>
+              <a:solidFill>
+                <a:schemeClr val="tx1"/>
+              </a:solidFill>
+            </a:ln>
+          </p:spPr>
+          <p:style>
+            <a:lnRef idx="2">
+              <a:schemeClr val="accent1"/>
+            </a:lnRef>
+            <a:fillRef idx="1">
+              <a:schemeClr val="lt1"/>
+            </a:fillRef>
+            <a:effectRef idx="0">
+              <a:schemeClr val="accent1"/>
+            </a:effectRef>
+            <a:fontRef idx="minor">
+              <a:schemeClr val="dk1"/>
+            </a:fontRef>
+          </p:style>
+          <p:txBody>
+            <a:bodyPr tIns="0" bIns="0" rtlCol="0" anchor="t"/>
+            <a:lstStyle/>
+            <a:p>
+              <a:pPr algn="ctr"/>
+              <a:endParaRPr kumimoji="1" lang="ja-JP" altLang="en-US" sz="1600" dirty="0"/>
+            </a:p>
+          </p:txBody>
+        </p:sp>
+        <p:sp>
+          <p:nvSpPr>
+            <p:cNvPr id="27" name="テキスト ボックス 26">
+              <a:extLst>
+                <a:ext uri="{FF2B5EF4-FFF2-40B4-BE49-F238E27FC236}">
+                  <a16:creationId xmlns:a16="http://schemas.microsoft.com/office/drawing/2014/main" id="{C82123E2-72AF-C86F-8005-3E552BB63494}"/>
+                </a:ext>
+              </a:extLst>
+            </p:cNvPr>
+            <p:cNvSpPr txBox="1"/>
+            <p:nvPr/>
+          </p:nvSpPr>
+          <p:spPr>
+            <a:xfrm>
+              <a:off x="8884549" y="5706536"/>
+              <a:ext cx="3071675" cy="369332"/>
+            </a:xfrm>
+            <a:prstGeom prst="rect">
+              <a:avLst/>
+            </a:prstGeom>
+            <a:noFill/>
+          </p:spPr>
+          <p:txBody>
+            <a:bodyPr wrap="none" rtlCol="0">
+              <a:spAutoFit/>
+            </a:bodyPr>
+            <a:lstStyle/>
+            <a:p>
+              <a:r>
+                <a:rPr kumimoji="1" lang="en-US" altLang="ja-JP" dirty="0"/>
+                <a:t>Application Business Rules</a:t>
+              </a:r>
+              <a:endParaRPr kumimoji="1" lang="ja-JP" altLang="en-US" dirty="0"/>
+            </a:p>
+          </p:txBody>
+        </p:sp>
+      </p:grpSp>
+      <p:grpSp>
+        <p:nvGrpSpPr>
+          <p:cNvPr id="28" name="グループ化 27">
+            <a:extLst>
+              <a:ext uri="{FF2B5EF4-FFF2-40B4-BE49-F238E27FC236}">
+                <a16:creationId xmlns:a16="http://schemas.microsoft.com/office/drawing/2014/main" id="{94CBB834-F906-A1E0-3856-0F8FA6E60E15}"/>
+              </a:ext>
+            </a:extLst>
+          </p:cNvPr>
+          <p:cNvGrpSpPr/>
+          <p:nvPr/>
+        </p:nvGrpSpPr>
+        <p:grpSpPr>
+          <a:xfrm>
+            <a:off x="8202622" y="4356613"/>
+            <a:ext cx="3656242" cy="388882"/>
+            <a:chOff x="8200596" y="5696761"/>
+            <a:chExt cx="3656242" cy="388882"/>
+          </a:xfrm>
+        </p:grpSpPr>
+        <p:sp>
+          <p:nvSpPr>
+            <p:cNvPr id="29" name="正方形/長方形 28">
+              <a:extLst>
+                <a:ext uri="{FF2B5EF4-FFF2-40B4-BE49-F238E27FC236}">
+                  <a16:creationId xmlns:a16="http://schemas.microsoft.com/office/drawing/2014/main" id="{518D5DD0-4F6A-D850-9907-59B468801B16}"/>
+                </a:ext>
+              </a:extLst>
+            </p:cNvPr>
+            <p:cNvSpPr/>
+            <p:nvPr/>
+          </p:nvSpPr>
+          <p:spPr>
+            <a:xfrm>
+              <a:off x="8200596" y="5696761"/>
+              <a:ext cx="683953" cy="388882"/>
+            </a:xfrm>
+            <a:prstGeom prst="rect">
+              <a:avLst/>
+            </a:prstGeom>
+            <a:solidFill>
+              <a:schemeClr val="accent2">
+                <a:lumMod val="20000"/>
+                <a:lumOff val="80000"/>
+              </a:schemeClr>
+            </a:solidFill>
+            <a:ln>
+              <a:solidFill>
+                <a:schemeClr val="tx1"/>
+              </a:solidFill>
+            </a:ln>
+          </p:spPr>
+          <p:style>
+            <a:lnRef idx="2">
+              <a:schemeClr val="accent1"/>
+            </a:lnRef>
+            <a:fillRef idx="1">
+              <a:schemeClr val="lt1"/>
+            </a:fillRef>
+            <a:effectRef idx="0">
+              <a:schemeClr val="accent1"/>
+            </a:effectRef>
+            <a:fontRef idx="minor">
+              <a:schemeClr val="dk1"/>
+            </a:fontRef>
+          </p:style>
+          <p:txBody>
+            <a:bodyPr tIns="0" bIns="0" rtlCol="0" anchor="t"/>
+            <a:lstStyle/>
+            <a:p>
+              <a:pPr algn="ctr"/>
+              <a:endParaRPr kumimoji="1" lang="ja-JP" altLang="en-US" sz="1600" dirty="0"/>
+            </a:p>
+          </p:txBody>
+        </p:sp>
+        <p:sp>
+          <p:nvSpPr>
+            <p:cNvPr id="34" name="テキスト ボックス 33">
+              <a:extLst>
+                <a:ext uri="{FF2B5EF4-FFF2-40B4-BE49-F238E27FC236}">
+                  <a16:creationId xmlns:a16="http://schemas.microsoft.com/office/drawing/2014/main" id="{968EB53F-0F98-6A1D-DFD1-D4620DC8CA10}"/>
+                </a:ext>
+              </a:extLst>
+            </p:cNvPr>
+            <p:cNvSpPr txBox="1"/>
+            <p:nvPr/>
+          </p:nvSpPr>
+          <p:spPr>
+            <a:xfrm>
+              <a:off x="8884549" y="5706536"/>
+              <a:ext cx="2972289" cy="369332"/>
+            </a:xfrm>
+            <a:prstGeom prst="rect">
+              <a:avLst/>
+            </a:prstGeom>
+            <a:noFill/>
+          </p:spPr>
+          <p:txBody>
+            <a:bodyPr wrap="none" rtlCol="0">
+              <a:spAutoFit/>
+            </a:bodyPr>
+            <a:lstStyle/>
+            <a:p>
+              <a:r>
+                <a:rPr kumimoji="1" lang="en-US" altLang="ja-JP" dirty="0"/>
+                <a:t>Enterprise Business Rules</a:t>
+              </a:r>
+              <a:endParaRPr kumimoji="1" lang="ja-JP" altLang="en-US" dirty="0"/>
+            </a:p>
+          </p:txBody>
+        </p:sp>
+      </p:grpSp>
+      <p:sp>
+        <p:nvSpPr>
+          <p:cNvPr id="35" name="正方形/長方形 34">
+            <a:extLst>
+              <a:ext uri="{FF2B5EF4-FFF2-40B4-BE49-F238E27FC236}">
+                <a16:creationId xmlns:a16="http://schemas.microsoft.com/office/drawing/2014/main" id="{960ED00A-55A3-561B-0024-69CBFE31B2B7}"/>
+              </a:ext>
+            </a:extLst>
+          </p:cNvPr>
+          <p:cNvSpPr/>
+          <p:nvPr/>
+        </p:nvSpPr>
+        <p:spPr>
+          <a:xfrm>
+            <a:off x="8531682" y="4356613"/>
+            <a:ext cx="355827" cy="388882"/>
+          </a:xfrm>
+          <a:prstGeom prst="rect">
+            <a:avLst/>
+          </a:prstGeom>
+          <a:solidFill>
+            <a:schemeClr val="accent4">
+              <a:lumMod val="40000"/>
+              <a:lumOff val="60000"/>
+            </a:schemeClr>
+          </a:solidFill>
+          <a:ln>
+            <a:solidFill>
+              <a:schemeClr val="tx1"/>
+            </a:solidFill>
+          </a:ln>
+        </p:spPr>
+        <p:style>
+          <a:lnRef idx="2">
+            <a:schemeClr val="accent1"/>
+          </a:lnRef>
+          <a:fillRef idx="1">
+            <a:schemeClr val="lt1"/>
+          </a:fillRef>
+          <a:effectRef idx="0">
+            <a:schemeClr val="accent1"/>
+          </a:effectRef>
+          <a:fontRef idx="minor">
+            <a:schemeClr val="dk1"/>
+          </a:fontRef>
+        </p:style>
+        <p:txBody>
+          <a:bodyPr tIns="0" bIns="0" rtlCol="0" anchor="t"/>
+          <a:lstStyle/>
+          <a:p>
+            <a:pPr algn="ctr"/>
+            <a:endParaRPr kumimoji="1" lang="ja-JP" altLang="en-US" sz="1600" dirty="0"/>
           </a:p>
         </p:txBody>
       </p:sp>
@@ -15492,6 +16527,5681 @@
     <p:extLst>
       <p:ext uri="{BB962C8B-B14F-4D97-AF65-F5344CB8AC3E}">
         <p14:creationId xmlns:p14="http://schemas.microsoft.com/office/powerpoint/2010/main" val="1810810501"/>
+      </p:ext>
+    </p:extLst>
+  </p:cSld>
+  <p:clrMapOvr>
+    <a:masterClrMapping/>
+  </p:clrMapOvr>
+</p:sld>
+</file>
+
+<file path=ppt/slides/slide24.xml><?xml version="1.0" encoding="utf-8"?>
+<p:sld xmlns:a="http://schemas.openxmlformats.org/drawingml/2006/main" xmlns:r="http://schemas.openxmlformats.org/officeDocument/2006/relationships" xmlns:p="http://schemas.openxmlformats.org/presentationml/2006/main">
+  <p:cSld>
+    <p:spTree>
+      <p:nvGrpSpPr>
+        <p:cNvPr id="1" name=""/>
+        <p:cNvGrpSpPr/>
+        <p:nvPr/>
+      </p:nvGrpSpPr>
+      <p:grpSpPr>
+        <a:xfrm>
+          <a:off x="0" y="0"/>
+          <a:ext cx="0" cy="0"/>
+          <a:chOff x="0" y="0"/>
+          <a:chExt cx="0" cy="0"/>
+        </a:xfrm>
+      </p:grpSpPr>
+      <p:pic>
+        <p:nvPicPr>
+          <p:cNvPr id="4" name="図 3">
+            <a:extLst>
+              <a:ext uri="{FF2B5EF4-FFF2-40B4-BE49-F238E27FC236}">
+                <a16:creationId xmlns:a16="http://schemas.microsoft.com/office/drawing/2014/main" id="{63842516-3A63-37E2-68BA-7CBF175F2749}"/>
+              </a:ext>
+            </a:extLst>
+          </p:cNvPr>
+          <p:cNvPicPr>
+            <a:picLocks noChangeAspect="1"/>
+          </p:cNvPicPr>
+          <p:nvPr/>
+        </p:nvPicPr>
+        <p:blipFill>
+          <a:blip r:embed="rId2"/>
+          <a:stretch>
+            <a:fillRect/>
+          </a:stretch>
+        </p:blipFill>
+        <p:spPr>
+          <a:xfrm>
+            <a:off x="2508737" y="-11343"/>
+            <a:ext cx="7158893" cy="6865696"/>
+          </a:xfrm>
+          <a:prstGeom prst="rect">
+            <a:avLst/>
+          </a:prstGeom>
+        </p:spPr>
+      </p:pic>
+    </p:spTree>
+    <p:extLst>
+      <p:ext uri="{BB962C8B-B14F-4D97-AF65-F5344CB8AC3E}">
+        <p14:creationId xmlns:p14="http://schemas.microsoft.com/office/powerpoint/2010/main" val="2265065647"/>
+      </p:ext>
+    </p:extLst>
+  </p:cSld>
+  <p:clrMapOvr>
+    <a:masterClrMapping/>
+  </p:clrMapOvr>
+</p:sld>
+</file>
+
+<file path=ppt/slides/slide25.xml><?xml version="1.0" encoding="utf-8"?>
+<p:sld xmlns:a="http://schemas.openxmlformats.org/drawingml/2006/main" xmlns:r="http://schemas.openxmlformats.org/officeDocument/2006/relationships" xmlns:p="http://schemas.openxmlformats.org/presentationml/2006/main">
+  <p:cSld>
+    <p:spTree>
+      <p:nvGrpSpPr>
+        <p:cNvPr id="1" name=""/>
+        <p:cNvGrpSpPr/>
+        <p:nvPr/>
+      </p:nvGrpSpPr>
+      <p:grpSpPr>
+        <a:xfrm>
+          <a:off x="0" y="0"/>
+          <a:ext cx="0" cy="0"/>
+          <a:chOff x="0" y="0"/>
+          <a:chExt cx="0" cy="0"/>
+        </a:xfrm>
+      </p:grpSpPr>
+      <p:sp>
+        <p:nvSpPr>
+          <p:cNvPr id="11" name="楕円 10">
+            <a:extLst>
+              <a:ext uri="{FF2B5EF4-FFF2-40B4-BE49-F238E27FC236}">
+                <a16:creationId xmlns:a16="http://schemas.microsoft.com/office/drawing/2014/main" id="{61F6DF7D-A748-EE48-3EDD-9DD5FF2C9BD6}"/>
+              </a:ext>
+            </a:extLst>
+          </p:cNvPr>
+          <p:cNvSpPr/>
+          <p:nvPr/>
+        </p:nvSpPr>
+        <p:spPr>
+          <a:xfrm>
+            <a:off x="1150620" y="72390"/>
+            <a:ext cx="6713220" cy="6713220"/>
+          </a:xfrm>
+          <a:prstGeom prst="ellipse">
+            <a:avLst/>
+          </a:prstGeom>
+          <a:solidFill>
+            <a:schemeClr val="accent1">
+              <a:lumMod val="20000"/>
+              <a:lumOff val="80000"/>
+            </a:schemeClr>
+          </a:solidFill>
+          <a:ln>
+            <a:solidFill>
+              <a:schemeClr val="tx1"/>
+            </a:solidFill>
+          </a:ln>
+        </p:spPr>
+        <p:style>
+          <a:lnRef idx="2">
+            <a:schemeClr val="accent1"/>
+          </a:lnRef>
+          <a:fillRef idx="1">
+            <a:schemeClr val="lt1"/>
+          </a:fillRef>
+          <a:effectRef idx="0">
+            <a:schemeClr val="accent1"/>
+          </a:effectRef>
+          <a:fontRef idx="minor">
+            <a:schemeClr val="dk1"/>
+          </a:fontRef>
+        </p:style>
+        <p:txBody>
+          <a:bodyPr tIns="0" bIns="0" rtlCol="0" anchor="t"/>
+          <a:lstStyle/>
+          <a:p>
+            <a:pPr algn="ctr"/>
+            <a:endParaRPr kumimoji="1" lang="ja-JP" altLang="en-US" sz="1600" dirty="0"/>
+          </a:p>
+        </p:txBody>
+      </p:sp>
+      <p:sp>
+        <p:nvSpPr>
+          <p:cNvPr id="5" name="楕円 4">
+            <a:extLst>
+              <a:ext uri="{FF2B5EF4-FFF2-40B4-BE49-F238E27FC236}">
+                <a16:creationId xmlns:a16="http://schemas.microsoft.com/office/drawing/2014/main" id="{D8B52D55-1ACB-79D8-60DE-A16C4075EF0A}"/>
+              </a:ext>
+            </a:extLst>
+          </p:cNvPr>
+          <p:cNvSpPr/>
+          <p:nvPr/>
+        </p:nvSpPr>
+        <p:spPr>
+          <a:xfrm>
+            <a:off x="1847850" y="772357"/>
+            <a:ext cx="5318760" cy="5313286"/>
+          </a:xfrm>
+          <a:prstGeom prst="ellipse">
+            <a:avLst/>
+          </a:prstGeom>
+          <a:solidFill>
+            <a:schemeClr val="accent6">
+              <a:lumMod val="20000"/>
+              <a:lumOff val="80000"/>
+            </a:schemeClr>
+          </a:solidFill>
+          <a:ln>
+            <a:solidFill>
+              <a:schemeClr val="tx1"/>
+            </a:solidFill>
+          </a:ln>
+        </p:spPr>
+        <p:style>
+          <a:lnRef idx="2">
+            <a:schemeClr val="accent1"/>
+          </a:lnRef>
+          <a:fillRef idx="1">
+            <a:schemeClr val="lt1"/>
+          </a:fillRef>
+          <a:effectRef idx="0">
+            <a:schemeClr val="accent1"/>
+          </a:effectRef>
+          <a:fontRef idx="minor">
+            <a:schemeClr val="dk1"/>
+          </a:fontRef>
+        </p:style>
+        <p:txBody>
+          <a:bodyPr tIns="0" bIns="0" rtlCol="0" anchor="t"/>
+          <a:lstStyle/>
+          <a:p>
+            <a:pPr algn="ctr"/>
+            <a:endParaRPr kumimoji="1" lang="ja-JP" altLang="en-US" sz="1600" dirty="0"/>
+          </a:p>
+        </p:txBody>
+      </p:sp>
+      <p:sp>
+        <p:nvSpPr>
+          <p:cNvPr id="3" name="楕円 2">
+            <a:extLst>
+              <a:ext uri="{FF2B5EF4-FFF2-40B4-BE49-F238E27FC236}">
+                <a16:creationId xmlns:a16="http://schemas.microsoft.com/office/drawing/2014/main" id="{FD5F7EEE-98CD-3F37-082F-E28F6540080E}"/>
+              </a:ext>
+            </a:extLst>
+          </p:cNvPr>
+          <p:cNvSpPr/>
+          <p:nvPr/>
+        </p:nvSpPr>
+        <p:spPr>
+          <a:xfrm>
+            <a:off x="3150870" y="2072640"/>
+            <a:ext cx="2712720" cy="2712720"/>
+          </a:xfrm>
+          <a:prstGeom prst="ellipse">
+            <a:avLst/>
+          </a:prstGeom>
+          <a:solidFill>
+            <a:schemeClr val="accent4">
+              <a:lumMod val="20000"/>
+              <a:lumOff val="80000"/>
+            </a:schemeClr>
+          </a:solidFill>
+          <a:ln>
+            <a:solidFill>
+              <a:schemeClr val="tx1"/>
+            </a:solidFill>
+          </a:ln>
+        </p:spPr>
+        <p:style>
+          <a:lnRef idx="2">
+            <a:schemeClr val="accent1"/>
+          </a:lnRef>
+          <a:fillRef idx="1">
+            <a:schemeClr val="lt1"/>
+          </a:fillRef>
+          <a:effectRef idx="0">
+            <a:schemeClr val="accent1"/>
+          </a:effectRef>
+          <a:fontRef idx="minor">
+            <a:schemeClr val="dk1"/>
+          </a:fontRef>
+        </p:style>
+        <p:txBody>
+          <a:bodyPr tIns="0" bIns="0" rtlCol="0" anchor="t"/>
+          <a:lstStyle/>
+          <a:p>
+            <a:pPr algn="ctr"/>
+            <a:endParaRPr kumimoji="1" lang="ja-JP" altLang="en-US" sz="1600" dirty="0"/>
+          </a:p>
+        </p:txBody>
+      </p:sp>
+      <p:sp>
+        <p:nvSpPr>
+          <p:cNvPr id="9" name="テキスト ボックス 8">
+            <a:extLst>
+              <a:ext uri="{FF2B5EF4-FFF2-40B4-BE49-F238E27FC236}">
+                <a16:creationId xmlns:a16="http://schemas.microsoft.com/office/drawing/2014/main" id="{4AA4408E-BAFB-5176-6604-E8A23E3A94FF}"/>
+              </a:ext>
+            </a:extLst>
+          </p:cNvPr>
+          <p:cNvSpPr txBox="1"/>
+          <p:nvPr/>
+        </p:nvSpPr>
+        <p:spPr>
+          <a:xfrm rot="2860399">
+            <a:off x="1293085" y="5300660"/>
+            <a:ext cx="2170787" cy="369332"/>
+          </a:xfrm>
+          <a:prstGeom prst="rect">
+            <a:avLst/>
+          </a:prstGeom>
+          <a:noFill/>
+        </p:spPr>
+        <p:txBody>
+          <a:bodyPr wrap="none" rtlCol="0">
+            <a:spAutoFit/>
+          </a:bodyPr>
+          <a:lstStyle/>
+          <a:p>
+            <a:pPr algn="ctr"/>
+            <a:r>
+              <a:rPr kumimoji="1" lang="en-US" altLang="ja-JP" dirty="0"/>
+              <a:t>DB</a:t>
+            </a:r>
+            <a:r>
+              <a:rPr kumimoji="1" lang="ja-JP" altLang="en-US" dirty="0"/>
+              <a:t>（</a:t>
+            </a:r>
+            <a:r>
+              <a:rPr kumimoji="1" lang="en-US" altLang="ja-JP" dirty="0"/>
+              <a:t>SQL</a:t>
+            </a:r>
+            <a:r>
+              <a:rPr kumimoji="1" lang="ja-JP" altLang="en-US" dirty="0"/>
+              <a:t> </a:t>
+            </a:r>
+            <a:r>
+              <a:rPr kumimoji="1" lang="en-US" altLang="ja-JP" dirty="0"/>
+              <a:t>Server</a:t>
+            </a:r>
+            <a:r>
+              <a:rPr kumimoji="1" lang="ja-JP" altLang="en-US" dirty="0"/>
+              <a:t>）</a:t>
+            </a:r>
+          </a:p>
+        </p:txBody>
+      </p:sp>
+      <p:cxnSp>
+        <p:nvCxnSpPr>
+          <p:cNvPr id="33" name="直線矢印コネクタ 32">
+            <a:extLst>
+              <a:ext uri="{FF2B5EF4-FFF2-40B4-BE49-F238E27FC236}">
+                <a16:creationId xmlns:a16="http://schemas.microsoft.com/office/drawing/2014/main" id="{F14900EF-3AF4-F268-B2C6-1188474FF171}"/>
+              </a:ext>
+            </a:extLst>
+          </p:cNvPr>
+          <p:cNvCxnSpPr>
+            <a:cxnSpLocks/>
+            <a:stCxn id="31" idx="0"/>
+          </p:cNvCxnSpPr>
+          <p:nvPr/>
+        </p:nvCxnSpPr>
+        <p:spPr>
+          <a:xfrm flipV="1">
+            <a:off x="2982510" y="3872026"/>
+            <a:ext cx="960583" cy="841287"/>
+          </a:xfrm>
+          <a:prstGeom prst="straightConnector1">
+            <a:avLst/>
+          </a:prstGeom>
+          <a:ln w="12700">
+            <a:solidFill>
+              <a:srgbClr val="FF0000"/>
+            </a:solidFill>
+            <a:prstDash val="solid"/>
+            <a:tailEnd type="triangle" w="lg" len="lg"/>
+          </a:ln>
+        </p:spPr>
+        <p:style>
+          <a:lnRef idx="1">
+            <a:schemeClr val="dk1"/>
+          </a:lnRef>
+          <a:fillRef idx="0">
+            <a:schemeClr val="dk1"/>
+          </a:fillRef>
+          <a:effectRef idx="0">
+            <a:schemeClr val="dk1"/>
+          </a:effectRef>
+          <a:fontRef idx="minor">
+            <a:schemeClr val="tx1"/>
+          </a:fontRef>
+        </p:style>
+      </p:cxnSp>
+      <p:cxnSp>
+        <p:nvCxnSpPr>
+          <p:cNvPr id="2" name="直線矢印コネクタ 1">
+            <a:extLst>
+              <a:ext uri="{FF2B5EF4-FFF2-40B4-BE49-F238E27FC236}">
+                <a16:creationId xmlns:a16="http://schemas.microsoft.com/office/drawing/2014/main" id="{1D9B2AD3-5955-0255-6EAD-C6325B89B686}"/>
+              </a:ext>
+            </a:extLst>
+          </p:cNvPr>
+          <p:cNvCxnSpPr>
+            <a:cxnSpLocks/>
+          </p:cNvCxnSpPr>
+          <p:nvPr/>
+        </p:nvCxnSpPr>
+        <p:spPr>
+          <a:xfrm flipH="1">
+            <a:off x="8187793" y="293547"/>
+            <a:ext cx="543434" cy="0"/>
+          </a:xfrm>
+          <a:prstGeom prst="straightConnector1">
+            <a:avLst/>
+          </a:prstGeom>
+          <a:ln w="12700">
+            <a:solidFill>
+              <a:srgbClr val="FF0000"/>
+            </a:solidFill>
+            <a:prstDash val="dash"/>
+            <a:tailEnd type="triangle" w="lg" len="lg"/>
+          </a:ln>
+        </p:spPr>
+        <p:style>
+          <a:lnRef idx="1">
+            <a:schemeClr val="dk1"/>
+          </a:lnRef>
+          <a:fillRef idx="0">
+            <a:schemeClr val="dk1"/>
+          </a:fillRef>
+          <a:effectRef idx="0">
+            <a:schemeClr val="dk1"/>
+          </a:effectRef>
+          <a:fontRef idx="minor">
+            <a:schemeClr val="tx1"/>
+          </a:fontRef>
+        </p:style>
+      </p:cxnSp>
+      <p:cxnSp>
+        <p:nvCxnSpPr>
+          <p:cNvPr id="6" name="直線矢印コネクタ 5">
+            <a:extLst>
+              <a:ext uri="{FF2B5EF4-FFF2-40B4-BE49-F238E27FC236}">
+                <a16:creationId xmlns:a16="http://schemas.microsoft.com/office/drawing/2014/main" id="{200752DB-385E-816E-74F6-C86975CAB38A}"/>
+              </a:ext>
+            </a:extLst>
+          </p:cNvPr>
+          <p:cNvCxnSpPr>
+            <a:cxnSpLocks/>
+          </p:cNvCxnSpPr>
+          <p:nvPr/>
+        </p:nvCxnSpPr>
+        <p:spPr>
+          <a:xfrm flipH="1">
+            <a:off x="8187793" y="615272"/>
+            <a:ext cx="543434" cy="0"/>
+          </a:xfrm>
+          <a:prstGeom prst="straightConnector1">
+            <a:avLst/>
+          </a:prstGeom>
+          <a:ln w="12700">
+            <a:solidFill>
+              <a:srgbClr val="FF0000"/>
+            </a:solidFill>
+            <a:prstDash val="solid"/>
+            <a:tailEnd type="triangle" w="lg" len="lg"/>
+          </a:ln>
+        </p:spPr>
+        <p:style>
+          <a:lnRef idx="1">
+            <a:schemeClr val="dk1"/>
+          </a:lnRef>
+          <a:fillRef idx="0">
+            <a:schemeClr val="dk1"/>
+          </a:fillRef>
+          <a:effectRef idx="0">
+            <a:schemeClr val="dk1"/>
+          </a:effectRef>
+          <a:fontRef idx="minor">
+            <a:schemeClr val="tx1"/>
+          </a:fontRef>
+        </p:style>
+      </p:cxnSp>
+      <p:sp>
+        <p:nvSpPr>
+          <p:cNvPr id="17" name="テキスト ボックス 16">
+            <a:extLst>
+              <a:ext uri="{FF2B5EF4-FFF2-40B4-BE49-F238E27FC236}">
+                <a16:creationId xmlns:a16="http://schemas.microsoft.com/office/drawing/2014/main" id="{02739AAC-0537-9316-337E-66D25B7948B5}"/>
+              </a:ext>
+            </a:extLst>
+          </p:cNvPr>
+          <p:cNvSpPr txBox="1"/>
+          <p:nvPr/>
+        </p:nvSpPr>
+        <p:spPr>
+          <a:xfrm>
+            <a:off x="8731227" y="124270"/>
+            <a:ext cx="595035" cy="338554"/>
+          </a:xfrm>
+          <a:prstGeom prst="rect">
+            <a:avLst/>
+          </a:prstGeom>
+          <a:noFill/>
+        </p:spPr>
+        <p:txBody>
+          <a:bodyPr wrap="none" rtlCol="0">
+            <a:spAutoFit/>
+          </a:bodyPr>
+          <a:lstStyle/>
+          <a:p>
+            <a:r>
+              <a:rPr kumimoji="1" lang="ja-JP" altLang="en-US" sz="1600" dirty="0"/>
+              <a:t>依存</a:t>
+            </a:r>
+          </a:p>
+        </p:txBody>
+      </p:sp>
+      <p:sp>
+        <p:nvSpPr>
+          <p:cNvPr id="18" name="テキスト ボックス 17">
+            <a:extLst>
+              <a:ext uri="{FF2B5EF4-FFF2-40B4-BE49-F238E27FC236}">
+                <a16:creationId xmlns:a16="http://schemas.microsoft.com/office/drawing/2014/main" id="{679DD35F-C7FD-3B3D-2ED1-3DDDA4D98BEE}"/>
+              </a:ext>
+            </a:extLst>
+          </p:cNvPr>
+          <p:cNvSpPr txBox="1"/>
+          <p:nvPr/>
+        </p:nvSpPr>
+        <p:spPr>
+          <a:xfrm>
+            <a:off x="8731227" y="454195"/>
+            <a:ext cx="2441694" cy="338554"/>
+          </a:xfrm>
+          <a:prstGeom prst="rect">
+            <a:avLst/>
+          </a:prstGeom>
+          <a:noFill/>
+        </p:spPr>
+        <p:txBody>
+          <a:bodyPr wrap="none" rtlCol="0">
+            <a:spAutoFit/>
+          </a:bodyPr>
+          <a:lstStyle/>
+          <a:p>
+            <a:r>
+              <a:rPr kumimoji="1" lang="ja-JP" altLang="en-US" sz="1600" dirty="0"/>
+              <a:t>インターフェイスの実装</a:t>
+            </a:r>
+          </a:p>
+        </p:txBody>
+      </p:sp>
+      <p:grpSp>
+        <p:nvGrpSpPr>
+          <p:cNvPr id="19" name="グループ化 18">
+            <a:extLst>
+              <a:ext uri="{FF2B5EF4-FFF2-40B4-BE49-F238E27FC236}">
+                <a16:creationId xmlns:a16="http://schemas.microsoft.com/office/drawing/2014/main" id="{143D6D13-7976-0FB1-5B4A-24D43E2EE711}"/>
+              </a:ext>
+            </a:extLst>
+          </p:cNvPr>
+          <p:cNvGrpSpPr/>
+          <p:nvPr/>
+        </p:nvGrpSpPr>
+        <p:grpSpPr>
+          <a:xfrm>
+            <a:off x="8202622" y="6111468"/>
+            <a:ext cx="3298772" cy="388882"/>
+            <a:chOff x="8200596" y="5696761"/>
+            <a:chExt cx="3298772" cy="388882"/>
+          </a:xfrm>
+        </p:grpSpPr>
+        <p:sp>
+          <p:nvSpPr>
+            <p:cNvPr id="20" name="正方形/長方形 19">
+              <a:extLst>
+                <a:ext uri="{FF2B5EF4-FFF2-40B4-BE49-F238E27FC236}">
+                  <a16:creationId xmlns:a16="http://schemas.microsoft.com/office/drawing/2014/main" id="{7C1CF807-4DAF-6649-3246-B8D61EC89C99}"/>
+                </a:ext>
+              </a:extLst>
+            </p:cNvPr>
+            <p:cNvSpPr/>
+            <p:nvPr/>
+          </p:nvSpPr>
+          <p:spPr>
+            <a:xfrm>
+              <a:off x="8200596" y="5696761"/>
+              <a:ext cx="683953" cy="388882"/>
+            </a:xfrm>
+            <a:prstGeom prst="rect">
+              <a:avLst/>
+            </a:prstGeom>
+            <a:solidFill>
+              <a:schemeClr val="accent1">
+                <a:lumMod val="20000"/>
+                <a:lumOff val="80000"/>
+              </a:schemeClr>
+            </a:solidFill>
+            <a:ln>
+              <a:solidFill>
+                <a:schemeClr val="tx1"/>
+              </a:solidFill>
+            </a:ln>
+          </p:spPr>
+          <p:style>
+            <a:lnRef idx="2">
+              <a:schemeClr val="accent1"/>
+            </a:lnRef>
+            <a:fillRef idx="1">
+              <a:schemeClr val="lt1"/>
+            </a:fillRef>
+            <a:effectRef idx="0">
+              <a:schemeClr val="accent1"/>
+            </a:effectRef>
+            <a:fontRef idx="minor">
+              <a:schemeClr val="dk1"/>
+            </a:fontRef>
+          </p:style>
+          <p:txBody>
+            <a:bodyPr tIns="0" bIns="0" rtlCol="0" anchor="t"/>
+            <a:lstStyle/>
+            <a:p>
+              <a:pPr algn="ctr"/>
+              <a:endParaRPr kumimoji="1" lang="ja-JP" altLang="en-US" sz="1600" dirty="0"/>
+            </a:p>
+          </p:txBody>
+        </p:sp>
+        <p:sp>
+          <p:nvSpPr>
+            <p:cNvPr id="21" name="テキスト ボックス 20">
+              <a:extLst>
+                <a:ext uri="{FF2B5EF4-FFF2-40B4-BE49-F238E27FC236}">
+                  <a16:creationId xmlns:a16="http://schemas.microsoft.com/office/drawing/2014/main" id="{54AAF935-99E0-3F3E-CE77-DA03FA08B43F}"/>
+                </a:ext>
+              </a:extLst>
+            </p:cNvPr>
+            <p:cNvSpPr txBox="1"/>
+            <p:nvPr/>
+          </p:nvSpPr>
+          <p:spPr>
+            <a:xfrm>
+              <a:off x="8884549" y="5706536"/>
+              <a:ext cx="2614819" cy="369332"/>
+            </a:xfrm>
+            <a:prstGeom prst="rect">
+              <a:avLst/>
+            </a:prstGeom>
+            <a:noFill/>
+          </p:spPr>
+          <p:txBody>
+            <a:bodyPr wrap="none" rtlCol="0">
+              <a:spAutoFit/>
+            </a:bodyPr>
+            <a:lstStyle/>
+            <a:p>
+              <a:r>
+                <a:rPr kumimoji="1" lang="en-US" altLang="ja-JP" dirty="0"/>
+                <a:t>Frameworks</a:t>
+              </a:r>
+              <a:r>
+                <a:rPr kumimoji="1" lang="ja-JP" altLang="en-US" dirty="0"/>
+                <a:t> ＆ </a:t>
+              </a:r>
+              <a:r>
+                <a:rPr kumimoji="1" lang="en-US" altLang="ja-JP" dirty="0"/>
+                <a:t>Drivers</a:t>
+              </a:r>
+              <a:endParaRPr kumimoji="1" lang="ja-JP" altLang="en-US" dirty="0"/>
+            </a:p>
+          </p:txBody>
+        </p:sp>
+      </p:grpSp>
+      <p:grpSp>
+        <p:nvGrpSpPr>
+          <p:cNvPr id="22" name="グループ化 21">
+            <a:extLst>
+              <a:ext uri="{FF2B5EF4-FFF2-40B4-BE49-F238E27FC236}">
+                <a16:creationId xmlns:a16="http://schemas.microsoft.com/office/drawing/2014/main" id="{067AA25D-64B6-63BD-35ED-8D1D6CE8EAF4}"/>
+              </a:ext>
+            </a:extLst>
+          </p:cNvPr>
+          <p:cNvGrpSpPr/>
+          <p:nvPr/>
+        </p:nvGrpSpPr>
+        <p:grpSpPr>
+          <a:xfrm>
+            <a:off x="8209421" y="5533033"/>
+            <a:ext cx="3346861" cy="388882"/>
+            <a:chOff x="8200596" y="5696761"/>
+            <a:chExt cx="3346861" cy="388882"/>
+          </a:xfrm>
+        </p:grpSpPr>
+        <p:sp>
+          <p:nvSpPr>
+            <p:cNvPr id="23" name="正方形/長方形 22">
+              <a:extLst>
+                <a:ext uri="{FF2B5EF4-FFF2-40B4-BE49-F238E27FC236}">
+                  <a16:creationId xmlns:a16="http://schemas.microsoft.com/office/drawing/2014/main" id="{D7DBFDDF-7431-1A7E-0465-E34102A2FE87}"/>
+                </a:ext>
+              </a:extLst>
+            </p:cNvPr>
+            <p:cNvSpPr/>
+            <p:nvPr/>
+          </p:nvSpPr>
+          <p:spPr>
+            <a:xfrm>
+              <a:off x="8200596" y="5696761"/>
+              <a:ext cx="683953" cy="388882"/>
+            </a:xfrm>
+            <a:prstGeom prst="rect">
+              <a:avLst/>
+            </a:prstGeom>
+            <a:solidFill>
+              <a:schemeClr val="accent6">
+                <a:lumMod val="20000"/>
+                <a:lumOff val="80000"/>
+              </a:schemeClr>
+            </a:solidFill>
+            <a:ln>
+              <a:solidFill>
+                <a:schemeClr val="tx1"/>
+              </a:solidFill>
+            </a:ln>
+          </p:spPr>
+          <p:style>
+            <a:lnRef idx="2">
+              <a:schemeClr val="accent1"/>
+            </a:lnRef>
+            <a:fillRef idx="1">
+              <a:schemeClr val="lt1"/>
+            </a:fillRef>
+            <a:effectRef idx="0">
+              <a:schemeClr val="accent1"/>
+            </a:effectRef>
+            <a:fontRef idx="minor">
+              <a:schemeClr val="dk1"/>
+            </a:fontRef>
+          </p:style>
+          <p:txBody>
+            <a:bodyPr tIns="0" bIns="0" rtlCol="0" anchor="t"/>
+            <a:lstStyle/>
+            <a:p>
+              <a:pPr algn="ctr"/>
+              <a:endParaRPr kumimoji="1" lang="ja-JP" altLang="en-US" sz="1600" dirty="0"/>
+            </a:p>
+          </p:txBody>
+        </p:sp>
+        <p:sp>
+          <p:nvSpPr>
+            <p:cNvPr id="24" name="テキスト ボックス 23">
+              <a:extLst>
+                <a:ext uri="{FF2B5EF4-FFF2-40B4-BE49-F238E27FC236}">
+                  <a16:creationId xmlns:a16="http://schemas.microsoft.com/office/drawing/2014/main" id="{D2D227C2-0B8A-14CA-F946-3079B389AB10}"/>
+                </a:ext>
+              </a:extLst>
+            </p:cNvPr>
+            <p:cNvSpPr txBox="1"/>
+            <p:nvPr/>
+          </p:nvSpPr>
+          <p:spPr>
+            <a:xfrm>
+              <a:off x="8884549" y="5706536"/>
+              <a:ext cx="2662908" cy="369332"/>
+            </a:xfrm>
+            <a:prstGeom prst="rect">
+              <a:avLst/>
+            </a:prstGeom>
+            <a:noFill/>
+          </p:spPr>
+          <p:txBody>
+            <a:bodyPr wrap="none" rtlCol="0">
+              <a:spAutoFit/>
+            </a:bodyPr>
+            <a:lstStyle/>
+            <a:p>
+              <a:r>
+                <a:rPr kumimoji="1" lang="en-US" altLang="ja-JP" dirty="0"/>
+                <a:t>Infrastructure Adapters</a:t>
+              </a:r>
+              <a:endParaRPr kumimoji="1" lang="ja-JP" altLang="en-US" dirty="0"/>
+            </a:p>
+          </p:txBody>
+        </p:sp>
+      </p:grpSp>
+      <p:grpSp>
+        <p:nvGrpSpPr>
+          <p:cNvPr id="25" name="グループ化 24">
+            <a:extLst>
+              <a:ext uri="{FF2B5EF4-FFF2-40B4-BE49-F238E27FC236}">
+                <a16:creationId xmlns:a16="http://schemas.microsoft.com/office/drawing/2014/main" id="{9225EAFB-7951-5B55-40CC-F2AEF91B383E}"/>
+              </a:ext>
+            </a:extLst>
+          </p:cNvPr>
+          <p:cNvGrpSpPr/>
+          <p:nvPr/>
+        </p:nvGrpSpPr>
+        <p:grpSpPr>
+          <a:xfrm>
+            <a:off x="8202622" y="4954598"/>
+            <a:ext cx="3755628" cy="388882"/>
+            <a:chOff x="8200596" y="5696761"/>
+            <a:chExt cx="3755628" cy="388882"/>
+          </a:xfrm>
+        </p:grpSpPr>
+        <p:sp>
+          <p:nvSpPr>
+            <p:cNvPr id="26" name="正方形/長方形 25">
+              <a:extLst>
+                <a:ext uri="{FF2B5EF4-FFF2-40B4-BE49-F238E27FC236}">
+                  <a16:creationId xmlns:a16="http://schemas.microsoft.com/office/drawing/2014/main" id="{ACF72B8C-0B43-01C5-D62E-C5AB4E75796D}"/>
+                </a:ext>
+              </a:extLst>
+            </p:cNvPr>
+            <p:cNvSpPr/>
+            <p:nvPr/>
+          </p:nvSpPr>
+          <p:spPr>
+            <a:xfrm>
+              <a:off x="8200596" y="5696761"/>
+              <a:ext cx="683953" cy="388882"/>
+            </a:xfrm>
+            <a:prstGeom prst="rect">
+              <a:avLst/>
+            </a:prstGeom>
+            <a:solidFill>
+              <a:schemeClr val="accent2">
+                <a:lumMod val="20000"/>
+                <a:lumOff val="80000"/>
+              </a:schemeClr>
+            </a:solidFill>
+            <a:ln>
+              <a:solidFill>
+                <a:schemeClr val="tx1"/>
+              </a:solidFill>
+            </a:ln>
+          </p:spPr>
+          <p:style>
+            <a:lnRef idx="2">
+              <a:schemeClr val="accent1"/>
+            </a:lnRef>
+            <a:fillRef idx="1">
+              <a:schemeClr val="lt1"/>
+            </a:fillRef>
+            <a:effectRef idx="0">
+              <a:schemeClr val="accent1"/>
+            </a:effectRef>
+            <a:fontRef idx="minor">
+              <a:schemeClr val="dk1"/>
+            </a:fontRef>
+          </p:style>
+          <p:txBody>
+            <a:bodyPr tIns="0" bIns="0" rtlCol="0" anchor="t"/>
+            <a:lstStyle/>
+            <a:p>
+              <a:pPr algn="ctr"/>
+              <a:endParaRPr kumimoji="1" lang="ja-JP" altLang="en-US" sz="1600" dirty="0"/>
+            </a:p>
+          </p:txBody>
+        </p:sp>
+        <p:sp>
+          <p:nvSpPr>
+            <p:cNvPr id="27" name="テキスト ボックス 26">
+              <a:extLst>
+                <a:ext uri="{FF2B5EF4-FFF2-40B4-BE49-F238E27FC236}">
+                  <a16:creationId xmlns:a16="http://schemas.microsoft.com/office/drawing/2014/main" id="{C82123E2-72AF-C86F-8005-3E552BB63494}"/>
+                </a:ext>
+              </a:extLst>
+            </p:cNvPr>
+            <p:cNvSpPr txBox="1"/>
+            <p:nvPr/>
+          </p:nvSpPr>
+          <p:spPr>
+            <a:xfrm>
+              <a:off x="8884549" y="5706536"/>
+              <a:ext cx="3071675" cy="369332"/>
+            </a:xfrm>
+            <a:prstGeom prst="rect">
+              <a:avLst/>
+            </a:prstGeom>
+            <a:noFill/>
+          </p:spPr>
+          <p:txBody>
+            <a:bodyPr wrap="none" rtlCol="0">
+              <a:spAutoFit/>
+            </a:bodyPr>
+            <a:lstStyle/>
+            <a:p>
+              <a:r>
+                <a:rPr kumimoji="1" lang="en-US" altLang="ja-JP" dirty="0"/>
+                <a:t>Application Business Rules</a:t>
+              </a:r>
+              <a:endParaRPr kumimoji="1" lang="ja-JP" altLang="en-US" dirty="0"/>
+            </a:p>
+          </p:txBody>
+        </p:sp>
+      </p:grpSp>
+      <p:grpSp>
+        <p:nvGrpSpPr>
+          <p:cNvPr id="28" name="グループ化 27">
+            <a:extLst>
+              <a:ext uri="{FF2B5EF4-FFF2-40B4-BE49-F238E27FC236}">
+                <a16:creationId xmlns:a16="http://schemas.microsoft.com/office/drawing/2014/main" id="{94CBB834-F906-A1E0-3856-0F8FA6E60E15}"/>
+              </a:ext>
+            </a:extLst>
+          </p:cNvPr>
+          <p:cNvGrpSpPr/>
+          <p:nvPr/>
+        </p:nvGrpSpPr>
+        <p:grpSpPr>
+          <a:xfrm>
+            <a:off x="8202622" y="4356613"/>
+            <a:ext cx="3656242" cy="388882"/>
+            <a:chOff x="8200596" y="5696761"/>
+            <a:chExt cx="3656242" cy="388882"/>
+          </a:xfrm>
+        </p:grpSpPr>
+        <p:sp>
+          <p:nvSpPr>
+            <p:cNvPr id="29" name="正方形/長方形 28">
+              <a:extLst>
+                <a:ext uri="{FF2B5EF4-FFF2-40B4-BE49-F238E27FC236}">
+                  <a16:creationId xmlns:a16="http://schemas.microsoft.com/office/drawing/2014/main" id="{518D5DD0-4F6A-D850-9907-59B468801B16}"/>
+                </a:ext>
+              </a:extLst>
+            </p:cNvPr>
+            <p:cNvSpPr/>
+            <p:nvPr/>
+          </p:nvSpPr>
+          <p:spPr>
+            <a:xfrm>
+              <a:off x="8200596" y="5696761"/>
+              <a:ext cx="683953" cy="388882"/>
+            </a:xfrm>
+            <a:prstGeom prst="rect">
+              <a:avLst/>
+            </a:prstGeom>
+            <a:solidFill>
+              <a:schemeClr val="accent2">
+                <a:lumMod val="20000"/>
+                <a:lumOff val="80000"/>
+              </a:schemeClr>
+            </a:solidFill>
+            <a:ln>
+              <a:solidFill>
+                <a:schemeClr val="tx1"/>
+              </a:solidFill>
+            </a:ln>
+          </p:spPr>
+          <p:style>
+            <a:lnRef idx="2">
+              <a:schemeClr val="accent1"/>
+            </a:lnRef>
+            <a:fillRef idx="1">
+              <a:schemeClr val="lt1"/>
+            </a:fillRef>
+            <a:effectRef idx="0">
+              <a:schemeClr val="accent1"/>
+            </a:effectRef>
+            <a:fontRef idx="minor">
+              <a:schemeClr val="dk1"/>
+            </a:fontRef>
+          </p:style>
+          <p:txBody>
+            <a:bodyPr tIns="0" bIns="0" rtlCol="0" anchor="t"/>
+            <a:lstStyle/>
+            <a:p>
+              <a:pPr algn="ctr"/>
+              <a:endParaRPr kumimoji="1" lang="ja-JP" altLang="en-US" sz="1600" dirty="0"/>
+            </a:p>
+          </p:txBody>
+        </p:sp>
+        <p:sp>
+          <p:nvSpPr>
+            <p:cNvPr id="34" name="テキスト ボックス 33">
+              <a:extLst>
+                <a:ext uri="{FF2B5EF4-FFF2-40B4-BE49-F238E27FC236}">
+                  <a16:creationId xmlns:a16="http://schemas.microsoft.com/office/drawing/2014/main" id="{968EB53F-0F98-6A1D-DFD1-D4620DC8CA10}"/>
+                </a:ext>
+              </a:extLst>
+            </p:cNvPr>
+            <p:cNvSpPr txBox="1"/>
+            <p:nvPr/>
+          </p:nvSpPr>
+          <p:spPr>
+            <a:xfrm>
+              <a:off x="8884549" y="5706536"/>
+              <a:ext cx="2972289" cy="369332"/>
+            </a:xfrm>
+            <a:prstGeom prst="rect">
+              <a:avLst/>
+            </a:prstGeom>
+            <a:noFill/>
+          </p:spPr>
+          <p:txBody>
+            <a:bodyPr wrap="none" rtlCol="0">
+              <a:spAutoFit/>
+            </a:bodyPr>
+            <a:lstStyle/>
+            <a:p>
+              <a:r>
+                <a:rPr kumimoji="1" lang="en-US" altLang="ja-JP" dirty="0"/>
+                <a:t>Enterprise Business Rules</a:t>
+              </a:r>
+              <a:endParaRPr kumimoji="1" lang="ja-JP" altLang="en-US" dirty="0"/>
+            </a:p>
+          </p:txBody>
+        </p:sp>
+      </p:grpSp>
+      <p:sp>
+        <p:nvSpPr>
+          <p:cNvPr id="35" name="正方形/長方形 34">
+            <a:extLst>
+              <a:ext uri="{FF2B5EF4-FFF2-40B4-BE49-F238E27FC236}">
+                <a16:creationId xmlns:a16="http://schemas.microsoft.com/office/drawing/2014/main" id="{960ED00A-55A3-561B-0024-69CBFE31B2B7}"/>
+              </a:ext>
+            </a:extLst>
+          </p:cNvPr>
+          <p:cNvSpPr/>
+          <p:nvPr/>
+        </p:nvSpPr>
+        <p:spPr>
+          <a:xfrm>
+            <a:off x="8531682" y="4356613"/>
+            <a:ext cx="355827" cy="388882"/>
+          </a:xfrm>
+          <a:prstGeom prst="rect">
+            <a:avLst/>
+          </a:prstGeom>
+          <a:solidFill>
+            <a:schemeClr val="accent4">
+              <a:lumMod val="40000"/>
+              <a:lumOff val="60000"/>
+            </a:schemeClr>
+          </a:solidFill>
+          <a:ln>
+            <a:solidFill>
+              <a:schemeClr val="tx1"/>
+            </a:solidFill>
+          </a:ln>
+        </p:spPr>
+        <p:style>
+          <a:lnRef idx="2">
+            <a:schemeClr val="accent1"/>
+          </a:lnRef>
+          <a:fillRef idx="1">
+            <a:schemeClr val="lt1"/>
+          </a:fillRef>
+          <a:effectRef idx="0">
+            <a:schemeClr val="accent1"/>
+          </a:effectRef>
+          <a:fontRef idx="minor">
+            <a:schemeClr val="dk1"/>
+          </a:fontRef>
+        </p:style>
+        <p:txBody>
+          <a:bodyPr tIns="0" bIns="0" rtlCol="0" anchor="t"/>
+          <a:lstStyle/>
+          <a:p>
+            <a:pPr algn="ctr"/>
+            <a:endParaRPr kumimoji="1" lang="ja-JP" altLang="en-US" sz="1600" dirty="0"/>
+          </a:p>
+        </p:txBody>
+      </p:sp>
+      <p:sp>
+        <p:nvSpPr>
+          <p:cNvPr id="36" name="フリーフォーム: 図形 35">
+            <a:extLst>
+              <a:ext uri="{FF2B5EF4-FFF2-40B4-BE49-F238E27FC236}">
+                <a16:creationId xmlns:a16="http://schemas.microsoft.com/office/drawing/2014/main" id="{A94CE583-28EF-CA38-B1AB-170635DBD230}"/>
+              </a:ext>
+            </a:extLst>
+          </p:cNvPr>
+          <p:cNvSpPr/>
+          <p:nvPr/>
+        </p:nvSpPr>
+        <p:spPr>
+          <a:xfrm>
+            <a:off x="2170453" y="153150"/>
+            <a:ext cx="4658247" cy="6031557"/>
+          </a:xfrm>
+          <a:custGeom>
+            <a:avLst/>
+            <a:gdLst>
+              <a:gd name="connsiteX0" fmla="*/ 2743200 w 4658247"/>
+              <a:gd name="connsiteY0" fmla="*/ 0 h 6031557"/>
+              <a:gd name="connsiteX1" fmla="*/ 2278380 w 4658247"/>
+              <a:gd name="connsiteY1" fmla="*/ 3230880 h 6031557"/>
+              <a:gd name="connsiteX2" fmla="*/ 4358640 w 4658247"/>
+              <a:gd name="connsiteY2" fmla="*/ 4419600 h 6031557"/>
+              <a:gd name="connsiteX3" fmla="*/ 4526280 w 4658247"/>
+              <a:gd name="connsiteY3" fmla="*/ 5745480 h 6031557"/>
+              <a:gd name="connsiteX4" fmla="*/ 3215640 w 4658247"/>
+              <a:gd name="connsiteY4" fmla="*/ 5844540 h 6031557"/>
+              <a:gd name="connsiteX5" fmla="*/ 2217420 w 4658247"/>
+              <a:gd name="connsiteY5" fmla="*/ 3619500 h 6031557"/>
+              <a:gd name="connsiteX6" fmla="*/ 0 w 4658247"/>
+              <a:gd name="connsiteY6" fmla="*/ 4610100 h 6031557"/>
+            </a:gdLst>
+            <a:ahLst/>
+            <a:cxnLst>
+              <a:cxn ang="0">
+                <a:pos x="connsiteX0" y="connsiteY0"/>
+              </a:cxn>
+              <a:cxn ang="0">
+                <a:pos x="connsiteX1" y="connsiteY1"/>
+              </a:cxn>
+              <a:cxn ang="0">
+                <a:pos x="connsiteX2" y="connsiteY2"/>
+              </a:cxn>
+              <a:cxn ang="0">
+                <a:pos x="connsiteX3" y="connsiteY3"/>
+              </a:cxn>
+              <a:cxn ang="0">
+                <a:pos x="connsiteX4" y="connsiteY4"/>
+              </a:cxn>
+              <a:cxn ang="0">
+                <a:pos x="connsiteX5" y="connsiteY5"/>
+              </a:cxn>
+              <a:cxn ang="0">
+                <a:pos x="connsiteX6" y="connsiteY6"/>
+              </a:cxn>
+            </a:cxnLst>
+            <a:rect l="l" t="t" r="r" b="b"/>
+            <a:pathLst>
+              <a:path w="4658247" h="6031557">
+                <a:moveTo>
+                  <a:pt x="2743200" y="0"/>
+                </a:moveTo>
+                <a:cubicBezTo>
+                  <a:pt x="2376170" y="1247140"/>
+                  <a:pt x="2009140" y="2494280"/>
+                  <a:pt x="2278380" y="3230880"/>
+                </a:cubicBezTo>
+                <a:cubicBezTo>
+                  <a:pt x="2547620" y="3967480"/>
+                  <a:pt x="3983990" y="4000500"/>
+                  <a:pt x="4358640" y="4419600"/>
+                </a:cubicBezTo>
+                <a:cubicBezTo>
+                  <a:pt x="4733290" y="4838700"/>
+                  <a:pt x="4716780" y="5507990"/>
+                  <a:pt x="4526280" y="5745480"/>
+                </a:cubicBezTo>
+                <a:cubicBezTo>
+                  <a:pt x="4335780" y="5982970"/>
+                  <a:pt x="3600450" y="6198870"/>
+                  <a:pt x="3215640" y="5844540"/>
+                </a:cubicBezTo>
+                <a:cubicBezTo>
+                  <a:pt x="2830830" y="5490210"/>
+                  <a:pt x="2753360" y="3825240"/>
+                  <a:pt x="2217420" y="3619500"/>
+                </a:cubicBezTo>
+                <a:cubicBezTo>
+                  <a:pt x="1681480" y="3413760"/>
+                  <a:pt x="840740" y="4011930"/>
+                  <a:pt x="0" y="4610100"/>
+                </a:cubicBezTo>
+              </a:path>
+            </a:pathLst>
+          </a:custGeom>
+          <a:noFill/>
+          <a:ln w="57150">
+            <a:solidFill>
+              <a:srgbClr val="C00000"/>
+            </a:solidFill>
+            <a:tailEnd type="triangle" w="lg" len="lg"/>
+          </a:ln>
+        </p:spPr>
+        <p:style>
+          <a:lnRef idx="2">
+            <a:schemeClr val="accent1">
+              <a:shade val="50000"/>
+            </a:schemeClr>
+          </a:lnRef>
+          <a:fillRef idx="1">
+            <a:schemeClr val="accent1"/>
+          </a:fillRef>
+          <a:effectRef idx="0">
+            <a:schemeClr val="accent1"/>
+          </a:effectRef>
+          <a:fontRef idx="minor">
+            <a:schemeClr val="lt1"/>
+          </a:fontRef>
+        </p:style>
+        <p:txBody>
+          <a:bodyPr rtlCol="0" anchor="ctr"/>
+          <a:lstStyle/>
+          <a:p>
+            <a:pPr algn="ctr"/>
+            <a:endParaRPr kumimoji="1" lang="ja-JP" altLang="en-US"/>
+          </a:p>
+        </p:txBody>
+      </p:sp>
+      <p:sp>
+        <p:nvSpPr>
+          <p:cNvPr id="10" name="正方形/長方形 9">
+            <a:extLst>
+              <a:ext uri="{FF2B5EF4-FFF2-40B4-BE49-F238E27FC236}">
+                <a16:creationId xmlns:a16="http://schemas.microsoft.com/office/drawing/2014/main" id="{DD300987-8C66-D866-FD9B-7DE8F5A9242A}"/>
+              </a:ext>
+            </a:extLst>
+          </p:cNvPr>
+          <p:cNvSpPr/>
+          <p:nvPr/>
+        </p:nvSpPr>
+        <p:spPr>
+          <a:xfrm>
+            <a:off x="3462801" y="2849104"/>
+            <a:ext cx="751939" cy="282485"/>
+          </a:xfrm>
+          <a:prstGeom prst="rect">
+            <a:avLst/>
+          </a:prstGeom>
+        </p:spPr>
+        <p:style>
+          <a:lnRef idx="2">
+            <a:schemeClr val="accent2">
+              <a:shade val="50000"/>
+            </a:schemeClr>
+          </a:lnRef>
+          <a:fillRef idx="1">
+            <a:schemeClr val="accent2"/>
+          </a:fillRef>
+          <a:effectRef idx="0">
+            <a:schemeClr val="accent2"/>
+          </a:effectRef>
+          <a:fontRef idx="minor">
+            <a:schemeClr val="lt1"/>
+          </a:fontRef>
+        </p:style>
+        <p:txBody>
+          <a:bodyPr rtlCol="0" anchor="ctr"/>
+          <a:lstStyle/>
+          <a:p>
+            <a:pPr algn="ctr"/>
+            <a:r>
+              <a:rPr kumimoji="1" lang="en-US" altLang="ja-JP" sz="1100" dirty="0"/>
+              <a:t>Vendor</a:t>
+            </a:r>
+            <a:endParaRPr kumimoji="1" lang="ja-JP" altLang="en-US" sz="1100" dirty="0"/>
+          </a:p>
+        </p:txBody>
+      </p:sp>
+      <p:sp>
+        <p:nvSpPr>
+          <p:cNvPr id="30" name="正方形/長方形 29">
+            <a:extLst>
+              <a:ext uri="{FF2B5EF4-FFF2-40B4-BE49-F238E27FC236}">
+                <a16:creationId xmlns:a16="http://schemas.microsoft.com/office/drawing/2014/main" id="{731D1CC2-2DD9-DD83-5AFE-6F5922CAD473}"/>
+              </a:ext>
+            </a:extLst>
+          </p:cNvPr>
+          <p:cNvSpPr/>
+          <p:nvPr/>
+        </p:nvSpPr>
+        <p:spPr>
+          <a:xfrm>
+            <a:off x="3769317" y="3591250"/>
+            <a:ext cx="1433777" cy="282485"/>
+          </a:xfrm>
+          <a:prstGeom prst="rect">
+            <a:avLst/>
+          </a:prstGeom>
+        </p:spPr>
+        <p:style>
+          <a:lnRef idx="2">
+            <a:schemeClr val="accent2">
+              <a:shade val="50000"/>
+            </a:schemeClr>
+          </a:lnRef>
+          <a:fillRef idx="1">
+            <a:schemeClr val="accent2"/>
+          </a:fillRef>
+          <a:effectRef idx="0">
+            <a:schemeClr val="accent2"/>
+          </a:effectRef>
+          <a:fontRef idx="minor">
+            <a:schemeClr val="lt1"/>
+          </a:fontRef>
+        </p:style>
+        <p:txBody>
+          <a:bodyPr rtlCol="0" anchor="ctr"/>
+          <a:lstStyle/>
+          <a:p>
+            <a:pPr algn="ctr"/>
+            <a:r>
+              <a:rPr kumimoji="1" lang="en-US" altLang="ja-JP" sz="1100" dirty="0"/>
+              <a:t>IVendorRepository</a:t>
+            </a:r>
+            <a:endParaRPr kumimoji="1" lang="ja-JP" altLang="en-US" sz="1100" dirty="0"/>
+          </a:p>
+        </p:txBody>
+      </p:sp>
+      <p:sp>
+        <p:nvSpPr>
+          <p:cNvPr id="31" name="正方形/長方形 30">
+            <a:extLst>
+              <a:ext uri="{FF2B5EF4-FFF2-40B4-BE49-F238E27FC236}">
+                <a16:creationId xmlns:a16="http://schemas.microsoft.com/office/drawing/2014/main" id="{A5EBE216-8792-3469-315F-DDFD8F1C2193}"/>
+              </a:ext>
+            </a:extLst>
+          </p:cNvPr>
+          <p:cNvSpPr/>
+          <p:nvPr/>
+        </p:nvSpPr>
+        <p:spPr>
+          <a:xfrm rot="2747665">
+            <a:off x="2164373" y="4670549"/>
+            <a:ext cx="1433777" cy="282485"/>
+          </a:xfrm>
+          <a:prstGeom prst="rect">
+            <a:avLst/>
+          </a:prstGeom>
+        </p:spPr>
+        <p:style>
+          <a:lnRef idx="2">
+            <a:schemeClr val="accent2">
+              <a:shade val="50000"/>
+            </a:schemeClr>
+          </a:lnRef>
+          <a:fillRef idx="1">
+            <a:schemeClr val="accent2"/>
+          </a:fillRef>
+          <a:effectRef idx="0">
+            <a:schemeClr val="accent2"/>
+          </a:effectRef>
+          <a:fontRef idx="minor">
+            <a:schemeClr val="lt1"/>
+          </a:fontRef>
+        </p:style>
+        <p:txBody>
+          <a:bodyPr rtlCol="0" anchor="ctr"/>
+          <a:lstStyle/>
+          <a:p>
+            <a:pPr algn="ctr"/>
+            <a:r>
+              <a:rPr kumimoji="1" lang="en-US" altLang="ja-JP" sz="1100" dirty="0"/>
+              <a:t>VendorRepository</a:t>
+            </a:r>
+            <a:endParaRPr kumimoji="1" lang="ja-JP" altLang="en-US" sz="1100" dirty="0"/>
+          </a:p>
+        </p:txBody>
+      </p:sp>
+      <p:cxnSp>
+        <p:nvCxnSpPr>
+          <p:cNvPr id="32" name="直線矢印コネクタ 31">
+            <a:extLst>
+              <a:ext uri="{FF2B5EF4-FFF2-40B4-BE49-F238E27FC236}">
+                <a16:creationId xmlns:a16="http://schemas.microsoft.com/office/drawing/2014/main" id="{DCD3C585-B900-CC94-C843-D931DC59920A}"/>
+              </a:ext>
+            </a:extLst>
+          </p:cNvPr>
+          <p:cNvCxnSpPr>
+            <a:cxnSpLocks/>
+            <a:stCxn id="30" idx="0"/>
+          </p:cNvCxnSpPr>
+          <p:nvPr/>
+        </p:nvCxnSpPr>
+        <p:spPr>
+          <a:xfrm flipH="1" flipV="1">
+            <a:off x="4059978" y="3131589"/>
+            <a:ext cx="426228" cy="459661"/>
+          </a:xfrm>
+          <a:prstGeom prst="straightConnector1">
+            <a:avLst/>
+          </a:prstGeom>
+          <a:ln w="12700">
+            <a:solidFill>
+              <a:srgbClr val="FF0000"/>
+            </a:solidFill>
+            <a:prstDash val="dash"/>
+            <a:tailEnd type="triangle" w="lg" len="lg"/>
+          </a:ln>
+        </p:spPr>
+        <p:style>
+          <a:lnRef idx="1">
+            <a:schemeClr val="dk1"/>
+          </a:lnRef>
+          <a:fillRef idx="0">
+            <a:schemeClr val="dk1"/>
+          </a:fillRef>
+          <a:effectRef idx="0">
+            <a:schemeClr val="dk1"/>
+          </a:effectRef>
+          <a:fontRef idx="minor">
+            <a:schemeClr val="tx1"/>
+          </a:fontRef>
+        </p:style>
+      </p:cxnSp>
+      <p:sp>
+        <p:nvSpPr>
+          <p:cNvPr id="7" name="テキスト ボックス 6">
+            <a:extLst>
+              <a:ext uri="{FF2B5EF4-FFF2-40B4-BE49-F238E27FC236}">
+                <a16:creationId xmlns:a16="http://schemas.microsoft.com/office/drawing/2014/main" id="{7BC21E71-31D6-3669-41F4-DA16D9DF5ADC}"/>
+              </a:ext>
+            </a:extLst>
+          </p:cNvPr>
+          <p:cNvSpPr txBox="1"/>
+          <p:nvPr/>
+        </p:nvSpPr>
+        <p:spPr>
+          <a:xfrm>
+            <a:off x="3722400" y="2286713"/>
+            <a:ext cx="1569660" cy="369332"/>
+          </a:xfrm>
+          <a:prstGeom prst="rect">
+            <a:avLst/>
+          </a:prstGeom>
+          <a:noFill/>
+        </p:spPr>
+        <p:txBody>
+          <a:bodyPr wrap="none" rtlCol="0">
+            <a:spAutoFit/>
+          </a:bodyPr>
+          <a:lstStyle/>
+          <a:p>
+            <a:pPr algn="ctr"/>
+            <a:r>
+              <a:rPr kumimoji="1" lang="ja-JP" altLang="en-US" dirty="0"/>
+              <a:t>購買ドメイン</a:t>
+            </a:r>
+          </a:p>
+        </p:txBody>
+      </p:sp>
+      <p:sp>
+        <p:nvSpPr>
+          <p:cNvPr id="12" name="テキスト ボックス 11">
+            <a:extLst>
+              <a:ext uri="{FF2B5EF4-FFF2-40B4-BE49-F238E27FC236}">
+                <a16:creationId xmlns:a16="http://schemas.microsoft.com/office/drawing/2014/main" id="{AC990C2C-0114-CB69-C9A5-F2BC15A6AE81}"/>
+              </a:ext>
+            </a:extLst>
+          </p:cNvPr>
+          <p:cNvSpPr txBox="1"/>
+          <p:nvPr/>
+        </p:nvSpPr>
+        <p:spPr>
+          <a:xfrm>
+            <a:off x="3811366" y="293547"/>
+            <a:ext cx="1391728" cy="369332"/>
+          </a:xfrm>
+          <a:prstGeom prst="rect">
+            <a:avLst/>
+          </a:prstGeom>
+          <a:noFill/>
+        </p:spPr>
+        <p:txBody>
+          <a:bodyPr wrap="none" rtlCol="0">
+            <a:spAutoFit/>
+          </a:bodyPr>
+          <a:lstStyle/>
+          <a:p>
+            <a:pPr algn="ctr"/>
+            <a:r>
+              <a:rPr kumimoji="1" lang="en-US" altLang="ja-JP" dirty="0"/>
+              <a:t>UI</a:t>
+            </a:r>
+            <a:r>
+              <a:rPr kumimoji="1" lang="ja-JP" altLang="en-US" dirty="0"/>
+              <a:t>（</a:t>
+            </a:r>
+            <a:r>
+              <a:rPr kumimoji="1" lang="en-US" altLang="ja-JP" dirty="0"/>
+              <a:t>WPF</a:t>
+            </a:r>
+            <a:r>
+              <a:rPr kumimoji="1" lang="ja-JP" altLang="en-US" dirty="0"/>
+              <a:t>）</a:t>
+            </a:r>
+          </a:p>
+        </p:txBody>
+      </p:sp>
+      <p:sp>
+        <p:nvSpPr>
+          <p:cNvPr id="13" name="テキスト ボックス 12">
+            <a:extLst>
+              <a:ext uri="{FF2B5EF4-FFF2-40B4-BE49-F238E27FC236}">
+                <a16:creationId xmlns:a16="http://schemas.microsoft.com/office/drawing/2014/main" id="{986B2D26-80C0-618F-02ED-D175574E544B}"/>
+              </a:ext>
+            </a:extLst>
+          </p:cNvPr>
+          <p:cNvSpPr txBox="1"/>
+          <p:nvPr/>
+        </p:nvSpPr>
+        <p:spPr>
+          <a:xfrm rot="18838972">
+            <a:off x="5390152" y="5109297"/>
+            <a:ext cx="2832827" cy="369332"/>
+          </a:xfrm>
+          <a:prstGeom prst="rect">
+            <a:avLst/>
+          </a:prstGeom>
+          <a:noFill/>
+        </p:spPr>
+        <p:txBody>
+          <a:bodyPr wrap="none" rtlCol="0">
+            <a:spAutoFit/>
+          </a:bodyPr>
+          <a:lstStyle/>
+          <a:p>
+            <a:pPr algn="ctr"/>
+            <a:r>
+              <a:rPr kumimoji="1" lang="en-US" altLang="ja-JP" dirty="0"/>
+              <a:t>Web</a:t>
+            </a:r>
+            <a:r>
+              <a:rPr kumimoji="1" lang="ja-JP" altLang="en-US" dirty="0"/>
+              <a:t> </a:t>
+            </a:r>
+            <a:r>
+              <a:rPr kumimoji="1" lang="en-US" altLang="ja-JP" dirty="0"/>
+              <a:t>API</a:t>
+            </a:r>
+            <a:r>
+              <a:rPr kumimoji="1" lang="ja-JP" altLang="en-US" dirty="0"/>
+              <a:t>（</a:t>
+            </a:r>
+            <a:r>
+              <a:rPr kumimoji="1" lang="en-US" altLang="ja-JP" dirty="0"/>
+              <a:t>MagicOnion</a:t>
+            </a:r>
+            <a:r>
+              <a:rPr kumimoji="1" lang="ja-JP" altLang="en-US" dirty="0"/>
+              <a:t>）</a:t>
+            </a:r>
+          </a:p>
+        </p:txBody>
+      </p:sp>
+      <p:sp>
+        <p:nvSpPr>
+          <p:cNvPr id="14" name="テキスト ボックス 13">
+            <a:extLst>
+              <a:ext uri="{FF2B5EF4-FFF2-40B4-BE49-F238E27FC236}">
+                <a16:creationId xmlns:a16="http://schemas.microsoft.com/office/drawing/2014/main" id="{0C04F549-0ADE-E55C-0C72-7EE893D59D2B}"/>
+              </a:ext>
+            </a:extLst>
+          </p:cNvPr>
+          <p:cNvSpPr txBox="1"/>
+          <p:nvPr/>
+        </p:nvSpPr>
+        <p:spPr>
+          <a:xfrm>
+            <a:off x="3376151" y="1003341"/>
+            <a:ext cx="2262158" cy="369332"/>
+          </a:xfrm>
+          <a:prstGeom prst="rect">
+            <a:avLst/>
+          </a:prstGeom>
+          <a:noFill/>
+        </p:spPr>
+        <p:txBody>
+          <a:bodyPr wrap="none" rtlCol="0">
+            <a:spAutoFit/>
+          </a:bodyPr>
+          <a:lstStyle/>
+          <a:p>
+            <a:pPr algn="ctr"/>
+            <a:r>
+              <a:rPr kumimoji="1" lang="ja-JP" altLang="en-US" dirty="0"/>
+              <a:t>プレゼンテーション</a:t>
+            </a:r>
+          </a:p>
+        </p:txBody>
+      </p:sp>
+      <p:sp>
+        <p:nvSpPr>
+          <p:cNvPr id="15" name="テキスト ボックス 14">
+            <a:extLst>
+              <a:ext uri="{FF2B5EF4-FFF2-40B4-BE49-F238E27FC236}">
+                <a16:creationId xmlns:a16="http://schemas.microsoft.com/office/drawing/2014/main" id="{B1C5522C-87C7-78DD-C60F-F263BB98C9A3}"/>
+              </a:ext>
+            </a:extLst>
+          </p:cNvPr>
+          <p:cNvSpPr txBox="1"/>
+          <p:nvPr/>
+        </p:nvSpPr>
+        <p:spPr>
+          <a:xfrm rot="2688152">
+            <a:off x="1942416" y="4882820"/>
+            <a:ext cx="1569660" cy="369332"/>
+          </a:xfrm>
+          <a:prstGeom prst="rect">
+            <a:avLst/>
+          </a:prstGeom>
+          <a:noFill/>
+        </p:spPr>
+        <p:txBody>
+          <a:bodyPr wrap="none" rtlCol="0">
+            <a:spAutoFit/>
+          </a:bodyPr>
+          <a:lstStyle/>
+          <a:p>
+            <a:pPr algn="ctr"/>
+            <a:r>
+              <a:rPr kumimoji="1" lang="ja-JP" altLang="en-US" dirty="0"/>
+              <a:t>ゲートウェイ</a:t>
+            </a:r>
+          </a:p>
+        </p:txBody>
+      </p:sp>
+      <p:sp>
+        <p:nvSpPr>
+          <p:cNvPr id="16" name="テキスト ボックス 15">
+            <a:extLst>
+              <a:ext uri="{FF2B5EF4-FFF2-40B4-BE49-F238E27FC236}">
+                <a16:creationId xmlns:a16="http://schemas.microsoft.com/office/drawing/2014/main" id="{FC5E25D1-F818-CB37-329C-DE36F1A7BFA7}"/>
+              </a:ext>
+            </a:extLst>
+          </p:cNvPr>
+          <p:cNvSpPr txBox="1"/>
+          <p:nvPr/>
+        </p:nvSpPr>
+        <p:spPr>
+          <a:xfrm rot="18712592">
+            <a:off x="5328030" y="4698449"/>
+            <a:ext cx="1800494" cy="369332"/>
+          </a:xfrm>
+          <a:prstGeom prst="rect">
+            <a:avLst/>
+          </a:prstGeom>
+          <a:noFill/>
+        </p:spPr>
+        <p:txBody>
+          <a:bodyPr wrap="none" rtlCol="0">
+            <a:spAutoFit/>
+          </a:bodyPr>
+          <a:lstStyle/>
+          <a:p>
+            <a:pPr algn="ctr"/>
+            <a:r>
+              <a:rPr kumimoji="1" lang="ja-JP" altLang="en-US" dirty="0"/>
+              <a:t>コントローラー</a:t>
+            </a:r>
+          </a:p>
+        </p:txBody>
+      </p:sp>
+    </p:spTree>
+    <p:extLst>
+      <p:ext uri="{BB962C8B-B14F-4D97-AF65-F5344CB8AC3E}">
+        <p14:creationId xmlns:p14="http://schemas.microsoft.com/office/powerpoint/2010/main" val="3917103495"/>
+      </p:ext>
+    </p:extLst>
+  </p:cSld>
+  <p:clrMapOvr>
+    <a:masterClrMapping/>
+  </p:clrMapOvr>
+</p:sld>
+</file>
+
+<file path=ppt/slides/slide26.xml><?xml version="1.0" encoding="utf-8"?>
+<p:sld xmlns:a="http://schemas.openxmlformats.org/drawingml/2006/main" xmlns:r="http://schemas.openxmlformats.org/officeDocument/2006/relationships" xmlns:p="http://schemas.openxmlformats.org/presentationml/2006/main">
+  <p:cSld>
+    <p:spTree>
+      <p:nvGrpSpPr>
+        <p:cNvPr id="1" name=""/>
+        <p:cNvGrpSpPr/>
+        <p:nvPr/>
+      </p:nvGrpSpPr>
+      <p:grpSpPr>
+        <a:xfrm>
+          <a:off x="0" y="0"/>
+          <a:ext cx="0" cy="0"/>
+          <a:chOff x="0" y="0"/>
+          <a:chExt cx="0" cy="0"/>
+        </a:xfrm>
+      </p:grpSpPr>
+      <p:pic>
+        <p:nvPicPr>
+          <p:cNvPr id="3" name="図 2">
+            <a:extLst>
+              <a:ext uri="{FF2B5EF4-FFF2-40B4-BE49-F238E27FC236}">
+                <a16:creationId xmlns:a16="http://schemas.microsoft.com/office/drawing/2014/main" id="{BD0BD3F3-BB71-B0EA-9268-D6825112BAD6}"/>
+              </a:ext>
+            </a:extLst>
+          </p:cNvPr>
+          <p:cNvPicPr>
+            <a:picLocks noChangeAspect="1"/>
+          </p:cNvPicPr>
+          <p:nvPr/>
+        </p:nvPicPr>
+        <p:blipFill>
+          <a:blip r:embed="rId2"/>
+          <a:stretch>
+            <a:fillRect/>
+          </a:stretch>
+        </p:blipFill>
+        <p:spPr>
+          <a:xfrm>
+            <a:off x="187397" y="0"/>
+            <a:ext cx="11817206" cy="6858000"/>
+          </a:xfrm>
+          <a:prstGeom prst="rect">
+            <a:avLst/>
+          </a:prstGeom>
+        </p:spPr>
+      </p:pic>
+    </p:spTree>
+    <p:extLst>
+      <p:ext uri="{BB962C8B-B14F-4D97-AF65-F5344CB8AC3E}">
+        <p14:creationId xmlns:p14="http://schemas.microsoft.com/office/powerpoint/2010/main" val="565292212"/>
+      </p:ext>
+    </p:extLst>
+  </p:cSld>
+  <p:clrMapOvr>
+    <a:masterClrMapping/>
+  </p:clrMapOvr>
+</p:sld>
+</file>
+
+<file path=ppt/slides/slide27.xml><?xml version="1.0" encoding="utf-8"?>
+<p:sld xmlns:a="http://schemas.openxmlformats.org/drawingml/2006/main" xmlns:r="http://schemas.openxmlformats.org/officeDocument/2006/relationships" xmlns:p="http://schemas.openxmlformats.org/presentationml/2006/main">
+  <p:cSld>
+    <p:spTree>
+      <p:nvGrpSpPr>
+        <p:cNvPr id="1" name=""/>
+        <p:cNvGrpSpPr/>
+        <p:nvPr/>
+      </p:nvGrpSpPr>
+      <p:grpSpPr>
+        <a:xfrm>
+          <a:off x="0" y="0"/>
+          <a:ext cx="0" cy="0"/>
+          <a:chOff x="0" y="0"/>
+          <a:chExt cx="0" cy="0"/>
+        </a:xfrm>
+      </p:grpSpPr>
+      <p:sp>
+        <p:nvSpPr>
+          <p:cNvPr id="11" name="楕円 10">
+            <a:extLst>
+              <a:ext uri="{FF2B5EF4-FFF2-40B4-BE49-F238E27FC236}">
+                <a16:creationId xmlns:a16="http://schemas.microsoft.com/office/drawing/2014/main" id="{61F6DF7D-A748-EE48-3EDD-9DD5FF2C9BD6}"/>
+              </a:ext>
+            </a:extLst>
+          </p:cNvPr>
+          <p:cNvSpPr/>
+          <p:nvPr/>
+        </p:nvSpPr>
+        <p:spPr>
+          <a:xfrm>
+            <a:off x="1150620" y="72390"/>
+            <a:ext cx="6713220" cy="6713220"/>
+          </a:xfrm>
+          <a:prstGeom prst="ellipse">
+            <a:avLst/>
+          </a:prstGeom>
+          <a:solidFill>
+            <a:schemeClr val="accent1">
+              <a:lumMod val="20000"/>
+              <a:lumOff val="80000"/>
+            </a:schemeClr>
+          </a:solidFill>
+          <a:ln>
+            <a:solidFill>
+              <a:schemeClr val="tx1"/>
+            </a:solidFill>
+          </a:ln>
+        </p:spPr>
+        <p:style>
+          <a:lnRef idx="2">
+            <a:schemeClr val="accent1"/>
+          </a:lnRef>
+          <a:fillRef idx="1">
+            <a:schemeClr val="lt1"/>
+          </a:fillRef>
+          <a:effectRef idx="0">
+            <a:schemeClr val="accent1"/>
+          </a:effectRef>
+          <a:fontRef idx="minor">
+            <a:schemeClr val="dk1"/>
+          </a:fontRef>
+        </p:style>
+        <p:txBody>
+          <a:bodyPr tIns="0" bIns="0" rtlCol="0" anchor="t"/>
+          <a:lstStyle/>
+          <a:p>
+            <a:pPr algn="ctr"/>
+            <a:endParaRPr kumimoji="1" lang="ja-JP" altLang="en-US" sz="1600" dirty="0"/>
+          </a:p>
+        </p:txBody>
+      </p:sp>
+      <p:sp>
+        <p:nvSpPr>
+          <p:cNvPr id="5" name="楕円 4">
+            <a:extLst>
+              <a:ext uri="{FF2B5EF4-FFF2-40B4-BE49-F238E27FC236}">
+                <a16:creationId xmlns:a16="http://schemas.microsoft.com/office/drawing/2014/main" id="{D8B52D55-1ACB-79D8-60DE-A16C4075EF0A}"/>
+              </a:ext>
+            </a:extLst>
+          </p:cNvPr>
+          <p:cNvSpPr/>
+          <p:nvPr/>
+        </p:nvSpPr>
+        <p:spPr>
+          <a:xfrm>
+            <a:off x="1847850" y="772357"/>
+            <a:ext cx="5318760" cy="5313286"/>
+          </a:xfrm>
+          <a:prstGeom prst="ellipse">
+            <a:avLst/>
+          </a:prstGeom>
+          <a:solidFill>
+            <a:schemeClr val="accent6">
+              <a:lumMod val="20000"/>
+              <a:lumOff val="80000"/>
+            </a:schemeClr>
+          </a:solidFill>
+          <a:ln>
+            <a:solidFill>
+              <a:schemeClr val="tx1"/>
+            </a:solidFill>
+          </a:ln>
+        </p:spPr>
+        <p:style>
+          <a:lnRef idx="2">
+            <a:schemeClr val="accent1"/>
+          </a:lnRef>
+          <a:fillRef idx="1">
+            <a:schemeClr val="lt1"/>
+          </a:fillRef>
+          <a:effectRef idx="0">
+            <a:schemeClr val="accent1"/>
+          </a:effectRef>
+          <a:fontRef idx="minor">
+            <a:schemeClr val="dk1"/>
+          </a:fontRef>
+        </p:style>
+        <p:txBody>
+          <a:bodyPr tIns="0" bIns="0" rtlCol="0" anchor="t"/>
+          <a:lstStyle/>
+          <a:p>
+            <a:pPr algn="ctr"/>
+            <a:endParaRPr kumimoji="1" lang="ja-JP" altLang="en-US" sz="1600" dirty="0"/>
+          </a:p>
+        </p:txBody>
+      </p:sp>
+      <p:sp>
+        <p:nvSpPr>
+          <p:cNvPr id="3" name="楕円 2">
+            <a:extLst>
+              <a:ext uri="{FF2B5EF4-FFF2-40B4-BE49-F238E27FC236}">
+                <a16:creationId xmlns:a16="http://schemas.microsoft.com/office/drawing/2014/main" id="{FD5F7EEE-98CD-3F37-082F-E28F6540080E}"/>
+              </a:ext>
+            </a:extLst>
+          </p:cNvPr>
+          <p:cNvSpPr/>
+          <p:nvPr/>
+        </p:nvSpPr>
+        <p:spPr>
+          <a:xfrm>
+            <a:off x="3150870" y="2072640"/>
+            <a:ext cx="2712720" cy="2712720"/>
+          </a:xfrm>
+          <a:prstGeom prst="ellipse">
+            <a:avLst/>
+          </a:prstGeom>
+          <a:solidFill>
+            <a:schemeClr val="accent4">
+              <a:lumMod val="20000"/>
+              <a:lumOff val="80000"/>
+            </a:schemeClr>
+          </a:solidFill>
+          <a:ln>
+            <a:solidFill>
+              <a:schemeClr val="tx1"/>
+            </a:solidFill>
+          </a:ln>
+        </p:spPr>
+        <p:style>
+          <a:lnRef idx="2">
+            <a:schemeClr val="accent1"/>
+          </a:lnRef>
+          <a:fillRef idx="1">
+            <a:schemeClr val="lt1"/>
+          </a:fillRef>
+          <a:effectRef idx="0">
+            <a:schemeClr val="accent1"/>
+          </a:effectRef>
+          <a:fontRef idx="minor">
+            <a:schemeClr val="dk1"/>
+          </a:fontRef>
+        </p:style>
+        <p:txBody>
+          <a:bodyPr tIns="0" bIns="0" rtlCol="0" anchor="t"/>
+          <a:lstStyle/>
+          <a:p>
+            <a:pPr algn="ctr"/>
+            <a:endParaRPr kumimoji="1" lang="ja-JP" altLang="en-US" sz="1600" dirty="0"/>
+          </a:p>
+        </p:txBody>
+      </p:sp>
+      <p:sp>
+        <p:nvSpPr>
+          <p:cNvPr id="7" name="テキスト ボックス 6">
+            <a:extLst>
+              <a:ext uri="{FF2B5EF4-FFF2-40B4-BE49-F238E27FC236}">
+                <a16:creationId xmlns:a16="http://schemas.microsoft.com/office/drawing/2014/main" id="{7BC21E71-31D6-3669-41F4-DA16D9DF5ADC}"/>
+              </a:ext>
+            </a:extLst>
+          </p:cNvPr>
+          <p:cNvSpPr txBox="1"/>
+          <p:nvPr/>
+        </p:nvSpPr>
+        <p:spPr>
+          <a:xfrm>
+            <a:off x="3722400" y="2286713"/>
+            <a:ext cx="1569660" cy="369332"/>
+          </a:xfrm>
+          <a:prstGeom prst="rect">
+            <a:avLst/>
+          </a:prstGeom>
+          <a:noFill/>
+        </p:spPr>
+        <p:txBody>
+          <a:bodyPr wrap="none" rtlCol="0">
+            <a:spAutoFit/>
+          </a:bodyPr>
+          <a:lstStyle/>
+          <a:p>
+            <a:pPr algn="ctr"/>
+            <a:r>
+              <a:rPr kumimoji="1" lang="ja-JP" altLang="en-US" dirty="0"/>
+              <a:t>購買ドメイン</a:t>
+            </a:r>
+          </a:p>
+        </p:txBody>
+      </p:sp>
+      <p:sp>
+        <p:nvSpPr>
+          <p:cNvPr id="9" name="テキスト ボックス 8">
+            <a:extLst>
+              <a:ext uri="{FF2B5EF4-FFF2-40B4-BE49-F238E27FC236}">
+                <a16:creationId xmlns:a16="http://schemas.microsoft.com/office/drawing/2014/main" id="{4AA4408E-BAFB-5176-6604-E8A23E3A94FF}"/>
+              </a:ext>
+            </a:extLst>
+          </p:cNvPr>
+          <p:cNvSpPr txBox="1"/>
+          <p:nvPr/>
+        </p:nvSpPr>
+        <p:spPr>
+          <a:xfrm rot="2860399">
+            <a:off x="1293085" y="5300660"/>
+            <a:ext cx="2170787" cy="369332"/>
+          </a:xfrm>
+          <a:prstGeom prst="rect">
+            <a:avLst/>
+          </a:prstGeom>
+          <a:noFill/>
+        </p:spPr>
+        <p:txBody>
+          <a:bodyPr wrap="none" rtlCol="0">
+            <a:spAutoFit/>
+          </a:bodyPr>
+          <a:lstStyle/>
+          <a:p>
+            <a:pPr algn="ctr"/>
+            <a:r>
+              <a:rPr kumimoji="1" lang="en-US" altLang="ja-JP" dirty="0"/>
+              <a:t>DB</a:t>
+            </a:r>
+            <a:r>
+              <a:rPr kumimoji="1" lang="ja-JP" altLang="en-US" dirty="0"/>
+              <a:t>（</a:t>
+            </a:r>
+            <a:r>
+              <a:rPr kumimoji="1" lang="en-US" altLang="ja-JP" dirty="0"/>
+              <a:t>SQL</a:t>
+            </a:r>
+            <a:r>
+              <a:rPr kumimoji="1" lang="ja-JP" altLang="en-US" dirty="0"/>
+              <a:t> </a:t>
+            </a:r>
+            <a:r>
+              <a:rPr kumimoji="1" lang="en-US" altLang="ja-JP" dirty="0"/>
+              <a:t>Server</a:t>
+            </a:r>
+            <a:r>
+              <a:rPr kumimoji="1" lang="ja-JP" altLang="en-US" dirty="0"/>
+              <a:t>）</a:t>
+            </a:r>
+          </a:p>
+        </p:txBody>
+      </p:sp>
+      <p:sp>
+        <p:nvSpPr>
+          <p:cNvPr id="12" name="テキスト ボックス 11">
+            <a:extLst>
+              <a:ext uri="{FF2B5EF4-FFF2-40B4-BE49-F238E27FC236}">
+                <a16:creationId xmlns:a16="http://schemas.microsoft.com/office/drawing/2014/main" id="{AC990C2C-0114-CB69-C9A5-F2BC15A6AE81}"/>
+              </a:ext>
+            </a:extLst>
+          </p:cNvPr>
+          <p:cNvSpPr txBox="1"/>
+          <p:nvPr/>
+        </p:nvSpPr>
+        <p:spPr>
+          <a:xfrm>
+            <a:off x="3811366" y="293547"/>
+            <a:ext cx="1391728" cy="369332"/>
+          </a:xfrm>
+          <a:prstGeom prst="rect">
+            <a:avLst/>
+          </a:prstGeom>
+          <a:noFill/>
+        </p:spPr>
+        <p:txBody>
+          <a:bodyPr wrap="none" rtlCol="0">
+            <a:spAutoFit/>
+          </a:bodyPr>
+          <a:lstStyle/>
+          <a:p>
+            <a:pPr algn="ctr"/>
+            <a:r>
+              <a:rPr kumimoji="1" lang="en-US" altLang="ja-JP" dirty="0"/>
+              <a:t>UI</a:t>
+            </a:r>
+            <a:r>
+              <a:rPr kumimoji="1" lang="ja-JP" altLang="en-US" dirty="0"/>
+              <a:t>（</a:t>
+            </a:r>
+            <a:r>
+              <a:rPr kumimoji="1" lang="en-US" altLang="ja-JP" dirty="0"/>
+              <a:t>WPF</a:t>
+            </a:r>
+            <a:r>
+              <a:rPr kumimoji="1" lang="ja-JP" altLang="en-US" dirty="0"/>
+              <a:t>）</a:t>
+            </a:r>
+          </a:p>
+        </p:txBody>
+      </p:sp>
+      <p:sp>
+        <p:nvSpPr>
+          <p:cNvPr id="13" name="テキスト ボックス 12">
+            <a:extLst>
+              <a:ext uri="{FF2B5EF4-FFF2-40B4-BE49-F238E27FC236}">
+                <a16:creationId xmlns:a16="http://schemas.microsoft.com/office/drawing/2014/main" id="{986B2D26-80C0-618F-02ED-D175574E544B}"/>
+              </a:ext>
+            </a:extLst>
+          </p:cNvPr>
+          <p:cNvSpPr txBox="1"/>
+          <p:nvPr/>
+        </p:nvSpPr>
+        <p:spPr>
+          <a:xfrm rot="18838972">
+            <a:off x="5390152" y="5109297"/>
+            <a:ext cx="2832827" cy="369332"/>
+          </a:xfrm>
+          <a:prstGeom prst="rect">
+            <a:avLst/>
+          </a:prstGeom>
+          <a:noFill/>
+        </p:spPr>
+        <p:txBody>
+          <a:bodyPr wrap="none" rtlCol="0">
+            <a:spAutoFit/>
+          </a:bodyPr>
+          <a:lstStyle/>
+          <a:p>
+            <a:pPr algn="ctr"/>
+            <a:r>
+              <a:rPr kumimoji="1" lang="en-US" altLang="ja-JP" dirty="0"/>
+              <a:t>Web</a:t>
+            </a:r>
+            <a:r>
+              <a:rPr kumimoji="1" lang="ja-JP" altLang="en-US" dirty="0"/>
+              <a:t> </a:t>
+            </a:r>
+            <a:r>
+              <a:rPr kumimoji="1" lang="en-US" altLang="ja-JP" dirty="0"/>
+              <a:t>API</a:t>
+            </a:r>
+            <a:r>
+              <a:rPr kumimoji="1" lang="ja-JP" altLang="en-US" dirty="0"/>
+              <a:t>（</a:t>
+            </a:r>
+            <a:r>
+              <a:rPr kumimoji="1" lang="en-US" altLang="ja-JP" dirty="0"/>
+              <a:t>MagicOnion</a:t>
+            </a:r>
+            <a:r>
+              <a:rPr kumimoji="1" lang="ja-JP" altLang="en-US" dirty="0"/>
+              <a:t>）</a:t>
+            </a:r>
+          </a:p>
+        </p:txBody>
+      </p:sp>
+      <p:sp>
+        <p:nvSpPr>
+          <p:cNvPr id="15" name="テキスト ボックス 14">
+            <a:extLst>
+              <a:ext uri="{FF2B5EF4-FFF2-40B4-BE49-F238E27FC236}">
+                <a16:creationId xmlns:a16="http://schemas.microsoft.com/office/drawing/2014/main" id="{B1C5522C-87C7-78DD-C60F-F263BB98C9A3}"/>
+              </a:ext>
+            </a:extLst>
+          </p:cNvPr>
+          <p:cNvSpPr txBox="1"/>
+          <p:nvPr/>
+        </p:nvSpPr>
+        <p:spPr>
+          <a:xfrm rot="2688152">
+            <a:off x="1942416" y="4882820"/>
+            <a:ext cx="1569660" cy="369332"/>
+          </a:xfrm>
+          <a:prstGeom prst="rect">
+            <a:avLst/>
+          </a:prstGeom>
+          <a:noFill/>
+        </p:spPr>
+        <p:txBody>
+          <a:bodyPr wrap="none" rtlCol="0">
+            <a:spAutoFit/>
+          </a:bodyPr>
+          <a:lstStyle/>
+          <a:p>
+            <a:pPr algn="ctr"/>
+            <a:r>
+              <a:rPr kumimoji="1" lang="ja-JP" altLang="en-US" dirty="0"/>
+              <a:t>ゲートウェイ</a:t>
+            </a:r>
+          </a:p>
+        </p:txBody>
+      </p:sp>
+      <p:sp>
+        <p:nvSpPr>
+          <p:cNvPr id="16" name="テキスト ボックス 15">
+            <a:extLst>
+              <a:ext uri="{FF2B5EF4-FFF2-40B4-BE49-F238E27FC236}">
+                <a16:creationId xmlns:a16="http://schemas.microsoft.com/office/drawing/2014/main" id="{FC5E25D1-F818-CB37-329C-DE36F1A7BFA7}"/>
+              </a:ext>
+            </a:extLst>
+          </p:cNvPr>
+          <p:cNvSpPr txBox="1"/>
+          <p:nvPr/>
+        </p:nvSpPr>
+        <p:spPr>
+          <a:xfrm rot="18712592">
+            <a:off x="5328030" y="4698449"/>
+            <a:ext cx="1800494" cy="369332"/>
+          </a:xfrm>
+          <a:prstGeom prst="rect">
+            <a:avLst/>
+          </a:prstGeom>
+          <a:noFill/>
+        </p:spPr>
+        <p:txBody>
+          <a:bodyPr wrap="none" rtlCol="0">
+            <a:spAutoFit/>
+          </a:bodyPr>
+          <a:lstStyle/>
+          <a:p>
+            <a:pPr algn="ctr"/>
+            <a:r>
+              <a:rPr kumimoji="1" lang="ja-JP" altLang="en-US" dirty="0"/>
+              <a:t>コントローラー</a:t>
+            </a:r>
+          </a:p>
+        </p:txBody>
+      </p:sp>
+      <p:sp>
+        <p:nvSpPr>
+          <p:cNvPr id="10" name="正方形/長方形 9">
+            <a:extLst>
+              <a:ext uri="{FF2B5EF4-FFF2-40B4-BE49-F238E27FC236}">
+                <a16:creationId xmlns:a16="http://schemas.microsoft.com/office/drawing/2014/main" id="{DD300987-8C66-D866-FD9B-7DE8F5A9242A}"/>
+              </a:ext>
+            </a:extLst>
+          </p:cNvPr>
+          <p:cNvSpPr/>
+          <p:nvPr/>
+        </p:nvSpPr>
+        <p:spPr>
+          <a:xfrm>
+            <a:off x="4110366" y="2870118"/>
+            <a:ext cx="751939" cy="282485"/>
+          </a:xfrm>
+          <a:prstGeom prst="rect">
+            <a:avLst/>
+          </a:prstGeom>
+        </p:spPr>
+        <p:style>
+          <a:lnRef idx="2">
+            <a:schemeClr val="accent2">
+              <a:shade val="50000"/>
+            </a:schemeClr>
+          </a:lnRef>
+          <a:fillRef idx="1">
+            <a:schemeClr val="accent2"/>
+          </a:fillRef>
+          <a:effectRef idx="0">
+            <a:schemeClr val="accent2"/>
+          </a:effectRef>
+          <a:fontRef idx="minor">
+            <a:schemeClr val="lt1"/>
+          </a:fontRef>
+        </p:style>
+        <p:txBody>
+          <a:bodyPr rtlCol="0" anchor="ctr"/>
+          <a:lstStyle/>
+          <a:p>
+            <a:pPr algn="ctr"/>
+            <a:r>
+              <a:rPr kumimoji="1" lang="en-US" altLang="ja-JP" sz="1100" dirty="0"/>
+              <a:t>Vendor</a:t>
+            </a:r>
+            <a:endParaRPr kumimoji="1" lang="ja-JP" altLang="en-US" sz="1100" dirty="0"/>
+          </a:p>
+        </p:txBody>
+      </p:sp>
+      <p:sp>
+        <p:nvSpPr>
+          <p:cNvPr id="30" name="正方形/長方形 29">
+            <a:extLst>
+              <a:ext uri="{FF2B5EF4-FFF2-40B4-BE49-F238E27FC236}">
+                <a16:creationId xmlns:a16="http://schemas.microsoft.com/office/drawing/2014/main" id="{731D1CC2-2DD9-DD83-5AFE-6F5922CAD473}"/>
+              </a:ext>
+            </a:extLst>
+          </p:cNvPr>
+          <p:cNvSpPr/>
+          <p:nvPr/>
+        </p:nvSpPr>
+        <p:spPr>
+          <a:xfrm>
+            <a:off x="3769317" y="3591250"/>
+            <a:ext cx="1433777" cy="282485"/>
+          </a:xfrm>
+          <a:prstGeom prst="rect">
+            <a:avLst/>
+          </a:prstGeom>
+        </p:spPr>
+        <p:style>
+          <a:lnRef idx="2">
+            <a:schemeClr val="accent2">
+              <a:shade val="50000"/>
+            </a:schemeClr>
+          </a:lnRef>
+          <a:fillRef idx="1">
+            <a:schemeClr val="accent2"/>
+          </a:fillRef>
+          <a:effectRef idx="0">
+            <a:schemeClr val="accent2"/>
+          </a:effectRef>
+          <a:fontRef idx="minor">
+            <a:schemeClr val="lt1"/>
+          </a:fontRef>
+        </p:style>
+        <p:txBody>
+          <a:bodyPr rtlCol="0" anchor="ctr"/>
+          <a:lstStyle/>
+          <a:p>
+            <a:pPr algn="ctr"/>
+            <a:r>
+              <a:rPr kumimoji="1" lang="en-US" altLang="ja-JP" sz="1100" dirty="0"/>
+              <a:t>IVendorRepository</a:t>
+            </a:r>
+            <a:endParaRPr kumimoji="1" lang="ja-JP" altLang="en-US" sz="1100" dirty="0"/>
+          </a:p>
+        </p:txBody>
+      </p:sp>
+      <p:sp>
+        <p:nvSpPr>
+          <p:cNvPr id="31" name="正方形/長方形 30">
+            <a:extLst>
+              <a:ext uri="{FF2B5EF4-FFF2-40B4-BE49-F238E27FC236}">
+                <a16:creationId xmlns:a16="http://schemas.microsoft.com/office/drawing/2014/main" id="{A5EBE216-8792-3469-315F-DDFD8F1C2193}"/>
+              </a:ext>
+            </a:extLst>
+          </p:cNvPr>
+          <p:cNvSpPr/>
+          <p:nvPr/>
+        </p:nvSpPr>
+        <p:spPr>
+          <a:xfrm rot="2747665">
+            <a:off x="2164373" y="4670549"/>
+            <a:ext cx="1433777" cy="282485"/>
+          </a:xfrm>
+          <a:prstGeom prst="rect">
+            <a:avLst/>
+          </a:prstGeom>
+        </p:spPr>
+        <p:style>
+          <a:lnRef idx="2">
+            <a:schemeClr val="accent2">
+              <a:shade val="50000"/>
+            </a:schemeClr>
+          </a:lnRef>
+          <a:fillRef idx="1">
+            <a:schemeClr val="accent2"/>
+          </a:fillRef>
+          <a:effectRef idx="0">
+            <a:schemeClr val="accent2"/>
+          </a:effectRef>
+          <a:fontRef idx="minor">
+            <a:schemeClr val="lt1"/>
+          </a:fontRef>
+        </p:style>
+        <p:txBody>
+          <a:bodyPr rtlCol="0" anchor="ctr"/>
+          <a:lstStyle/>
+          <a:p>
+            <a:pPr algn="ctr"/>
+            <a:r>
+              <a:rPr kumimoji="1" lang="en-US" altLang="ja-JP" sz="1100" dirty="0"/>
+              <a:t>VendorRepository</a:t>
+            </a:r>
+            <a:endParaRPr kumimoji="1" lang="ja-JP" altLang="en-US" sz="1100" dirty="0"/>
+          </a:p>
+        </p:txBody>
+      </p:sp>
+      <p:cxnSp>
+        <p:nvCxnSpPr>
+          <p:cNvPr id="32" name="直線矢印コネクタ 31">
+            <a:extLst>
+              <a:ext uri="{FF2B5EF4-FFF2-40B4-BE49-F238E27FC236}">
+                <a16:creationId xmlns:a16="http://schemas.microsoft.com/office/drawing/2014/main" id="{DCD3C585-B900-CC94-C843-D931DC59920A}"/>
+              </a:ext>
+            </a:extLst>
+          </p:cNvPr>
+          <p:cNvCxnSpPr>
+            <a:cxnSpLocks/>
+            <a:stCxn id="30" idx="0"/>
+            <a:endCxn id="10" idx="2"/>
+          </p:cNvCxnSpPr>
+          <p:nvPr/>
+        </p:nvCxnSpPr>
+        <p:spPr>
+          <a:xfrm flipV="1">
+            <a:off x="4486206" y="3152603"/>
+            <a:ext cx="130" cy="438647"/>
+          </a:xfrm>
+          <a:prstGeom prst="straightConnector1">
+            <a:avLst/>
+          </a:prstGeom>
+          <a:ln w="12700">
+            <a:solidFill>
+              <a:srgbClr val="FF0000"/>
+            </a:solidFill>
+            <a:prstDash val="dash"/>
+            <a:tailEnd type="triangle" w="lg" len="lg"/>
+          </a:ln>
+        </p:spPr>
+        <p:style>
+          <a:lnRef idx="1">
+            <a:schemeClr val="dk1"/>
+          </a:lnRef>
+          <a:fillRef idx="0">
+            <a:schemeClr val="dk1"/>
+          </a:fillRef>
+          <a:effectRef idx="0">
+            <a:schemeClr val="dk1"/>
+          </a:effectRef>
+          <a:fontRef idx="minor">
+            <a:schemeClr val="tx1"/>
+          </a:fontRef>
+        </p:style>
+      </p:cxnSp>
+      <p:cxnSp>
+        <p:nvCxnSpPr>
+          <p:cNvPr id="33" name="直線矢印コネクタ 32">
+            <a:extLst>
+              <a:ext uri="{FF2B5EF4-FFF2-40B4-BE49-F238E27FC236}">
+                <a16:creationId xmlns:a16="http://schemas.microsoft.com/office/drawing/2014/main" id="{F14900EF-3AF4-F268-B2C6-1188474FF171}"/>
+              </a:ext>
+            </a:extLst>
+          </p:cNvPr>
+          <p:cNvCxnSpPr>
+            <a:cxnSpLocks/>
+            <a:stCxn id="31" idx="0"/>
+          </p:cNvCxnSpPr>
+          <p:nvPr/>
+        </p:nvCxnSpPr>
+        <p:spPr>
+          <a:xfrm flipV="1">
+            <a:off x="2982510" y="3872026"/>
+            <a:ext cx="960583" cy="841287"/>
+          </a:xfrm>
+          <a:prstGeom prst="straightConnector1">
+            <a:avLst/>
+          </a:prstGeom>
+          <a:ln w="12700">
+            <a:solidFill>
+              <a:srgbClr val="FF0000"/>
+            </a:solidFill>
+            <a:prstDash val="solid"/>
+            <a:tailEnd type="triangle" w="lg" len="lg"/>
+          </a:ln>
+        </p:spPr>
+        <p:style>
+          <a:lnRef idx="1">
+            <a:schemeClr val="dk1"/>
+          </a:lnRef>
+          <a:fillRef idx="0">
+            <a:schemeClr val="dk1"/>
+          </a:fillRef>
+          <a:effectRef idx="0">
+            <a:schemeClr val="dk1"/>
+          </a:effectRef>
+          <a:fontRef idx="minor">
+            <a:schemeClr val="tx1"/>
+          </a:fontRef>
+        </p:style>
+      </p:cxnSp>
+      <p:cxnSp>
+        <p:nvCxnSpPr>
+          <p:cNvPr id="2" name="直線矢印コネクタ 1">
+            <a:extLst>
+              <a:ext uri="{FF2B5EF4-FFF2-40B4-BE49-F238E27FC236}">
+                <a16:creationId xmlns:a16="http://schemas.microsoft.com/office/drawing/2014/main" id="{1D9B2AD3-5955-0255-6EAD-C6325B89B686}"/>
+              </a:ext>
+            </a:extLst>
+          </p:cNvPr>
+          <p:cNvCxnSpPr>
+            <a:cxnSpLocks/>
+          </p:cNvCxnSpPr>
+          <p:nvPr/>
+        </p:nvCxnSpPr>
+        <p:spPr>
+          <a:xfrm flipH="1">
+            <a:off x="8187793" y="293547"/>
+            <a:ext cx="543434" cy="0"/>
+          </a:xfrm>
+          <a:prstGeom prst="straightConnector1">
+            <a:avLst/>
+          </a:prstGeom>
+          <a:ln w="12700">
+            <a:solidFill>
+              <a:srgbClr val="FF0000"/>
+            </a:solidFill>
+            <a:prstDash val="dash"/>
+            <a:tailEnd type="triangle" w="lg" len="lg"/>
+          </a:ln>
+        </p:spPr>
+        <p:style>
+          <a:lnRef idx="1">
+            <a:schemeClr val="dk1"/>
+          </a:lnRef>
+          <a:fillRef idx="0">
+            <a:schemeClr val="dk1"/>
+          </a:fillRef>
+          <a:effectRef idx="0">
+            <a:schemeClr val="dk1"/>
+          </a:effectRef>
+          <a:fontRef idx="minor">
+            <a:schemeClr val="tx1"/>
+          </a:fontRef>
+        </p:style>
+      </p:cxnSp>
+      <p:cxnSp>
+        <p:nvCxnSpPr>
+          <p:cNvPr id="6" name="直線矢印コネクタ 5">
+            <a:extLst>
+              <a:ext uri="{FF2B5EF4-FFF2-40B4-BE49-F238E27FC236}">
+                <a16:creationId xmlns:a16="http://schemas.microsoft.com/office/drawing/2014/main" id="{200752DB-385E-816E-74F6-C86975CAB38A}"/>
+              </a:ext>
+            </a:extLst>
+          </p:cNvPr>
+          <p:cNvCxnSpPr>
+            <a:cxnSpLocks/>
+          </p:cNvCxnSpPr>
+          <p:nvPr/>
+        </p:nvCxnSpPr>
+        <p:spPr>
+          <a:xfrm flipH="1">
+            <a:off x="8187793" y="615272"/>
+            <a:ext cx="543434" cy="0"/>
+          </a:xfrm>
+          <a:prstGeom prst="straightConnector1">
+            <a:avLst/>
+          </a:prstGeom>
+          <a:ln w="12700">
+            <a:solidFill>
+              <a:srgbClr val="FF0000"/>
+            </a:solidFill>
+            <a:prstDash val="solid"/>
+            <a:tailEnd type="triangle" w="lg" len="lg"/>
+          </a:ln>
+        </p:spPr>
+        <p:style>
+          <a:lnRef idx="1">
+            <a:schemeClr val="dk1"/>
+          </a:lnRef>
+          <a:fillRef idx="0">
+            <a:schemeClr val="dk1"/>
+          </a:fillRef>
+          <a:effectRef idx="0">
+            <a:schemeClr val="dk1"/>
+          </a:effectRef>
+          <a:fontRef idx="minor">
+            <a:schemeClr val="tx1"/>
+          </a:fontRef>
+        </p:style>
+      </p:cxnSp>
+      <p:sp>
+        <p:nvSpPr>
+          <p:cNvPr id="17" name="テキスト ボックス 16">
+            <a:extLst>
+              <a:ext uri="{FF2B5EF4-FFF2-40B4-BE49-F238E27FC236}">
+                <a16:creationId xmlns:a16="http://schemas.microsoft.com/office/drawing/2014/main" id="{02739AAC-0537-9316-337E-66D25B7948B5}"/>
+              </a:ext>
+            </a:extLst>
+          </p:cNvPr>
+          <p:cNvSpPr txBox="1"/>
+          <p:nvPr/>
+        </p:nvSpPr>
+        <p:spPr>
+          <a:xfrm>
+            <a:off x="8731227" y="124270"/>
+            <a:ext cx="595035" cy="338554"/>
+          </a:xfrm>
+          <a:prstGeom prst="rect">
+            <a:avLst/>
+          </a:prstGeom>
+          <a:noFill/>
+        </p:spPr>
+        <p:txBody>
+          <a:bodyPr wrap="none" rtlCol="0">
+            <a:spAutoFit/>
+          </a:bodyPr>
+          <a:lstStyle/>
+          <a:p>
+            <a:r>
+              <a:rPr kumimoji="1" lang="ja-JP" altLang="en-US" sz="1600" dirty="0"/>
+              <a:t>依存</a:t>
+            </a:r>
+          </a:p>
+        </p:txBody>
+      </p:sp>
+      <p:sp>
+        <p:nvSpPr>
+          <p:cNvPr id="18" name="テキスト ボックス 17">
+            <a:extLst>
+              <a:ext uri="{FF2B5EF4-FFF2-40B4-BE49-F238E27FC236}">
+                <a16:creationId xmlns:a16="http://schemas.microsoft.com/office/drawing/2014/main" id="{679DD35F-C7FD-3B3D-2ED1-3DDDA4D98BEE}"/>
+              </a:ext>
+            </a:extLst>
+          </p:cNvPr>
+          <p:cNvSpPr txBox="1"/>
+          <p:nvPr/>
+        </p:nvSpPr>
+        <p:spPr>
+          <a:xfrm>
+            <a:off x="8731227" y="454195"/>
+            <a:ext cx="2441694" cy="338554"/>
+          </a:xfrm>
+          <a:prstGeom prst="rect">
+            <a:avLst/>
+          </a:prstGeom>
+          <a:noFill/>
+        </p:spPr>
+        <p:txBody>
+          <a:bodyPr wrap="none" rtlCol="0">
+            <a:spAutoFit/>
+          </a:bodyPr>
+          <a:lstStyle/>
+          <a:p>
+            <a:r>
+              <a:rPr kumimoji="1" lang="ja-JP" altLang="en-US" sz="1600" dirty="0"/>
+              <a:t>インターフェイスの実装</a:t>
+            </a:r>
+          </a:p>
+        </p:txBody>
+      </p:sp>
+      <p:grpSp>
+        <p:nvGrpSpPr>
+          <p:cNvPr id="19" name="グループ化 18">
+            <a:extLst>
+              <a:ext uri="{FF2B5EF4-FFF2-40B4-BE49-F238E27FC236}">
+                <a16:creationId xmlns:a16="http://schemas.microsoft.com/office/drawing/2014/main" id="{143D6D13-7976-0FB1-5B4A-24D43E2EE711}"/>
+              </a:ext>
+            </a:extLst>
+          </p:cNvPr>
+          <p:cNvGrpSpPr/>
+          <p:nvPr/>
+        </p:nvGrpSpPr>
+        <p:grpSpPr>
+          <a:xfrm>
+            <a:off x="8202622" y="6111468"/>
+            <a:ext cx="3298772" cy="388882"/>
+            <a:chOff x="8200596" y="5696761"/>
+            <a:chExt cx="3298772" cy="388882"/>
+          </a:xfrm>
+        </p:grpSpPr>
+        <p:sp>
+          <p:nvSpPr>
+            <p:cNvPr id="20" name="正方形/長方形 19">
+              <a:extLst>
+                <a:ext uri="{FF2B5EF4-FFF2-40B4-BE49-F238E27FC236}">
+                  <a16:creationId xmlns:a16="http://schemas.microsoft.com/office/drawing/2014/main" id="{7C1CF807-4DAF-6649-3246-B8D61EC89C99}"/>
+                </a:ext>
+              </a:extLst>
+            </p:cNvPr>
+            <p:cNvSpPr/>
+            <p:nvPr/>
+          </p:nvSpPr>
+          <p:spPr>
+            <a:xfrm>
+              <a:off x="8200596" y="5696761"/>
+              <a:ext cx="683953" cy="388882"/>
+            </a:xfrm>
+            <a:prstGeom prst="rect">
+              <a:avLst/>
+            </a:prstGeom>
+            <a:solidFill>
+              <a:schemeClr val="accent1">
+                <a:lumMod val="20000"/>
+                <a:lumOff val="80000"/>
+              </a:schemeClr>
+            </a:solidFill>
+            <a:ln>
+              <a:solidFill>
+                <a:schemeClr val="tx1"/>
+              </a:solidFill>
+            </a:ln>
+          </p:spPr>
+          <p:style>
+            <a:lnRef idx="2">
+              <a:schemeClr val="accent1"/>
+            </a:lnRef>
+            <a:fillRef idx="1">
+              <a:schemeClr val="lt1"/>
+            </a:fillRef>
+            <a:effectRef idx="0">
+              <a:schemeClr val="accent1"/>
+            </a:effectRef>
+            <a:fontRef idx="minor">
+              <a:schemeClr val="dk1"/>
+            </a:fontRef>
+          </p:style>
+          <p:txBody>
+            <a:bodyPr tIns="0" bIns="0" rtlCol="0" anchor="t"/>
+            <a:lstStyle/>
+            <a:p>
+              <a:pPr algn="ctr"/>
+              <a:endParaRPr kumimoji="1" lang="ja-JP" altLang="en-US" sz="1600" dirty="0"/>
+            </a:p>
+          </p:txBody>
+        </p:sp>
+        <p:sp>
+          <p:nvSpPr>
+            <p:cNvPr id="21" name="テキスト ボックス 20">
+              <a:extLst>
+                <a:ext uri="{FF2B5EF4-FFF2-40B4-BE49-F238E27FC236}">
+                  <a16:creationId xmlns:a16="http://schemas.microsoft.com/office/drawing/2014/main" id="{54AAF935-99E0-3F3E-CE77-DA03FA08B43F}"/>
+                </a:ext>
+              </a:extLst>
+            </p:cNvPr>
+            <p:cNvSpPr txBox="1"/>
+            <p:nvPr/>
+          </p:nvSpPr>
+          <p:spPr>
+            <a:xfrm>
+              <a:off x="8884549" y="5706536"/>
+              <a:ext cx="2614819" cy="369332"/>
+            </a:xfrm>
+            <a:prstGeom prst="rect">
+              <a:avLst/>
+            </a:prstGeom>
+            <a:noFill/>
+          </p:spPr>
+          <p:txBody>
+            <a:bodyPr wrap="none" rtlCol="0">
+              <a:spAutoFit/>
+            </a:bodyPr>
+            <a:lstStyle/>
+            <a:p>
+              <a:r>
+                <a:rPr kumimoji="1" lang="en-US" altLang="ja-JP" dirty="0"/>
+                <a:t>Frameworks</a:t>
+              </a:r>
+              <a:r>
+                <a:rPr kumimoji="1" lang="ja-JP" altLang="en-US" dirty="0"/>
+                <a:t> ＆ </a:t>
+              </a:r>
+              <a:r>
+                <a:rPr kumimoji="1" lang="en-US" altLang="ja-JP" dirty="0"/>
+                <a:t>Drivers</a:t>
+              </a:r>
+              <a:endParaRPr kumimoji="1" lang="ja-JP" altLang="en-US" dirty="0"/>
+            </a:p>
+          </p:txBody>
+        </p:sp>
+      </p:grpSp>
+      <p:grpSp>
+        <p:nvGrpSpPr>
+          <p:cNvPr id="22" name="グループ化 21">
+            <a:extLst>
+              <a:ext uri="{FF2B5EF4-FFF2-40B4-BE49-F238E27FC236}">
+                <a16:creationId xmlns:a16="http://schemas.microsoft.com/office/drawing/2014/main" id="{067AA25D-64B6-63BD-35ED-8D1D6CE8EAF4}"/>
+              </a:ext>
+            </a:extLst>
+          </p:cNvPr>
+          <p:cNvGrpSpPr/>
+          <p:nvPr/>
+        </p:nvGrpSpPr>
+        <p:grpSpPr>
+          <a:xfrm>
+            <a:off x="8209421" y="5533033"/>
+            <a:ext cx="3346861" cy="388882"/>
+            <a:chOff x="8200596" y="5696761"/>
+            <a:chExt cx="3346861" cy="388882"/>
+          </a:xfrm>
+        </p:grpSpPr>
+        <p:sp>
+          <p:nvSpPr>
+            <p:cNvPr id="23" name="正方形/長方形 22">
+              <a:extLst>
+                <a:ext uri="{FF2B5EF4-FFF2-40B4-BE49-F238E27FC236}">
+                  <a16:creationId xmlns:a16="http://schemas.microsoft.com/office/drawing/2014/main" id="{D7DBFDDF-7431-1A7E-0465-E34102A2FE87}"/>
+                </a:ext>
+              </a:extLst>
+            </p:cNvPr>
+            <p:cNvSpPr/>
+            <p:nvPr/>
+          </p:nvSpPr>
+          <p:spPr>
+            <a:xfrm>
+              <a:off x="8200596" y="5696761"/>
+              <a:ext cx="683953" cy="388882"/>
+            </a:xfrm>
+            <a:prstGeom prst="rect">
+              <a:avLst/>
+            </a:prstGeom>
+            <a:solidFill>
+              <a:schemeClr val="accent6">
+                <a:lumMod val="20000"/>
+                <a:lumOff val="80000"/>
+              </a:schemeClr>
+            </a:solidFill>
+            <a:ln>
+              <a:solidFill>
+                <a:schemeClr val="tx1"/>
+              </a:solidFill>
+            </a:ln>
+          </p:spPr>
+          <p:style>
+            <a:lnRef idx="2">
+              <a:schemeClr val="accent1"/>
+            </a:lnRef>
+            <a:fillRef idx="1">
+              <a:schemeClr val="lt1"/>
+            </a:fillRef>
+            <a:effectRef idx="0">
+              <a:schemeClr val="accent1"/>
+            </a:effectRef>
+            <a:fontRef idx="minor">
+              <a:schemeClr val="dk1"/>
+            </a:fontRef>
+          </p:style>
+          <p:txBody>
+            <a:bodyPr tIns="0" bIns="0" rtlCol="0" anchor="t"/>
+            <a:lstStyle/>
+            <a:p>
+              <a:pPr algn="ctr"/>
+              <a:endParaRPr kumimoji="1" lang="ja-JP" altLang="en-US" sz="1600" dirty="0"/>
+            </a:p>
+          </p:txBody>
+        </p:sp>
+        <p:sp>
+          <p:nvSpPr>
+            <p:cNvPr id="24" name="テキスト ボックス 23">
+              <a:extLst>
+                <a:ext uri="{FF2B5EF4-FFF2-40B4-BE49-F238E27FC236}">
+                  <a16:creationId xmlns:a16="http://schemas.microsoft.com/office/drawing/2014/main" id="{D2D227C2-0B8A-14CA-F946-3079B389AB10}"/>
+                </a:ext>
+              </a:extLst>
+            </p:cNvPr>
+            <p:cNvSpPr txBox="1"/>
+            <p:nvPr/>
+          </p:nvSpPr>
+          <p:spPr>
+            <a:xfrm>
+              <a:off x="8884549" y="5706536"/>
+              <a:ext cx="2662908" cy="369332"/>
+            </a:xfrm>
+            <a:prstGeom prst="rect">
+              <a:avLst/>
+            </a:prstGeom>
+            <a:noFill/>
+          </p:spPr>
+          <p:txBody>
+            <a:bodyPr wrap="none" rtlCol="0">
+              <a:spAutoFit/>
+            </a:bodyPr>
+            <a:lstStyle/>
+            <a:p>
+              <a:r>
+                <a:rPr kumimoji="1" lang="en-US" altLang="ja-JP" dirty="0"/>
+                <a:t>Infrastructure Adapters</a:t>
+              </a:r>
+              <a:endParaRPr kumimoji="1" lang="ja-JP" altLang="en-US" dirty="0"/>
+            </a:p>
+          </p:txBody>
+        </p:sp>
+      </p:grpSp>
+      <p:grpSp>
+        <p:nvGrpSpPr>
+          <p:cNvPr id="25" name="グループ化 24">
+            <a:extLst>
+              <a:ext uri="{FF2B5EF4-FFF2-40B4-BE49-F238E27FC236}">
+                <a16:creationId xmlns:a16="http://schemas.microsoft.com/office/drawing/2014/main" id="{9225EAFB-7951-5B55-40CC-F2AEF91B383E}"/>
+              </a:ext>
+            </a:extLst>
+          </p:cNvPr>
+          <p:cNvGrpSpPr/>
+          <p:nvPr/>
+        </p:nvGrpSpPr>
+        <p:grpSpPr>
+          <a:xfrm>
+            <a:off x="8202622" y="4954598"/>
+            <a:ext cx="3755628" cy="388882"/>
+            <a:chOff x="8200596" y="5696761"/>
+            <a:chExt cx="3755628" cy="388882"/>
+          </a:xfrm>
+        </p:grpSpPr>
+        <p:sp>
+          <p:nvSpPr>
+            <p:cNvPr id="26" name="正方形/長方形 25">
+              <a:extLst>
+                <a:ext uri="{FF2B5EF4-FFF2-40B4-BE49-F238E27FC236}">
+                  <a16:creationId xmlns:a16="http://schemas.microsoft.com/office/drawing/2014/main" id="{ACF72B8C-0B43-01C5-D62E-C5AB4E75796D}"/>
+                </a:ext>
+              </a:extLst>
+            </p:cNvPr>
+            <p:cNvSpPr/>
+            <p:nvPr/>
+          </p:nvSpPr>
+          <p:spPr>
+            <a:xfrm>
+              <a:off x="8200596" y="5696761"/>
+              <a:ext cx="683953" cy="388882"/>
+            </a:xfrm>
+            <a:prstGeom prst="rect">
+              <a:avLst/>
+            </a:prstGeom>
+            <a:solidFill>
+              <a:schemeClr val="accent2">
+                <a:lumMod val="20000"/>
+                <a:lumOff val="80000"/>
+              </a:schemeClr>
+            </a:solidFill>
+            <a:ln>
+              <a:solidFill>
+                <a:schemeClr val="tx1"/>
+              </a:solidFill>
+            </a:ln>
+          </p:spPr>
+          <p:style>
+            <a:lnRef idx="2">
+              <a:schemeClr val="accent1"/>
+            </a:lnRef>
+            <a:fillRef idx="1">
+              <a:schemeClr val="lt1"/>
+            </a:fillRef>
+            <a:effectRef idx="0">
+              <a:schemeClr val="accent1"/>
+            </a:effectRef>
+            <a:fontRef idx="minor">
+              <a:schemeClr val="dk1"/>
+            </a:fontRef>
+          </p:style>
+          <p:txBody>
+            <a:bodyPr tIns="0" bIns="0" rtlCol="0" anchor="t"/>
+            <a:lstStyle/>
+            <a:p>
+              <a:pPr algn="ctr"/>
+              <a:endParaRPr kumimoji="1" lang="ja-JP" altLang="en-US" sz="1600" dirty="0"/>
+            </a:p>
+          </p:txBody>
+        </p:sp>
+        <p:sp>
+          <p:nvSpPr>
+            <p:cNvPr id="27" name="テキスト ボックス 26">
+              <a:extLst>
+                <a:ext uri="{FF2B5EF4-FFF2-40B4-BE49-F238E27FC236}">
+                  <a16:creationId xmlns:a16="http://schemas.microsoft.com/office/drawing/2014/main" id="{C82123E2-72AF-C86F-8005-3E552BB63494}"/>
+                </a:ext>
+              </a:extLst>
+            </p:cNvPr>
+            <p:cNvSpPr txBox="1"/>
+            <p:nvPr/>
+          </p:nvSpPr>
+          <p:spPr>
+            <a:xfrm>
+              <a:off x="8884549" y="5706536"/>
+              <a:ext cx="3071675" cy="369332"/>
+            </a:xfrm>
+            <a:prstGeom prst="rect">
+              <a:avLst/>
+            </a:prstGeom>
+            <a:noFill/>
+          </p:spPr>
+          <p:txBody>
+            <a:bodyPr wrap="none" rtlCol="0">
+              <a:spAutoFit/>
+            </a:bodyPr>
+            <a:lstStyle/>
+            <a:p>
+              <a:r>
+                <a:rPr kumimoji="1" lang="en-US" altLang="ja-JP" dirty="0"/>
+                <a:t>Application Business Rules</a:t>
+              </a:r>
+              <a:endParaRPr kumimoji="1" lang="ja-JP" altLang="en-US" dirty="0"/>
+            </a:p>
+          </p:txBody>
+        </p:sp>
+      </p:grpSp>
+      <p:grpSp>
+        <p:nvGrpSpPr>
+          <p:cNvPr id="28" name="グループ化 27">
+            <a:extLst>
+              <a:ext uri="{FF2B5EF4-FFF2-40B4-BE49-F238E27FC236}">
+                <a16:creationId xmlns:a16="http://schemas.microsoft.com/office/drawing/2014/main" id="{94CBB834-F906-A1E0-3856-0F8FA6E60E15}"/>
+              </a:ext>
+            </a:extLst>
+          </p:cNvPr>
+          <p:cNvGrpSpPr/>
+          <p:nvPr/>
+        </p:nvGrpSpPr>
+        <p:grpSpPr>
+          <a:xfrm>
+            <a:off x="8202622" y="4356613"/>
+            <a:ext cx="3656242" cy="388882"/>
+            <a:chOff x="8200596" y="5696761"/>
+            <a:chExt cx="3656242" cy="388882"/>
+          </a:xfrm>
+        </p:grpSpPr>
+        <p:sp>
+          <p:nvSpPr>
+            <p:cNvPr id="29" name="正方形/長方形 28">
+              <a:extLst>
+                <a:ext uri="{FF2B5EF4-FFF2-40B4-BE49-F238E27FC236}">
+                  <a16:creationId xmlns:a16="http://schemas.microsoft.com/office/drawing/2014/main" id="{518D5DD0-4F6A-D850-9907-59B468801B16}"/>
+                </a:ext>
+              </a:extLst>
+            </p:cNvPr>
+            <p:cNvSpPr/>
+            <p:nvPr/>
+          </p:nvSpPr>
+          <p:spPr>
+            <a:xfrm>
+              <a:off x="8200596" y="5696761"/>
+              <a:ext cx="683953" cy="388882"/>
+            </a:xfrm>
+            <a:prstGeom prst="rect">
+              <a:avLst/>
+            </a:prstGeom>
+            <a:solidFill>
+              <a:schemeClr val="accent2">
+                <a:lumMod val="20000"/>
+                <a:lumOff val="80000"/>
+              </a:schemeClr>
+            </a:solidFill>
+            <a:ln>
+              <a:solidFill>
+                <a:schemeClr val="tx1"/>
+              </a:solidFill>
+            </a:ln>
+          </p:spPr>
+          <p:style>
+            <a:lnRef idx="2">
+              <a:schemeClr val="accent1"/>
+            </a:lnRef>
+            <a:fillRef idx="1">
+              <a:schemeClr val="lt1"/>
+            </a:fillRef>
+            <a:effectRef idx="0">
+              <a:schemeClr val="accent1"/>
+            </a:effectRef>
+            <a:fontRef idx="minor">
+              <a:schemeClr val="dk1"/>
+            </a:fontRef>
+          </p:style>
+          <p:txBody>
+            <a:bodyPr tIns="0" bIns="0" rtlCol="0" anchor="t"/>
+            <a:lstStyle/>
+            <a:p>
+              <a:pPr algn="ctr"/>
+              <a:endParaRPr kumimoji="1" lang="ja-JP" altLang="en-US" sz="1600" dirty="0"/>
+            </a:p>
+          </p:txBody>
+        </p:sp>
+        <p:sp>
+          <p:nvSpPr>
+            <p:cNvPr id="34" name="テキスト ボックス 33">
+              <a:extLst>
+                <a:ext uri="{FF2B5EF4-FFF2-40B4-BE49-F238E27FC236}">
+                  <a16:creationId xmlns:a16="http://schemas.microsoft.com/office/drawing/2014/main" id="{968EB53F-0F98-6A1D-DFD1-D4620DC8CA10}"/>
+                </a:ext>
+              </a:extLst>
+            </p:cNvPr>
+            <p:cNvSpPr txBox="1"/>
+            <p:nvPr/>
+          </p:nvSpPr>
+          <p:spPr>
+            <a:xfrm>
+              <a:off x="8884549" y="5706536"/>
+              <a:ext cx="2972289" cy="369332"/>
+            </a:xfrm>
+            <a:prstGeom prst="rect">
+              <a:avLst/>
+            </a:prstGeom>
+            <a:noFill/>
+          </p:spPr>
+          <p:txBody>
+            <a:bodyPr wrap="none" rtlCol="0">
+              <a:spAutoFit/>
+            </a:bodyPr>
+            <a:lstStyle/>
+            <a:p>
+              <a:r>
+                <a:rPr kumimoji="1" lang="en-US" altLang="ja-JP" dirty="0"/>
+                <a:t>Enterprise Business Rules</a:t>
+              </a:r>
+              <a:endParaRPr kumimoji="1" lang="ja-JP" altLang="en-US" dirty="0"/>
+            </a:p>
+          </p:txBody>
+        </p:sp>
+      </p:grpSp>
+      <p:sp>
+        <p:nvSpPr>
+          <p:cNvPr id="35" name="正方形/長方形 34">
+            <a:extLst>
+              <a:ext uri="{FF2B5EF4-FFF2-40B4-BE49-F238E27FC236}">
+                <a16:creationId xmlns:a16="http://schemas.microsoft.com/office/drawing/2014/main" id="{960ED00A-55A3-561B-0024-69CBFE31B2B7}"/>
+              </a:ext>
+            </a:extLst>
+          </p:cNvPr>
+          <p:cNvSpPr/>
+          <p:nvPr/>
+        </p:nvSpPr>
+        <p:spPr>
+          <a:xfrm>
+            <a:off x="8531682" y="4356613"/>
+            <a:ext cx="355827" cy="388882"/>
+          </a:xfrm>
+          <a:prstGeom prst="rect">
+            <a:avLst/>
+          </a:prstGeom>
+          <a:solidFill>
+            <a:schemeClr val="accent4">
+              <a:lumMod val="40000"/>
+              <a:lumOff val="60000"/>
+            </a:schemeClr>
+          </a:solidFill>
+          <a:ln>
+            <a:solidFill>
+              <a:schemeClr val="tx1"/>
+            </a:solidFill>
+          </a:ln>
+        </p:spPr>
+        <p:style>
+          <a:lnRef idx="2">
+            <a:schemeClr val="accent1"/>
+          </a:lnRef>
+          <a:fillRef idx="1">
+            <a:schemeClr val="lt1"/>
+          </a:fillRef>
+          <a:effectRef idx="0">
+            <a:schemeClr val="accent1"/>
+          </a:effectRef>
+          <a:fontRef idx="minor">
+            <a:schemeClr val="dk1"/>
+          </a:fontRef>
+        </p:style>
+        <p:txBody>
+          <a:bodyPr tIns="0" bIns="0" rtlCol="0" anchor="t"/>
+          <a:lstStyle/>
+          <a:p>
+            <a:pPr algn="ctr"/>
+            <a:endParaRPr kumimoji="1" lang="ja-JP" altLang="en-US" sz="1600" dirty="0"/>
+          </a:p>
+        </p:txBody>
+      </p:sp>
+      <p:sp>
+        <p:nvSpPr>
+          <p:cNvPr id="39" name="楕円 38">
+            <a:extLst>
+              <a:ext uri="{FF2B5EF4-FFF2-40B4-BE49-F238E27FC236}">
+                <a16:creationId xmlns:a16="http://schemas.microsoft.com/office/drawing/2014/main" id="{ABAF5E2F-2CAB-0130-3DDF-7E0A83FBBE3A}"/>
+              </a:ext>
+            </a:extLst>
+          </p:cNvPr>
+          <p:cNvSpPr/>
+          <p:nvPr/>
+        </p:nvSpPr>
+        <p:spPr>
+          <a:xfrm>
+            <a:off x="4184782" y="945364"/>
+            <a:ext cx="1847168" cy="1322038"/>
+          </a:xfrm>
+          <a:prstGeom prst="ellipse">
+            <a:avLst/>
+          </a:prstGeom>
+          <a:solidFill>
+            <a:schemeClr val="bg1">
+              <a:lumMod val="95000"/>
+            </a:schemeClr>
+          </a:solidFill>
+          <a:ln w="38100">
+            <a:prstDash val="dash"/>
+          </a:ln>
+        </p:spPr>
+        <p:style>
+          <a:lnRef idx="2">
+            <a:schemeClr val="accent1">
+              <a:shade val="50000"/>
+            </a:schemeClr>
+          </a:lnRef>
+          <a:fillRef idx="1">
+            <a:schemeClr val="accent1"/>
+          </a:fillRef>
+          <a:effectRef idx="0">
+            <a:schemeClr val="accent1"/>
+          </a:effectRef>
+          <a:fontRef idx="minor">
+            <a:schemeClr val="lt1"/>
+          </a:fontRef>
+        </p:style>
+        <p:txBody>
+          <a:bodyPr rtlCol="0" anchor="ctr"/>
+          <a:lstStyle/>
+          <a:p>
+            <a:pPr algn="ctr"/>
+            <a:endParaRPr kumimoji="1" lang="ja-JP" altLang="en-US"/>
+          </a:p>
+        </p:txBody>
+      </p:sp>
+      <p:sp>
+        <p:nvSpPr>
+          <p:cNvPr id="36" name="正方形/長方形 35">
+            <a:extLst>
+              <a:ext uri="{FF2B5EF4-FFF2-40B4-BE49-F238E27FC236}">
+                <a16:creationId xmlns:a16="http://schemas.microsoft.com/office/drawing/2014/main" id="{AF1849A1-8E5A-8A1C-1667-1720357D652B}"/>
+              </a:ext>
+            </a:extLst>
+          </p:cNvPr>
+          <p:cNvSpPr/>
+          <p:nvPr/>
+        </p:nvSpPr>
+        <p:spPr>
+          <a:xfrm>
+            <a:off x="4663149" y="1262555"/>
+            <a:ext cx="751939" cy="282485"/>
+          </a:xfrm>
+          <a:prstGeom prst="rect">
+            <a:avLst/>
+          </a:prstGeom>
+        </p:spPr>
+        <p:style>
+          <a:lnRef idx="2">
+            <a:schemeClr val="accent2">
+              <a:shade val="50000"/>
+            </a:schemeClr>
+          </a:lnRef>
+          <a:fillRef idx="1">
+            <a:schemeClr val="accent2"/>
+          </a:fillRef>
+          <a:effectRef idx="0">
+            <a:schemeClr val="accent2"/>
+          </a:effectRef>
+          <a:fontRef idx="minor">
+            <a:schemeClr val="lt1"/>
+          </a:fontRef>
+        </p:style>
+        <p:txBody>
+          <a:bodyPr rtlCol="0" anchor="ctr"/>
+          <a:lstStyle/>
+          <a:p>
+            <a:pPr algn="ctr"/>
+            <a:r>
+              <a:rPr kumimoji="1" lang="en-US" altLang="ja-JP" sz="1100" dirty="0"/>
+              <a:t>App</a:t>
+            </a:r>
+            <a:endParaRPr kumimoji="1" lang="ja-JP" altLang="en-US" sz="1100" dirty="0"/>
+          </a:p>
+        </p:txBody>
+      </p:sp>
+      <p:sp>
+        <p:nvSpPr>
+          <p:cNvPr id="38" name="正方形/長方形 37">
+            <a:extLst>
+              <a:ext uri="{FF2B5EF4-FFF2-40B4-BE49-F238E27FC236}">
+                <a16:creationId xmlns:a16="http://schemas.microsoft.com/office/drawing/2014/main" id="{B25F6C1A-0E53-1949-5F3B-675382BEEC61}"/>
+              </a:ext>
+            </a:extLst>
+          </p:cNvPr>
+          <p:cNvSpPr/>
+          <p:nvPr/>
+        </p:nvSpPr>
+        <p:spPr>
+          <a:xfrm>
+            <a:off x="4679755" y="1717275"/>
+            <a:ext cx="943805" cy="282485"/>
+          </a:xfrm>
+          <a:prstGeom prst="rect">
+            <a:avLst/>
+          </a:prstGeom>
+        </p:spPr>
+        <p:style>
+          <a:lnRef idx="2">
+            <a:schemeClr val="accent2">
+              <a:shade val="50000"/>
+            </a:schemeClr>
+          </a:lnRef>
+          <a:fillRef idx="1">
+            <a:schemeClr val="accent2"/>
+          </a:fillRef>
+          <a:effectRef idx="0">
+            <a:schemeClr val="accent2"/>
+          </a:effectRef>
+          <a:fontRef idx="minor">
+            <a:schemeClr val="lt1"/>
+          </a:fontRef>
+        </p:style>
+        <p:txBody>
+          <a:bodyPr rtlCol="0" anchor="ctr"/>
+          <a:lstStyle/>
+          <a:p>
+            <a:pPr algn="ctr"/>
+            <a:r>
+              <a:rPr kumimoji="1" lang="en-US" altLang="ja-JP" sz="1100" dirty="0"/>
+              <a:t>Window</a:t>
+            </a:r>
+            <a:endParaRPr kumimoji="1" lang="ja-JP" altLang="en-US" sz="1100" dirty="0"/>
+          </a:p>
+        </p:txBody>
+      </p:sp>
+      <p:sp>
+        <p:nvSpPr>
+          <p:cNvPr id="40" name="テキスト ボックス 39">
+            <a:extLst>
+              <a:ext uri="{FF2B5EF4-FFF2-40B4-BE49-F238E27FC236}">
+                <a16:creationId xmlns:a16="http://schemas.microsoft.com/office/drawing/2014/main" id="{A0C619AF-0C20-59CC-3CE4-DA920C62949D}"/>
+              </a:ext>
+            </a:extLst>
+          </p:cNvPr>
+          <p:cNvSpPr txBox="1"/>
+          <p:nvPr/>
+        </p:nvSpPr>
+        <p:spPr>
+          <a:xfrm>
+            <a:off x="4839445" y="961653"/>
+            <a:ext cx="644728" cy="338554"/>
+          </a:xfrm>
+          <a:prstGeom prst="rect">
+            <a:avLst/>
+          </a:prstGeom>
+          <a:noFill/>
+        </p:spPr>
+        <p:txBody>
+          <a:bodyPr wrap="none" rtlCol="0">
+            <a:spAutoFit/>
+          </a:bodyPr>
+          <a:lstStyle/>
+          <a:p>
+            <a:pPr algn="ctr"/>
+            <a:r>
+              <a:rPr kumimoji="1" lang="en-US" altLang="ja-JP" sz="1600" dirty="0">
+                <a:solidFill>
+                  <a:srgbClr val="FF0000"/>
+                </a:solidFill>
+              </a:rPr>
+              <a:t>View</a:t>
+            </a:r>
+            <a:endParaRPr kumimoji="1" lang="ja-JP" altLang="en-US" sz="1600" dirty="0">
+              <a:solidFill>
+                <a:srgbClr val="FF0000"/>
+              </a:solidFill>
+            </a:endParaRPr>
+          </a:p>
+        </p:txBody>
+      </p:sp>
+      <p:sp>
+        <p:nvSpPr>
+          <p:cNvPr id="41" name="楕円 40">
+            <a:extLst>
+              <a:ext uri="{FF2B5EF4-FFF2-40B4-BE49-F238E27FC236}">
+                <a16:creationId xmlns:a16="http://schemas.microsoft.com/office/drawing/2014/main" id="{DEB4DF74-E7F0-BDC5-838D-72AA5E6704B3}"/>
+              </a:ext>
+            </a:extLst>
+          </p:cNvPr>
+          <p:cNvSpPr/>
+          <p:nvPr/>
+        </p:nvSpPr>
+        <p:spPr>
+          <a:xfrm>
+            <a:off x="2812088" y="1269561"/>
+            <a:ext cx="1323360" cy="939082"/>
+          </a:xfrm>
+          <a:prstGeom prst="ellipse">
+            <a:avLst/>
+          </a:prstGeom>
+          <a:solidFill>
+            <a:schemeClr val="bg1">
+              <a:lumMod val="95000"/>
+            </a:schemeClr>
+          </a:solidFill>
+          <a:ln w="38100">
+            <a:prstDash val="dash"/>
+          </a:ln>
+        </p:spPr>
+        <p:style>
+          <a:lnRef idx="2">
+            <a:schemeClr val="accent1">
+              <a:shade val="50000"/>
+            </a:schemeClr>
+          </a:lnRef>
+          <a:fillRef idx="1">
+            <a:schemeClr val="accent1"/>
+          </a:fillRef>
+          <a:effectRef idx="0">
+            <a:schemeClr val="accent1"/>
+          </a:effectRef>
+          <a:fontRef idx="minor">
+            <a:schemeClr val="lt1"/>
+          </a:fontRef>
+        </p:style>
+        <p:txBody>
+          <a:bodyPr rtlCol="0" anchor="ctr"/>
+          <a:lstStyle/>
+          <a:p>
+            <a:pPr algn="ctr"/>
+            <a:endParaRPr kumimoji="1" lang="ja-JP" altLang="en-US"/>
+          </a:p>
+        </p:txBody>
+      </p:sp>
+      <p:sp>
+        <p:nvSpPr>
+          <p:cNvPr id="37" name="正方形/長方形 36">
+            <a:extLst>
+              <a:ext uri="{FF2B5EF4-FFF2-40B4-BE49-F238E27FC236}">
+                <a16:creationId xmlns:a16="http://schemas.microsoft.com/office/drawing/2014/main" id="{5A0FD102-9480-EA64-45AE-7AC134DEB8A4}"/>
+              </a:ext>
+            </a:extLst>
+          </p:cNvPr>
+          <p:cNvSpPr/>
+          <p:nvPr/>
+        </p:nvSpPr>
+        <p:spPr>
+          <a:xfrm>
+            <a:off x="3108890" y="1623380"/>
+            <a:ext cx="751939" cy="282485"/>
+          </a:xfrm>
+          <a:prstGeom prst="rect">
+            <a:avLst/>
+          </a:prstGeom>
+        </p:spPr>
+        <p:style>
+          <a:lnRef idx="2">
+            <a:schemeClr val="accent2">
+              <a:shade val="50000"/>
+            </a:schemeClr>
+          </a:lnRef>
+          <a:fillRef idx="1">
+            <a:schemeClr val="accent2"/>
+          </a:fillRef>
+          <a:effectRef idx="0">
+            <a:schemeClr val="accent2"/>
+          </a:effectRef>
+          <a:fontRef idx="minor">
+            <a:schemeClr val="lt1"/>
+          </a:fontRef>
+        </p:style>
+        <p:txBody>
+          <a:bodyPr rtlCol="0" anchor="ctr"/>
+          <a:lstStyle/>
+          <a:p>
+            <a:pPr algn="ctr"/>
+            <a:r>
+              <a:rPr kumimoji="1" lang="en-US" altLang="ja-JP" sz="1100" dirty="0"/>
+              <a:t>Program</a:t>
+            </a:r>
+            <a:endParaRPr kumimoji="1" lang="ja-JP" altLang="en-US" sz="1100" dirty="0"/>
+          </a:p>
+        </p:txBody>
+      </p:sp>
+      <p:sp>
+        <p:nvSpPr>
+          <p:cNvPr id="42" name="テキスト ボックス 41">
+            <a:extLst>
+              <a:ext uri="{FF2B5EF4-FFF2-40B4-BE49-F238E27FC236}">
+                <a16:creationId xmlns:a16="http://schemas.microsoft.com/office/drawing/2014/main" id="{885A9CD2-84B3-2E49-E2AC-8D0E1BC68EB6}"/>
+              </a:ext>
+            </a:extLst>
+          </p:cNvPr>
+          <p:cNvSpPr txBox="1"/>
+          <p:nvPr/>
+        </p:nvSpPr>
+        <p:spPr>
+          <a:xfrm>
+            <a:off x="3190366" y="1318709"/>
+            <a:ext cx="554960" cy="338554"/>
+          </a:xfrm>
+          <a:prstGeom prst="rect">
+            <a:avLst/>
+          </a:prstGeom>
+          <a:noFill/>
+        </p:spPr>
+        <p:txBody>
+          <a:bodyPr wrap="none" rtlCol="0">
+            <a:spAutoFit/>
+          </a:bodyPr>
+          <a:lstStyle/>
+          <a:p>
+            <a:pPr algn="ctr"/>
+            <a:r>
+              <a:rPr kumimoji="1" lang="en-US" altLang="ja-JP" sz="1600" dirty="0">
+                <a:solidFill>
+                  <a:srgbClr val="FF0000"/>
+                </a:solidFill>
+              </a:rPr>
+              <a:t>App</a:t>
+            </a:r>
+            <a:endParaRPr kumimoji="1" lang="ja-JP" altLang="en-US" sz="1600" dirty="0">
+              <a:solidFill>
+                <a:srgbClr val="FF0000"/>
+              </a:solidFill>
+            </a:endParaRPr>
+          </a:p>
+        </p:txBody>
+      </p:sp>
+      <p:cxnSp>
+        <p:nvCxnSpPr>
+          <p:cNvPr id="43" name="直線矢印コネクタ 42">
+            <a:extLst>
+              <a:ext uri="{FF2B5EF4-FFF2-40B4-BE49-F238E27FC236}">
+                <a16:creationId xmlns:a16="http://schemas.microsoft.com/office/drawing/2014/main" id="{0FEA1D3E-83BA-46ED-8D36-EE4B29F00B95}"/>
+              </a:ext>
+            </a:extLst>
+          </p:cNvPr>
+          <p:cNvCxnSpPr>
+            <a:cxnSpLocks/>
+            <a:stCxn id="37" idx="3"/>
+            <a:endCxn id="36" idx="1"/>
+          </p:cNvCxnSpPr>
+          <p:nvPr/>
+        </p:nvCxnSpPr>
+        <p:spPr>
+          <a:xfrm flipV="1">
+            <a:off x="3860829" y="1403798"/>
+            <a:ext cx="802320" cy="360825"/>
+          </a:xfrm>
+          <a:prstGeom prst="straightConnector1">
+            <a:avLst/>
+          </a:prstGeom>
+          <a:ln w="12700">
+            <a:solidFill>
+              <a:srgbClr val="FF0000"/>
+            </a:solidFill>
+            <a:prstDash val="dash"/>
+            <a:tailEnd type="triangle" w="lg" len="lg"/>
+          </a:ln>
+        </p:spPr>
+        <p:style>
+          <a:lnRef idx="1">
+            <a:schemeClr val="dk1"/>
+          </a:lnRef>
+          <a:fillRef idx="0">
+            <a:schemeClr val="dk1"/>
+          </a:fillRef>
+          <a:effectRef idx="0">
+            <a:schemeClr val="dk1"/>
+          </a:effectRef>
+          <a:fontRef idx="minor">
+            <a:schemeClr val="tx1"/>
+          </a:fontRef>
+        </p:style>
+      </p:cxnSp>
+      <p:cxnSp>
+        <p:nvCxnSpPr>
+          <p:cNvPr id="47" name="直線矢印コネクタ 46">
+            <a:extLst>
+              <a:ext uri="{FF2B5EF4-FFF2-40B4-BE49-F238E27FC236}">
+                <a16:creationId xmlns:a16="http://schemas.microsoft.com/office/drawing/2014/main" id="{BE9BADCB-7474-6F25-1C10-6FA8F6BDF68A}"/>
+              </a:ext>
+            </a:extLst>
+          </p:cNvPr>
+          <p:cNvCxnSpPr>
+            <a:cxnSpLocks/>
+            <a:stCxn id="37" idx="3"/>
+            <a:endCxn id="38" idx="1"/>
+          </p:cNvCxnSpPr>
+          <p:nvPr/>
+        </p:nvCxnSpPr>
+        <p:spPr>
+          <a:xfrm>
+            <a:off x="3860829" y="1764623"/>
+            <a:ext cx="818926" cy="93895"/>
+          </a:xfrm>
+          <a:prstGeom prst="straightConnector1">
+            <a:avLst/>
+          </a:prstGeom>
+          <a:ln w="12700">
+            <a:solidFill>
+              <a:srgbClr val="FF0000"/>
+            </a:solidFill>
+            <a:prstDash val="dash"/>
+            <a:tailEnd type="triangle" w="lg" len="lg"/>
+          </a:ln>
+        </p:spPr>
+        <p:style>
+          <a:lnRef idx="1">
+            <a:schemeClr val="dk1"/>
+          </a:lnRef>
+          <a:fillRef idx="0">
+            <a:schemeClr val="dk1"/>
+          </a:fillRef>
+          <a:effectRef idx="0">
+            <a:schemeClr val="dk1"/>
+          </a:effectRef>
+          <a:fontRef idx="minor">
+            <a:schemeClr val="tx1"/>
+          </a:fontRef>
+        </p:style>
+      </p:cxnSp>
+      <p:cxnSp>
+        <p:nvCxnSpPr>
+          <p:cNvPr id="50" name="直線矢印コネクタ 49">
+            <a:extLst>
+              <a:ext uri="{FF2B5EF4-FFF2-40B4-BE49-F238E27FC236}">
+                <a16:creationId xmlns:a16="http://schemas.microsoft.com/office/drawing/2014/main" id="{F4260A2E-2EFF-75FD-78A3-54FC579E97F6}"/>
+              </a:ext>
+            </a:extLst>
+          </p:cNvPr>
+          <p:cNvCxnSpPr>
+            <a:cxnSpLocks/>
+            <a:stCxn id="37" idx="2"/>
+          </p:cNvCxnSpPr>
+          <p:nvPr/>
+        </p:nvCxnSpPr>
+        <p:spPr>
+          <a:xfrm>
+            <a:off x="3484860" y="1905865"/>
+            <a:ext cx="640701" cy="1698076"/>
+          </a:xfrm>
+          <a:prstGeom prst="straightConnector1">
+            <a:avLst/>
+          </a:prstGeom>
+          <a:ln w="12700">
+            <a:solidFill>
+              <a:srgbClr val="FF0000"/>
+            </a:solidFill>
+            <a:prstDash val="dash"/>
+            <a:tailEnd type="triangle" w="lg" len="lg"/>
+          </a:ln>
+        </p:spPr>
+        <p:style>
+          <a:lnRef idx="1">
+            <a:schemeClr val="dk1"/>
+          </a:lnRef>
+          <a:fillRef idx="0">
+            <a:schemeClr val="dk1"/>
+          </a:fillRef>
+          <a:effectRef idx="0">
+            <a:schemeClr val="dk1"/>
+          </a:effectRef>
+          <a:fontRef idx="minor">
+            <a:schemeClr val="tx1"/>
+          </a:fontRef>
+        </p:style>
+      </p:cxnSp>
+      <p:cxnSp>
+        <p:nvCxnSpPr>
+          <p:cNvPr id="55" name="直線矢印コネクタ 54">
+            <a:extLst>
+              <a:ext uri="{FF2B5EF4-FFF2-40B4-BE49-F238E27FC236}">
+                <a16:creationId xmlns:a16="http://schemas.microsoft.com/office/drawing/2014/main" id="{C60F0AC2-BC97-4D52-9EB9-B8AF859A5BFF}"/>
+              </a:ext>
+            </a:extLst>
+          </p:cNvPr>
+          <p:cNvCxnSpPr>
+            <a:cxnSpLocks/>
+          </p:cNvCxnSpPr>
+          <p:nvPr/>
+        </p:nvCxnSpPr>
+        <p:spPr>
+          <a:xfrm flipH="1">
+            <a:off x="2673085" y="1905865"/>
+            <a:ext cx="809265" cy="2477550"/>
+          </a:xfrm>
+          <a:prstGeom prst="straightConnector1">
+            <a:avLst/>
+          </a:prstGeom>
+          <a:ln w="12700">
+            <a:solidFill>
+              <a:srgbClr val="FF0000"/>
+            </a:solidFill>
+            <a:prstDash val="dash"/>
+            <a:tailEnd type="triangle" w="lg" len="lg"/>
+          </a:ln>
+        </p:spPr>
+        <p:style>
+          <a:lnRef idx="1">
+            <a:schemeClr val="dk1"/>
+          </a:lnRef>
+          <a:fillRef idx="0">
+            <a:schemeClr val="dk1"/>
+          </a:fillRef>
+          <a:effectRef idx="0">
+            <a:schemeClr val="dk1"/>
+          </a:effectRef>
+          <a:fontRef idx="minor">
+            <a:schemeClr val="tx1"/>
+          </a:fontRef>
+        </p:style>
+      </p:cxnSp>
+    </p:spTree>
+    <p:extLst>
+      <p:ext uri="{BB962C8B-B14F-4D97-AF65-F5344CB8AC3E}">
+        <p14:creationId xmlns:p14="http://schemas.microsoft.com/office/powerpoint/2010/main" val="2710502440"/>
+      </p:ext>
+    </p:extLst>
+  </p:cSld>
+  <p:clrMapOvr>
+    <a:masterClrMapping/>
+  </p:clrMapOvr>
+</p:sld>
+</file>
+
+<file path=ppt/slides/slide28.xml><?xml version="1.0" encoding="utf-8"?>
+<p:sld xmlns:a="http://schemas.openxmlformats.org/drawingml/2006/main" xmlns:r="http://schemas.openxmlformats.org/officeDocument/2006/relationships" xmlns:p="http://schemas.openxmlformats.org/presentationml/2006/main">
+  <p:cSld>
+    <p:spTree>
+      <p:nvGrpSpPr>
+        <p:cNvPr id="1" name=""/>
+        <p:cNvGrpSpPr/>
+        <p:nvPr/>
+      </p:nvGrpSpPr>
+      <p:grpSpPr>
+        <a:xfrm>
+          <a:off x="0" y="0"/>
+          <a:ext cx="0" cy="0"/>
+          <a:chOff x="0" y="0"/>
+          <a:chExt cx="0" cy="0"/>
+        </a:xfrm>
+      </p:grpSpPr>
+      <p:pic>
+        <p:nvPicPr>
+          <p:cNvPr id="13" name="図 12">
+            <a:extLst>
+              <a:ext uri="{FF2B5EF4-FFF2-40B4-BE49-F238E27FC236}">
+                <a16:creationId xmlns:a16="http://schemas.microsoft.com/office/drawing/2014/main" id="{07FEF74F-295A-DC30-C68C-1376C7D418AD}"/>
+              </a:ext>
+            </a:extLst>
+          </p:cNvPr>
+          <p:cNvPicPr>
+            <a:picLocks noChangeAspect="1"/>
+          </p:cNvPicPr>
+          <p:nvPr/>
+        </p:nvPicPr>
+        <p:blipFill>
+          <a:blip r:embed="rId2"/>
+          <a:stretch>
+            <a:fillRect/>
+          </a:stretch>
+        </p:blipFill>
+        <p:spPr>
+          <a:xfrm>
+            <a:off x="1853967" y="-4039"/>
+            <a:ext cx="8489659" cy="6870604"/>
+          </a:xfrm>
+          <a:prstGeom prst="rect">
+            <a:avLst/>
+          </a:prstGeom>
+        </p:spPr>
+      </p:pic>
+    </p:spTree>
+    <p:extLst>
+      <p:ext uri="{BB962C8B-B14F-4D97-AF65-F5344CB8AC3E}">
+        <p14:creationId xmlns:p14="http://schemas.microsoft.com/office/powerpoint/2010/main" val="2932458025"/>
+      </p:ext>
+    </p:extLst>
+  </p:cSld>
+  <p:clrMapOvr>
+    <a:masterClrMapping/>
+  </p:clrMapOvr>
+</p:sld>
+</file>
+
+<file path=ppt/slides/slide29.xml><?xml version="1.0" encoding="utf-8"?>
+<p:sld xmlns:a="http://schemas.openxmlformats.org/drawingml/2006/main" xmlns:r="http://schemas.openxmlformats.org/officeDocument/2006/relationships" xmlns:p="http://schemas.openxmlformats.org/presentationml/2006/main">
+  <p:cSld>
+    <p:spTree>
+      <p:nvGrpSpPr>
+        <p:cNvPr id="1" name=""/>
+        <p:cNvGrpSpPr/>
+        <p:nvPr/>
+      </p:nvGrpSpPr>
+      <p:grpSpPr>
+        <a:xfrm>
+          <a:off x="0" y="0"/>
+          <a:ext cx="0" cy="0"/>
+          <a:chOff x="0" y="0"/>
+          <a:chExt cx="0" cy="0"/>
+        </a:xfrm>
+      </p:grpSpPr>
+      <p:sp>
+        <p:nvSpPr>
+          <p:cNvPr id="11" name="楕円 10">
+            <a:extLst>
+              <a:ext uri="{FF2B5EF4-FFF2-40B4-BE49-F238E27FC236}">
+                <a16:creationId xmlns:a16="http://schemas.microsoft.com/office/drawing/2014/main" id="{61F6DF7D-A748-EE48-3EDD-9DD5FF2C9BD6}"/>
+              </a:ext>
+            </a:extLst>
+          </p:cNvPr>
+          <p:cNvSpPr/>
+          <p:nvPr/>
+        </p:nvSpPr>
+        <p:spPr>
+          <a:xfrm>
+            <a:off x="2188408" y="102870"/>
+            <a:ext cx="6713220" cy="6713220"/>
+          </a:xfrm>
+          <a:prstGeom prst="ellipse">
+            <a:avLst/>
+          </a:prstGeom>
+          <a:solidFill>
+            <a:schemeClr val="accent1">
+              <a:lumMod val="20000"/>
+              <a:lumOff val="80000"/>
+            </a:schemeClr>
+          </a:solidFill>
+          <a:ln>
+            <a:solidFill>
+              <a:schemeClr val="tx1"/>
+            </a:solidFill>
+          </a:ln>
+        </p:spPr>
+        <p:style>
+          <a:lnRef idx="2">
+            <a:schemeClr val="accent1"/>
+          </a:lnRef>
+          <a:fillRef idx="1">
+            <a:schemeClr val="lt1"/>
+          </a:fillRef>
+          <a:effectRef idx="0">
+            <a:schemeClr val="accent1"/>
+          </a:effectRef>
+          <a:fontRef idx="minor">
+            <a:schemeClr val="dk1"/>
+          </a:fontRef>
+        </p:style>
+        <p:txBody>
+          <a:bodyPr tIns="0" bIns="0" rtlCol="0" anchor="t"/>
+          <a:lstStyle/>
+          <a:p>
+            <a:pPr algn="ctr"/>
+            <a:endParaRPr kumimoji="1" lang="ja-JP" altLang="en-US" sz="1100" dirty="0"/>
+          </a:p>
+        </p:txBody>
+      </p:sp>
+      <p:sp>
+        <p:nvSpPr>
+          <p:cNvPr id="5" name="楕円 4">
+            <a:extLst>
+              <a:ext uri="{FF2B5EF4-FFF2-40B4-BE49-F238E27FC236}">
+                <a16:creationId xmlns:a16="http://schemas.microsoft.com/office/drawing/2014/main" id="{D8B52D55-1ACB-79D8-60DE-A16C4075EF0A}"/>
+              </a:ext>
+            </a:extLst>
+          </p:cNvPr>
+          <p:cNvSpPr/>
+          <p:nvPr/>
+        </p:nvSpPr>
+        <p:spPr>
+          <a:xfrm>
+            <a:off x="2489083" y="428957"/>
+            <a:ext cx="6061046" cy="6061046"/>
+          </a:xfrm>
+          <a:prstGeom prst="ellipse">
+            <a:avLst/>
+          </a:prstGeom>
+          <a:solidFill>
+            <a:schemeClr val="accent6">
+              <a:lumMod val="20000"/>
+              <a:lumOff val="80000"/>
+            </a:schemeClr>
+          </a:solidFill>
+          <a:ln>
+            <a:solidFill>
+              <a:schemeClr val="tx1"/>
+            </a:solidFill>
+          </a:ln>
+        </p:spPr>
+        <p:style>
+          <a:lnRef idx="2">
+            <a:schemeClr val="accent1"/>
+          </a:lnRef>
+          <a:fillRef idx="1">
+            <a:schemeClr val="lt1"/>
+          </a:fillRef>
+          <a:effectRef idx="0">
+            <a:schemeClr val="accent1"/>
+          </a:effectRef>
+          <a:fontRef idx="minor">
+            <a:schemeClr val="dk1"/>
+          </a:fontRef>
+        </p:style>
+        <p:txBody>
+          <a:bodyPr tIns="0" bIns="0" rtlCol="0" anchor="t"/>
+          <a:lstStyle/>
+          <a:p>
+            <a:pPr algn="ctr"/>
+            <a:endParaRPr kumimoji="1" lang="ja-JP" altLang="en-US" sz="1100" dirty="0"/>
+          </a:p>
+        </p:txBody>
+      </p:sp>
+      <p:sp>
+        <p:nvSpPr>
+          <p:cNvPr id="59" name="楕円 58">
+            <a:extLst>
+              <a:ext uri="{FF2B5EF4-FFF2-40B4-BE49-F238E27FC236}">
+                <a16:creationId xmlns:a16="http://schemas.microsoft.com/office/drawing/2014/main" id="{4B1A5908-B043-7189-0547-2A88C3D33D7C}"/>
+              </a:ext>
+            </a:extLst>
+          </p:cNvPr>
+          <p:cNvSpPr/>
+          <p:nvPr/>
+        </p:nvSpPr>
+        <p:spPr>
+          <a:xfrm>
+            <a:off x="3605728" y="1520190"/>
+            <a:ext cx="3878580" cy="3878580"/>
+          </a:xfrm>
+          <a:prstGeom prst="ellipse">
+            <a:avLst/>
+          </a:prstGeom>
+          <a:solidFill>
+            <a:schemeClr val="accent2">
+              <a:lumMod val="20000"/>
+              <a:lumOff val="80000"/>
+            </a:schemeClr>
+          </a:solidFill>
+          <a:ln>
+            <a:solidFill>
+              <a:schemeClr val="tx1"/>
+            </a:solidFill>
+          </a:ln>
+        </p:spPr>
+        <p:style>
+          <a:lnRef idx="2">
+            <a:schemeClr val="accent1"/>
+          </a:lnRef>
+          <a:fillRef idx="1">
+            <a:schemeClr val="lt1"/>
+          </a:fillRef>
+          <a:effectRef idx="0">
+            <a:schemeClr val="accent1"/>
+          </a:effectRef>
+          <a:fontRef idx="minor">
+            <a:schemeClr val="dk1"/>
+          </a:fontRef>
+        </p:style>
+        <p:txBody>
+          <a:bodyPr tIns="0" bIns="0" rtlCol="0" anchor="t"/>
+          <a:lstStyle/>
+          <a:p>
+            <a:pPr algn="ctr"/>
+            <a:endParaRPr kumimoji="1" lang="ja-JP" altLang="en-US" sz="1600" dirty="0"/>
+          </a:p>
+        </p:txBody>
+      </p:sp>
+      <p:sp>
+        <p:nvSpPr>
+          <p:cNvPr id="3" name="楕円 2">
+            <a:extLst>
+              <a:ext uri="{FF2B5EF4-FFF2-40B4-BE49-F238E27FC236}">
+                <a16:creationId xmlns:a16="http://schemas.microsoft.com/office/drawing/2014/main" id="{FD5F7EEE-98CD-3F37-082F-E28F6540080E}"/>
+              </a:ext>
+            </a:extLst>
+          </p:cNvPr>
+          <p:cNvSpPr/>
+          <p:nvPr/>
+        </p:nvSpPr>
+        <p:spPr>
+          <a:xfrm>
+            <a:off x="4188658" y="2103120"/>
+            <a:ext cx="2712720" cy="2712720"/>
+          </a:xfrm>
+          <a:prstGeom prst="ellipse">
+            <a:avLst/>
+          </a:prstGeom>
+          <a:solidFill>
+            <a:schemeClr val="accent4">
+              <a:lumMod val="20000"/>
+              <a:lumOff val="80000"/>
+            </a:schemeClr>
+          </a:solidFill>
+          <a:ln>
+            <a:solidFill>
+              <a:schemeClr val="tx1"/>
+            </a:solidFill>
+          </a:ln>
+        </p:spPr>
+        <p:style>
+          <a:lnRef idx="2">
+            <a:schemeClr val="accent1"/>
+          </a:lnRef>
+          <a:fillRef idx="1">
+            <a:schemeClr val="lt1"/>
+          </a:fillRef>
+          <a:effectRef idx="0">
+            <a:schemeClr val="accent1"/>
+          </a:effectRef>
+          <a:fontRef idx="minor">
+            <a:schemeClr val="dk1"/>
+          </a:fontRef>
+        </p:style>
+        <p:txBody>
+          <a:bodyPr tIns="0" bIns="0" rtlCol="0" anchor="t"/>
+          <a:lstStyle/>
+          <a:p>
+            <a:pPr algn="ctr"/>
+            <a:endParaRPr kumimoji="1" lang="ja-JP" altLang="en-US" sz="1100" dirty="0"/>
+          </a:p>
+        </p:txBody>
+      </p:sp>
+      <p:sp>
+        <p:nvSpPr>
+          <p:cNvPr id="7" name="テキスト ボックス 6">
+            <a:extLst>
+              <a:ext uri="{FF2B5EF4-FFF2-40B4-BE49-F238E27FC236}">
+                <a16:creationId xmlns:a16="http://schemas.microsoft.com/office/drawing/2014/main" id="{7BC21E71-31D6-3669-41F4-DA16D9DF5ADC}"/>
+              </a:ext>
+            </a:extLst>
+          </p:cNvPr>
+          <p:cNvSpPr txBox="1"/>
+          <p:nvPr/>
+        </p:nvSpPr>
+        <p:spPr>
+          <a:xfrm>
+            <a:off x="4991020" y="2317193"/>
+            <a:ext cx="1107996" cy="276999"/>
+          </a:xfrm>
+          <a:prstGeom prst="rect">
+            <a:avLst/>
+          </a:prstGeom>
+          <a:noFill/>
+        </p:spPr>
+        <p:txBody>
+          <a:bodyPr wrap="none" rtlCol="0">
+            <a:spAutoFit/>
+          </a:bodyPr>
+          <a:lstStyle/>
+          <a:p>
+            <a:pPr algn="ctr"/>
+            <a:r>
+              <a:rPr kumimoji="1" lang="ja-JP" altLang="en-US" sz="1200" dirty="0"/>
+              <a:t>購買ドメイン</a:t>
+            </a:r>
+          </a:p>
+        </p:txBody>
+      </p:sp>
+      <p:sp>
+        <p:nvSpPr>
+          <p:cNvPr id="8" name="テキスト ボックス 7">
+            <a:extLst>
+              <a:ext uri="{FF2B5EF4-FFF2-40B4-BE49-F238E27FC236}">
+                <a16:creationId xmlns:a16="http://schemas.microsoft.com/office/drawing/2014/main" id="{6335DE73-44DD-9E74-441B-19CAE7799FA4}"/>
+              </a:ext>
+            </a:extLst>
+          </p:cNvPr>
+          <p:cNvSpPr txBox="1"/>
+          <p:nvPr/>
+        </p:nvSpPr>
+        <p:spPr>
+          <a:xfrm>
+            <a:off x="4991020" y="1707356"/>
+            <a:ext cx="1107996" cy="276999"/>
+          </a:xfrm>
+          <a:prstGeom prst="rect">
+            <a:avLst/>
+          </a:prstGeom>
+          <a:noFill/>
+        </p:spPr>
+        <p:txBody>
+          <a:bodyPr wrap="none" rtlCol="0">
+            <a:spAutoFit/>
+          </a:bodyPr>
+          <a:lstStyle/>
+          <a:p>
+            <a:pPr algn="ctr"/>
+            <a:r>
+              <a:rPr kumimoji="1" lang="ja-JP" altLang="en-US" sz="1200" dirty="0"/>
+              <a:t>ユースケース</a:t>
+            </a:r>
+          </a:p>
+        </p:txBody>
+      </p:sp>
+      <p:sp>
+        <p:nvSpPr>
+          <p:cNvPr id="9" name="テキスト ボックス 8">
+            <a:extLst>
+              <a:ext uri="{FF2B5EF4-FFF2-40B4-BE49-F238E27FC236}">
+                <a16:creationId xmlns:a16="http://schemas.microsoft.com/office/drawing/2014/main" id="{4AA4408E-BAFB-5176-6604-E8A23E3A94FF}"/>
+              </a:ext>
+            </a:extLst>
+          </p:cNvPr>
+          <p:cNvSpPr txBox="1"/>
+          <p:nvPr/>
+        </p:nvSpPr>
+        <p:spPr>
+          <a:xfrm rot="2860399">
+            <a:off x="2481656" y="5469640"/>
+            <a:ext cx="1511952" cy="276999"/>
+          </a:xfrm>
+          <a:prstGeom prst="rect">
+            <a:avLst/>
+          </a:prstGeom>
+          <a:noFill/>
+        </p:spPr>
+        <p:txBody>
+          <a:bodyPr wrap="none" rtlCol="0">
+            <a:spAutoFit/>
+          </a:bodyPr>
+          <a:lstStyle/>
+          <a:p>
+            <a:pPr algn="ctr"/>
+            <a:r>
+              <a:rPr kumimoji="1" lang="en-US" altLang="ja-JP" sz="1200" dirty="0"/>
+              <a:t>DB</a:t>
+            </a:r>
+            <a:r>
+              <a:rPr kumimoji="1" lang="ja-JP" altLang="en-US" sz="1200" dirty="0"/>
+              <a:t>（</a:t>
+            </a:r>
+            <a:r>
+              <a:rPr kumimoji="1" lang="en-US" altLang="ja-JP" sz="1200" dirty="0"/>
+              <a:t>SQL</a:t>
+            </a:r>
+            <a:r>
+              <a:rPr kumimoji="1" lang="ja-JP" altLang="en-US" sz="1200" dirty="0"/>
+              <a:t> </a:t>
+            </a:r>
+            <a:r>
+              <a:rPr kumimoji="1" lang="en-US" altLang="ja-JP" sz="1200" dirty="0"/>
+              <a:t>Server</a:t>
+            </a:r>
+            <a:r>
+              <a:rPr kumimoji="1" lang="ja-JP" altLang="en-US" sz="1200" dirty="0"/>
+              <a:t>）</a:t>
+            </a:r>
+          </a:p>
+        </p:txBody>
+      </p:sp>
+      <p:sp>
+        <p:nvSpPr>
+          <p:cNvPr id="12" name="テキスト ボックス 11">
+            <a:extLst>
+              <a:ext uri="{FF2B5EF4-FFF2-40B4-BE49-F238E27FC236}">
+                <a16:creationId xmlns:a16="http://schemas.microsoft.com/office/drawing/2014/main" id="{AC990C2C-0114-CB69-C9A5-F2BC15A6AE81}"/>
+              </a:ext>
+            </a:extLst>
+          </p:cNvPr>
+          <p:cNvSpPr txBox="1"/>
+          <p:nvPr/>
+        </p:nvSpPr>
+        <p:spPr>
+          <a:xfrm>
+            <a:off x="5040402" y="103658"/>
+            <a:ext cx="987770" cy="276999"/>
+          </a:xfrm>
+          <a:prstGeom prst="rect">
+            <a:avLst/>
+          </a:prstGeom>
+          <a:noFill/>
+        </p:spPr>
+        <p:txBody>
+          <a:bodyPr wrap="none" rtlCol="0">
+            <a:spAutoFit/>
+          </a:bodyPr>
+          <a:lstStyle/>
+          <a:p>
+            <a:pPr algn="ctr"/>
+            <a:r>
+              <a:rPr kumimoji="1" lang="en-US" altLang="ja-JP" sz="1200" dirty="0"/>
+              <a:t>UI</a:t>
+            </a:r>
+            <a:r>
+              <a:rPr kumimoji="1" lang="ja-JP" altLang="en-US" sz="1200" dirty="0"/>
+              <a:t>（</a:t>
+            </a:r>
+            <a:r>
+              <a:rPr kumimoji="1" lang="en-US" altLang="ja-JP" sz="1200" dirty="0"/>
+              <a:t>WPF</a:t>
+            </a:r>
+            <a:r>
+              <a:rPr kumimoji="1" lang="ja-JP" altLang="en-US" sz="1200" dirty="0"/>
+              <a:t>）</a:t>
+            </a:r>
+          </a:p>
+        </p:txBody>
+      </p:sp>
+      <p:sp>
+        <p:nvSpPr>
+          <p:cNvPr id="13" name="テキスト ボックス 12">
+            <a:extLst>
+              <a:ext uri="{FF2B5EF4-FFF2-40B4-BE49-F238E27FC236}">
+                <a16:creationId xmlns:a16="http://schemas.microsoft.com/office/drawing/2014/main" id="{986B2D26-80C0-618F-02ED-D175574E544B}"/>
+              </a:ext>
+            </a:extLst>
+          </p:cNvPr>
+          <p:cNvSpPr txBox="1"/>
+          <p:nvPr/>
+        </p:nvSpPr>
+        <p:spPr>
+          <a:xfrm rot="18838972">
+            <a:off x="6956017" y="5366979"/>
+            <a:ext cx="1951175" cy="276999"/>
+          </a:xfrm>
+          <a:prstGeom prst="rect">
+            <a:avLst/>
+          </a:prstGeom>
+          <a:noFill/>
+        </p:spPr>
+        <p:txBody>
+          <a:bodyPr wrap="none" rtlCol="0">
+            <a:spAutoFit/>
+          </a:bodyPr>
+          <a:lstStyle/>
+          <a:p>
+            <a:pPr algn="ctr"/>
+            <a:r>
+              <a:rPr kumimoji="1" lang="en-US" altLang="ja-JP" sz="1200" dirty="0"/>
+              <a:t>Web</a:t>
+            </a:r>
+            <a:r>
+              <a:rPr kumimoji="1" lang="ja-JP" altLang="en-US" sz="1200" dirty="0"/>
+              <a:t> </a:t>
+            </a:r>
+            <a:r>
+              <a:rPr kumimoji="1" lang="en-US" altLang="ja-JP" sz="1200" dirty="0"/>
+              <a:t>API</a:t>
+            </a:r>
+            <a:r>
+              <a:rPr kumimoji="1" lang="ja-JP" altLang="en-US" sz="1200" dirty="0"/>
+              <a:t>（</a:t>
+            </a:r>
+            <a:r>
+              <a:rPr kumimoji="1" lang="en-US" altLang="ja-JP" sz="1200" dirty="0"/>
+              <a:t>MagicOnion</a:t>
+            </a:r>
+            <a:r>
+              <a:rPr kumimoji="1" lang="ja-JP" altLang="en-US" sz="1200" dirty="0"/>
+              <a:t>）</a:t>
+            </a:r>
+          </a:p>
+        </p:txBody>
+      </p:sp>
+      <p:sp>
+        <p:nvSpPr>
+          <p:cNvPr id="14" name="テキスト ボックス 13">
+            <a:extLst>
+              <a:ext uri="{FF2B5EF4-FFF2-40B4-BE49-F238E27FC236}">
+                <a16:creationId xmlns:a16="http://schemas.microsoft.com/office/drawing/2014/main" id="{0C04F549-0ADE-E55C-0C72-7EE893D59D2B}"/>
+              </a:ext>
+            </a:extLst>
+          </p:cNvPr>
+          <p:cNvSpPr txBox="1"/>
+          <p:nvPr/>
+        </p:nvSpPr>
+        <p:spPr>
+          <a:xfrm>
+            <a:off x="4749457" y="896486"/>
+            <a:ext cx="1569660" cy="276999"/>
+          </a:xfrm>
+          <a:prstGeom prst="rect">
+            <a:avLst/>
+          </a:prstGeom>
+          <a:noFill/>
+        </p:spPr>
+        <p:txBody>
+          <a:bodyPr wrap="none" rtlCol="0">
+            <a:spAutoFit/>
+          </a:bodyPr>
+          <a:lstStyle/>
+          <a:p>
+            <a:pPr algn="ctr"/>
+            <a:r>
+              <a:rPr kumimoji="1" lang="ja-JP" altLang="en-US" sz="1200" dirty="0"/>
+              <a:t>プレゼンテーション</a:t>
+            </a:r>
+          </a:p>
+        </p:txBody>
+      </p:sp>
+      <p:sp>
+        <p:nvSpPr>
+          <p:cNvPr id="16" name="テキスト ボックス 15">
+            <a:extLst>
+              <a:ext uri="{FF2B5EF4-FFF2-40B4-BE49-F238E27FC236}">
+                <a16:creationId xmlns:a16="http://schemas.microsoft.com/office/drawing/2014/main" id="{FC5E25D1-F818-CB37-329C-DE36F1A7BFA7}"/>
+              </a:ext>
+            </a:extLst>
+          </p:cNvPr>
+          <p:cNvSpPr txBox="1"/>
+          <p:nvPr/>
+        </p:nvSpPr>
+        <p:spPr>
+          <a:xfrm rot="18712592">
+            <a:off x="6722564" y="5036132"/>
+            <a:ext cx="1261884" cy="276999"/>
+          </a:xfrm>
+          <a:prstGeom prst="rect">
+            <a:avLst/>
+          </a:prstGeom>
+          <a:noFill/>
+        </p:spPr>
+        <p:txBody>
+          <a:bodyPr wrap="none" rtlCol="0">
+            <a:spAutoFit/>
+          </a:bodyPr>
+          <a:lstStyle/>
+          <a:p>
+            <a:pPr algn="ctr"/>
+            <a:r>
+              <a:rPr kumimoji="1" lang="ja-JP" altLang="en-US" sz="1200" dirty="0"/>
+              <a:t>コントローラー</a:t>
+            </a:r>
+          </a:p>
+        </p:txBody>
+      </p:sp>
+      <p:sp>
+        <p:nvSpPr>
+          <p:cNvPr id="10" name="正方形/長方形 9">
+            <a:extLst>
+              <a:ext uri="{FF2B5EF4-FFF2-40B4-BE49-F238E27FC236}">
+                <a16:creationId xmlns:a16="http://schemas.microsoft.com/office/drawing/2014/main" id="{DD300987-8C66-D866-FD9B-7DE8F5A9242A}"/>
+              </a:ext>
+            </a:extLst>
+          </p:cNvPr>
+          <p:cNvSpPr/>
+          <p:nvPr/>
+        </p:nvSpPr>
+        <p:spPr>
+          <a:xfrm>
+            <a:off x="5148155" y="2959563"/>
+            <a:ext cx="560693" cy="223520"/>
+          </a:xfrm>
+          <a:prstGeom prst="rect">
+            <a:avLst/>
+          </a:prstGeom>
+        </p:spPr>
+        <p:style>
+          <a:lnRef idx="2">
+            <a:schemeClr val="accent2">
+              <a:shade val="50000"/>
+            </a:schemeClr>
+          </a:lnRef>
+          <a:fillRef idx="1">
+            <a:schemeClr val="accent2"/>
+          </a:fillRef>
+          <a:effectRef idx="0">
+            <a:schemeClr val="accent2"/>
+          </a:effectRef>
+          <a:fontRef idx="minor">
+            <a:schemeClr val="lt1"/>
+          </a:fontRef>
+        </p:style>
+        <p:txBody>
+          <a:bodyPr rtlCol="0" anchor="ctr"/>
+          <a:lstStyle/>
+          <a:p>
+            <a:pPr algn="ctr"/>
+            <a:r>
+              <a:rPr kumimoji="1" lang="en-US" altLang="ja-JP" sz="900" dirty="0"/>
+              <a:t>Vendor</a:t>
+            </a:r>
+            <a:endParaRPr kumimoji="1" lang="ja-JP" altLang="en-US" sz="900" dirty="0"/>
+          </a:p>
+        </p:txBody>
+      </p:sp>
+      <p:sp>
+        <p:nvSpPr>
+          <p:cNvPr id="30" name="正方形/長方形 29">
+            <a:extLst>
+              <a:ext uri="{FF2B5EF4-FFF2-40B4-BE49-F238E27FC236}">
+                <a16:creationId xmlns:a16="http://schemas.microsoft.com/office/drawing/2014/main" id="{731D1CC2-2DD9-DD83-5AFE-6F5922CAD473}"/>
+              </a:ext>
+            </a:extLst>
+          </p:cNvPr>
+          <p:cNvSpPr/>
+          <p:nvPr/>
+        </p:nvSpPr>
+        <p:spPr>
+          <a:xfrm>
+            <a:off x="4847496" y="3673383"/>
+            <a:ext cx="1162012" cy="223520"/>
+          </a:xfrm>
+          <a:prstGeom prst="rect">
+            <a:avLst/>
+          </a:prstGeom>
+        </p:spPr>
+        <p:style>
+          <a:lnRef idx="2">
+            <a:schemeClr val="accent2">
+              <a:shade val="50000"/>
+            </a:schemeClr>
+          </a:lnRef>
+          <a:fillRef idx="1">
+            <a:schemeClr val="accent2"/>
+          </a:fillRef>
+          <a:effectRef idx="0">
+            <a:schemeClr val="accent2"/>
+          </a:effectRef>
+          <a:fontRef idx="minor">
+            <a:schemeClr val="lt1"/>
+          </a:fontRef>
+        </p:style>
+        <p:txBody>
+          <a:bodyPr rtlCol="0" anchor="ctr"/>
+          <a:lstStyle/>
+          <a:p>
+            <a:pPr algn="ctr"/>
+            <a:r>
+              <a:rPr kumimoji="1" lang="en-US" altLang="ja-JP" sz="900" dirty="0"/>
+              <a:t>IVendorRepository</a:t>
+            </a:r>
+            <a:endParaRPr kumimoji="1" lang="ja-JP" altLang="en-US" sz="900" dirty="0"/>
+          </a:p>
+        </p:txBody>
+      </p:sp>
+      <p:sp>
+        <p:nvSpPr>
+          <p:cNvPr id="31" name="正方形/長方形 30">
+            <a:extLst>
+              <a:ext uri="{FF2B5EF4-FFF2-40B4-BE49-F238E27FC236}">
+                <a16:creationId xmlns:a16="http://schemas.microsoft.com/office/drawing/2014/main" id="{A5EBE216-8792-3469-315F-DDFD8F1C2193}"/>
+              </a:ext>
+            </a:extLst>
+          </p:cNvPr>
+          <p:cNvSpPr/>
+          <p:nvPr/>
+        </p:nvSpPr>
+        <p:spPr>
+          <a:xfrm>
+            <a:off x="3721751" y="5420712"/>
+            <a:ext cx="1128194" cy="210640"/>
+          </a:xfrm>
+          <a:prstGeom prst="rect">
+            <a:avLst/>
+          </a:prstGeom>
+        </p:spPr>
+        <p:style>
+          <a:lnRef idx="2">
+            <a:schemeClr val="accent2">
+              <a:shade val="50000"/>
+            </a:schemeClr>
+          </a:lnRef>
+          <a:fillRef idx="1">
+            <a:schemeClr val="accent2"/>
+          </a:fillRef>
+          <a:effectRef idx="0">
+            <a:schemeClr val="accent2"/>
+          </a:effectRef>
+          <a:fontRef idx="minor">
+            <a:schemeClr val="lt1"/>
+          </a:fontRef>
+        </p:style>
+        <p:txBody>
+          <a:bodyPr rtlCol="0" anchor="ctr"/>
+          <a:lstStyle/>
+          <a:p>
+            <a:pPr algn="ctr"/>
+            <a:r>
+              <a:rPr kumimoji="1" lang="en-US" altLang="ja-JP" sz="900" dirty="0"/>
+              <a:t>VendorRepository</a:t>
+            </a:r>
+            <a:endParaRPr kumimoji="1" lang="ja-JP" altLang="en-US" sz="900" dirty="0"/>
+          </a:p>
+        </p:txBody>
+      </p:sp>
+      <p:cxnSp>
+        <p:nvCxnSpPr>
+          <p:cNvPr id="32" name="直線矢印コネクタ 31">
+            <a:extLst>
+              <a:ext uri="{FF2B5EF4-FFF2-40B4-BE49-F238E27FC236}">
+                <a16:creationId xmlns:a16="http://schemas.microsoft.com/office/drawing/2014/main" id="{DCD3C585-B900-CC94-C843-D931DC59920A}"/>
+              </a:ext>
+            </a:extLst>
+          </p:cNvPr>
+          <p:cNvCxnSpPr>
+            <a:cxnSpLocks/>
+            <a:stCxn id="30" idx="0"/>
+            <a:endCxn id="10" idx="2"/>
+          </p:cNvCxnSpPr>
+          <p:nvPr/>
+        </p:nvCxnSpPr>
+        <p:spPr>
+          <a:xfrm flipV="1">
+            <a:off x="5428502" y="3183083"/>
+            <a:ext cx="0" cy="490300"/>
+          </a:xfrm>
+          <a:prstGeom prst="straightConnector1">
+            <a:avLst/>
+          </a:prstGeom>
+          <a:ln w="12700">
+            <a:solidFill>
+              <a:srgbClr val="FF0000"/>
+            </a:solidFill>
+            <a:prstDash val="dash"/>
+            <a:tailEnd type="triangle" w="lg" len="lg"/>
+          </a:ln>
+        </p:spPr>
+        <p:style>
+          <a:lnRef idx="1">
+            <a:schemeClr val="dk1"/>
+          </a:lnRef>
+          <a:fillRef idx="0">
+            <a:schemeClr val="dk1"/>
+          </a:fillRef>
+          <a:effectRef idx="0">
+            <a:schemeClr val="dk1"/>
+          </a:effectRef>
+          <a:fontRef idx="minor">
+            <a:schemeClr val="tx1"/>
+          </a:fontRef>
+        </p:style>
+      </p:cxnSp>
+      <p:cxnSp>
+        <p:nvCxnSpPr>
+          <p:cNvPr id="33" name="直線矢印コネクタ 32">
+            <a:extLst>
+              <a:ext uri="{FF2B5EF4-FFF2-40B4-BE49-F238E27FC236}">
+                <a16:creationId xmlns:a16="http://schemas.microsoft.com/office/drawing/2014/main" id="{F14900EF-3AF4-F268-B2C6-1188474FF171}"/>
+              </a:ext>
+            </a:extLst>
+          </p:cNvPr>
+          <p:cNvCxnSpPr>
+            <a:cxnSpLocks/>
+            <a:stCxn id="31" idx="0"/>
+            <a:endCxn id="30" idx="2"/>
+          </p:cNvCxnSpPr>
+          <p:nvPr/>
+        </p:nvCxnSpPr>
+        <p:spPr>
+          <a:xfrm flipV="1">
+            <a:off x="4285848" y="3896903"/>
+            <a:ext cx="1142654" cy="1523809"/>
+          </a:xfrm>
+          <a:prstGeom prst="straightConnector1">
+            <a:avLst/>
+          </a:prstGeom>
+          <a:ln w="12700">
+            <a:solidFill>
+              <a:srgbClr val="FF0000"/>
+            </a:solidFill>
+            <a:prstDash val="solid"/>
+            <a:tailEnd type="triangle" w="lg" len="lg"/>
+          </a:ln>
+        </p:spPr>
+        <p:style>
+          <a:lnRef idx="1">
+            <a:schemeClr val="dk1"/>
+          </a:lnRef>
+          <a:fillRef idx="0">
+            <a:schemeClr val="dk1"/>
+          </a:fillRef>
+          <a:effectRef idx="0">
+            <a:schemeClr val="dk1"/>
+          </a:effectRef>
+          <a:fontRef idx="minor">
+            <a:schemeClr val="tx1"/>
+          </a:fontRef>
+        </p:style>
+      </p:cxnSp>
+      <p:cxnSp>
+        <p:nvCxnSpPr>
+          <p:cNvPr id="2" name="直線矢印コネクタ 1">
+            <a:extLst>
+              <a:ext uri="{FF2B5EF4-FFF2-40B4-BE49-F238E27FC236}">
+                <a16:creationId xmlns:a16="http://schemas.microsoft.com/office/drawing/2014/main" id="{1D9B2AD3-5955-0255-6EAD-C6325B89B686}"/>
+              </a:ext>
+            </a:extLst>
+          </p:cNvPr>
+          <p:cNvCxnSpPr>
+            <a:cxnSpLocks/>
+          </p:cNvCxnSpPr>
+          <p:nvPr/>
+        </p:nvCxnSpPr>
+        <p:spPr>
+          <a:xfrm flipH="1">
+            <a:off x="9225581" y="324027"/>
+            <a:ext cx="543434" cy="0"/>
+          </a:xfrm>
+          <a:prstGeom prst="straightConnector1">
+            <a:avLst/>
+          </a:prstGeom>
+          <a:ln w="12700">
+            <a:solidFill>
+              <a:srgbClr val="FF0000"/>
+            </a:solidFill>
+            <a:prstDash val="dash"/>
+            <a:tailEnd type="triangle" w="lg" len="lg"/>
+          </a:ln>
+        </p:spPr>
+        <p:style>
+          <a:lnRef idx="1">
+            <a:schemeClr val="dk1"/>
+          </a:lnRef>
+          <a:fillRef idx="0">
+            <a:schemeClr val="dk1"/>
+          </a:fillRef>
+          <a:effectRef idx="0">
+            <a:schemeClr val="dk1"/>
+          </a:effectRef>
+          <a:fontRef idx="minor">
+            <a:schemeClr val="tx1"/>
+          </a:fontRef>
+        </p:style>
+      </p:cxnSp>
+      <p:cxnSp>
+        <p:nvCxnSpPr>
+          <p:cNvPr id="6" name="直線矢印コネクタ 5">
+            <a:extLst>
+              <a:ext uri="{FF2B5EF4-FFF2-40B4-BE49-F238E27FC236}">
+                <a16:creationId xmlns:a16="http://schemas.microsoft.com/office/drawing/2014/main" id="{200752DB-385E-816E-74F6-C86975CAB38A}"/>
+              </a:ext>
+            </a:extLst>
+          </p:cNvPr>
+          <p:cNvCxnSpPr>
+            <a:cxnSpLocks/>
+          </p:cNvCxnSpPr>
+          <p:nvPr/>
+        </p:nvCxnSpPr>
+        <p:spPr>
+          <a:xfrm flipH="1">
+            <a:off x="9225581" y="645752"/>
+            <a:ext cx="543434" cy="0"/>
+          </a:xfrm>
+          <a:prstGeom prst="straightConnector1">
+            <a:avLst/>
+          </a:prstGeom>
+          <a:ln w="12700">
+            <a:solidFill>
+              <a:srgbClr val="FF0000"/>
+            </a:solidFill>
+            <a:prstDash val="solid"/>
+            <a:tailEnd type="triangle" w="lg" len="lg"/>
+          </a:ln>
+        </p:spPr>
+        <p:style>
+          <a:lnRef idx="1">
+            <a:schemeClr val="dk1"/>
+          </a:lnRef>
+          <a:fillRef idx="0">
+            <a:schemeClr val="dk1"/>
+          </a:fillRef>
+          <a:effectRef idx="0">
+            <a:schemeClr val="dk1"/>
+          </a:effectRef>
+          <a:fontRef idx="minor">
+            <a:schemeClr val="tx1"/>
+          </a:fontRef>
+        </p:style>
+      </p:cxnSp>
+      <p:sp>
+        <p:nvSpPr>
+          <p:cNvPr id="17" name="テキスト ボックス 16">
+            <a:extLst>
+              <a:ext uri="{FF2B5EF4-FFF2-40B4-BE49-F238E27FC236}">
+                <a16:creationId xmlns:a16="http://schemas.microsoft.com/office/drawing/2014/main" id="{02739AAC-0537-9316-337E-66D25B7948B5}"/>
+              </a:ext>
+            </a:extLst>
+          </p:cNvPr>
+          <p:cNvSpPr txBox="1"/>
+          <p:nvPr/>
+        </p:nvSpPr>
+        <p:spPr>
+          <a:xfrm>
+            <a:off x="9775445" y="193014"/>
+            <a:ext cx="466794" cy="261610"/>
+          </a:xfrm>
+          <a:prstGeom prst="rect">
+            <a:avLst/>
+          </a:prstGeom>
+          <a:noFill/>
+        </p:spPr>
+        <p:txBody>
+          <a:bodyPr wrap="none" rtlCol="0">
+            <a:spAutoFit/>
+          </a:bodyPr>
+          <a:lstStyle/>
+          <a:p>
+            <a:r>
+              <a:rPr kumimoji="1" lang="ja-JP" altLang="en-US" sz="1100" dirty="0"/>
+              <a:t>依存</a:t>
+            </a:r>
+          </a:p>
+        </p:txBody>
+      </p:sp>
+      <p:sp>
+        <p:nvSpPr>
+          <p:cNvPr id="18" name="テキスト ボックス 17">
+            <a:extLst>
+              <a:ext uri="{FF2B5EF4-FFF2-40B4-BE49-F238E27FC236}">
+                <a16:creationId xmlns:a16="http://schemas.microsoft.com/office/drawing/2014/main" id="{679DD35F-C7FD-3B3D-2ED1-3DDDA4D98BEE}"/>
+              </a:ext>
+            </a:extLst>
+          </p:cNvPr>
+          <p:cNvSpPr txBox="1"/>
+          <p:nvPr/>
+        </p:nvSpPr>
+        <p:spPr>
+          <a:xfrm>
+            <a:off x="9773544" y="509215"/>
+            <a:ext cx="889987" cy="261610"/>
+          </a:xfrm>
+          <a:prstGeom prst="rect">
+            <a:avLst/>
+          </a:prstGeom>
+          <a:noFill/>
+        </p:spPr>
+        <p:txBody>
+          <a:bodyPr wrap="none" rtlCol="0">
+            <a:spAutoFit/>
+          </a:bodyPr>
+          <a:lstStyle/>
+          <a:p>
+            <a:r>
+              <a:rPr kumimoji="1" lang="ja-JP" altLang="en-US" sz="1100" dirty="0"/>
+              <a:t>実現・継承</a:t>
+            </a:r>
+          </a:p>
+        </p:txBody>
+      </p:sp>
+      <p:grpSp>
+        <p:nvGrpSpPr>
+          <p:cNvPr id="19" name="グループ化 18">
+            <a:extLst>
+              <a:ext uri="{FF2B5EF4-FFF2-40B4-BE49-F238E27FC236}">
+                <a16:creationId xmlns:a16="http://schemas.microsoft.com/office/drawing/2014/main" id="{143D6D13-7976-0FB1-5B4A-24D43E2EE711}"/>
+              </a:ext>
+            </a:extLst>
+          </p:cNvPr>
+          <p:cNvGrpSpPr/>
+          <p:nvPr/>
+        </p:nvGrpSpPr>
+        <p:grpSpPr>
+          <a:xfrm>
+            <a:off x="9240410" y="6141948"/>
+            <a:ext cx="2494064" cy="388882"/>
+            <a:chOff x="8200596" y="5696761"/>
+            <a:chExt cx="2494064" cy="388882"/>
+          </a:xfrm>
+        </p:grpSpPr>
+        <p:sp>
+          <p:nvSpPr>
+            <p:cNvPr id="20" name="正方形/長方形 19">
+              <a:extLst>
+                <a:ext uri="{FF2B5EF4-FFF2-40B4-BE49-F238E27FC236}">
+                  <a16:creationId xmlns:a16="http://schemas.microsoft.com/office/drawing/2014/main" id="{7C1CF807-4DAF-6649-3246-B8D61EC89C99}"/>
+                </a:ext>
+              </a:extLst>
+            </p:cNvPr>
+            <p:cNvSpPr/>
+            <p:nvPr/>
+          </p:nvSpPr>
+          <p:spPr>
+            <a:xfrm>
+              <a:off x="8200596" y="5696761"/>
+              <a:ext cx="683953" cy="388882"/>
+            </a:xfrm>
+            <a:prstGeom prst="rect">
+              <a:avLst/>
+            </a:prstGeom>
+            <a:solidFill>
+              <a:schemeClr val="accent1">
+                <a:lumMod val="20000"/>
+                <a:lumOff val="80000"/>
+              </a:schemeClr>
+            </a:solidFill>
+            <a:ln>
+              <a:solidFill>
+                <a:schemeClr val="tx1"/>
+              </a:solidFill>
+            </a:ln>
+          </p:spPr>
+          <p:style>
+            <a:lnRef idx="2">
+              <a:schemeClr val="accent1"/>
+            </a:lnRef>
+            <a:fillRef idx="1">
+              <a:schemeClr val="lt1"/>
+            </a:fillRef>
+            <a:effectRef idx="0">
+              <a:schemeClr val="accent1"/>
+            </a:effectRef>
+            <a:fontRef idx="minor">
+              <a:schemeClr val="dk1"/>
+            </a:fontRef>
+          </p:style>
+          <p:txBody>
+            <a:bodyPr tIns="0" bIns="0" rtlCol="0" anchor="t"/>
+            <a:lstStyle/>
+            <a:p>
+              <a:pPr algn="ctr"/>
+              <a:endParaRPr kumimoji="1" lang="ja-JP" altLang="en-US" sz="1100" dirty="0"/>
+            </a:p>
+          </p:txBody>
+        </p:sp>
+        <p:sp>
+          <p:nvSpPr>
+            <p:cNvPr id="21" name="テキスト ボックス 20">
+              <a:extLst>
+                <a:ext uri="{FF2B5EF4-FFF2-40B4-BE49-F238E27FC236}">
+                  <a16:creationId xmlns:a16="http://schemas.microsoft.com/office/drawing/2014/main" id="{54AAF935-99E0-3F3E-CE77-DA03FA08B43F}"/>
+                </a:ext>
+              </a:extLst>
+            </p:cNvPr>
+            <p:cNvSpPr txBox="1"/>
+            <p:nvPr/>
+          </p:nvSpPr>
+          <p:spPr>
+            <a:xfrm>
+              <a:off x="8884549" y="5751294"/>
+              <a:ext cx="1810111" cy="276999"/>
+            </a:xfrm>
+            <a:prstGeom prst="rect">
+              <a:avLst/>
+            </a:prstGeom>
+            <a:noFill/>
+          </p:spPr>
+          <p:txBody>
+            <a:bodyPr wrap="none" rtlCol="0">
+              <a:spAutoFit/>
+            </a:bodyPr>
+            <a:lstStyle/>
+            <a:p>
+              <a:r>
+                <a:rPr kumimoji="1" lang="en-US" altLang="ja-JP" sz="1200" dirty="0"/>
+                <a:t>Frameworks</a:t>
+              </a:r>
+              <a:r>
+                <a:rPr kumimoji="1" lang="ja-JP" altLang="en-US" sz="1200" dirty="0"/>
+                <a:t> ＆ </a:t>
+              </a:r>
+              <a:r>
+                <a:rPr kumimoji="1" lang="en-US" altLang="ja-JP" sz="1200" dirty="0"/>
+                <a:t>Drivers</a:t>
+              </a:r>
+              <a:endParaRPr kumimoji="1" lang="ja-JP" altLang="en-US" sz="1200" dirty="0"/>
+            </a:p>
+          </p:txBody>
+        </p:sp>
+      </p:grpSp>
+      <p:grpSp>
+        <p:nvGrpSpPr>
+          <p:cNvPr id="22" name="グループ化 21">
+            <a:extLst>
+              <a:ext uri="{FF2B5EF4-FFF2-40B4-BE49-F238E27FC236}">
+                <a16:creationId xmlns:a16="http://schemas.microsoft.com/office/drawing/2014/main" id="{067AA25D-64B6-63BD-35ED-8D1D6CE8EAF4}"/>
+              </a:ext>
+            </a:extLst>
+          </p:cNvPr>
+          <p:cNvGrpSpPr/>
+          <p:nvPr/>
+        </p:nvGrpSpPr>
+        <p:grpSpPr>
+          <a:xfrm>
+            <a:off x="9247209" y="5563513"/>
+            <a:ext cx="2529330" cy="388882"/>
+            <a:chOff x="8200596" y="5696761"/>
+            <a:chExt cx="2529330" cy="388882"/>
+          </a:xfrm>
+        </p:grpSpPr>
+        <p:sp>
+          <p:nvSpPr>
+            <p:cNvPr id="23" name="正方形/長方形 22">
+              <a:extLst>
+                <a:ext uri="{FF2B5EF4-FFF2-40B4-BE49-F238E27FC236}">
+                  <a16:creationId xmlns:a16="http://schemas.microsoft.com/office/drawing/2014/main" id="{D7DBFDDF-7431-1A7E-0465-E34102A2FE87}"/>
+                </a:ext>
+              </a:extLst>
+            </p:cNvPr>
+            <p:cNvSpPr/>
+            <p:nvPr/>
+          </p:nvSpPr>
+          <p:spPr>
+            <a:xfrm>
+              <a:off x="8200596" y="5696761"/>
+              <a:ext cx="683953" cy="388882"/>
+            </a:xfrm>
+            <a:prstGeom prst="rect">
+              <a:avLst/>
+            </a:prstGeom>
+            <a:solidFill>
+              <a:schemeClr val="accent6">
+                <a:lumMod val="20000"/>
+                <a:lumOff val="80000"/>
+              </a:schemeClr>
+            </a:solidFill>
+            <a:ln>
+              <a:solidFill>
+                <a:schemeClr val="tx1"/>
+              </a:solidFill>
+            </a:ln>
+          </p:spPr>
+          <p:style>
+            <a:lnRef idx="2">
+              <a:schemeClr val="accent1"/>
+            </a:lnRef>
+            <a:fillRef idx="1">
+              <a:schemeClr val="lt1"/>
+            </a:fillRef>
+            <a:effectRef idx="0">
+              <a:schemeClr val="accent1"/>
+            </a:effectRef>
+            <a:fontRef idx="minor">
+              <a:schemeClr val="dk1"/>
+            </a:fontRef>
+          </p:style>
+          <p:txBody>
+            <a:bodyPr tIns="0" bIns="0" rtlCol="0" anchor="t"/>
+            <a:lstStyle/>
+            <a:p>
+              <a:pPr algn="ctr"/>
+              <a:endParaRPr kumimoji="1" lang="ja-JP" altLang="en-US" sz="1100" dirty="0"/>
+            </a:p>
+          </p:txBody>
+        </p:sp>
+        <p:sp>
+          <p:nvSpPr>
+            <p:cNvPr id="24" name="テキスト ボックス 23">
+              <a:extLst>
+                <a:ext uri="{FF2B5EF4-FFF2-40B4-BE49-F238E27FC236}">
+                  <a16:creationId xmlns:a16="http://schemas.microsoft.com/office/drawing/2014/main" id="{D2D227C2-0B8A-14CA-F946-3079B389AB10}"/>
+                </a:ext>
+              </a:extLst>
+            </p:cNvPr>
+            <p:cNvSpPr txBox="1"/>
+            <p:nvPr/>
+          </p:nvSpPr>
+          <p:spPr>
+            <a:xfrm>
+              <a:off x="8884549" y="5752702"/>
+              <a:ext cx="1845377" cy="276999"/>
+            </a:xfrm>
+            <a:prstGeom prst="rect">
+              <a:avLst/>
+            </a:prstGeom>
+            <a:noFill/>
+          </p:spPr>
+          <p:txBody>
+            <a:bodyPr wrap="none" rtlCol="0">
+              <a:spAutoFit/>
+            </a:bodyPr>
+            <a:lstStyle/>
+            <a:p>
+              <a:r>
+                <a:rPr kumimoji="1" lang="en-US" altLang="ja-JP" sz="1200" dirty="0"/>
+                <a:t>Infrastructure Adapters</a:t>
+              </a:r>
+              <a:endParaRPr kumimoji="1" lang="ja-JP" altLang="en-US" sz="1200" dirty="0"/>
+            </a:p>
+          </p:txBody>
+        </p:sp>
+      </p:grpSp>
+      <p:grpSp>
+        <p:nvGrpSpPr>
+          <p:cNvPr id="25" name="グループ化 24">
+            <a:extLst>
+              <a:ext uri="{FF2B5EF4-FFF2-40B4-BE49-F238E27FC236}">
+                <a16:creationId xmlns:a16="http://schemas.microsoft.com/office/drawing/2014/main" id="{9225EAFB-7951-5B55-40CC-F2AEF91B383E}"/>
+              </a:ext>
+            </a:extLst>
+          </p:cNvPr>
+          <p:cNvGrpSpPr/>
+          <p:nvPr/>
+        </p:nvGrpSpPr>
+        <p:grpSpPr>
+          <a:xfrm>
+            <a:off x="9240410" y="4985078"/>
+            <a:ext cx="2802227" cy="388882"/>
+            <a:chOff x="8200596" y="5696761"/>
+            <a:chExt cx="2802227" cy="388882"/>
+          </a:xfrm>
+        </p:grpSpPr>
+        <p:sp>
+          <p:nvSpPr>
+            <p:cNvPr id="26" name="正方形/長方形 25">
+              <a:extLst>
+                <a:ext uri="{FF2B5EF4-FFF2-40B4-BE49-F238E27FC236}">
+                  <a16:creationId xmlns:a16="http://schemas.microsoft.com/office/drawing/2014/main" id="{ACF72B8C-0B43-01C5-D62E-C5AB4E75796D}"/>
+                </a:ext>
+              </a:extLst>
+            </p:cNvPr>
+            <p:cNvSpPr/>
+            <p:nvPr/>
+          </p:nvSpPr>
+          <p:spPr>
+            <a:xfrm>
+              <a:off x="8200596" y="5696761"/>
+              <a:ext cx="683953" cy="388882"/>
+            </a:xfrm>
+            <a:prstGeom prst="rect">
+              <a:avLst/>
+            </a:prstGeom>
+            <a:solidFill>
+              <a:schemeClr val="accent2">
+                <a:lumMod val="20000"/>
+                <a:lumOff val="80000"/>
+              </a:schemeClr>
+            </a:solidFill>
+            <a:ln>
+              <a:solidFill>
+                <a:schemeClr val="tx1"/>
+              </a:solidFill>
+            </a:ln>
+          </p:spPr>
+          <p:style>
+            <a:lnRef idx="2">
+              <a:schemeClr val="accent1"/>
+            </a:lnRef>
+            <a:fillRef idx="1">
+              <a:schemeClr val="lt1"/>
+            </a:fillRef>
+            <a:effectRef idx="0">
+              <a:schemeClr val="accent1"/>
+            </a:effectRef>
+            <a:fontRef idx="minor">
+              <a:schemeClr val="dk1"/>
+            </a:fontRef>
+          </p:style>
+          <p:txBody>
+            <a:bodyPr tIns="0" bIns="0" rtlCol="0" anchor="t"/>
+            <a:lstStyle/>
+            <a:p>
+              <a:pPr algn="ctr"/>
+              <a:endParaRPr kumimoji="1" lang="ja-JP" altLang="en-US" sz="1100" dirty="0"/>
+            </a:p>
+          </p:txBody>
+        </p:sp>
+        <p:sp>
+          <p:nvSpPr>
+            <p:cNvPr id="27" name="テキスト ボックス 26">
+              <a:extLst>
+                <a:ext uri="{FF2B5EF4-FFF2-40B4-BE49-F238E27FC236}">
+                  <a16:creationId xmlns:a16="http://schemas.microsoft.com/office/drawing/2014/main" id="{C82123E2-72AF-C86F-8005-3E552BB63494}"/>
+                </a:ext>
+              </a:extLst>
+            </p:cNvPr>
+            <p:cNvSpPr txBox="1"/>
+            <p:nvPr/>
+          </p:nvSpPr>
+          <p:spPr>
+            <a:xfrm>
+              <a:off x="8891348" y="5747815"/>
+              <a:ext cx="2111475" cy="276999"/>
+            </a:xfrm>
+            <a:prstGeom prst="rect">
+              <a:avLst/>
+            </a:prstGeom>
+            <a:noFill/>
+          </p:spPr>
+          <p:txBody>
+            <a:bodyPr wrap="none" rtlCol="0">
+              <a:spAutoFit/>
+            </a:bodyPr>
+            <a:lstStyle/>
+            <a:p>
+              <a:r>
+                <a:rPr kumimoji="1" lang="en-US" altLang="ja-JP" sz="1200" dirty="0"/>
+                <a:t>Application Business Rules</a:t>
+              </a:r>
+              <a:endParaRPr kumimoji="1" lang="ja-JP" altLang="en-US" sz="1200" dirty="0"/>
+            </a:p>
+          </p:txBody>
+        </p:sp>
+      </p:grpSp>
+      <p:grpSp>
+        <p:nvGrpSpPr>
+          <p:cNvPr id="28" name="グループ化 27">
+            <a:extLst>
+              <a:ext uri="{FF2B5EF4-FFF2-40B4-BE49-F238E27FC236}">
+                <a16:creationId xmlns:a16="http://schemas.microsoft.com/office/drawing/2014/main" id="{94CBB834-F906-A1E0-3856-0F8FA6E60E15}"/>
+              </a:ext>
+            </a:extLst>
+          </p:cNvPr>
+          <p:cNvGrpSpPr/>
+          <p:nvPr/>
+        </p:nvGrpSpPr>
+        <p:grpSpPr>
+          <a:xfrm>
+            <a:off x="9240410" y="4387093"/>
+            <a:ext cx="2731308" cy="388882"/>
+            <a:chOff x="8200596" y="5696761"/>
+            <a:chExt cx="2731308" cy="388882"/>
+          </a:xfrm>
+        </p:grpSpPr>
+        <p:sp>
+          <p:nvSpPr>
+            <p:cNvPr id="29" name="正方形/長方形 28">
+              <a:extLst>
+                <a:ext uri="{FF2B5EF4-FFF2-40B4-BE49-F238E27FC236}">
+                  <a16:creationId xmlns:a16="http://schemas.microsoft.com/office/drawing/2014/main" id="{518D5DD0-4F6A-D850-9907-59B468801B16}"/>
+                </a:ext>
+              </a:extLst>
+            </p:cNvPr>
+            <p:cNvSpPr/>
+            <p:nvPr/>
+          </p:nvSpPr>
+          <p:spPr>
+            <a:xfrm>
+              <a:off x="8200596" y="5696761"/>
+              <a:ext cx="683953" cy="388882"/>
+            </a:xfrm>
+            <a:prstGeom prst="rect">
+              <a:avLst/>
+            </a:prstGeom>
+            <a:solidFill>
+              <a:schemeClr val="accent2">
+                <a:lumMod val="20000"/>
+                <a:lumOff val="80000"/>
+              </a:schemeClr>
+            </a:solidFill>
+            <a:ln>
+              <a:solidFill>
+                <a:schemeClr val="tx1"/>
+              </a:solidFill>
+            </a:ln>
+          </p:spPr>
+          <p:style>
+            <a:lnRef idx="2">
+              <a:schemeClr val="accent1"/>
+            </a:lnRef>
+            <a:fillRef idx="1">
+              <a:schemeClr val="lt1"/>
+            </a:fillRef>
+            <a:effectRef idx="0">
+              <a:schemeClr val="accent1"/>
+            </a:effectRef>
+            <a:fontRef idx="minor">
+              <a:schemeClr val="dk1"/>
+            </a:fontRef>
+          </p:style>
+          <p:txBody>
+            <a:bodyPr tIns="0" bIns="0" rtlCol="0" anchor="t"/>
+            <a:lstStyle/>
+            <a:p>
+              <a:pPr algn="ctr"/>
+              <a:endParaRPr kumimoji="1" lang="ja-JP" altLang="en-US" sz="1100" dirty="0"/>
+            </a:p>
+          </p:txBody>
+        </p:sp>
+        <p:sp>
+          <p:nvSpPr>
+            <p:cNvPr id="34" name="テキスト ボックス 33">
+              <a:extLst>
+                <a:ext uri="{FF2B5EF4-FFF2-40B4-BE49-F238E27FC236}">
+                  <a16:creationId xmlns:a16="http://schemas.microsoft.com/office/drawing/2014/main" id="{968EB53F-0F98-6A1D-DFD1-D4620DC8CA10}"/>
+                </a:ext>
+              </a:extLst>
+            </p:cNvPr>
+            <p:cNvSpPr txBox="1"/>
+            <p:nvPr/>
+          </p:nvSpPr>
+          <p:spPr>
+            <a:xfrm>
+              <a:off x="8884549" y="5751073"/>
+              <a:ext cx="2047355" cy="276999"/>
+            </a:xfrm>
+            <a:prstGeom prst="rect">
+              <a:avLst/>
+            </a:prstGeom>
+            <a:noFill/>
+          </p:spPr>
+          <p:txBody>
+            <a:bodyPr wrap="none" rtlCol="0">
+              <a:spAutoFit/>
+            </a:bodyPr>
+            <a:lstStyle/>
+            <a:p>
+              <a:r>
+                <a:rPr kumimoji="1" lang="en-US" altLang="ja-JP" sz="1200" dirty="0"/>
+                <a:t>Enterprise Business Rules</a:t>
+              </a:r>
+              <a:endParaRPr kumimoji="1" lang="ja-JP" altLang="en-US" sz="1200" dirty="0"/>
+            </a:p>
+          </p:txBody>
+        </p:sp>
+      </p:grpSp>
+      <p:sp>
+        <p:nvSpPr>
+          <p:cNvPr id="35" name="正方形/長方形 34">
+            <a:extLst>
+              <a:ext uri="{FF2B5EF4-FFF2-40B4-BE49-F238E27FC236}">
+                <a16:creationId xmlns:a16="http://schemas.microsoft.com/office/drawing/2014/main" id="{960ED00A-55A3-561B-0024-69CBFE31B2B7}"/>
+              </a:ext>
+            </a:extLst>
+          </p:cNvPr>
+          <p:cNvSpPr/>
+          <p:nvPr/>
+        </p:nvSpPr>
+        <p:spPr>
+          <a:xfrm>
+            <a:off x="9569470" y="4387093"/>
+            <a:ext cx="355827" cy="388882"/>
+          </a:xfrm>
+          <a:prstGeom prst="rect">
+            <a:avLst/>
+          </a:prstGeom>
+          <a:solidFill>
+            <a:schemeClr val="accent4">
+              <a:lumMod val="40000"/>
+              <a:lumOff val="60000"/>
+            </a:schemeClr>
+          </a:solidFill>
+          <a:ln>
+            <a:solidFill>
+              <a:schemeClr val="tx1"/>
+            </a:solidFill>
+          </a:ln>
+        </p:spPr>
+        <p:style>
+          <a:lnRef idx="2">
+            <a:schemeClr val="accent1"/>
+          </a:lnRef>
+          <a:fillRef idx="1">
+            <a:schemeClr val="lt1"/>
+          </a:fillRef>
+          <a:effectRef idx="0">
+            <a:schemeClr val="accent1"/>
+          </a:effectRef>
+          <a:fontRef idx="minor">
+            <a:schemeClr val="dk1"/>
+          </a:fontRef>
+        </p:style>
+        <p:txBody>
+          <a:bodyPr tIns="0" bIns="0" rtlCol="0" anchor="t"/>
+          <a:lstStyle/>
+          <a:p>
+            <a:pPr algn="ctr"/>
+            <a:endParaRPr kumimoji="1" lang="ja-JP" altLang="en-US" sz="1100" dirty="0"/>
+          </a:p>
+        </p:txBody>
+      </p:sp>
+      <p:sp>
+        <p:nvSpPr>
+          <p:cNvPr id="65" name="楕円 64">
+            <a:extLst>
+              <a:ext uri="{FF2B5EF4-FFF2-40B4-BE49-F238E27FC236}">
+                <a16:creationId xmlns:a16="http://schemas.microsoft.com/office/drawing/2014/main" id="{31D6DC95-3074-1EB3-BFBE-CB043A84ECBF}"/>
+              </a:ext>
+            </a:extLst>
+          </p:cNvPr>
+          <p:cNvSpPr/>
+          <p:nvPr/>
+        </p:nvSpPr>
+        <p:spPr>
+          <a:xfrm>
+            <a:off x="52296" y="2802530"/>
+            <a:ext cx="2042444" cy="1856277"/>
+          </a:xfrm>
+          <a:prstGeom prst="ellipse">
+            <a:avLst/>
+          </a:prstGeom>
+          <a:solidFill>
+            <a:schemeClr val="bg1">
+              <a:lumMod val="85000"/>
+            </a:schemeClr>
+          </a:solidFill>
+          <a:ln>
+            <a:solidFill>
+              <a:schemeClr val="tx1"/>
+            </a:solidFill>
+          </a:ln>
+        </p:spPr>
+        <p:style>
+          <a:lnRef idx="2">
+            <a:schemeClr val="accent1"/>
+          </a:lnRef>
+          <a:fillRef idx="1">
+            <a:schemeClr val="lt1"/>
+          </a:fillRef>
+          <a:effectRef idx="0">
+            <a:schemeClr val="accent1"/>
+          </a:effectRef>
+          <a:fontRef idx="minor">
+            <a:schemeClr val="dk1"/>
+          </a:fontRef>
+        </p:style>
+        <p:txBody>
+          <a:bodyPr tIns="0" bIns="0" rtlCol="0" anchor="t"/>
+          <a:lstStyle/>
+          <a:p>
+            <a:pPr algn="ctr"/>
+            <a:endParaRPr kumimoji="1" lang="ja-JP" altLang="en-US" sz="1100" dirty="0"/>
+          </a:p>
+        </p:txBody>
+      </p:sp>
+      <p:sp>
+        <p:nvSpPr>
+          <p:cNvPr id="36" name="正方形/長方形 35">
+            <a:extLst>
+              <a:ext uri="{FF2B5EF4-FFF2-40B4-BE49-F238E27FC236}">
+                <a16:creationId xmlns:a16="http://schemas.microsoft.com/office/drawing/2014/main" id="{EC6ADEB5-38A0-B67C-A385-EFE0EF895275}"/>
+              </a:ext>
+            </a:extLst>
+          </p:cNvPr>
+          <p:cNvSpPr/>
+          <p:nvPr/>
+        </p:nvSpPr>
+        <p:spPr>
+          <a:xfrm>
+            <a:off x="698555" y="3894778"/>
+            <a:ext cx="749927" cy="223520"/>
+          </a:xfrm>
+          <a:prstGeom prst="rect">
+            <a:avLst/>
+          </a:prstGeom>
+        </p:spPr>
+        <p:style>
+          <a:lnRef idx="2">
+            <a:schemeClr val="accent2">
+              <a:shade val="50000"/>
+            </a:schemeClr>
+          </a:lnRef>
+          <a:fillRef idx="1">
+            <a:schemeClr val="accent2"/>
+          </a:fillRef>
+          <a:effectRef idx="0">
+            <a:schemeClr val="accent2"/>
+          </a:effectRef>
+          <a:fontRef idx="minor">
+            <a:schemeClr val="lt1"/>
+          </a:fontRef>
+        </p:style>
+        <p:txBody>
+          <a:bodyPr rtlCol="0" anchor="ctr"/>
+          <a:lstStyle/>
+          <a:p>
+            <a:pPr algn="ctr"/>
+            <a:r>
+              <a:rPr kumimoji="1" lang="en-US" altLang="ja-JP" sz="900" dirty="0"/>
+              <a:t>IDatabase</a:t>
+            </a:r>
+            <a:endParaRPr kumimoji="1" lang="ja-JP" altLang="en-US" sz="900" dirty="0"/>
+          </a:p>
+        </p:txBody>
+      </p:sp>
+      <p:sp>
+        <p:nvSpPr>
+          <p:cNvPr id="37" name="正方形/長方形 36">
+            <a:extLst>
+              <a:ext uri="{FF2B5EF4-FFF2-40B4-BE49-F238E27FC236}">
+                <a16:creationId xmlns:a16="http://schemas.microsoft.com/office/drawing/2014/main" id="{F06FFE8C-3DAE-F752-6627-2E199CBE3ACD}"/>
+              </a:ext>
+            </a:extLst>
+          </p:cNvPr>
+          <p:cNvSpPr/>
+          <p:nvPr/>
+        </p:nvSpPr>
+        <p:spPr>
+          <a:xfrm>
+            <a:off x="650362" y="3450667"/>
+            <a:ext cx="846312" cy="223520"/>
+          </a:xfrm>
+          <a:prstGeom prst="rect">
+            <a:avLst/>
+          </a:prstGeom>
+        </p:spPr>
+        <p:style>
+          <a:lnRef idx="2">
+            <a:schemeClr val="accent2">
+              <a:shade val="50000"/>
+            </a:schemeClr>
+          </a:lnRef>
+          <a:fillRef idx="1">
+            <a:schemeClr val="accent2"/>
+          </a:fillRef>
+          <a:effectRef idx="0">
+            <a:schemeClr val="accent2"/>
+          </a:effectRef>
+          <a:fontRef idx="minor">
+            <a:schemeClr val="lt1"/>
+          </a:fontRef>
+        </p:style>
+        <p:txBody>
+          <a:bodyPr rtlCol="0" anchor="ctr"/>
+          <a:lstStyle/>
+          <a:p>
+            <a:pPr algn="ctr"/>
+            <a:r>
+              <a:rPr kumimoji="1" lang="en-US" altLang="ja-JP" sz="900" dirty="0"/>
+              <a:t>ITransaction</a:t>
+            </a:r>
+            <a:endParaRPr kumimoji="1" lang="ja-JP" altLang="en-US" sz="900" dirty="0"/>
+          </a:p>
+        </p:txBody>
+      </p:sp>
+      <p:cxnSp>
+        <p:nvCxnSpPr>
+          <p:cNvPr id="38" name="直線矢印コネクタ 37">
+            <a:extLst>
+              <a:ext uri="{FF2B5EF4-FFF2-40B4-BE49-F238E27FC236}">
+                <a16:creationId xmlns:a16="http://schemas.microsoft.com/office/drawing/2014/main" id="{AA086907-41AB-3156-EB30-03A9A1AC4BDC}"/>
+              </a:ext>
+            </a:extLst>
+          </p:cNvPr>
+          <p:cNvCxnSpPr>
+            <a:cxnSpLocks/>
+            <a:stCxn id="36" idx="0"/>
+            <a:endCxn id="37" idx="2"/>
+          </p:cNvCxnSpPr>
+          <p:nvPr/>
+        </p:nvCxnSpPr>
+        <p:spPr>
+          <a:xfrm flipH="1" flipV="1">
+            <a:off x="1073518" y="3674187"/>
+            <a:ext cx="1" cy="220591"/>
+          </a:xfrm>
+          <a:prstGeom prst="straightConnector1">
+            <a:avLst/>
+          </a:prstGeom>
+          <a:ln w="12700">
+            <a:solidFill>
+              <a:srgbClr val="FF0000"/>
+            </a:solidFill>
+            <a:prstDash val="dash"/>
+            <a:tailEnd type="triangle" w="lg" len="lg"/>
+          </a:ln>
+        </p:spPr>
+        <p:style>
+          <a:lnRef idx="1">
+            <a:schemeClr val="dk1"/>
+          </a:lnRef>
+          <a:fillRef idx="0">
+            <a:schemeClr val="dk1"/>
+          </a:fillRef>
+          <a:effectRef idx="0">
+            <a:schemeClr val="dk1"/>
+          </a:effectRef>
+          <a:fontRef idx="minor">
+            <a:schemeClr val="tx1"/>
+          </a:fontRef>
+        </p:style>
+      </p:cxnSp>
+      <p:sp>
+        <p:nvSpPr>
+          <p:cNvPr id="67" name="テキスト ボックス 66">
+            <a:extLst>
+              <a:ext uri="{FF2B5EF4-FFF2-40B4-BE49-F238E27FC236}">
+                <a16:creationId xmlns:a16="http://schemas.microsoft.com/office/drawing/2014/main" id="{E519E1A0-06D2-EDAA-5D5A-4665B04DC462}"/>
+              </a:ext>
+            </a:extLst>
+          </p:cNvPr>
+          <p:cNvSpPr txBox="1"/>
+          <p:nvPr/>
+        </p:nvSpPr>
+        <p:spPr>
+          <a:xfrm>
+            <a:off x="219204" y="2886491"/>
+            <a:ext cx="1723549" cy="461665"/>
+          </a:xfrm>
+          <a:prstGeom prst="rect">
+            <a:avLst/>
+          </a:prstGeom>
+          <a:noFill/>
+        </p:spPr>
+        <p:txBody>
+          <a:bodyPr wrap="none" rtlCol="0">
+            <a:spAutoFit/>
+          </a:bodyPr>
+          <a:lstStyle/>
+          <a:p>
+            <a:pPr algn="ctr"/>
+            <a:r>
+              <a:rPr kumimoji="1" lang="en-US" altLang="ja-JP" sz="1200" dirty="0"/>
+              <a:t>&lt;</a:t>
+            </a:r>
+            <a:r>
+              <a:rPr kumimoji="1" lang="ja-JP" altLang="en-US" sz="1200" dirty="0"/>
+              <a:t>サプライヤー</a:t>
+            </a:r>
+            <a:r>
+              <a:rPr kumimoji="1" lang="en-US" altLang="ja-JP" sz="1200" dirty="0"/>
+              <a:t>&gt;</a:t>
+            </a:r>
+          </a:p>
+          <a:p>
+            <a:pPr algn="ctr"/>
+            <a:r>
+              <a:rPr kumimoji="1" lang="ja-JP" altLang="en-US" sz="1200" dirty="0"/>
+              <a:t>データベースドメイン</a:t>
+            </a:r>
+          </a:p>
+        </p:txBody>
+      </p:sp>
+      <p:sp>
+        <p:nvSpPr>
+          <p:cNvPr id="73" name="正方形/長方形 72">
+            <a:extLst>
+              <a:ext uri="{FF2B5EF4-FFF2-40B4-BE49-F238E27FC236}">
+                <a16:creationId xmlns:a16="http://schemas.microsoft.com/office/drawing/2014/main" id="{D8EB1549-B605-71AE-FA25-2EF2BD95F2F2}"/>
+              </a:ext>
+            </a:extLst>
+          </p:cNvPr>
+          <p:cNvSpPr/>
+          <p:nvPr/>
+        </p:nvSpPr>
+        <p:spPr>
+          <a:xfrm>
+            <a:off x="698555" y="4320058"/>
+            <a:ext cx="749927" cy="223520"/>
+          </a:xfrm>
+          <a:prstGeom prst="rect">
+            <a:avLst/>
+          </a:prstGeom>
+        </p:spPr>
+        <p:style>
+          <a:lnRef idx="2">
+            <a:schemeClr val="accent2">
+              <a:shade val="50000"/>
+            </a:schemeClr>
+          </a:lnRef>
+          <a:fillRef idx="1">
+            <a:schemeClr val="accent2"/>
+          </a:fillRef>
+          <a:effectRef idx="0">
+            <a:schemeClr val="accent2"/>
+          </a:effectRef>
+          <a:fontRef idx="minor">
+            <a:schemeClr val="lt1"/>
+          </a:fontRef>
+        </p:style>
+        <p:txBody>
+          <a:bodyPr rtlCol="0" anchor="ctr"/>
+          <a:lstStyle/>
+          <a:p>
+            <a:pPr algn="ctr"/>
+            <a:r>
+              <a:rPr kumimoji="1" lang="en-US" altLang="ja-JP" sz="900" dirty="0"/>
+              <a:t>Database</a:t>
+            </a:r>
+            <a:endParaRPr kumimoji="1" lang="ja-JP" altLang="en-US" sz="900" dirty="0"/>
+          </a:p>
+        </p:txBody>
+      </p:sp>
+      <p:cxnSp>
+        <p:nvCxnSpPr>
+          <p:cNvPr id="74" name="直線矢印コネクタ 73">
+            <a:extLst>
+              <a:ext uri="{FF2B5EF4-FFF2-40B4-BE49-F238E27FC236}">
+                <a16:creationId xmlns:a16="http://schemas.microsoft.com/office/drawing/2014/main" id="{D5630AAD-420D-ACB6-C9A9-66B0475BF628}"/>
+              </a:ext>
+            </a:extLst>
+          </p:cNvPr>
+          <p:cNvCxnSpPr>
+            <a:cxnSpLocks/>
+            <a:stCxn id="73" idx="0"/>
+            <a:endCxn id="36" idx="2"/>
+          </p:cNvCxnSpPr>
+          <p:nvPr/>
+        </p:nvCxnSpPr>
+        <p:spPr>
+          <a:xfrm flipV="1">
+            <a:off x="1073519" y="4118298"/>
+            <a:ext cx="0" cy="201760"/>
+          </a:xfrm>
+          <a:prstGeom prst="straightConnector1">
+            <a:avLst/>
+          </a:prstGeom>
+          <a:ln w="12700">
+            <a:solidFill>
+              <a:srgbClr val="FF0000"/>
+            </a:solidFill>
+            <a:prstDash val="solid"/>
+            <a:tailEnd type="triangle" w="lg" len="lg"/>
+          </a:ln>
+        </p:spPr>
+        <p:style>
+          <a:lnRef idx="1">
+            <a:schemeClr val="dk1"/>
+          </a:lnRef>
+          <a:fillRef idx="0">
+            <a:schemeClr val="dk1"/>
+          </a:fillRef>
+          <a:effectRef idx="0">
+            <a:schemeClr val="dk1"/>
+          </a:effectRef>
+          <a:fontRef idx="minor">
+            <a:schemeClr val="tx1"/>
+          </a:fontRef>
+        </p:style>
+      </p:cxnSp>
+      <p:sp>
+        <p:nvSpPr>
+          <p:cNvPr id="78" name="正方形/長方形 77">
+            <a:extLst>
+              <a:ext uri="{FF2B5EF4-FFF2-40B4-BE49-F238E27FC236}">
+                <a16:creationId xmlns:a16="http://schemas.microsoft.com/office/drawing/2014/main" id="{F683ACE6-4725-5A23-8DD5-764BE2EBFFD1}"/>
+              </a:ext>
+            </a:extLst>
+          </p:cNvPr>
+          <p:cNvSpPr/>
+          <p:nvPr/>
+        </p:nvSpPr>
+        <p:spPr>
+          <a:xfrm>
+            <a:off x="2797899" y="4701643"/>
+            <a:ext cx="1337612" cy="223520"/>
+          </a:xfrm>
+          <a:prstGeom prst="rect">
+            <a:avLst/>
+          </a:prstGeom>
+        </p:spPr>
+        <p:style>
+          <a:lnRef idx="2">
+            <a:schemeClr val="accent2">
+              <a:shade val="50000"/>
+            </a:schemeClr>
+          </a:lnRef>
+          <a:fillRef idx="1">
+            <a:schemeClr val="accent2"/>
+          </a:fillRef>
+          <a:effectRef idx="0">
+            <a:schemeClr val="accent2"/>
+          </a:effectRef>
+          <a:fontRef idx="minor">
+            <a:schemeClr val="lt1"/>
+          </a:fontRef>
+        </p:style>
+        <p:txBody>
+          <a:bodyPr rtlCol="0" anchor="ctr"/>
+          <a:lstStyle/>
+          <a:p>
+            <a:pPr algn="ctr"/>
+            <a:r>
+              <a:rPr kumimoji="1" lang="en-US" altLang="ja-JP" sz="900" dirty="0"/>
+              <a:t>PurchasingDatabase</a:t>
+            </a:r>
+            <a:endParaRPr kumimoji="1" lang="ja-JP" altLang="en-US" sz="900" dirty="0"/>
+          </a:p>
+        </p:txBody>
+      </p:sp>
+      <p:cxnSp>
+        <p:nvCxnSpPr>
+          <p:cNvPr id="79" name="直線矢印コネクタ 78">
+            <a:extLst>
+              <a:ext uri="{FF2B5EF4-FFF2-40B4-BE49-F238E27FC236}">
+                <a16:creationId xmlns:a16="http://schemas.microsoft.com/office/drawing/2014/main" id="{0E205EBF-496D-6022-BE74-BFE7355FC80E}"/>
+              </a:ext>
+            </a:extLst>
+          </p:cNvPr>
+          <p:cNvCxnSpPr>
+            <a:cxnSpLocks/>
+            <a:stCxn id="78" idx="1"/>
+            <a:endCxn id="73" idx="3"/>
+          </p:cNvCxnSpPr>
+          <p:nvPr/>
+        </p:nvCxnSpPr>
+        <p:spPr>
+          <a:xfrm flipH="1" flipV="1">
+            <a:off x="1448482" y="4431818"/>
+            <a:ext cx="1349417" cy="381585"/>
+          </a:xfrm>
+          <a:prstGeom prst="straightConnector1">
+            <a:avLst/>
+          </a:prstGeom>
+          <a:ln w="12700">
+            <a:solidFill>
+              <a:srgbClr val="FF0000"/>
+            </a:solidFill>
+            <a:prstDash val="solid"/>
+            <a:tailEnd type="triangle" w="lg" len="lg"/>
+          </a:ln>
+        </p:spPr>
+        <p:style>
+          <a:lnRef idx="1">
+            <a:schemeClr val="dk1"/>
+          </a:lnRef>
+          <a:fillRef idx="0">
+            <a:schemeClr val="dk1"/>
+          </a:fillRef>
+          <a:effectRef idx="0">
+            <a:schemeClr val="dk1"/>
+          </a:effectRef>
+          <a:fontRef idx="minor">
+            <a:schemeClr val="tx1"/>
+          </a:fontRef>
+        </p:style>
+      </p:cxnSp>
+      <p:cxnSp>
+        <p:nvCxnSpPr>
+          <p:cNvPr id="82" name="直線矢印コネクタ 81">
+            <a:extLst>
+              <a:ext uri="{FF2B5EF4-FFF2-40B4-BE49-F238E27FC236}">
+                <a16:creationId xmlns:a16="http://schemas.microsoft.com/office/drawing/2014/main" id="{623A894A-8520-F0F1-2021-CEE265DFDB50}"/>
+              </a:ext>
+            </a:extLst>
+          </p:cNvPr>
+          <p:cNvCxnSpPr>
+            <a:cxnSpLocks/>
+            <a:stCxn id="31" idx="0"/>
+            <a:endCxn id="78" idx="2"/>
+          </p:cNvCxnSpPr>
+          <p:nvPr/>
+        </p:nvCxnSpPr>
+        <p:spPr>
+          <a:xfrm flipH="1" flipV="1">
+            <a:off x="3466705" y="4925163"/>
+            <a:ext cx="819143" cy="495549"/>
+          </a:xfrm>
+          <a:prstGeom prst="straightConnector1">
+            <a:avLst/>
+          </a:prstGeom>
+          <a:ln w="12700">
+            <a:solidFill>
+              <a:srgbClr val="FF0000"/>
+            </a:solidFill>
+            <a:prstDash val="solid"/>
+            <a:tailEnd type="arrow" w="lg" len="lg"/>
+          </a:ln>
+        </p:spPr>
+        <p:style>
+          <a:lnRef idx="1">
+            <a:schemeClr val="dk1"/>
+          </a:lnRef>
+          <a:fillRef idx="0">
+            <a:schemeClr val="dk1"/>
+          </a:fillRef>
+          <a:effectRef idx="0">
+            <a:schemeClr val="dk1"/>
+          </a:effectRef>
+          <a:fontRef idx="minor">
+            <a:schemeClr val="tx1"/>
+          </a:fontRef>
+        </p:style>
+      </p:cxnSp>
+      <p:cxnSp>
+        <p:nvCxnSpPr>
+          <p:cNvPr id="85" name="直線矢印コネクタ 84">
+            <a:extLst>
+              <a:ext uri="{FF2B5EF4-FFF2-40B4-BE49-F238E27FC236}">
+                <a16:creationId xmlns:a16="http://schemas.microsoft.com/office/drawing/2014/main" id="{A11D15D1-FEF6-55C1-AF7F-686EFC1E1429}"/>
+              </a:ext>
+            </a:extLst>
+          </p:cNvPr>
+          <p:cNvCxnSpPr>
+            <a:cxnSpLocks/>
+          </p:cNvCxnSpPr>
+          <p:nvPr/>
+        </p:nvCxnSpPr>
+        <p:spPr>
+          <a:xfrm flipH="1">
+            <a:off x="9225581" y="964712"/>
+            <a:ext cx="533852" cy="0"/>
+          </a:xfrm>
+          <a:prstGeom prst="straightConnector1">
+            <a:avLst/>
+          </a:prstGeom>
+          <a:ln w="12700">
+            <a:solidFill>
+              <a:srgbClr val="FF0000"/>
+            </a:solidFill>
+            <a:prstDash val="solid"/>
+            <a:tailEnd type="arrow" w="lg" len="lg"/>
+          </a:ln>
+        </p:spPr>
+        <p:style>
+          <a:lnRef idx="1">
+            <a:schemeClr val="dk1"/>
+          </a:lnRef>
+          <a:fillRef idx="0">
+            <a:schemeClr val="dk1"/>
+          </a:fillRef>
+          <a:effectRef idx="0">
+            <a:schemeClr val="dk1"/>
+          </a:effectRef>
+          <a:fontRef idx="minor">
+            <a:schemeClr val="tx1"/>
+          </a:fontRef>
+        </p:style>
+      </p:cxnSp>
+      <p:sp>
+        <p:nvSpPr>
+          <p:cNvPr id="88" name="テキスト ボックス 87">
+            <a:extLst>
+              <a:ext uri="{FF2B5EF4-FFF2-40B4-BE49-F238E27FC236}">
+                <a16:creationId xmlns:a16="http://schemas.microsoft.com/office/drawing/2014/main" id="{2B1A7DE9-ADE4-EFE8-833E-D3A5C9AB5E12}"/>
+              </a:ext>
+            </a:extLst>
+          </p:cNvPr>
+          <p:cNvSpPr txBox="1"/>
+          <p:nvPr/>
+        </p:nvSpPr>
+        <p:spPr>
+          <a:xfrm>
+            <a:off x="9775445" y="827940"/>
+            <a:ext cx="466794" cy="261610"/>
+          </a:xfrm>
+          <a:prstGeom prst="rect">
+            <a:avLst/>
+          </a:prstGeom>
+          <a:noFill/>
+        </p:spPr>
+        <p:txBody>
+          <a:bodyPr wrap="none" rtlCol="0">
+            <a:spAutoFit/>
+          </a:bodyPr>
+          <a:lstStyle/>
+          <a:p>
+            <a:r>
+              <a:rPr kumimoji="1" lang="ja-JP" altLang="en-US" sz="1100" dirty="0"/>
+              <a:t>関連</a:t>
+            </a:r>
+          </a:p>
+        </p:txBody>
+      </p:sp>
+    </p:spTree>
+    <p:extLst>
+      <p:ext uri="{BB962C8B-B14F-4D97-AF65-F5344CB8AC3E}">
+        <p14:creationId xmlns:p14="http://schemas.microsoft.com/office/powerpoint/2010/main" val="2687488653"/>
       </p:ext>
     </p:extLst>
   </p:cSld>
@@ -16274,6 +22984,2792 @@
     <p:extLst>
       <p:ext uri="{BB962C8B-B14F-4D97-AF65-F5344CB8AC3E}">
         <p14:creationId xmlns:p14="http://schemas.microsoft.com/office/powerpoint/2010/main" val="390979891"/>
+      </p:ext>
+    </p:extLst>
+  </p:cSld>
+  <p:clrMapOvr>
+    <a:masterClrMapping/>
+  </p:clrMapOvr>
+</p:sld>
+</file>
+
+<file path=ppt/slides/slide30.xml><?xml version="1.0" encoding="utf-8"?>
+<p:sld xmlns:a="http://schemas.openxmlformats.org/drawingml/2006/main" xmlns:r="http://schemas.openxmlformats.org/officeDocument/2006/relationships" xmlns:p="http://schemas.openxmlformats.org/presentationml/2006/main">
+  <p:cSld>
+    <p:spTree>
+      <p:nvGrpSpPr>
+        <p:cNvPr id="1" name=""/>
+        <p:cNvGrpSpPr/>
+        <p:nvPr/>
+      </p:nvGrpSpPr>
+      <p:grpSpPr>
+        <a:xfrm>
+          <a:off x="0" y="0"/>
+          <a:ext cx="0" cy="0"/>
+          <a:chOff x="0" y="0"/>
+          <a:chExt cx="0" cy="0"/>
+        </a:xfrm>
+      </p:grpSpPr>
+      <p:pic>
+        <p:nvPicPr>
+          <p:cNvPr id="3" name="図 2">
+            <a:extLst>
+              <a:ext uri="{FF2B5EF4-FFF2-40B4-BE49-F238E27FC236}">
+                <a16:creationId xmlns:a16="http://schemas.microsoft.com/office/drawing/2014/main" id="{3EC20077-201A-CA61-FEFA-81A9FA41C7BA}"/>
+              </a:ext>
+            </a:extLst>
+          </p:cNvPr>
+          <p:cNvPicPr>
+            <a:picLocks noChangeAspect="1"/>
+          </p:cNvPicPr>
+          <p:nvPr/>
+        </p:nvPicPr>
+        <p:blipFill>
+          <a:blip r:embed="rId2"/>
+          <a:stretch>
+            <a:fillRect/>
+          </a:stretch>
+        </p:blipFill>
+        <p:spPr>
+          <a:xfrm>
+            <a:off x="2455038" y="0"/>
+            <a:ext cx="7281924" cy="6858000"/>
+          </a:xfrm>
+          <a:prstGeom prst="rect">
+            <a:avLst/>
+          </a:prstGeom>
+        </p:spPr>
+      </p:pic>
+    </p:spTree>
+    <p:extLst>
+      <p:ext uri="{BB962C8B-B14F-4D97-AF65-F5344CB8AC3E}">
+        <p14:creationId xmlns:p14="http://schemas.microsoft.com/office/powerpoint/2010/main" val="3866179078"/>
+      </p:ext>
+    </p:extLst>
+  </p:cSld>
+  <p:clrMapOvr>
+    <a:masterClrMapping/>
+  </p:clrMapOvr>
+</p:sld>
+</file>
+
+<file path=ppt/slides/slide31.xml><?xml version="1.0" encoding="utf-8"?>
+<p:sld xmlns:a="http://schemas.openxmlformats.org/drawingml/2006/main" xmlns:r="http://schemas.openxmlformats.org/officeDocument/2006/relationships" xmlns:p="http://schemas.openxmlformats.org/presentationml/2006/main">
+  <p:cSld>
+    <p:spTree>
+      <p:nvGrpSpPr>
+        <p:cNvPr id="1" name=""/>
+        <p:cNvGrpSpPr/>
+        <p:nvPr/>
+      </p:nvGrpSpPr>
+      <p:grpSpPr>
+        <a:xfrm>
+          <a:off x="0" y="0"/>
+          <a:ext cx="0" cy="0"/>
+          <a:chOff x="0" y="0"/>
+          <a:chExt cx="0" cy="0"/>
+        </a:xfrm>
+      </p:grpSpPr>
+      <p:pic>
+        <p:nvPicPr>
+          <p:cNvPr id="3" name="図 2">
+            <a:extLst>
+              <a:ext uri="{FF2B5EF4-FFF2-40B4-BE49-F238E27FC236}">
+                <a16:creationId xmlns:a16="http://schemas.microsoft.com/office/drawing/2014/main" id="{32193FEA-7F88-5E99-5D48-8C26263063EA}"/>
+              </a:ext>
+            </a:extLst>
+          </p:cNvPr>
+          <p:cNvPicPr>
+            <a:picLocks noChangeAspect="1"/>
+          </p:cNvPicPr>
+          <p:nvPr/>
+        </p:nvPicPr>
+        <p:blipFill>
+          <a:blip r:embed="rId2"/>
+          <a:stretch>
+            <a:fillRect/>
+          </a:stretch>
+        </p:blipFill>
+        <p:spPr>
+          <a:xfrm>
+            <a:off x="2537670" y="-7885"/>
+            <a:ext cx="7113864" cy="6871070"/>
+          </a:xfrm>
+          <a:prstGeom prst="rect">
+            <a:avLst/>
+          </a:prstGeom>
+        </p:spPr>
+      </p:pic>
+    </p:spTree>
+    <p:extLst>
+      <p:ext uri="{BB962C8B-B14F-4D97-AF65-F5344CB8AC3E}">
+        <p14:creationId xmlns:p14="http://schemas.microsoft.com/office/powerpoint/2010/main" val="859932685"/>
+      </p:ext>
+    </p:extLst>
+  </p:cSld>
+  <p:clrMapOvr>
+    <a:masterClrMapping/>
+  </p:clrMapOvr>
+</p:sld>
+</file>
+
+<file path=ppt/slides/slide32.xml><?xml version="1.0" encoding="utf-8"?>
+<p:sld xmlns:a="http://schemas.openxmlformats.org/drawingml/2006/main" xmlns:r="http://schemas.openxmlformats.org/officeDocument/2006/relationships" xmlns:p="http://schemas.openxmlformats.org/presentationml/2006/main">
+  <p:cSld>
+    <p:spTree>
+      <p:nvGrpSpPr>
+        <p:cNvPr id="1" name=""/>
+        <p:cNvGrpSpPr/>
+        <p:nvPr/>
+      </p:nvGrpSpPr>
+      <p:grpSpPr>
+        <a:xfrm>
+          <a:off x="0" y="0"/>
+          <a:ext cx="0" cy="0"/>
+          <a:chOff x="0" y="0"/>
+          <a:chExt cx="0" cy="0"/>
+        </a:xfrm>
+      </p:grpSpPr>
+      <p:pic>
+        <p:nvPicPr>
+          <p:cNvPr id="3" name="図 2">
+            <a:extLst>
+              <a:ext uri="{FF2B5EF4-FFF2-40B4-BE49-F238E27FC236}">
+                <a16:creationId xmlns:a16="http://schemas.microsoft.com/office/drawing/2014/main" id="{4EDD15FA-B83A-C811-5968-50A2CF341033}"/>
+              </a:ext>
+            </a:extLst>
+          </p:cNvPr>
+          <p:cNvPicPr>
+            <a:picLocks noChangeAspect="1"/>
+          </p:cNvPicPr>
+          <p:nvPr/>
+        </p:nvPicPr>
+        <p:blipFill>
+          <a:blip r:embed="rId2"/>
+          <a:stretch>
+            <a:fillRect/>
+          </a:stretch>
+        </p:blipFill>
+        <p:spPr>
+          <a:xfrm>
+            <a:off x="0" y="524677"/>
+            <a:ext cx="12192000" cy="5808646"/>
+          </a:xfrm>
+          <a:prstGeom prst="rect">
+            <a:avLst/>
+          </a:prstGeom>
+        </p:spPr>
+      </p:pic>
+    </p:spTree>
+    <p:extLst>
+      <p:ext uri="{BB962C8B-B14F-4D97-AF65-F5344CB8AC3E}">
+        <p14:creationId xmlns:p14="http://schemas.microsoft.com/office/powerpoint/2010/main" val="2888252037"/>
+      </p:ext>
+    </p:extLst>
+  </p:cSld>
+  <p:clrMapOvr>
+    <a:masterClrMapping/>
+  </p:clrMapOvr>
+</p:sld>
+</file>
+
+<file path=ppt/slides/slide33.xml><?xml version="1.0" encoding="utf-8"?>
+<p:sld xmlns:a="http://schemas.openxmlformats.org/drawingml/2006/main" xmlns:r="http://schemas.openxmlformats.org/officeDocument/2006/relationships" xmlns:p="http://schemas.openxmlformats.org/presentationml/2006/main">
+  <p:cSld>
+    <p:spTree>
+      <p:nvGrpSpPr>
+        <p:cNvPr id="1" name=""/>
+        <p:cNvGrpSpPr/>
+        <p:nvPr/>
+      </p:nvGrpSpPr>
+      <p:grpSpPr>
+        <a:xfrm>
+          <a:off x="0" y="0"/>
+          <a:ext cx="0" cy="0"/>
+          <a:chOff x="0" y="0"/>
+          <a:chExt cx="0" cy="0"/>
+        </a:xfrm>
+      </p:grpSpPr>
+      <p:pic>
+        <p:nvPicPr>
+          <p:cNvPr id="3" name="図 2">
+            <a:extLst>
+              <a:ext uri="{FF2B5EF4-FFF2-40B4-BE49-F238E27FC236}">
+                <a16:creationId xmlns:a16="http://schemas.microsoft.com/office/drawing/2014/main" id="{1C3A1EA7-BA6D-D84E-07B4-36F5E5FD63D4}"/>
+              </a:ext>
+            </a:extLst>
+          </p:cNvPr>
+          <p:cNvPicPr>
+            <a:picLocks noChangeAspect="1"/>
+          </p:cNvPicPr>
+          <p:nvPr/>
+        </p:nvPicPr>
+        <p:blipFill>
+          <a:blip r:embed="rId2"/>
+          <a:stretch>
+            <a:fillRect/>
+          </a:stretch>
+        </p:blipFill>
+        <p:spPr>
+          <a:xfrm>
+            <a:off x="0" y="230239"/>
+            <a:ext cx="12192000" cy="6397522"/>
+          </a:xfrm>
+          <a:prstGeom prst="rect">
+            <a:avLst/>
+          </a:prstGeom>
+        </p:spPr>
+      </p:pic>
+    </p:spTree>
+    <p:extLst>
+      <p:ext uri="{BB962C8B-B14F-4D97-AF65-F5344CB8AC3E}">
+        <p14:creationId xmlns:p14="http://schemas.microsoft.com/office/powerpoint/2010/main" val="540204176"/>
+      </p:ext>
+    </p:extLst>
+  </p:cSld>
+  <p:clrMapOvr>
+    <a:masterClrMapping/>
+  </p:clrMapOvr>
+</p:sld>
+</file>
+
+<file path=ppt/slides/slide34.xml><?xml version="1.0" encoding="utf-8"?>
+<p:sld xmlns:a="http://schemas.openxmlformats.org/drawingml/2006/main" xmlns:r="http://schemas.openxmlformats.org/officeDocument/2006/relationships" xmlns:p="http://schemas.openxmlformats.org/presentationml/2006/main">
+  <p:cSld>
+    <p:spTree>
+      <p:nvGrpSpPr>
+        <p:cNvPr id="1" name=""/>
+        <p:cNvGrpSpPr/>
+        <p:nvPr/>
+      </p:nvGrpSpPr>
+      <p:grpSpPr>
+        <a:xfrm>
+          <a:off x="0" y="0"/>
+          <a:ext cx="0" cy="0"/>
+          <a:chOff x="0" y="0"/>
+          <a:chExt cx="0" cy="0"/>
+        </a:xfrm>
+      </p:grpSpPr>
+      <p:sp>
+        <p:nvSpPr>
+          <p:cNvPr id="11" name="楕円 10">
+            <a:extLst>
+              <a:ext uri="{FF2B5EF4-FFF2-40B4-BE49-F238E27FC236}">
+                <a16:creationId xmlns:a16="http://schemas.microsoft.com/office/drawing/2014/main" id="{61F6DF7D-A748-EE48-3EDD-9DD5FF2C9BD6}"/>
+              </a:ext>
+            </a:extLst>
+          </p:cNvPr>
+          <p:cNvSpPr/>
+          <p:nvPr/>
+        </p:nvSpPr>
+        <p:spPr>
+          <a:xfrm>
+            <a:off x="2188408" y="102870"/>
+            <a:ext cx="6713220" cy="6713220"/>
+          </a:xfrm>
+          <a:prstGeom prst="ellipse">
+            <a:avLst/>
+          </a:prstGeom>
+          <a:solidFill>
+            <a:schemeClr val="accent1">
+              <a:lumMod val="20000"/>
+              <a:lumOff val="80000"/>
+            </a:schemeClr>
+          </a:solidFill>
+          <a:ln>
+            <a:solidFill>
+              <a:schemeClr val="tx1"/>
+            </a:solidFill>
+          </a:ln>
+        </p:spPr>
+        <p:style>
+          <a:lnRef idx="2">
+            <a:schemeClr val="accent1"/>
+          </a:lnRef>
+          <a:fillRef idx="1">
+            <a:schemeClr val="lt1"/>
+          </a:fillRef>
+          <a:effectRef idx="0">
+            <a:schemeClr val="accent1"/>
+          </a:effectRef>
+          <a:fontRef idx="minor">
+            <a:schemeClr val="dk1"/>
+          </a:fontRef>
+        </p:style>
+        <p:txBody>
+          <a:bodyPr tIns="0" bIns="0" rtlCol="0" anchor="t"/>
+          <a:lstStyle/>
+          <a:p>
+            <a:pPr algn="ctr"/>
+            <a:endParaRPr kumimoji="1" lang="ja-JP" altLang="en-US" sz="1100" dirty="0"/>
+          </a:p>
+        </p:txBody>
+      </p:sp>
+      <p:sp>
+        <p:nvSpPr>
+          <p:cNvPr id="5" name="楕円 4">
+            <a:extLst>
+              <a:ext uri="{FF2B5EF4-FFF2-40B4-BE49-F238E27FC236}">
+                <a16:creationId xmlns:a16="http://schemas.microsoft.com/office/drawing/2014/main" id="{D8B52D55-1ACB-79D8-60DE-A16C4075EF0A}"/>
+              </a:ext>
+            </a:extLst>
+          </p:cNvPr>
+          <p:cNvSpPr/>
+          <p:nvPr/>
+        </p:nvSpPr>
+        <p:spPr>
+          <a:xfrm>
+            <a:off x="2489083" y="428957"/>
+            <a:ext cx="6061046" cy="6061046"/>
+          </a:xfrm>
+          <a:prstGeom prst="ellipse">
+            <a:avLst/>
+          </a:prstGeom>
+          <a:solidFill>
+            <a:schemeClr val="accent6">
+              <a:lumMod val="20000"/>
+              <a:lumOff val="80000"/>
+            </a:schemeClr>
+          </a:solidFill>
+          <a:ln>
+            <a:solidFill>
+              <a:schemeClr val="tx1"/>
+            </a:solidFill>
+          </a:ln>
+        </p:spPr>
+        <p:style>
+          <a:lnRef idx="2">
+            <a:schemeClr val="accent1"/>
+          </a:lnRef>
+          <a:fillRef idx="1">
+            <a:schemeClr val="lt1"/>
+          </a:fillRef>
+          <a:effectRef idx="0">
+            <a:schemeClr val="accent1"/>
+          </a:effectRef>
+          <a:fontRef idx="minor">
+            <a:schemeClr val="dk1"/>
+          </a:fontRef>
+        </p:style>
+        <p:txBody>
+          <a:bodyPr tIns="0" bIns="0" rtlCol="0" anchor="t"/>
+          <a:lstStyle/>
+          <a:p>
+            <a:pPr algn="ctr"/>
+            <a:endParaRPr kumimoji="1" lang="ja-JP" altLang="en-US" sz="1100" dirty="0"/>
+          </a:p>
+        </p:txBody>
+      </p:sp>
+      <p:sp>
+        <p:nvSpPr>
+          <p:cNvPr id="59" name="楕円 58">
+            <a:extLst>
+              <a:ext uri="{FF2B5EF4-FFF2-40B4-BE49-F238E27FC236}">
+                <a16:creationId xmlns:a16="http://schemas.microsoft.com/office/drawing/2014/main" id="{4B1A5908-B043-7189-0547-2A88C3D33D7C}"/>
+              </a:ext>
+            </a:extLst>
+          </p:cNvPr>
+          <p:cNvSpPr/>
+          <p:nvPr/>
+        </p:nvSpPr>
+        <p:spPr>
+          <a:xfrm>
+            <a:off x="3605728" y="1520190"/>
+            <a:ext cx="3878580" cy="3878580"/>
+          </a:xfrm>
+          <a:prstGeom prst="ellipse">
+            <a:avLst/>
+          </a:prstGeom>
+          <a:solidFill>
+            <a:schemeClr val="accent2">
+              <a:lumMod val="20000"/>
+              <a:lumOff val="80000"/>
+            </a:schemeClr>
+          </a:solidFill>
+          <a:ln>
+            <a:solidFill>
+              <a:schemeClr val="tx1"/>
+            </a:solidFill>
+          </a:ln>
+        </p:spPr>
+        <p:style>
+          <a:lnRef idx="2">
+            <a:schemeClr val="accent1"/>
+          </a:lnRef>
+          <a:fillRef idx="1">
+            <a:schemeClr val="lt1"/>
+          </a:fillRef>
+          <a:effectRef idx="0">
+            <a:schemeClr val="accent1"/>
+          </a:effectRef>
+          <a:fontRef idx="minor">
+            <a:schemeClr val="dk1"/>
+          </a:fontRef>
+        </p:style>
+        <p:txBody>
+          <a:bodyPr tIns="0" bIns="0" rtlCol="0" anchor="t"/>
+          <a:lstStyle/>
+          <a:p>
+            <a:pPr algn="ctr"/>
+            <a:endParaRPr kumimoji="1" lang="ja-JP" altLang="en-US" sz="1600" dirty="0"/>
+          </a:p>
+        </p:txBody>
+      </p:sp>
+      <p:sp>
+        <p:nvSpPr>
+          <p:cNvPr id="3" name="楕円 2">
+            <a:extLst>
+              <a:ext uri="{FF2B5EF4-FFF2-40B4-BE49-F238E27FC236}">
+                <a16:creationId xmlns:a16="http://schemas.microsoft.com/office/drawing/2014/main" id="{FD5F7EEE-98CD-3F37-082F-E28F6540080E}"/>
+              </a:ext>
+            </a:extLst>
+          </p:cNvPr>
+          <p:cNvSpPr/>
+          <p:nvPr/>
+        </p:nvSpPr>
+        <p:spPr>
+          <a:xfrm>
+            <a:off x="4188658" y="2103120"/>
+            <a:ext cx="2712720" cy="2712720"/>
+          </a:xfrm>
+          <a:prstGeom prst="ellipse">
+            <a:avLst/>
+          </a:prstGeom>
+          <a:solidFill>
+            <a:schemeClr val="accent4">
+              <a:lumMod val="20000"/>
+              <a:lumOff val="80000"/>
+            </a:schemeClr>
+          </a:solidFill>
+          <a:ln>
+            <a:solidFill>
+              <a:schemeClr val="tx1"/>
+            </a:solidFill>
+          </a:ln>
+        </p:spPr>
+        <p:style>
+          <a:lnRef idx="2">
+            <a:schemeClr val="accent1"/>
+          </a:lnRef>
+          <a:fillRef idx="1">
+            <a:schemeClr val="lt1"/>
+          </a:fillRef>
+          <a:effectRef idx="0">
+            <a:schemeClr val="accent1"/>
+          </a:effectRef>
+          <a:fontRef idx="minor">
+            <a:schemeClr val="dk1"/>
+          </a:fontRef>
+        </p:style>
+        <p:txBody>
+          <a:bodyPr tIns="0" bIns="0" rtlCol="0" anchor="t"/>
+          <a:lstStyle/>
+          <a:p>
+            <a:pPr algn="ctr"/>
+            <a:endParaRPr kumimoji="1" lang="ja-JP" altLang="en-US" sz="1100" dirty="0"/>
+          </a:p>
+        </p:txBody>
+      </p:sp>
+      <p:sp>
+        <p:nvSpPr>
+          <p:cNvPr id="7" name="テキスト ボックス 6">
+            <a:extLst>
+              <a:ext uri="{FF2B5EF4-FFF2-40B4-BE49-F238E27FC236}">
+                <a16:creationId xmlns:a16="http://schemas.microsoft.com/office/drawing/2014/main" id="{7BC21E71-31D6-3669-41F4-DA16D9DF5ADC}"/>
+              </a:ext>
+            </a:extLst>
+          </p:cNvPr>
+          <p:cNvSpPr txBox="1"/>
+          <p:nvPr/>
+        </p:nvSpPr>
+        <p:spPr>
+          <a:xfrm>
+            <a:off x="4991020" y="2317193"/>
+            <a:ext cx="1107996" cy="276999"/>
+          </a:xfrm>
+          <a:prstGeom prst="rect">
+            <a:avLst/>
+          </a:prstGeom>
+          <a:noFill/>
+        </p:spPr>
+        <p:txBody>
+          <a:bodyPr wrap="none" rtlCol="0">
+            <a:spAutoFit/>
+          </a:bodyPr>
+          <a:lstStyle/>
+          <a:p>
+            <a:pPr algn="ctr"/>
+            <a:r>
+              <a:rPr kumimoji="1" lang="ja-JP" altLang="en-US" sz="1200" dirty="0"/>
+              <a:t>購買ドメイン</a:t>
+            </a:r>
+          </a:p>
+        </p:txBody>
+      </p:sp>
+      <p:sp>
+        <p:nvSpPr>
+          <p:cNvPr id="8" name="テキスト ボックス 7">
+            <a:extLst>
+              <a:ext uri="{FF2B5EF4-FFF2-40B4-BE49-F238E27FC236}">
+                <a16:creationId xmlns:a16="http://schemas.microsoft.com/office/drawing/2014/main" id="{6335DE73-44DD-9E74-441B-19CAE7799FA4}"/>
+              </a:ext>
+            </a:extLst>
+          </p:cNvPr>
+          <p:cNvSpPr txBox="1"/>
+          <p:nvPr/>
+        </p:nvSpPr>
+        <p:spPr>
+          <a:xfrm>
+            <a:off x="4991020" y="1707356"/>
+            <a:ext cx="1107996" cy="276999"/>
+          </a:xfrm>
+          <a:prstGeom prst="rect">
+            <a:avLst/>
+          </a:prstGeom>
+          <a:noFill/>
+        </p:spPr>
+        <p:txBody>
+          <a:bodyPr wrap="none" rtlCol="0">
+            <a:spAutoFit/>
+          </a:bodyPr>
+          <a:lstStyle/>
+          <a:p>
+            <a:pPr algn="ctr"/>
+            <a:r>
+              <a:rPr kumimoji="1" lang="ja-JP" altLang="en-US" sz="1200" dirty="0"/>
+              <a:t>ユースケース</a:t>
+            </a:r>
+          </a:p>
+        </p:txBody>
+      </p:sp>
+      <p:sp>
+        <p:nvSpPr>
+          <p:cNvPr id="9" name="テキスト ボックス 8">
+            <a:extLst>
+              <a:ext uri="{FF2B5EF4-FFF2-40B4-BE49-F238E27FC236}">
+                <a16:creationId xmlns:a16="http://schemas.microsoft.com/office/drawing/2014/main" id="{4AA4408E-BAFB-5176-6604-E8A23E3A94FF}"/>
+              </a:ext>
+            </a:extLst>
+          </p:cNvPr>
+          <p:cNvSpPr txBox="1"/>
+          <p:nvPr/>
+        </p:nvSpPr>
+        <p:spPr>
+          <a:xfrm rot="2860399">
+            <a:off x="2481656" y="5469640"/>
+            <a:ext cx="1511952" cy="276999"/>
+          </a:xfrm>
+          <a:prstGeom prst="rect">
+            <a:avLst/>
+          </a:prstGeom>
+          <a:noFill/>
+        </p:spPr>
+        <p:txBody>
+          <a:bodyPr wrap="none" rtlCol="0">
+            <a:spAutoFit/>
+          </a:bodyPr>
+          <a:lstStyle/>
+          <a:p>
+            <a:pPr algn="ctr"/>
+            <a:r>
+              <a:rPr kumimoji="1" lang="en-US" altLang="ja-JP" sz="1200" dirty="0"/>
+              <a:t>DB</a:t>
+            </a:r>
+            <a:r>
+              <a:rPr kumimoji="1" lang="ja-JP" altLang="en-US" sz="1200" dirty="0"/>
+              <a:t>（</a:t>
+            </a:r>
+            <a:r>
+              <a:rPr kumimoji="1" lang="en-US" altLang="ja-JP" sz="1200" dirty="0"/>
+              <a:t>SQL</a:t>
+            </a:r>
+            <a:r>
+              <a:rPr kumimoji="1" lang="ja-JP" altLang="en-US" sz="1200" dirty="0"/>
+              <a:t> </a:t>
+            </a:r>
+            <a:r>
+              <a:rPr kumimoji="1" lang="en-US" altLang="ja-JP" sz="1200" dirty="0"/>
+              <a:t>Server</a:t>
+            </a:r>
+            <a:r>
+              <a:rPr kumimoji="1" lang="ja-JP" altLang="en-US" sz="1200" dirty="0"/>
+              <a:t>）</a:t>
+            </a:r>
+          </a:p>
+        </p:txBody>
+      </p:sp>
+      <p:sp>
+        <p:nvSpPr>
+          <p:cNvPr id="12" name="テキスト ボックス 11">
+            <a:extLst>
+              <a:ext uri="{FF2B5EF4-FFF2-40B4-BE49-F238E27FC236}">
+                <a16:creationId xmlns:a16="http://schemas.microsoft.com/office/drawing/2014/main" id="{AC990C2C-0114-CB69-C9A5-F2BC15A6AE81}"/>
+              </a:ext>
+            </a:extLst>
+          </p:cNvPr>
+          <p:cNvSpPr txBox="1"/>
+          <p:nvPr/>
+        </p:nvSpPr>
+        <p:spPr>
+          <a:xfrm>
+            <a:off x="5040402" y="103658"/>
+            <a:ext cx="987770" cy="276999"/>
+          </a:xfrm>
+          <a:prstGeom prst="rect">
+            <a:avLst/>
+          </a:prstGeom>
+          <a:noFill/>
+        </p:spPr>
+        <p:txBody>
+          <a:bodyPr wrap="none" rtlCol="0">
+            <a:spAutoFit/>
+          </a:bodyPr>
+          <a:lstStyle/>
+          <a:p>
+            <a:pPr algn="ctr"/>
+            <a:r>
+              <a:rPr kumimoji="1" lang="en-US" altLang="ja-JP" sz="1200" dirty="0"/>
+              <a:t>UI</a:t>
+            </a:r>
+            <a:r>
+              <a:rPr kumimoji="1" lang="ja-JP" altLang="en-US" sz="1200" dirty="0"/>
+              <a:t>（</a:t>
+            </a:r>
+            <a:r>
+              <a:rPr kumimoji="1" lang="en-US" altLang="ja-JP" sz="1200" dirty="0"/>
+              <a:t>WPF</a:t>
+            </a:r>
+            <a:r>
+              <a:rPr kumimoji="1" lang="ja-JP" altLang="en-US" sz="1200" dirty="0"/>
+              <a:t>）</a:t>
+            </a:r>
+          </a:p>
+        </p:txBody>
+      </p:sp>
+      <p:sp>
+        <p:nvSpPr>
+          <p:cNvPr id="13" name="テキスト ボックス 12">
+            <a:extLst>
+              <a:ext uri="{FF2B5EF4-FFF2-40B4-BE49-F238E27FC236}">
+                <a16:creationId xmlns:a16="http://schemas.microsoft.com/office/drawing/2014/main" id="{986B2D26-80C0-618F-02ED-D175574E544B}"/>
+              </a:ext>
+            </a:extLst>
+          </p:cNvPr>
+          <p:cNvSpPr txBox="1"/>
+          <p:nvPr/>
+        </p:nvSpPr>
+        <p:spPr>
+          <a:xfrm rot="18838972">
+            <a:off x="6956017" y="5366979"/>
+            <a:ext cx="1951175" cy="276999"/>
+          </a:xfrm>
+          <a:prstGeom prst="rect">
+            <a:avLst/>
+          </a:prstGeom>
+          <a:noFill/>
+        </p:spPr>
+        <p:txBody>
+          <a:bodyPr wrap="none" rtlCol="0">
+            <a:spAutoFit/>
+          </a:bodyPr>
+          <a:lstStyle/>
+          <a:p>
+            <a:pPr algn="ctr"/>
+            <a:r>
+              <a:rPr kumimoji="1" lang="en-US" altLang="ja-JP" sz="1200" dirty="0"/>
+              <a:t>Web</a:t>
+            </a:r>
+            <a:r>
+              <a:rPr kumimoji="1" lang="ja-JP" altLang="en-US" sz="1200" dirty="0"/>
+              <a:t> </a:t>
+            </a:r>
+            <a:r>
+              <a:rPr kumimoji="1" lang="en-US" altLang="ja-JP" sz="1200" dirty="0"/>
+              <a:t>API</a:t>
+            </a:r>
+            <a:r>
+              <a:rPr kumimoji="1" lang="ja-JP" altLang="en-US" sz="1200" dirty="0"/>
+              <a:t>（</a:t>
+            </a:r>
+            <a:r>
+              <a:rPr kumimoji="1" lang="en-US" altLang="ja-JP" sz="1200" dirty="0"/>
+              <a:t>MagicOnion</a:t>
+            </a:r>
+            <a:r>
+              <a:rPr kumimoji="1" lang="ja-JP" altLang="en-US" sz="1200" dirty="0"/>
+              <a:t>）</a:t>
+            </a:r>
+          </a:p>
+        </p:txBody>
+      </p:sp>
+      <p:sp>
+        <p:nvSpPr>
+          <p:cNvPr id="14" name="テキスト ボックス 13">
+            <a:extLst>
+              <a:ext uri="{FF2B5EF4-FFF2-40B4-BE49-F238E27FC236}">
+                <a16:creationId xmlns:a16="http://schemas.microsoft.com/office/drawing/2014/main" id="{0C04F549-0ADE-E55C-0C72-7EE893D59D2B}"/>
+              </a:ext>
+            </a:extLst>
+          </p:cNvPr>
+          <p:cNvSpPr txBox="1"/>
+          <p:nvPr/>
+        </p:nvSpPr>
+        <p:spPr>
+          <a:xfrm>
+            <a:off x="4734776" y="493826"/>
+            <a:ext cx="1569660" cy="276999"/>
+          </a:xfrm>
+          <a:prstGeom prst="rect">
+            <a:avLst/>
+          </a:prstGeom>
+          <a:noFill/>
+        </p:spPr>
+        <p:txBody>
+          <a:bodyPr wrap="none" rtlCol="0">
+            <a:spAutoFit/>
+          </a:bodyPr>
+          <a:lstStyle/>
+          <a:p>
+            <a:pPr algn="ctr"/>
+            <a:r>
+              <a:rPr kumimoji="1" lang="ja-JP" altLang="en-US" sz="1200" dirty="0"/>
+              <a:t>プレゼンテーション</a:t>
+            </a:r>
+          </a:p>
+        </p:txBody>
+      </p:sp>
+      <p:sp>
+        <p:nvSpPr>
+          <p:cNvPr id="16" name="テキスト ボックス 15">
+            <a:extLst>
+              <a:ext uri="{FF2B5EF4-FFF2-40B4-BE49-F238E27FC236}">
+                <a16:creationId xmlns:a16="http://schemas.microsoft.com/office/drawing/2014/main" id="{FC5E25D1-F818-CB37-329C-DE36F1A7BFA7}"/>
+              </a:ext>
+            </a:extLst>
+          </p:cNvPr>
+          <p:cNvSpPr txBox="1"/>
+          <p:nvPr/>
+        </p:nvSpPr>
+        <p:spPr>
+          <a:xfrm rot="18712592">
+            <a:off x="6722564" y="5036132"/>
+            <a:ext cx="1261884" cy="276999"/>
+          </a:xfrm>
+          <a:prstGeom prst="rect">
+            <a:avLst/>
+          </a:prstGeom>
+          <a:noFill/>
+        </p:spPr>
+        <p:txBody>
+          <a:bodyPr wrap="none" rtlCol="0">
+            <a:spAutoFit/>
+          </a:bodyPr>
+          <a:lstStyle/>
+          <a:p>
+            <a:pPr algn="ctr"/>
+            <a:r>
+              <a:rPr kumimoji="1" lang="ja-JP" altLang="en-US" sz="1200" dirty="0"/>
+              <a:t>コントローラー</a:t>
+            </a:r>
+          </a:p>
+        </p:txBody>
+      </p:sp>
+      <p:sp>
+        <p:nvSpPr>
+          <p:cNvPr id="10" name="正方形/長方形 9">
+            <a:extLst>
+              <a:ext uri="{FF2B5EF4-FFF2-40B4-BE49-F238E27FC236}">
+                <a16:creationId xmlns:a16="http://schemas.microsoft.com/office/drawing/2014/main" id="{DD300987-8C66-D866-FD9B-7DE8F5A9242A}"/>
+              </a:ext>
+            </a:extLst>
+          </p:cNvPr>
+          <p:cNvSpPr/>
+          <p:nvPr/>
+        </p:nvSpPr>
+        <p:spPr>
+          <a:xfrm>
+            <a:off x="5148155" y="2959563"/>
+            <a:ext cx="560693" cy="223520"/>
+          </a:xfrm>
+          <a:prstGeom prst="rect">
+            <a:avLst/>
+          </a:prstGeom>
+        </p:spPr>
+        <p:style>
+          <a:lnRef idx="2">
+            <a:schemeClr val="accent2">
+              <a:shade val="50000"/>
+            </a:schemeClr>
+          </a:lnRef>
+          <a:fillRef idx="1">
+            <a:schemeClr val="accent2"/>
+          </a:fillRef>
+          <a:effectRef idx="0">
+            <a:schemeClr val="accent2"/>
+          </a:effectRef>
+          <a:fontRef idx="minor">
+            <a:schemeClr val="lt1"/>
+          </a:fontRef>
+        </p:style>
+        <p:txBody>
+          <a:bodyPr rtlCol="0" anchor="ctr"/>
+          <a:lstStyle/>
+          <a:p>
+            <a:pPr algn="ctr"/>
+            <a:r>
+              <a:rPr kumimoji="1" lang="en-US" altLang="ja-JP" sz="900" dirty="0"/>
+              <a:t>Vendor</a:t>
+            </a:r>
+            <a:endParaRPr kumimoji="1" lang="ja-JP" altLang="en-US" sz="900" dirty="0"/>
+          </a:p>
+        </p:txBody>
+      </p:sp>
+      <p:sp>
+        <p:nvSpPr>
+          <p:cNvPr id="30" name="正方形/長方形 29">
+            <a:extLst>
+              <a:ext uri="{FF2B5EF4-FFF2-40B4-BE49-F238E27FC236}">
+                <a16:creationId xmlns:a16="http://schemas.microsoft.com/office/drawing/2014/main" id="{731D1CC2-2DD9-DD83-5AFE-6F5922CAD473}"/>
+              </a:ext>
+            </a:extLst>
+          </p:cNvPr>
+          <p:cNvSpPr/>
+          <p:nvPr/>
+        </p:nvSpPr>
+        <p:spPr>
+          <a:xfrm>
+            <a:off x="4847496" y="3673383"/>
+            <a:ext cx="1162012" cy="223520"/>
+          </a:xfrm>
+          <a:prstGeom prst="rect">
+            <a:avLst/>
+          </a:prstGeom>
+        </p:spPr>
+        <p:style>
+          <a:lnRef idx="2">
+            <a:schemeClr val="accent2">
+              <a:shade val="50000"/>
+            </a:schemeClr>
+          </a:lnRef>
+          <a:fillRef idx="1">
+            <a:schemeClr val="accent2"/>
+          </a:fillRef>
+          <a:effectRef idx="0">
+            <a:schemeClr val="accent2"/>
+          </a:effectRef>
+          <a:fontRef idx="minor">
+            <a:schemeClr val="lt1"/>
+          </a:fontRef>
+        </p:style>
+        <p:txBody>
+          <a:bodyPr rtlCol="0" anchor="ctr"/>
+          <a:lstStyle/>
+          <a:p>
+            <a:pPr algn="ctr"/>
+            <a:r>
+              <a:rPr kumimoji="1" lang="en-US" altLang="ja-JP" sz="900" dirty="0"/>
+              <a:t>IVendorRepository</a:t>
+            </a:r>
+            <a:endParaRPr kumimoji="1" lang="ja-JP" altLang="en-US" sz="900" dirty="0"/>
+          </a:p>
+        </p:txBody>
+      </p:sp>
+      <p:sp>
+        <p:nvSpPr>
+          <p:cNvPr id="31" name="正方形/長方形 30">
+            <a:extLst>
+              <a:ext uri="{FF2B5EF4-FFF2-40B4-BE49-F238E27FC236}">
+                <a16:creationId xmlns:a16="http://schemas.microsoft.com/office/drawing/2014/main" id="{A5EBE216-8792-3469-315F-DDFD8F1C2193}"/>
+              </a:ext>
+            </a:extLst>
+          </p:cNvPr>
+          <p:cNvSpPr/>
+          <p:nvPr/>
+        </p:nvSpPr>
+        <p:spPr>
+          <a:xfrm>
+            <a:off x="3721751" y="5420712"/>
+            <a:ext cx="1128194" cy="210640"/>
+          </a:xfrm>
+          <a:prstGeom prst="rect">
+            <a:avLst/>
+          </a:prstGeom>
+        </p:spPr>
+        <p:style>
+          <a:lnRef idx="2">
+            <a:schemeClr val="accent2">
+              <a:shade val="50000"/>
+            </a:schemeClr>
+          </a:lnRef>
+          <a:fillRef idx="1">
+            <a:schemeClr val="accent2"/>
+          </a:fillRef>
+          <a:effectRef idx="0">
+            <a:schemeClr val="accent2"/>
+          </a:effectRef>
+          <a:fontRef idx="minor">
+            <a:schemeClr val="lt1"/>
+          </a:fontRef>
+        </p:style>
+        <p:txBody>
+          <a:bodyPr rtlCol="0" anchor="ctr"/>
+          <a:lstStyle/>
+          <a:p>
+            <a:pPr algn="ctr"/>
+            <a:r>
+              <a:rPr kumimoji="1" lang="en-US" altLang="ja-JP" sz="900" dirty="0"/>
+              <a:t>VendorRepository</a:t>
+            </a:r>
+            <a:endParaRPr kumimoji="1" lang="ja-JP" altLang="en-US" sz="900" dirty="0"/>
+          </a:p>
+        </p:txBody>
+      </p:sp>
+      <p:cxnSp>
+        <p:nvCxnSpPr>
+          <p:cNvPr id="32" name="直線矢印コネクタ 31">
+            <a:extLst>
+              <a:ext uri="{FF2B5EF4-FFF2-40B4-BE49-F238E27FC236}">
+                <a16:creationId xmlns:a16="http://schemas.microsoft.com/office/drawing/2014/main" id="{DCD3C585-B900-CC94-C843-D931DC59920A}"/>
+              </a:ext>
+            </a:extLst>
+          </p:cNvPr>
+          <p:cNvCxnSpPr>
+            <a:cxnSpLocks/>
+            <a:stCxn id="30" idx="0"/>
+            <a:endCxn id="10" idx="2"/>
+          </p:cNvCxnSpPr>
+          <p:nvPr/>
+        </p:nvCxnSpPr>
+        <p:spPr>
+          <a:xfrm flipV="1">
+            <a:off x="5428502" y="3183083"/>
+            <a:ext cx="0" cy="490300"/>
+          </a:xfrm>
+          <a:prstGeom prst="straightConnector1">
+            <a:avLst/>
+          </a:prstGeom>
+          <a:ln w="12700">
+            <a:solidFill>
+              <a:srgbClr val="FF0000"/>
+            </a:solidFill>
+            <a:prstDash val="dash"/>
+            <a:tailEnd type="triangle" w="lg" len="lg"/>
+          </a:ln>
+        </p:spPr>
+        <p:style>
+          <a:lnRef idx="1">
+            <a:schemeClr val="dk1"/>
+          </a:lnRef>
+          <a:fillRef idx="0">
+            <a:schemeClr val="dk1"/>
+          </a:fillRef>
+          <a:effectRef idx="0">
+            <a:schemeClr val="dk1"/>
+          </a:effectRef>
+          <a:fontRef idx="minor">
+            <a:schemeClr val="tx1"/>
+          </a:fontRef>
+        </p:style>
+      </p:cxnSp>
+      <p:cxnSp>
+        <p:nvCxnSpPr>
+          <p:cNvPr id="33" name="直線矢印コネクタ 32">
+            <a:extLst>
+              <a:ext uri="{FF2B5EF4-FFF2-40B4-BE49-F238E27FC236}">
+                <a16:creationId xmlns:a16="http://schemas.microsoft.com/office/drawing/2014/main" id="{F14900EF-3AF4-F268-B2C6-1188474FF171}"/>
+              </a:ext>
+            </a:extLst>
+          </p:cNvPr>
+          <p:cNvCxnSpPr>
+            <a:cxnSpLocks/>
+            <a:stCxn id="31" idx="0"/>
+            <a:endCxn id="30" idx="2"/>
+          </p:cNvCxnSpPr>
+          <p:nvPr/>
+        </p:nvCxnSpPr>
+        <p:spPr>
+          <a:xfrm flipV="1">
+            <a:off x="4285848" y="3896903"/>
+            <a:ext cx="1142654" cy="1523809"/>
+          </a:xfrm>
+          <a:prstGeom prst="straightConnector1">
+            <a:avLst/>
+          </a:prstGeom>
+          <a:ln w="12700">
+            <a:solidFill>
+              <a:srgbClr val="FF0000"/>
+            </a:solidFill>
+            <a:prstDash val="solid"/>
+            <a:tailEnd type="triangle" w="lg" len="lg"/>
+          </a:ln>
+        </p:spPr>
+        <p:style>
+          <a:lnRef idx="1">
+            <a:schemeClr val="dk1"/>
+          </a:lnRef>
+          <a:fillRef idx="0">
+            <a:schemeClr val="dk1"/>
+          </a:fillRef>
+          <a:effectRef idx="0">
+            <a:schemeClr val="dk1"/>
+          </a:effectRef>
+          <a:fontRef idx="minor">
+            <a:schemeClr val="tx1"/>
+          </a:fontRef>
+        </p:style>
+      </p:cxnSp>
+      <p:cxnSp>
+        <p:nvCxnSpPr>
+          <p:cNvPr id="2" name="直線矢印コネクタ 1">
+            <a:extLst>
+              <a:ext uri="{FF2B5EF4-FFF2-40B4-BE49-F238E27FC236}">
+                <a16:creationId xmlns:a16="http://schemas.microsoft.com/office/drawing/2014/main" id="{1D9B2AD3-5955-0255-6EAD-C6325B89B686}"/>
+              </a:ext>
+            </a:extLst>
+          </p:cNvPr>
+          <p:cNvCxnSpPr>
+            <a:cxnSpLocks/>
+          </p:cNvCxnSpPr>
+          <p:nvPr/>
+        </p:nvCxnSpPr>
+        <p:spPr>
+          <a:xfrm flipH="1">
+            <a:off x="9225581" y="324027"/>
+            <a:ext cx="543434" cy="0"/>
+          </a:xfrm>
+          <a:prstGeom prst="straightConnector1">
+            <a:avLst/>
+          </a:prstGeom>
+          <a:ln w="12700">
+            <a:solidFill>
+              <a:srgbClr val="FF0000"/>
+            </a:solidFill>
+            <a:prstDash val="dash"/>
+            <a:tailEnd type="triangle" w="lg" len="lg"/>
+          </a:ln>
+        </p:spPr>
+        <p:style>
+          <a:lnRef idx="1">
+            <a:schemeClr val="dk1"/>
+          </a:lnRef>
+          <a:fillRef idx="0">
+            <a:schemeClr val="dk1"/>
+          </a:fillRef>
+          <a:effectRef idx="0">
+            <a:schemeClr val="dk1"/>
+          </a:effectRef>
+          <a:fontRef idx="minor">
+            <a:schemeClr val="tx1"/>
+          </a:fontRef>
+        </p:style>
+      </p:cxnSp>
+      <p:cxnSp>
+        <p:nvCxnSpPr>
+          <p:cNvPr id="6" name="直線矢印コネクタ 5">
+            <a:extLst>
+              <a:ext uri="{FF2B5EF4-FFF2-40B4-BE49-F238E27FC236}">
+                <a16:creationId xmlns:a16="http://schemas.microsoft.com/office/drawing/2014/main" id="{200752DB-385E-816E-74F6-C86975CAB38A}"/>
+              </a:ext>
+            </a:extLst>
+          </p:cNvPr>
+          <p:cNvCxnSpPr>
+            <a:cxnSpLocks/>
+          </p:cNvCxnSpPr>
+          <p:nvPr/>
+        </p:nvCxnSpPr>
+        <p:spPr>
+          <a:xfrm flipH="1">
+            <a:off x="9225581" y="645752"/>
+            <a:ext cx="543434" cy="0"/>
+          </a:xfrm>
+          <a:prstGeom prst="straightConnector1">
+            <a:avLst/>
+          </a:prstGeom>
+          <a:ln w="12700">
+            <a:solidFill>
+              <a:srgbClr val="FF0000"/>
+            </a:solidFill>
+            <a:prstDash val="solid"/>
+            <a:tailEnd type="triangle" w="lg" len="lg"/>
+          </a:ln>
+        </p:spPr>
+        <p:style>
+          <a:lnRef idx="1">
+            <a:schemeClr val="dk1"/>
+          </a:lnRef>
+          <a:fillRef idx="0">
+            <a:schemeClr val="dk1"/>
+          </a:fillRef>
+          <a:effectRef idx="0">
+            <a:schemeClr val="dk1"/>
+          </a:effectRef>
+          <a:fontRef idx="minor">
+            <a:schemeClr val="tx1"/>
+          </a:fontRef>
+        </p:style>
+      </p:cxnSp>
+      <p:sp>
+        <p:nvSpPr>
+          <p:cNvPr id="17" name="テキスト ボックス 16">
+            <a:extLst>
+              <a:ext uri="{FF2B5EF4-FFF2-40B4-BE49-F238E27FC236}">
+                <a16:creationId xmlns:a16="http://schemas.microsoft.com/office/drawing/2014/main" id="{02739AAC-0537-9316-337E-66D25B7948B5}"/>
+              </a:ext>
+            </a:extLst>
+          </p:cNvPr>
+          <p:cNvSpPr txBox="1"/>
+          <p:nvPr/>
+        </p:nvSpPr>
+        <p:spPr>
+          <a:xfrm>
+            <a:off x="9775445" y="193014"/>
+            <a:ext cx="466794" cy="261610"/>
+          </a:xfrm>
+          <a:prstGeom prst="rect">
+            <a:avLst/>
+          </a:prstGeom>
+          <a:noFill/>
+        </p:spPr>
+        <p:txBody>
+          <a:bodyPr wrap="none" rtlCol="0">
+            <a:spAutoFit/>
+          </a:bodyPr>
+          <a:lstStyle/>
+          <a:p>
+            <a:r>
+              <a:rPr kumimoji="1" lang="ja-JP" altLang="en-US" sz="1100" dirty="0"/>
+              <a:t>依存</a:t>
+            </a:r>
+          </a:p>
+        </p:txBody>
+      </p:sp>
+      <p:sp>
+        <p:nvSpPr>
+          <p:cNvPr id="18" name="テキスト ボックス 17">
+            <a:extLst>
+              <a:ext uri="{FF2B5EF4-FFF2-40B4-BE49-F238E27FC236}">
+                <a16:creationId xmlns:a16="http://schemas.microsoft.com/office/drawing/2014/main" id="{679DD35F-C7FD-3B3D-2ED1-3DDDA4D98BEE}"/>
+              </a:ext>
+            </a:extLst>
+          </p:cNvPr>
+          <p:cNvSpPr txBox="1"/>
+          <p:nvPr/>
+        </p:nvSpPr>
+        <p:spPr>
+          <a:xfrm>
+            <a:off x="9773544" y="509215"/>
+            <a:ext cx="889987" cy="261610"/>
+          </a:xfrm>
+          <a:prstGeom prst="rect">
+            <a:avLst/>
+          </a:prstGeom>
+          <a:noFill/>
+        </p:spPr>
+        <p:txBody>
+          <a:bodyPr wrap="none" rtlCol="0">
+            <a:spAutoFit/>
+          </a:bodyPr>
+          <a:lstStyle/>
+          <a:p>
+            <a:r>
+              <a:rPr kumimoji="1" lang="ja-JP" altLang="en-US" sz="1100" dirty="0"/>
+              <a:t>実現・継承</a:t>
+            </a:r>
+          </a:p>
+        </p:txBody>
+      </p:sp>
+      <p:grpSp>
+        <p:nvGrpSpPr>
+          <p:cNvPr id="19" name="グループ化 18">
+            <a:extLst>
+              <a:ext uri="{FF2B5EF4-FFF2-40B4-BE49-F238E27FC236}">
+                <a16:creationId xmlns:a16="http://schemas.microsoft.com/office/drawing/2014/main" id="{143D6D13-7976-0FB1-5B4A-24D43E2EE711}"/>
+              </a:ext>
+            </a:extLst>
+          </p:cNvPr>
+          <p:cNvGrpSpPr/>
+          <p:nvPr/>
+        </p:nvGrpSpPr>
+        <p:grpSpPr>
+          <a:xfrm>
+            <a:off x="9240410" y="6141948"/>
+            <a:ext cx="2494064" cy="388882"/>
+            <a:chOff x="8200596" y="5696761"/>
+            <a:chExt cx="2494064" cy="388882"/>
+          </a:xfrm>
+        </p:grpSpPr>
+        <p:sp>
+          <p:nvSpPr>
+            <p:cNvPr id="20" name="正方形/長方形 19">
+              <a:extLst>
+                <a:ext uri="{FF2B5EF4-FFF2-40B4-BE49-F238E27FC236}">
+                  <a16:creationId xmlns:a16="http://schemas.microsoft.com/office/drawing/2014/main" id="{7C1CF807-4DAF-6649-3246-B8D61EC89C99}"/>
+                </a:ext>
+              </a:extLst>
+            </p:cNvPr>
+            <p:cNvSpPr/>
+            <p:nvPr/>
+          </p:nvSpPr>
+          <p:spPr>
+            <a:xfrm>
+              <a:off x="8200596" y="5696761"/>
+              <a:ext cx="683953" cy="388882"/>
+            </a:xfrm>
+            <a:prstGeom prst="rect">
+              <a:avLst/>
+            </a:prstGeom>
+            <a:solidFill>
+              <a:schemeClr val="accent1">
+                <a:lumMod val="20000"/>
+                <a:lumOff val="80000"/>
+              </a:schemeClr>
+            </a:solidFill>
+            <a:ln>
+              <a:solidFill>
+                <a:schemeClr val="tx1"/>
+              </a:solidFill>
+            </a:ln>
+          </p:spPr>
+          <p:style>
+            <a:lnRef idx="2">
+              <a:schemeClr val="accent1"/>
+            </a:lnRef>
+            <a:fillRef idx="1">
+              <a:schemeClr val="lt1"/>
+            </a:fillRef>
+            <a:effectRef idx="0">
+              <a:schemeClr val="accent1"/>
+            </a:effectRef>
+            <a:fontRef idx="minor">
+              <a:schemeClr val="dk1"/>
+            </a:fontRef>
+          </p:style>
+          <p:txBody>
+            <a:bodyPr tIns="0" bIns="0" rtlCol="0" anchor="t"/>
+            <a:lstStyle/>
+            <a:p>
+              <a:pPr algn="ctr"/>
+              <a:endParaRPr kumimoji="1" lang="ja-JP" altLang="en-US" sz="1100" dirty="0"/>
+            </a:p>
+          </p:txBody>
+        </p:sp>
+        <p:sp>
+          <p:nvSpPr>
+            <p:cNvPr id="21" name="テキスト ボックス 20">
+              <a:extLst>
+                <a:ext uri="{FF2B5EF4-FFF2-40B4-BE49-F238E27FC236}">
+                  <a16:creationId xmlns:a16="http://schemas.microsoft.com/office/drawing/2014/main" id="{54AAF935-99E0-3F3E-CE77-DA03FA08B43F}"/>
+                </a:ext>
+              </a:extLst>
+            </p:cNvPr>
+            <p:cNvSpPr txBox="1"/>
+            <p:nvPr/>
+          </p:nvSpPr>
+          <p:spPr>
+            <a:xfrm>
+              <a:off x="8884549" y="5751294"/>
+              <a:ext cx="1810111" cy="276999"/>
+            </a:xfrm>
+            <a:prstGeom prst="rect">
+              <a:avLst/>
+            </a:prstGeom>
+            <a:noFill/>
+          </p:spPr>
+          <p:txBody>
+            <a:bodyPr wrap="none" rtlCol="0">
+              <a:spAutoFit/>
+            </a:bodyPr>
+            <a:lstStyle/>
+            <a:p>
+              <a:r>
+                <a:rPr kumimoji="1" lang="en-US" altLang="ja-JP" sz="1200" dirty="0"/>
+                <a:t>Frameworks</a:t>
+              </a:r>
+              <a:r>
+                <a:rPr kumimoji="1" lang="ja-JP" altLang="en-US" sz="1200" dirty="0"/>
+                <a:t> ＆ </a:t>
+              </a:r>
+              <a:r>
+                <a:rPr kumimoji="1" lang="en-US" altLang="ja-JP" sz="1200" dirty="0"/>
+                <a:t>Drivers</a:t>
+              </a:r>
+              <a:endParaRPr kumimoji="1" lang="ja-JP" altLang="en-US" sz="1200" dirty="0"/>
+            </a:p>
+          </p:txBody>
+        </p:sp>
+      </p:grpSp>
+      <p:grpSp>
+        <p:nvGrpSpPr>
+          <p:cNvPr id="22" name="グループ化 21">
+            <a:extLst>
+              <a:ext uri="{FF2B5EF4-FFF2-40B4-BE49-F238E27FC236}">
+                <a16:creationId xmlns:a16="http://schemas.microsoft.com/office/drawing/2014/main" id="{067AA25D-64B6-63BD-35ED-8D1D6CE8EAF4}"/>
+              </a:ext>
+            </a:extLst>
+          </p:cNvPr>
+          <p:cNvGrpSpPr/>
+          <p:nvPr/>
+        </p:nvGrpSpPr>
+        <p:grpSpPr>
+          <a:xfrm>
+            <a:off x="9247209" y="5563513"/>
+            <a:ext cx="2529330" cy="388882"/>
+            <a:chOff x="8200596" y="5696761"/>
+            <a:chExt cx="2529330" cy="388882"/>
+          </a:xfrm>
+        </p:grpSpPr>
+        <p:sp>
+          <p:nvSpPr>
+            <p:cNvPr id="23" name="正方形/長方形 22">
+              <a:extLst>
+                <a:ext uri="{FF2B5EF4-FFF2-40B4-BE49-F238E27FC236}">
+                  <a16:creationId xmlns:a16="http://schemas.microsoft.com/office/drawing/2014/main" id="{D7DBFDDF-7431-1A7E-0465-E34102A2FE87}"/>
+                </a:ext>
+              </a:extLst>
+            </p:cNvPr>
+            <p:cNvSpPr/>
+            <p:nvPr/>
+          </p:nvSpPr>
+          <p:spPr>
+            <a:xfrm>
+              <a:off x="8200596" y="5696761"/>
+              <a:ext cx="683953" cy="388882"/>
+            </a:xfrm>
+            <a:prstGeom prst="rect">
+              <a:avLst/>
+            </a:prstGeom>
+            <a:solidFill>
+              <a:schemeClr val="accent6">
+                <a:lumMod val="20000"/>
+                <a:lumOff val="80000"/>
+              </a:schemeClr>
+            </a:solidFill>
+            <a:ln>
+              <a:solidFill>
+                <a:schemeClr val="tx1"/>
+              </a:solidFill>
+            </a:ln>
+          </p:spPr>
+          <p:style>
+            <a:lnRef idx="2">
+              <a:schemeClr val="accent1"/>
+            </a:lnRef>
+            <a:fillRef idx="1">
+              <a:schemeClr val="lt1"/>
+            </a:fillRef>
+            <a:effectRef idx="0">
+              <a:schemeClr val="accent1"/>
+            </a:effectRef>
+            <a:fontRef idx="minor">
+              <a:schemeClr val="dk1"/>
+            </a:fontRef>
+          </p:style>
+          <p:txBody>
+            <a:bodyPr tIns="0" bIns="0" rtlCol="0" anchor="t"/>
+            <a:lstStyle/>
+            <a:p>
+              <a:pPr algn="ctr"/>
+              <a:endParaRPr kumimoji="1" lang="ja-JP" altLang="en-US" sz="1100" dirty="0"/>
+            </a:p>
+          </p:txBody>
+        </p:sp>
+        <p:sp>
+          <p:nvSpPr>
+            <p:cNvPr id="24" name="テキスト ボックス 23">
+              <a:extLst>
+                <a:ext uri="{FF2B5EF4-FFF2-40B4-BE49-F238E27FC236}">
+                  <a16:creationId xmlns:a16="http://schemas.microsoft.com/office/drawing/2014/main" id="{D2D227C2-0B8A-14CA-F946-3079B389AB10}"/>
+                </a:ext>
+              </a:extLst>
+            </p:cNvPr>
+            <p:cNvSpPr txBox="1"/>
+            <p:nvPr/>
+          </p:nvSpPr>
+          <p:spPr>
+            <a:xfrm>
+              <a:off x="8884549" y="5752702"/>
+              <a:ext cx="1845377" cy="276999"/>
+            </a:xfrm>
+            <a:prstGeom prst="rect">
+              <a:avLst/>
+            </a:prstGeom>
+            <a:noFill/>
+          </p:spPr>
+          <p:txBody>
+            <a:bodyPr wrap="none" rtlCol="0">
+              <a:spAutoFit/>
+            </a:bodyPr>
+            <a:lstStyle/>
+            <a:p>
+              <a:r>
+                <a:rPr kumimoji="1" lang="en-US" altLang="ja-JP" sz="1200" dirty="0"/>
+                <a:t>Infrastructure Adapters</a:t>
+              </a:r>
+              <a:endParaRPr kumimoji="1" lang="ja-JP" altLang="en-US" sz="1200" dirty="0"/>
+            </a:p>
+          </p:txBody>
+        </p:sp>
+      </p:grpSp>
+      <p:grpSp>
+        <p:nvGrpSpPr>
+          <p:cNvPr id="25" name="グループ化 24">
+            <a:extLst>
+              <a:ext uri="{FF2B5EF4-FFF2-40B4-BE49-F238E27FC236}">
+                <a16:creationId xmlns:a16="http://schemas.microsoft.com/office/drawing/2014/main" id="{9225EAFB-7951-5B55-40CC-F2AEF91B383E}"/>
+              </a:ext>
+            </a:extLst>
+          </p:cNvPr>
+          <p:cNvGrpSpPr/>
+          <p:nvPr/>
+        </p:nvGrpSpPr>
+        <p:grpSpPr>
+          <a:xfrm>
+            <a:off x="9240410" y="4985078"/>
+            <a:ext cx="2802227" cy="388882"/>
+            <a:chOff x="8200596" y="5696761"/>
+            <a:chExt cx="2802227" cy="388882"/>
+          </a:xfrm>
+        </p:grpSpPr>
+        <p:sp>
+          <p:nvSpPr>
+            <p:cNvPr id="26" name="正方形/長方形 25">
+              <a:extLst>
+                <a:ext uri="{FF2B5EF4-FFF2-40B4-BE49-F238E27FC236}">
+                  <a16:creationId xmlns:a16="http://schemas.microsoft.com/office/drawing/2014/main" id="{ACF72B8C-0B43-01C5-D62E-C5AB4E75796D}"/>
+                </a:ext>
+              </a:extLst>
+            </p:cNvPr>
+            <p:cNvSpPr/>
+            <p:nvPr/>
+          </p:nvSpPr>
+          <p:spPr>
+            <a:xfrm>
+              <a:off x="8200596" y="5696761"/>
+              <a:ext cx="683953" cy="388882"/>
+            </a:xfrm>
+            <a:prstGeom prst="rect">
+              <a:avLst/>
+            </a:prstGeom>
+            <a:solidFill>
+              <a:schemeClr val="accent2">
+                <a:lumMod val="20000"/>
+                <a:lumOff val="80000"/>
+              </a:schemeClr>
+            </a:solidFill>
+            <a:ln>
+              <a:solidFill>
+                <a:schemeClr val="tx1"/>
+              </a:solidFill>
+            </a:ln>
+          </p:spPr>
+          <p:style>
+            <a:lnRef idx="2">
+              <a:schemeClr val="accent1"/>
+            </a:lnRef>
+            <a:fillRef idx="1">
+              <a:schemeClr val="lt1"/>
+            </a:fillRef>
+            <a:effectRef idx="0">
+              <a:schemeClr val="accent1"/>
+            </a:effectRef>
+            <a:fontRef idx="minor">
+              <a:schemeClr val="dk1"/>
+            </a:fontRef>
+          </p:style>
+          <p:txBody>
+            <a:bodyPr tIns="0" bIns="0" rtlCol="0" anchor="t"/>
+            <a:lstStyle/>
+            <a:p>
+              <a:pPr algn="ctr"/>
+              <a:endParaRPr kumimoji="1" lang="ja-JP" altLang="en-US" sz="1100" dirty="0"/>
+            </a:p>
+          </p:txBody>
+        </p:sp>
+        <p:sp>
+          <p:nvSpPr>
+            <p:cNvPr id="27" name="テキスト ボックス 26">
+              <a:extLst>
+                <a:ext uri="{FF2B5EF4-FFF2-40B4-BE49-F238E27FC236}">
+                  <a16:creationId xmlns:a16="http://schemas.microsoft.com/office/drawing/2014/main" id="{C82123E2-72AF-C86F-8005-3E552BB63494}"/>
+                </a:ext>
+              </a:extLst>
+            </p:cNvPr>
+            <p:cNvSpPr txBox="1"/>
+            <p:nvPr/>
+          </p:nvSpPr>
+          <p:spPr>
+            <a:xfrm>
+              <a:off x="8891348" y="5747815"/>
+              <a:ext cx="2111475" cy="276999"/>
+            </a:xfrm>
+            <a:prstGeom prst="rect">
+              <a:avLst/>
+            </a:prstGeom>
+            <a:noFill/>
+          </p:spPr>
+          <p:txBody>
+            <a:bodyPr wrap="none" rtlCol="0">
+              <a:spAutoFit/>
+            </a:bodyPr>
+            <a:lstStyle/>
+            <a:p>
+              <a:r>
+                <a:rPr kumimoji="1" lang="en-US" altLang="ja-JP" sz="1200" dirty="0"/>
+                <a:t>Application Business Rules</a:t>
+              </a:r>
+              <a:endParaRPr kumimoji="1" lang="ja-JP" altLang="en-US" sz="1200" dirty="0"/>
+            </a:p>
+          </p:txBody>
+        </p:sp>
+      </p:grpSp>
+      <p:grpSp>
+        <p:nvGrpSpPr>
+          <p:cNvPr id="28" name="グループ化 27">
+            <a:extLst>
+              <a:ext uri="{FF2B5EF4-FFF2-40B4-BE49-F238E27FC236}">
+                <a16:creationId xmlns:a16="http://schemas.microsoft.com/office/drawing/2014/main" id="{94CBB834-F906-A1E0-3856-0F8FA6E60E15}"/>
+              </a:ext>
+            </a:extLst>
+          </p:cNvPr>
+          <p:cNvGrpSpPr/>
+          <p:nvPr/>
+        </p:nvGrpSpPr>
+        <p:grpSpPr>
+          <a:xfrm>
+            <a:off x="9240410" y="4387093"/>
+            <a:ext cx="2731308" cy="388882"/>
+            <a:chOff x="8200596" y="5696761"/>
+            <a:chExt cx="2731308" cy="388882"/>
+          </a:xfrm>
+        </p:grpSpPr>
+        <p:sp>
+          <p:nvSpPr>
+            <p:cNvPr id="29" name="正方形/長方形 28">
+              <a:extLst>
+                <a:ext uri="{FF2B5EF4-FFF2-40B4-BE49-F238E27FC236}">
+                  <a16:creationId xmlns:a16="http://schemas.microsoft.com/office/drawing/2014/main" id="{518D5DD0-4F6A-D850-9907-59B468801B16}"/>
+                </a:ext>
+              </a:extLst>
+            </p:cNvPr>
+            <p:cNvSpPr/>
+            <p:nvPr/>
+          </p:nvSpPr>
+          <p:spPr>
+            <a:xfrm>
+              <a:off x="8200596" y="5696761"/>
+              <a:ext cx="683953" cy="388882"/>
+            </a:xfrm>
+            <a:prstGeom prst="rect">
+              <a:avLst/>
+            </a:prstGeom>
+            <a:solidFill>
+              <a:schemeClr val="accent2">
+                <a:lumMod val="20000"/>
+                <a:lumOff val="80000"/>
+              </a:schemeClr>
+            </a:solidFill>
+            <a:ln>
+              <a:solidFill>
+                <a:schemeClr val="tx1"/>
+              </a:solidFill>
+            </a:ln>
+          </p:spPr>
+          <p:style>
+            <a:lnRef idx="2">
+              <a:schemeClr val="accent1"/>
+            </a:lnRef>
+            <a:fillRef idx="1">
+              <a:schemeClr val="lt1"/>
+            </a:fillRef>
+            <a:effectRef idx="0">
+              <a:schemeClr val="accent1"/>
+            </a:effectRef>
+            <a:fontRef idx="minor">
+              <a:schemeClr val="dk1"/>
+            </a:fontRef>
+          </p:style>
+          <p:txBody>
+            <a:bodyPr tIns="0" bIns="0" rtlCol="0" anchor="t"/>
+            <a:lstStyle/>
+            <a:p>
+              <a:pPr algn="ctr"/>
+              <a:endParaRPr kumimoji="1" lang="ja-JP" altLang="en-US" sz="1100" dirty="0"/>
+            </a:p>
+          </p:txBody>
+        </p:sp>
+        <p:sp>
+          <p:nvSpPr>
+            <p:cNvPr id="34" name="テキスト ボックス 33">
+              <a:extLst>
+                <a:ext uri="{FF2B5EF4-FFF2-40B4-BE49-F238E27FC236}">
+                  <a16:creationId xmlns:a16="http://schemas.microsoft.com/office/drawing/2014/main" id="{968EB53F-0F98-6A1D-DFD1-D4620DC8CA10}"/>
+                </a:ext>
+              </a:extLst>
+            </p:cNvPr>
+            <p:cNvSpPr txBox="1"/>
+            <p:nvPr/>
+          </p:nvSpPr>
+          <p:spPr>
+            <a:xfrm>
+              <a:off x="8884549" y="5751073"/>
+              <a:ext cx="2047355" cy="276999"/>
+            </a:xfrm>
+            <a:prstGeom prst="rect">
+              <a:avLst/>
+            </a:prstGeom>
+            <a:noFill/>
+          </p:spPr>
+          <p:txBody>
+            <a:bodyPr wrap="none" rtlCol="0">
+              <a:spAutoFit/>
+            </a:bodyPr>
+            <a:lstStyle/>
+            <a:p>
+              <a:r>
+                <a:rPr kumimoji="1" lang="en-US" altLang="ja-JP" sz="1200" dirty="0"/>
+                <a:t>Enterprise Business Rules</a:t>
+              </a:r>
+              <a:endParaRPr kumimoji="1" lang="ja-JP" altLang="en-US" sz="1200" dirty="0"/>
+            </a:p>
+          </p:txBody>
+        </p:sp>
+      </p:grpSp>
+      <p:sp>
+        <p:nvSpPr>
+          <p:cNvPr id="35" name="正方形/長方形 34">
+            <a:extLst>
+              <a:ext uri="{FF2B5EF4-FFF2-40B4-BE49-F238E27FC236}">
+                <a16:creationId xmlns:a16="http://schemas.microsoft.com/office/drawing/2014/main" id="{960ED00A-55A3-561B-0024-69CBFE31B2B7}"/>
+              </a:ext>
+            </a:extLst>
+          </p:cNvPr>
+          <p:cNvSpPr/>
+          <p:nvPr/>
+        </p:nvSpPr>
+        <p:spPr>
+          <a:xfrm>
+            <a:off x="9569470" y="4387093"/>
+            <a:ext cx="355827" cy="388882"/>
+          </a:xfrm>
+          <a:prstGeom prst="rect">
+            <a:avLst/>
+          </a:prstGeom>
+          <a:solidFill>
+            <a:schemeClr val="accent4">
+              <a:lumMod val="40000"/>
+              <a:lumOff val="60000"/>
+            </a:schemeClr>
+          </a:solidFill>
+          <a:ln>
+            <a:solidFill>
+              <a:schemeClr val="tx1"/>
+            </a:solidFill>
+          </a:ln>
+        </p:spPr>
+        <p:style>
+          <a:lnRef idx="2">
+            <a:schemeClr val="accent1"/>
+          </a:lnRef>
+          <a:fillRef idx="1">
+            <a:schemeClr val="lt1"/>
+          </a:fillRef>
+          <a:effectRef idx="0">
+            <a:schemeClr val="accent1"/>
+          </a:effectRef>
+          <a:fontRef idx="minor">
+            <a:schemeClr val="dk1"/>
+          </a:fontRef>
+        </p:style>
+        <p:txBody>
+          <a:bodyPr tIns="0" bIns="0" rtlCol="0" anchor="t"/>
+          <a:lstStyle/>
+          <a:p>
+            <a:pPr algn="ctr"/>
+            <a:endParaRPr kumimoji="1" lang="ja-JP" altLang="en-US" sz="1100" dirty="0"/>
+          </a:p>
+        </p:txBody>
+      </p:sp>
+      <p:sp>
+        <p:nvSpPr>
+          <p:cNvPr id="65" name="楕円 64">
+            <a:extLst>
+              <a:ext uri="{FF2B5EF4-FFF2-40B4-BE49-F238E27FC236}">
+                <a16:creationId xmlns:a16="http://schemas.microsoft.com/office/drawing/2014/main" id="{31D6DC95-3074-1EB3-BFBE-CB043A84ECBF}"/>
+              </a:ext>
+            </a:extLst>
+          </p:cNvPr>
+          <p:cNvSpPr/>
+          <p:nvPr/>
+        </p:nvSpPr>
+        <p:spPr>
+          <a:xfrm>
+            <a:off x="52296" y="2802530"/>
+            <a:ext cx="2042444" cy="1856277"/>
+          </a:xfrm>
+          <a:prstGeom prst="ellipse">
+            <a:avLst/>
+          </a:prstGeom>
+          <a:solidFill>
+            <a:schemeClr val="bg1">
+              <a:lumMod val="85000"/>
+            </a:schemeClr>
+          </a:solidFill>
+          <a:ln>
+            <a:solidFill>
+              <a:schemeClr val="tx1"/>
+            </a:solidFill>
+          </a:ln>
+        </p:spPr>
+        <p:style>
+          <a:lnRef idx="2">
+            <a:schemeClr val="accent1"/>
+          </a:lnRef>
+          <a:fillRef idx="1">
+            <a:schemeClr val="lt1"/>
+          </a:fillRef>
+          <a:effectRef idx="0">
+            <a:schemeClr val="accent1"/>
+          </a:effectRef>
+          <a:fontRef idx="minor">
+            <a:schemeClr val="dk1"/>
+          </a:fontRef>
+        </p:style>
+        <p:txBody>
+          <a:bodyPr tIns="0" bIns="0" rtlCol="0" anchor="t"/>
+          <a:lstStyle/>
+          <a:p>
+            <a:pPr algn="ctr"/>
+            <a:endParaRPr kumimoji="1" lang="ja-JP" altLang="en-US" sz="1100" dirty="0"/>
+          </a:p>
+        </p:txBody>
+      </p:sp>
+      <p:sp>
+        <p:nvSpPr>
+          <p:cNvPr id="36" name="正方形/長方形 35">
+            <a:extLst>
+              <a:ext uri="{FF2B5EF4-FFF2-40B4-BE49-F238E27FC236}">
+                <a16:creationId xmlns:a16="http://schemas.microsoft.com/office/drawing/2014/main" id="{EC6ADEB5-38A0-B67C-A385-EFE0EF895275}"/>
+              </a:ext>
+            </a:extLst>
+          </p:cNvPr>
+          <p:cNvSpPr/>
+          <p:nvPr/>
+        </p:nvSpPr>
+        <p:spPr>
+          <a:xfrm>
+            <a:off x="698555" y="3894778"/>
+            <a:ext cx="749927" cy="223520"/>
+          </a:xfrm>
+          <a:prstGeom prst="rect">
+            <a:avLst/>
+          </a:prstGeom>
+        </p:spPr>
+        <p:style>
+          <a:lnRef idx="2">
+            <a:schemeClr val="accent2">
+              <a:shade val="50000"/>
+            </a:schemeClr>
+          </a:lnRef>
+          <a:fillRef idx="1">
+            <a:schemeClr val="accent2"/>
+          </a:fillRef>
+          <a:effectRef idx="0">
+            <a:schemeClr val="accent2"/>
+          </a:effectRef>
+          <a:fontRef idx="minor">
+            <a:schemeClr val="lt1"/>
+          </a:fontRef>
+        </p:style>
+        <p:txBody>
+          <a:bodyPr rtlCol="0" anchor="ctr"/>
+          <a:lstStyle/>
+          <a:p>
+            <a:pPr algn="ctr"/>
+            <a:r>
+              <a:rPr kumimoji="1" lang="en-US" altLang="ja-JP" sz="900" dirty="0"/>
+              <a:t>IDatabase</a:t>
+            </a:r>
+            <a:endParaRPr kumimoji="1" lang="ja-JP" altLang="en-US" sz="900" dirty="0"/>
+          </a:p>
+        </p:txBody>
+      </p:sp>
+      <p:sp>
+        <p:nvSpPr>
+          <p:cNvPr id="37" name="正方形/長方形 36">
+            <a:extLst>
+              <a:ext uri="{FF2B5EF4-FFF2-40B4-BE49-F238E27FC236}">
+                <a16:creationId xmlns:a16="http://schemas.microsoft.com/office/drawing/2014/main" id="{F06FFE8C-3DAE-F752-6627-2E199CBE3ACD}"/>
+              </a:ext>
+            </a:extLst>
+          </p:cNvPr>
+          <p:cNvSpPr/>
+          <p:nvPr/>
+        </p:nvSpPr>
+        <p:spPr>
+          <a:xfrm>
+            <a:off x="650362" y="3450667"/>
+            <a:ext cx="846312" cy="223520"/>
+          </a:xfrm>
+          <a:prstGeom prst="rect">
+            <a:avLst/>
+          </a:prstGeom>
+        </p:spPr>
+        <p:style>
+          <a:lnRef idx="2">
+            <a:schemeClr val="accent2">
+              <a:shade val="50000"/>
+            </a:schemeClr>
+          </a:lnRef>
+          <a:fillRef idx="1">
+            <a:schemeClr val="accent2"/>
+          </a:fillRef>
+          <a:effectRef idx="0">
+            <a:schemeClr val="accent2"/>
+          </a:effectRef>
+          <a:fontRef idx="minor">
+            <a:schemeClr val="lt1"/>
+          </a:fontRef>
+        </p:style>
+        <p:txBody>
+          <a:bodyPr rtlCol="0" anchor="ctr"/>
+          <a:lstStyle/>
+          <a:p>
+            <a:pPr algn="ctr"/>
+            <a:r>
+              <a:rPr kumimoji="1" lang="en-US" altLang="ja-JP" sz="900" dirty="0"/>
+              <a:t>ITransaction</a:t>
+            </a:r>
+            <a:endParaRPr kumimoji="1" lang="ja-JP" altLang="en-US" sz="900" dirty="0"/>
+          </a:p>
+        </p:txBody>
+      </p:sp>
+      <p:cxnSp>
+        <p:nvCxnSpPr>
+          <p:cNvPr id="38" name="直線矢印コネクタ 37">
+            <a:extLst>
+              <a:ext uri="{FF2B5EF4-FFF2-40B4-BE49-F238E27FC236}">
+                <a16:creationId xmlns:a16="http://schemas.microsoft.com/office/drawing/2014/main" id="{AA086907-41AB-3156-EB30-03A9A1AC4BDC}"/>
+              </a:ext>
+            </a:extLst>
+          </p:cNvPr>
+          <p:cNvCxnSpPr>
+            <a:cxnSpLocks/>
+            <a:stCxn id="36" idx="0"/>
+            <a:endCxn id="37" idx="2"/>
+          </p:cNvCxnSpPr>
+          <p:nvPr/>
+        </p:nvCxnSpPr>
+        <p:spPr>
+          <a:xfrm flipH="1" flipV="1">
+            <a:off x="1073518" y="3674187"/>
+            <a:ext cx="1" cy="220591"/>
+          </a:xfrm>
+          <a:prstGeom prst="straightConnector1">
+            <a:avLst/>
+          </a:prstGeom>
+          <a:ln w="12700">
+            <a:solidFill>
+              <a:srgbClr val="FF0000"/>
+            </a:solidFill>
+            <a:prstDash val="dash"/>
+            <a:tailEnd type="triangle" w="lg" len="lg"/>
+          </a:ln>
+        </p:spPr>
+        <p:style>
+          <a:lnRef idx="1">
+            <a:schemeClr val="dk1"/>
+          </a:lnRef>
+          <a:fillRef idx="0">
+            <a:schemeClr val="dk1"/>
+          </a:fillRef>
+          <a:effectRef idx="0">
+            <a:schemeClr val="dk1"/>
+          </a:effectRef>
+          <a:fontRef idx="minor">
+            <a:schemeClr val="tx1"/>
+          </a:fontRef>
+        </p:style>
+      </p:cxnSp>
+      <p:sp>
+        <p:nvSpPr>
+          <p:cNvPr id="67" name="テキスト ボックス 66">
+            <a:extLst>
+              <a:ext uri="{FF2B5EF4-FFF2-40B4-BE49-F238E27FC236}">
+                <a16:creationId xmlns:a16="http://schemas.microsoft.com/office/drawing/2014/main" id="{E519E1A0-06D2-EDAA-5D5A-4665B04DC462}"/>
+              </a:ext>
+            </a:extLst>
+          </p:cNvPr>
+          <p:cNvSpPr txBox="1"/>
+          <p:nvPr/>
+        </p:nvSpPr>
+        <p:spPr>
+          <a:xfrm>
+            <a:off x="219204" y="2886491"/>
+            <a:ext cx="1723549" cy="461665"/>
+          </a:xfrm>
+          <a:prstGeom prst="rect">
+            <a:avLst/>
+          </a:prstGeom>
+          <a:noFill/>
+        </p:spPr>
+        <p:txBody>
+          <a:bodyPr wrap="none" rtlCol="0">
+            <a:spAutoFit/>
+          </a:bodyPr>
+          <a:lstStyle/>
+          <a:p>
+            <a:pPr algn="ctr"/>
+            <a:r>
+              <a:rPr kumimoji="1" lang="en-US" altLang="ja-JP" sz="1200" dirty="0"/>
+              <a:t>&lt;</a:t>
+            </a:r>
+            <a:r>
+              <a:rPr kumimoji="1" lang="ja-JP" altLang="en-US" sz="1200" dirty="0"/>
+              <a:t>サプライヤー</a:t>
+            </a:r>
+            <a:r>
+              <a:rPr kumimoji="1" lang="en-US" altLang="ja-JP" sz="1200" dirty="0"/>
+              <a:t>&gt;</a:t>
+            </a:r>
+          </a:p>
+          <a:p>
+            <a:pPr algn="ctr"/>
+            <a:r>
+              <a:rPr kumimoji="1" lang="ja-JP" altLang="en-US" sz="1200" dirty="0"/>
+              <a:t>データベースドメイン</a:t>
+            </a:r>
+          </a:p>
+        </p:txBody>
+      </p:sp>
+      <p:sp>
+        <p:nvSpPr>
+          <p:cNvPr id="73" name="正方形/長方形 72">
+            <a:extLst>
+              <a:ext uri="{FF2B5EF4-FFF2-40B4-BE49-F238E27FC236}">
+                <a16:creationId xmlns:a16="http://schemas.microsoft.com/office/drawing/2014/main" id="{D8EB1549-B605-71AE-FA25-2EF2BD95F2F2}"/>
+              </a:ext>
+            </a:extLst>
+          </p:cNvPr>
+          <p:cNvSpPr/>
+          <p:nvPr/>
+        </p:nvSpPr>
+        <p:spPr>
+          <a:xfrm>
+            <a:off x="698555" y="4320058"/>
+            <a:ext cx="749927" cy="223520"/>
+          </a:xfrm>
+          <a:prstGeom prst="rect">
+            <a:avLst/>
+          </a:prstGeom>
+        </p:spPr>
+        <p:style>
+          <a:lnRef idx="2">
+            <a:schemeClr val="accent2">
+              <a:shade val="50000"/>
+            </a:schemeClr>
+          </a:lnRef>
+          <a:fillRef idx="1">
+            <a:schemeClr val="accent2"/>
+          </a:fillRef>
+          <a:effectRef idx="0">
+            <a:schemeClr val="accent2"/>
+          </a:effectRef>
+          <a:fontRef idx="minor">
+            <a:schemeClr val="lt1"/>
+          </a:fontRef>
+        </p:style>
+        <p:txBody>
+          <a:bodyPr rtlCol="0" anchor="ctr"/>
+          <a:lstStyle/>
+          <a:p>
+            <a:pPr algn="ctr"/>
+            <a:r>
+              <a:rPr kumimoji="1" lang="en-US" altLang="ja-JP" sz="900" dirty="0"/>
+              <a:t>Database</a:t>
+            </a:r>
+            <a:endParaRPr kumimoji="1" lang="ja-JP" altLang="en-US" sz="900" dirty="0"/>
+          </a:p>
+        </p:txBody>
+      </p:sp>
+      <p:cxnSp>
+        <p:nvCxnSpPr>
+          <p:cNvPr id="74" name="直線矢印コネクタ 73">
+            <a:extLst>
+              <a:ext uri="{FF2B5EF4-FFF2-40B4-BE49-F238E27FC236}">
+                <a16:creationId xmlns:a16="http://schemas.microsoft.com/office/drawing/2014/main" id="{D5630AAD-420D-ACB6-C9A9-66B0475BF628}"/>
+              </a:ext>
+            </a:extLst>
+          </p:cNvPr>
+          <p:cNvCxnSpPr>
+            <a:cxnSpLocks/>
+            <a:stCxn id="73" idx="0"/>
+            <a:endCxn id="36" idx="2"/>
+          </p:cNvCxnSpPr>
+          <p:nvPr/>
+        </p:nvCxnSpPr>
+        <p:spPr>
+          <a:xfrm flipV="1">
+            <a:off x="1073519" y="4118298"/>
+            <a:ext cx="0" cy="201760"/>
+          </a:xfrm>
+          <a:prstGeom prst="straightConnector1">
+            <a:avLst/>
+          </a:prstGeom>
+          <a:ln w="12700">
+            <a:solidFill>
+              <a:srgbClr val="FF0000"/>
+            </a:solidFill>
+            <a:prstDash val="solid"/>
+            <a:tailEnd type="triangle" w="lg" len="lg"/>
+          </a:ln>
+        </p:spPr>
+        <p:style>
+          <a:lnRef idx="1">
+            <a:schemeClr val="dk1"/>
+          </a:lnRef>
+          <a:fillRef idx="0">
+            <a:schemeClr val="dk1"/>
+          </a:fillRef>
+          <a:effectRef idx="0">
+            <a:schemeClr val="dk1"/>
+          </a:effectRef>
+          <a:fontRef idx="minor">
+            <a:schemeClr val="tx1"/>
+          </a:fontRef>
+        </p:style>
+      </p:cxnSp>
+      <p:sp>
+        <p:nvSpPr>
+          <p:cNvPr id="78" name="正方形/長方形 77">
+            <a:extLst>
+              <a:ext uri="{FF2B5EF4-FFF2-40B4-BE49-F238E27FC236}">
+                <a16:creationId xmlns:a16="http://schemas.microsoft.com/office/drawing/2014/main" id="{F683ACE6-4725-5A23-8DD5-764BE2EBFFD1}"/>
+              </a:ext>
+            </a:extLst>
+          </p:cNvPr>
+          <p:cNvSpPr/>
+          <p:nvPr/>
+        </p:nvSpPr>
+        <p:spPr>
+          <a:xfrm>
+            <a:off x="2797899" y="4701643"/>
+            <a:ext cx="1337612" cy="223520"/>
+          </a:xfrm>
+          <a:prstGeom prst="rect">
+            <a:avLst/>
+          </a:prstGeom>
+        </p:spPr>
+        <p:style>
+          <a:lnRef idx="2">
+            <a:schemeClr val="accent2">
+              <a:shade val="50000"/>
+            </a:schemeClr>
+          </a:lnRef>
+          <a:fillRef idx="1">
+            <a:schemeClr val="accent2"/>
+          </a:fillRef>
+          <a:effectRef idx="0">
+            <a:schemeClr val="accent2"/>
+          </a:effectRef>
+          <a:fontRef idx="minor">
+            <a:schemeClr val="lt1"/>
+          </a:fontRef>
+        </p:style>
+        <p:txBody>
+          <a:bodyPr rtlCol="0" anchor="ctr"/>
+          <a:lstStyle/>
+          <a:p>
+            <a:pPr algn="ctr"/>
+            <a:r>
+              <a:rPr kumimoji="1" lang="en-US" altLang="ja-JP" sz="900" dirty="0"/>
+              <a:t>PurchasingDatabase</a:t>
+            </a:r>
+            <a:endParaRPr kumimoji="1" lang="ja-JP" altLang="en-US" sz="900" dirty="0"/>
+          </a:p>
+        </p:txBody>
+      </p:sp>
+      <p:cxnSp>
+        <p:nvCxnSpPr>
+          <p:cNvPr id="79" name="直線矢印コネクタ 78">
+            <a:extLst>
+              <a:ext uri="{FF2B5EF4-FFF2-40B4-BE49-F238E27FC236}">
+                <a16:creationId xmlns:a16="http://schemas.microsoft.com/office/drawing/2014/main" id="{0E205EBF-496D-6022-BE74-BFE7355FC80E}"/>
+              </a:ext>
+            </a:extLst>
+          </p:cNvPr>
+          <p:cNvCxnSpPr>
+            <a:cxnSpLocks/>
+            <a:stCxn id="78" idx="1"/>
+            <a:endCxn id="73" idx="3"/>
+          </p:cNvCxnSpPr>
+          <p:nvPr/>
+        </p:nvCxnSpPr>
+        <p:spPr>
+          <a:xfrm flipH="1" flipV="1">
+            <a:off x="1448482" y="4431818"/>
+            <a:ext cx="1349417" cy="381585"/>
+          </a:xfrm>
+          <a:prstGeom prst="straightConnector1">
+            <a:avLst/>
+          </a:prstGeom>
+          <a:ln w="12700">
+            <a:solidFill>
+              <a:srgbClr val="FF0000"/>
+            </a:solidFill>
+            <a:prstDash val="solid"/>
+            <a:tailEnd type="triangle" w="lg" len="lg"/>
+          </a:ln>
+        </p:spPr>
+        <p:style>
+          <a:lnRef idx="1">
+            <a:schemeClr val="dk1"/>
+          </a:lnRef>
+          <a:fillRef idx="0">
+            <a:schemeClr val="dk1"/>
+          </a:fillRef>
+          <a:effectRef idx="0">
+            <a:schemeClr val="dk1"/>
+          </a:effectRef>
+          <a:fontRef idx="minor">
+            <a:schemeClr val="tx1"/>
+          </a:fontRef>
+        </p:style>
+      </p:cxnSp>
+      <p:cxnSp>
+        <p:nvCxnSpPr>
+          <p:cNvPr id="82" name="直線矢印コネクタ 81">
+            <a:extLst>
+              <a:ext uri="{FF2B5EF4-FFF2-40B4-BE49-F238E27FC236}">
+                <a16:creationId xmlns:a16="http://schemas.microsoft.com/office/drawing/2014/main" id="{623A894A-8520-F0F1-2021-CEE265DFDB50}"/>
+              </a:ext>
+            </a:extLst>
+          </p:cNvPr>
+          <p:cNvCxnSpPr>
+            <a:cxnSpLocks/>
+            <a:stCxn id="31" idx="0"/>
+            <a:endCxn id="78" idx="2"/>
+          </p:cNvCxnSpPr>
+          <p:nvPr/>
+        </p:nvCxnSpPr>
+        <p:spPr>
+          <a:xfrm flipH="1" flipV="1">
+            <a:off x="3466705" y="4925163"/>
+            <a:ext cx="819143" cy="495549"/>
+          </a:xfrm>
+          <a:prstGeom prst="straightConnector1">
+            <a:avLst/>
+          </a:prstGeom>
+          <a:ln w="12700">
+            <a:solidFill>
+              <a:srgbClr val="FF0000"/>
+            </a:solidFill>
+            <a:prstDash val="solid"/>
+            <a:tailEnd type="arrow" w="lg" len="lg"/>
+          </a:ln>
+        </p:spPr>
+        <p:style>
+          <a:lnRef idx="1">
+            <a:schemeClr val="dk1"/>
+          </a:lnRef>
+          <a:fillRef idx="0">
+            <a:schemeClr val="dk1"/>
+          </a:fillRef>
+          <a:effectRef idx="0">
+            <a:schemeClr val="dk1"/>
+          </a:effectRef>
+          <a:fontRef idx="minor">
+            <a:schemeClr val="tx1"/>
+          </a:fontRef>
+        </p:style>
+      </p:cxnSp>
+      <p:cxnSp>
+        <p:nvCxnSpPr>
+          <p:cNvPr id="85" name="直線矢印コネクタ 84">
+            <a:extLst>
+              <a:ext uri="{FF2B5EF4-FFF2-40B4-BE49-F238E27FC236}">
+                <a16:creationId xmlns:a16="http://schemas.microsoft.com/office/drawing/2014/main" id="{A11D15D1-FEF6-55C1-AF7F-686EFC1E1429}"/>
+              </a:ext>
+            </a:extLst>
+          </p:cNvPr>
+          <p:cNvCxnSpPr>
+            <a:cxnSpLocks/>
+          </p:cNvCxnSpPr>
+          <p:nvPr/>
+        </p:nvCxnSpPr>
+        <p:spPr>
+          <a:xfrm flipH="1">
+            <a:off x="9225581" y="964712"/>
+            <a:ext cx="533852" cy="0"/>
+          </a:xfrm>
+          <a:prstGeom prst="straightConnector1">
+            <a:avLst/>
+          </a:prstGeom>
+          <a:ln w="12700">
+            <a:solidFill>
+              <a:srgbClr val="FF0000"/>
+            </a:solidFill>
+            <a:prstDash val="solid"/>
+            <a:tailEnd type="arrow" w="lg" len="lg"/>
+          </a:ln>
+        </p:spPr>
+        <p:style>
+          <a:lnRef idx="1">
+            <a:schemeClr val="dk1"/>
+          </a:lnRef>
+          <a:fillRef idx="0">
+            <a:schemeClr val="dk1"/>
+          </a:fillRef>
+          <a:effectRef idx="0">
+            <a:schemeClr val="dk1"/>
+          </a:effectRef>
+          <a:fontRef idx="minor">
+            <a:schemeClr val="tx1"/>
+          </a:fontRef>
+        </p:style>
+      </p:cxnSp>
+      <p:sp>
+        <p:nvSpPr>
+          <p:cNvPr id="88" name="テキスト ボックス 87">
+            <a:extLst>
+              <a:ext uri="{FF2B5EF4-FFF2-40B4-BE49-F238E27FC236}">
+                <a16:creationId xmlns:a16="http://schemas.microsoft.com/office/drawing/2014/main" id="{2B1A7DE9-ADE4-EFE8-833E-D3A5C9AB5E12}"/>
+              </a:ext>
+            </a:extLst>
+          </p:cNvPr>
+          <p:cNvSpPr txBox="1"/>
+          <p:nvPr/>
+        </p:nvSpPr>
+        <p:spPr>
+          <a:xfrm>
+            <a:off x="9775445" y="827940"/>
+            <a:ext cx="466794" cy="261610"/>
+          </a:xfrm>
+          <a:prstGeom prst="rect">
+            <a:avLst/>
+          </a:prstGeom>
+          <a:noFill/>
+        </p:spPr>
+        <p:txBody>
+          <a:bodyPr wrap="none" rtlCol="0">
+            <a:spAutoFit/>
+          </a:bodyPr>
+          <a:lstStyle/>
+          <a:p>
+            <a:r>
+              <a:rPr kumimoji="1" lang="ja-JP" altLang="en-US" sz="1100" dirty="0"/>
+              <a:t>関連</a:t>
+            </a:r>
+          </a:p>
+        </p:txBody>
+      </p:sp>
+      <p:sp>
+        <p:nvSpPr>
+          <p:cNvPr id="4" name="正方形/長方形 3">
+            <a:extLst>
+              <a:ext uri="{FF2B5EF4-FFF2-40B4-BE49-F238E27FC236}">
+                <a16:creationId xmlns:a16="http://schemas.microsoft.com/office/drawing/2014/main" id="{FA9AB537-386E-C3C2-D259-CFA390C36FA8}"/>
+              </a:ext>
+            </a:extLst>
+          </p:cNvPr>
+          <p:cNvSpPr/>
+          <p:nvPr/>
+        </p:nvSpPr>
+        <p:spPr>
+          <a:xfrm>
+            <a:off x="5227968" y="728725"/>
+            <a:ext cx="751939" cy="282485"/>
+          </a:xfrm>
+          <a:prstGeom prst="rect">
+            <a:avLst/>
+          </a:prstGeom>
+        </p:spPr>
+        <p:style>
+          <a:lnRef idx="2">
+            <a:schemeClr val="accent2">
+              <a:shade val="50000"/>
+            </a:schemeClr>
+          </a:lnRef>
+          <a:fillRef idx="1">
+            <a:schemeClr val="accent2"/>
+          </a:fillRef>
+          <a:effectRef idx="0">
+            <a:schemeClr val="accent2"/>
+          </a:effectRef>
+          <a:fontRef idx="minor">
+            <a:schemeClr val="lt1"/>
+          </a:fontRef>
+        </p:style>
+        <p:txBody>
+          <a:bodyPr rtlCol="0" anchor="ctr"/>
+          <a:lstStyle/>
+          <a:p>
+            <a:pPr algn="ctr"/>
+            <a:r>
+              <a:rPr kumimoji="1" lang="en-US" altLang="ja-JP" sz="1100" dirty="0"/>
+              <a:t>App</a:t>
+            </a:r>
+            <a:endParaRPr kumimoji="1" lang="ja-JP" altLang="en-US" sz="1100" dirty="0"/>
+          </a:p>
+        </p:txBody>
+      </p:sp>
+      <p:sp>
+        <p:nvSpPr>
+          <p:cNvPr id="15" name="正方形/長方形 14">
+            <a:extLst>
+              <a:ext uri="{FF2B5EF4-FFF2-40B4-BE49-F238E27FC236}">
+                <a16:creationId xmlns:a16="http://schemas.microsoft.com/office/drawing/2014/main" id="{1AA2E4F8-E6AF-5E10-3330-4B1C498E52CE}"/>
+              </a:ext>
+            </a:extLst>
+          </p:cNvPr>
+          <p:cNvSpPr/>
+          <p:nvPr/>
+        </p:nvSpPr>
+        <p:spPr>
+          <a:xfrm>
+            <a:off x="5244574" y="1183445"/>
+            <a:ext cx="943805" cy="282485"/>
+          </a:xfrm>
+          <a:prstGeom prst="rect">
+            <a:avLst/>
+          </a:prstGeom>
+        </p:spPr>
+        <p:style>
+          <a:lnRef idx="2">
+            <a:schemeClr val="accent2">
+              <a:shade val="50000"/>
+            </a:schemeClr>
+          </a:lnRef>
+          <a:fillRef idx="1">
+            <a:schemeClr val="accent2"/>
+          </a:fillRef>
+          <a:effectRef idx="0">
+            <a:schemeClr val="accent2"/>
+          </a:effectRef>
+          <a:fontRef idx="minor">
+            <a:schemeClr val="lt1"/>
+          </a:fontRef>
+        </p:style>
+        <p:txBody>
+          <a:bodyPr rtlCol="0" anchor="ctr"/>
+          <a:lstStyle/>
+          <a:p>
+            <a:pPr algn="ctr"/>
+            <a:r>
+              <a:rPr kumimoji="1" lang="en-US" altLang="ja-JP" sz="1100" dirty="0"/>
+              <a:t>Window</a:t>
+            </a:r>
+            <a:endParaRPr kumimoji="1" lang="ja-JP" altLang="en-US" sz="1100" dirty="0"/>
+          </a:p>
+        </p:txBody>
+      </p:sp>
+      <p:sp>
+        <p:nvSpPr>
+          <p:cNvPr id="39" name="正方形/長方形 38">
+            <a:extLst>
+              <a:ext uri="{FF2B5EF4-FFF2-40B4-BE49-F238E27FC236}">
+                <a16:creationId xmlns:a16="http://schemas.microsoft.com/office/drawing/2014/main" id="{2BE4B99B-417B-522B-6BA8-FB56E5FCD8C6}"/>
+              </a:ext>
+            </a:extLst>
+          </p:cNvPr>
+          <p:cNvSpPr/>
+          <p:nvPr/>
+        </p:nvSpPr>
+        <p:spPr>
+          <a:xfrm>
+            <a:off x="3869829" y="994989"/>
+            <a:ext cx="751939" cy="282485"/>
+          </a:xfrm>
+          <a:prstGeom prst="rect">
+            <a:avLst/>
+          </a:prstGeom>
+        </p:spPr>
+        <p:style>
+          <a:lnRef idx="2">
+            <a:schemeClr val="accent2">
+              <a:shade val="50000"/>
+            </a:schemeClr>
+          </a:lnRef>
+          <a:fillRef idx="1">
+            <a:schemeClr val="accent2"/>
+          </a:fillRef>
+          <a:effectRef idx="0">
+            <a:schemeClr val="accent2"/>
+          </a:effectRef>
+          <a:fontRef idx="minor">
+            <a:schemeClr val="lt1"/>
+          </a:fontRef>
+        </p:style>
+        <p:txBody>
+          <a:bodyPr rtlCol="0" anchor="ctr"/>
+          <a:lstStyle/>
+          <a:p>
+            <a:pPr algn="ctr"/>
+            <a:r>
+              <a:rPr kumimoji="1" lang="en-US" altLang="ja-JP" sz="1100" dirty="0"/>
+              <a:t>Program</a:t>
+            </a:r>
+            <a:endParaRPr kumimoji="1" lang="ja-JP" altLang="en-US" sz="1100" dirty="0"/>
+          </a:p>
+        </p:txBody>
+      </p:sp>
+      <p:cxnSp>
+        <p:nvCxnSpPr>
+          <p:cNvPr id="40" name="直線矢印コネクタ 39">
+            <a:extLst>
+              <a:ext uri="{FF2B5EF4-FFF2-40B4-BE49-F238E27FC236}">
+                <a16:creationId xmlns:a16="http://schemas.microsoft.com/office/drawing/2014/main" id="{66B978F5-91CA-E0D6-C6FD-A58638735DCF}"/>
+              </a:ext>
+            </a:extLst>
+          </p:cNvPr>
+          <p:cNvCxnSpPr>
+            <a:cxnSpLocks/>
+            <a:stCxn id="39" idx="3"/>
+            <a:endCxn id="4" idx="1"/>
+          </p:cNvCxnSpPr>
+          <p:nvPr/>
+        </p:nvCxnSpPr>
+        <p:spPr>
+          <a:xfrm flipV="1">
+            <a:off x="4621768" y="869968"/>
+            <a:ext cx="606200" cy="266264"/>
+          </a:xfrm>
+          <a:prstGeom prst="straightConnector1">
+            <a:avLst/>
+          </a:prstGeom>
+          <a:ln w="12700">
+            <a:solidFill>
+              <a:srgbClr val="FF0000"/>
+            </a:solidFill>
+            <a:prstDash val="dash"/>
+            <a:tailEnd type="triangle" w="lg" len="lg"/>
+          </a:ln>
+        </p:spPr>
+        <p:style>
+          <a:lnRef idx="1">
+            <a:schemeClr val="dk1"/>
+          </a:lnRef>
+          <a:fillRef idx="0">
+            <a:schemeClr val="dk1"/>
+          </a:fillRef>
+          <a:effectRef idx="0">
+            <a:schemeClr val="dk1"/>
+          </a:effectRef>
+          <a:fontRef idx="minor">
+            <a:schemeClr val="tx1"/>
+          </a:fontRef>
+        </p:style>
+      </p:cxnSp>
+      <p:cxnSp>
+        <p:nvCxnSpPr>
+          <p:cNvPr id="41" name="直線矢印コネクタ 40">
+            <a:extLst>
+              <a:ext uri="{FF2B5EF4-FFF2-40B4-BE49-F238E27FC236}">
+                <a16:creationId xmlns:a16="http://schemas.microsoft.com/office/drawing/2014/main" id="{81F5F563-D2E5-9F4C-2702-135F5AA2B15C}"/>
+              </a:ext>
+            </a:extLst>
+          </p:cNvPr>
+          <p:cNvCxnSpPr>
+            <a:cxnSpLocks/>
+            <a:stCxn id="39" idx="3"/>
+            <a:endCxn id="15" idx="1"/>
+          </p:cNvCxnSpPr>
+          <p:nvPr/>
+        </p:nvCxnSpPr>
+        <p:spPr>
+          <a:xfrm>
+            <a:off x="4621768" y="1136232"/>
+            <a:ext cx="622806" cy="188456"/>
+          </a:xfrm>
+          <a:prstGeom prst="straightConnector1">
+            <a:avLst/>
+          </a:prstGeom>
+          <a:ln w="12700">
+            <a:solidFill>
+              <a:srgbClr val="FF0000"/>
+            </a:solidFill>
+            <a:prstDash val="dash"/>
+            <a:tailEnd type="triangle" w="lg" len="lg"/>
+          </a:ln>
+        </p:spPr>
+        <p:style>
+          <a:lnRef idx="1">
+            <a:schemeClr val="dk1"/>
+          </a:lnRef>
+          <a:fillRef idx="0">
+            <a:schemeClr val="dk1"/>
+          </a:fillRef>
+          <a:effectRef idx="0">
+            <a:schemeClr val="dk1"/>
+          </a:effectRef>
+          <a:fontRef idx="minor">
+            <a:schemeClr val="tx1"/>
+          </a:fontRef>
+        </p:style>
+      </p:cxnSp>
+      <p:cxnSp>
+        <p:nvCxnSpPr>
+          <p:cNvPr id="42" name="直線矢印コネクタ 41">
+            <a:extLst>
+              <a:ext uri="{FF2B5EF4-FFF2-40B4-BE49-F238E27FC236}">
+                <a16:creationId xmlns:a16="http://schemas.microsoft.com/office/drawing/2014/main" id="{A724B325-9056-F87B-2C5A-7B8BEB01B4F7}"/>
+              </a:ext>
+            </a:extLst>
+          </p:cNvPr>
+          <p:cNvCxnSpPr>
+            <a:cxnSpLocks/>
+            <a:stCxn id="39" idx="2"/>
+          </p:cNvCxnSpPr>
+          <p:nvPr/>
+        </p:nvCxnSpPr>
+        <p:spPr>
+          <a:xfrm>
+            <a:off x="4245799" y="1277474"/>
+            <a:ext cx="1098476" cy="2293167"/>
+          </a:xfrm>
+          <a:prstGeom prst="straightConnector1">
+            <a:avLst/>
+          </a:prstGeom>
+          <a:ln w="12700">
+            <a:solidFill>
+              <a:srgbClr val="FF0000"/>
+            </a:solidFill>
+            <a:prstDash val="dash"/>
+            <a:tailEnd type="triangle" w="lg" len="lg"/>
+          </a:ln>
+        </p:spPr>
+        <p:style>
+          <a:lnRef idx="1">
+            <a:schemeClr val="dk1"/>
+          </a:lnRef>
+          <a:fillRef idx="0">
+            <a:schemeClr val="dk1"/>
+          </a:fillRef>
+          <a:effectRef idx="0">
+            <a:schemeClr val="dk1"/>
+          </a:effectRef>
+          <a:fontRef idx="minor">
+            <a:schemeClr val="tx1"/>
+          </a:fontRef>
+        </p:style>
+      </p:cxnSp>
+      <p:cxnSp>
+        <p:nvCxnSpPr>
+          <p:cNvPr id="45" name="直線矢印コネクタ 44">
+            <a:extLst>
+              <a:ext uri="{FF2B5EF4-FFF2-40B4-BE49-F238E27FC236}">
+                <a16:creationId xmlns:a16="http://schemas.microsoft.com/office/drawing/2014/main" id="{080D09DD-5FAC-B3DF-63C8-D888B9D42DDA}"/>
+              </a:ext>
+            </a:extLst>
+          </p:cNvPr>
+          <p:cNvCxnSpPr>
+            <a:cxnSpLocks/>
+            <a:stCxn id="39" idx="2"/>
+            <a:endCxn id="31" idx="0"/>
+          </p:cNvCxnSpPr>
+          <p:nvPr/>
+        </p:nvCxnSpPr>
+        <p:spPr>
+          <a:xfrm>
+            <a:off x="4245799" y="1277474"/>
+            <a:ext cx="40049" cy="4143238"/>
+          </a:xfrm>
+          <a:prstGeom prst="straightConnector1">
+            <a:avLst/>
+          </a:prstGeom>
+          <a:ln w="12700">
+            <a:solidFill>
+              <a:srgbClr val="FF0000"/>
+            </a:solidFill>
+            <a:prstDash val="dash"/>
+            <a:tailEnd type="triangle" w="lg" len="lg"/>
+          </a:ln>
+        </p:spPr>
+        <p:style>
+          <a:lnRef idx="1">
+            <a:schemeClr val="dk1"/>
+          </a:lnRef>
+          <a:fillRef idx="0">
+            <a:schemeClr val="dk1"/>
+          </a:fillRef>
+          <a:effectRef idx="0">
+            <a:schemeClr val="dk1"/>
+          </a:effectRef>
+          <a:fontRef idx="minor">
+            <a:schemeClr val="tx1"/>
+          </a:fontRef>
+        </p:style>
+      </p:cxnSp>
+      <p:cxnSp>
+        <p:nvCxnSpPr>
+          <p:cNvPr id="48" name="直線矢印コネクタ 47">
+            <a:extLst>
+              <a:ext uri="{FF2B5EF4-FFF2-40B4-BE49-F238E27FC236}">
+                <a16:creationId xmlns:a16="http://schemas.microsoft.com/office/drawing/2014/main" id="{6B036B7B-4521-06ED-BF7A-199EA0A0D1CF}"/>
+              </a:ext>
+            </a:extLst>
+          </p:cNvPr>
+          <p:cNvCxnSpPr>
+            <a:cxnSpLocks/>
+            <a:stCxn id="39" idx="2"/>
+            <a:endCxn id="78" idx="0"/>
+          </p:cNvCxnSpPr>
+          <p:nvPr/>
+        </p:nvCxnSpPr>
+        <p:spPr>
+          <a:xfrm flipH="1">
+            <a:off x="3466705" y="1277474"/>
+            <a:ext cx="779094" cy="3424169"/>
+          </a:xfrm>
+          <a:prstGeom prst="straightConnector1">
+            <a:avLst/>
+          </a:prstGeom>
+          <a:ln w="12700">
+            <a:solidFill>
+              <a:srgbClr val="FF0000"/>
+            </a:solidFill>
+            <a:prstDash val="dash"/>
+            <a:tailEnd type="triangle" w="lg" len="lg"/>
+          </a:ln>
+        </p:spPr>
+        <p:style>
+          <a:lnRef idx="1">
+            <a:schemeClr val="dk1"/>
+          </a:lnRef>
+          <a:fillRef idx="0">
+            <a:schemeClr val="dk1"/>
+          </a:fillRef>
+          <a:effectRef idx="0">
+            <a:schemeClr val="dk1"/>
+          </a:effectRef>
+          <a:fontRef idx="minor">
+            <a:schemeClr val="tx1"/>
+          </a:fontRef>
+        </p:style>
+      </p:cxnSp>
+    </p:spTree>
+    <p:extLst>
+      <p:ext uri="{BB962C8B-B14F-4D97-AF65-F5344CB8AC3E}">
+        <p14:creationId xmlns:p14="http://schemas.microsoft.com/office/powerpoint/2010/main" val="3952843082"/>
+      </p:ext>
+    </p:extLst>
+  </p:cSld>
+  <p:clrMapOvr>
+    <a:masterClrMapping/>
+  </p:clrMapOvr>
+</p:sld>
+</file>
+
+<file path=ppt/slides/slide35.xml><?xml version="1.0" encoding="utf-8"?>
+<p:sld xmlns:a="http://schemas.openxmlformats.org/drawingml/2006/main" xmlns:r="http://schemas.openxmlformats.org/officeDocument/2006/relationships" xmlns:p="http://schemas.openxmlformats.org/presentationml/2006/main">
+  <p:cSld>
+    <p:spTree>
+      <p:nvGrpSpPr>
+        <p:cNvPr id="1" name=""/>
+        <p:cNvGrpSpPr/>
+        <p:nvPr/>
+      </p:nvGrpSpPr>
+      <p:grpSpPr>
+        <a:xfrm>
+          <a:off x="0" y="0"/>
+          <a:ext cx="0" cy="0"/>
+          <a:chOff x="0" y="0"/>
+          <a:chExt cx="0" cy="0"/>
+        </a:xfrm>
+      </p:grpSpPr>
+      <p:pic>
+        <p:nvPicPr>
+          <p:cNvPr id="9" name="図 8">
+            <a:extLst>
+              <a:ext uri="{FF2B5EF4-FFF2-40B4-BE49-F238E27FC236}">
+                <a16:creationId xmlns:a16="http://schemas.microsoft.com/office/drawing/2014/main" id="{1EACAE9E-311D-B33A-6257-1543D8001460}"/>
+              </a:ext>
+            </a:extLst>
+          </p:cNvPr>
+          <p:cNvPicPr>
+            <a:picLocks noChangeAspect="1"/>
+          </p:cNvPicPr>
+          <p:nvPr/>
+        </p:nvPicPr>
+        <p:blipFill>
+          <a:blip r:embed="rId2"/>
+          <a:stretch>
+            <a:fillRect/>
+          </a:stretch>
+        </p:blipFill>
+        <p:spPr>
+          <a:xfrm>
+            <a:off x="0" y="711166"/>
+            <a:ext cx="12192000" cy="5435667"/>
+          </a:xfrm>
+          <a:prstGeom prst="rect">
+            <a:avLst/>
+          </a:prstGeom>
+        </p:spPr>
+      </p:pic>
+    </p:spTree>
+    <p:extLst>
+      <p:ext uri="{BB962C8B-B14F-4D97-AF65-F5344CB8AC3E}">
+        <p14:creationId xmlns:p14="http://schemas.microsoft.com/office/powerpoint/2010/main" val="1014514455"/>
+      </p:ext>
+    </p:extLst>
+  </p:cSld>
+  <p:clrMapOvr>
+    <a:masterClrMapping/>
+  </p:clrMapOvr>
+</p:sld>
+</file>
+
+<file path=ppt/slides/slide36.xml><?xml version="1.0" encoding="utf-8"?>
+<p:sld xmlns:a="http://schemas.openxmlformats.org/drawingml/2006/main" xmlns:r="http://schemas.openxmlformats.org/officeDocument/2006/relationships" xmlns:p="http://schemas.openxmlformats.org/presentationml/2006/main">
+  <p:cSld>
+    <p:spTree>
+      <p:nvGrpSpPr>
+        <p:cNvPr id="1" name=""/>
+        <p:cNvGrpSpPr/>
+        <p:nvPr/>
+      </p:nvGrpSpPr>
+      <p:grpSpPr>
+        <a:xfrm>
+          <a:off x="0" y="0"/>
+          <a:ext cx="0" cy="0"/>
+          <a:chOff x="0" y="0"/>
+          <a:chExt cx="0" cy="0"/>
+        </a:xfrm>
+      </p:grpSpPr>
+      <p:pic>
+        <p:nvPicPr>
+          <p:cNvPr id="3" name="図 2">
+            <a:extLst>
+              <a:ext uri="{FF2B5EF4-FFF2-40B4-BE49-F238E27FC236}">
+                <a16:creationId xmlns:a16="http://schemas.microsoft.com/office/drawing/2014/main" id="{7A8AE8D4-8AC5-3036-7718-42643FA0FFCF}"/>
+              </a:ext>
+            </a:extLst>
+          </p:cNvPr>
+          <p:cNvPicPr>
+            <a:picLocks noChangeAspect="1"/>
+          </p:cNvPicPr>
+          <p:nvPr/>
+        </p:nvPicPr>
+        <p:blipFill>
+          <a:blip r:embed="rId2"/>
+          <a:stretch>
+            <a:fillRect/>
+          </a:stretch>
+        </p:blipFill>
+        <p:spPr>
+          <a:xfrm>
+            <a:off x="0" y="509620"/>
+            <a:ext cx="12192000" cy="5838759"/>
+          </a:xfrm>
+          <a:prstGeom prst="rect">
+            <a:avLst/>
+          </a:prstGeom>
+        </p:spPr>
+      </p:pic>
+    </p:spTree>
+    <p:extLst>
+      <p:ext uri="{BB962C8B-B14F-4D97-AF65-F5344CB8AC3E}">
+        <p14:creationId xmlns:p14="http://schemas.microsoft.com/office/powerpoint/2010/main" val="3043772004"/>
       </p:ext>
     </p:extLst>
   </p:cSld>

--- a/Article02.pptx
+++ b/Article02.pptx
@@ -23072,10 +23072,10 @@
       </p:grpSpPr>
       <p:pic>
         <p:nvPicPr>
-          <p:cNvPr id="3" name="図 2">
-            <a:extLst>
-              <a:ext uri="{FF2B5EF4-FFF2-40B4-BE49-F238E27FC236}">
-                <a16:creationId xmlns:a16="http://schemas.microsoft.com/office/drawing/2014/main" id="{32193FEA-7F88-5E99-5D48-8C26263063EA}"/>
+          <p:cNvPr id="5" name="図 4">
+            <a:extLst>
+              <a:ext uri="{FF2B5EF4-FFF2-40B4-BE49-F238E27FC236}">
+                <a16:creationId xmlns:a16="http://schemas.microsoft.com/office/drawing/2014/main" id="{92E7CD7B-9FFB-5D16-338D-8A23EF270728}"/>
               </a:ext>
             </a:extLst>
           </p:cNvPr>
@@ -23092,8 +23092,8 @@
         </p:blipFill>
         <p:spPr>
           <a:xfrm>
-            <a:off x="2537670" y="-7885"/>
-            <a:ext cx="7113864" cy="6871070"/>
+            <a:off x="2455038" y="0"/>
+            <a:ext cx="7281924" cy="6858000"/>
           </a:xfrm>
           <a:prstGeom prst="rect">
             <a:avLst/>

--- a/Article02.pptx
+++ b/Article02.pptx
@@ -25678,10 +25678,10 @@
       </p:grpSpPr>
       <p:pic>
         <p:nvPicPr>
-          <p:cNvPr id="9" name="図 8">
-            <a:extLst>
-              <a:ext uri="{FF2B5EF4-FFF2-40B4-BE49-F238E27FC236}">
-                <a16:creationId xmlns:a16="http://schemas.microsoft.com/office/drawing/2014/main" id="{1EACAE9E-311D-B33A-6257-1543D8001460}"/>
+          <p:cNvPr id="11" name="図 10">
+            <a:extLst>
+              <a:ext uri="{FF2B5EF4-FFF2-40B4-BE49-F238E27FC236}">
+                <a16:creationId xmlns:a16="http://schemas.microsoft.com/office/drawing/2014/main" id="{02502F2A-1A7C-3E34-158F-BCE767D217BC}"/>
               </a:ext>
             </a:extLst>
           </p:cNvPr>
@@ -25698,8 +25698,8 @@
         </p:blipFill>
         <p:spPr>
           <a:xfrm>
-            <a:off x="0" y="711166"/>
-            <a:ext cx="12192000" cy="5435667"/>
+            <a:off x="761999" y="0"/>
+            <a:ext cx="10668001" cy="6858000"/>
           </a:xfrm>
           <a:prstGeom prst="rect">
             <a:avLst/>
@@ -25738,10 +25738,10 @@
       </p:grpSpPr>
       <p:pic>
         <p:nvPicPr>
-          <p:cNvPr id="3" name="図 2">
-            <a:extLst>
-              <a:ext uri="{FF2B5EF4-FFF2-40B4-BE49-F238E27FC236}">
-                <a16:creationId xmlns:a16="http://schemas.microsoft.com/office/drawing/2014/main" id="{7A8AE8D4-8AC5-3036-7718-42643FA0FFCF}"/>
+          <p:cNvPr id="5" name="図 4">
+            <a:extLst>
+              <a:ext uri="{FF2B5EF4-FFF2-40B4-BE49-F238E27FC236}">
+                <a16:creationId xmlns:a16="http://schemas.microsoft.com/office/drawing/2014/main" id="{6B6E251F-E8B4-1DEB-DF54-B9EF2188B373}"/>
               </a:ext>
             </a:extLst>
           </p:cNvPr>

--- a/Article02.pptx
+++ b/Article02.pptx
@@ -42,6 +42,12 @@
     <p:sldId id="290" r:id="rId36"/>
     <p:sldId id="291" r:id="rId37"/>
     <p:sldId id="292" r:id="rId38"/>
+    <p:sldId id="293" r:id="rId39"/>
+    <p:sldId id="294" r:id="rId40"/>
+    <p:sldId id="295" r:id="rId41"/>
+    <p:sldId id="299" r:id="rId42"/>
+    <p:sldId id="298" r:id="rId43"/>
+    <p:sldId id="297" r:id="rId44"/>
   </p:sldIdLst>
   <p:sldSz cx="12192000" cy="6858000"/>
   <p:notesSz cx="6858000" cy="9144000"/>
@@ -20128,10 +20134,10 @@
       </p:grpSpPr>
       <p:pic>
         <p:nvPicPr>
-          <p:cNvPr id="13" name="図 12">
-            <a:extLst>
-              <a:ext uri="{FF2B5EF4-FFF2-40B4-BE49-F238E27FC236}">
-                <a16:creationId xmlns:a16="http://schemas.microsoft.com/office/drawing/2014/main" id="{07FEF74F-295A-DC30-C68C-1376C7D418AD}"/>
+          <p:cNvPr id="17" name="図 16">
+            <a:extLst>
+              <a:ext uri="{FF2B5EF4-FFF2-40B4-BE49-F238E27FC236}">
+                <a16:creationId xmlns:a16="http://schemas.microsoft.com/office/drawing/2014/main" id="{F94CBFC4-33B3-A23B-55E8-CDC471EAB4F7}"/>
               </a:ext>
             </a:extLst>
           </p:cNvPr>
@@ -20148,8 +20154,8 @@
         </p:blipFill>
         <p:spPr>
           <a:xfrm>
-            <a:off x="1853967" y="-4039"/>
-            <a:ext cx="8489659" cy="6870604"/>
+            <a:off x="308085" y="0"/>
+            <a:ext cx="11575829" cy="6857999"/>
           </a:xfrm>
           <a:prstGeom prst="rect">
             <a:avLst/>
@@ -23012,10 +23018,10 @@
       </p:grpSpPr>
       <p:pic>
         <p:nvPicPr>
-          <p:cNvPr id="3" name="図 2">
-            <a:extLst>
-              <a:ext uri="{FF2B5EF4-FFF2-40B4-BE49-F238E27FC236}">
-                <a16:creationId xmlns:a16="http://schemas.microsoft.com/office/drawing/2014/main" id="{3EC20077-201A-CA61-FEFA-81A9FA41C7BA}"/>
+          <p:cNvPr id="5" name="図 4">
+            <a:extLst>
+              <a:ext uri="{FF2B5EF4-FFF2-40B4-BE49-F238E27FC236}">
+                <a16:creationId xmlns:a16="http://schemas.microsoft.com/office/drawing/2014/main" id="{FE355468-9D81-C2A5-41D8-6308C522967A}"/>
               </a:ext>
             </a:extLst>
           </p:cNvPr>
@@ -23072,10 +23078,10 @@
       </p:grpSpPr>
       <p:pic>
         <p:nvPicPr>
-          <p:cNvPr id="5" name="図 4">
-            <a:extLst>
-              <a:ext uri="{FF2B5EF4-FFF2-40B4-BE49-F238E27FC236}">
-                <a16:creationId xmlns:a16="http://schemas.microsoft.com/office/drawing/2014/main" id="{92E7CD7B-9FFB-5D16-338D-8A23EF270728}"/>
+          <p:cNvPr id="7" name="図 6">
+            <a:extLst>
+              <a:ext uri="{FF2B5EF4-FFF2-40B4-BE49-F238E27FC236}">
+                <a16:creationId xmlns:a16="http://schemas.microsoft.com/office/drawing/2014/main" id="{ADD2ECEC-9A6E-0288-FAF8-FAD5C55A8DAE}"/>
               </a:ext>
             </a:extLst>
           </p:cNvPr>
@@ -23092,8 +23098,8 @@
         </p:blipFill>
         <p:spPr>
           <a:xfrm>
-            <a:off x="2455038" y="0"/>
-            <a:ext cx="7281924" cy="6858000"/>
+            <a:off x="2545834" y="0"/>
+            <a:ext cx="7101504" cy="6859132"/>
           </a:xfrm>
           <a:prstGeom prst="rect">
             <a:avLst/>
@@ -23132,10 +23138,10 @@
       </p:grpSpPr>
       <p:pic>
         <p:nvPicPr>
-          <p:cNvPr id="3" name="図 2">
-            <a:extLst>
-              <a:ext uri="{FF2B5EF4-FFF2-40B4-BE49-F238E27FC236}">
-                <a16:creationId xmlns:a16="http://schemas.microsoft.com/office/drawing/2014/main" id="{4EDD15FA-B83A-C811-5968-50A2CF341033}"/>
+          <p:cNvPr id="5" name="図 4">
+            <a:extLst>
+              <a:ext uri="{FF2B5EF4-FFF2-40B4-BE49-F238E27FC236}">
+                <a16:creationId xmlns:a16="http://schemas.microsoft.com/office/drawing/2014/main" id="{69828864-C106-D724-28D5-8221CB68BD5A}"/>
               </a:ext>
             </a:extLst>
           </p:cNvPr>
@@ -23152,8 +23158,8 @@
         </p:blipFill>
         <p:spPr>
           <a:xfrm>
-            <a:off x="0" y="524677"/>
-            <a:ext cx="12192000" cy="5808646"/>
+            <a:off x="1052051" y="0"/>
+            <a:ext cx="10087897" cy="6858000"/>
           </a:xfrm>
           <a:prstGeom prst="rect">
             <a:avLst/>
@@ -23192,10 +23198,10 @@
       </p:grpSpPr>
       <p:pic>
         <p:nvPicPr>
-          <p:cNvPr id="3" name="図 2">
-            <a:extLst>
-              <a:ext uri="{FF2B5EF4-FFF2-40B4-BE49-F238E27FC236}">
-                <a16:creationId xmlns:a16="http://schemas.microsoft.com/office/drawing/2014/main" id="{1C3A1EA7-BA6D-D84E-07B4-36F5E5FD63D4}"/>
+          <p:cNvPr id="5" name="図 4">
+            <a:extLst>
+              <a:ext uri="{FF2B5EF4-FFF2-40B4-BE49-F238E27FC236}">
+                <a16:creationId xmlns:a16="http://schemas.microsoft.com/office/drawing/2014/main" id="{B28F6393-D128-058A-CE82-27493D67EBED}"/>
               </a:ext>
             </a:extLst>
           </p:cNvPr>
@@ -23212,8 +23218,8 @@
         </p:blipFill>
         <p:spPr>
           <a:xfrm>
-            <a:off x="0" y="230239"/>
-            <a:ext cx="12192000" cy="6397522"/>
+            <a:off x="0" y="258757"/>
+            <a:ext cx="12192000" cy="6340485"/>
           </a:xfrm>
           <a:prstGeom prst="rect">
             <a:avLst/>
@@ -25678,10 +25684,10 @@
       </p:grpSpPr>
       <p:pic>
         <p:nvPicPr>
-          <p:cNvPr id="11" name="図 10">
-            <a:extLst>
-              <a:ext uri="{FF2B5EF4-FFF2-40B4-BE49-F238E27FC236}">
-                <a16:creationId xmlns:a16="http://schemas.microsoft.com/office/drawing/2014/main" id="{02502F2A-1A7C-3E34-158F-BCE767D217BC}"/>
+          <p:cNvPr id="15" name="図 14">
+            <a:extLst>
+              <a:ext uri="{FF2B5EF4-FFF2-40B4-BE49-F238E27FC236}">
+                <a16:creationId xmlns:a16="http://schemas.microsoft.com/office/drawing/2014/main" id="{742F994E-66C6-7F5C-406C-29A06A4E5214}"/>
               </a:ext>
             </a:extLst>
           </p:cNvPr>
@@ -25698,8 +25704,8 @@
         </p:blipFill>
         <p:spPr>
           <a:xfrm>
-            <a:off x="761999" y="0"/>
-            <a:ext cx="10668001" cy="6858000"/>
+            <a:off x="966364" y="0"/>
+            <a:ext cx="10259272" cy="6858000"/>
           </a:xfrm>
           <a:prstGeom prst="rect">
             <a:avLst/>
@@ -25738,10 +25744,10 @@
       </p:grpSpPr>
       <p:pic>
         <p:nvPicPr>
-          <p:cNvPr id="5" name="図 4">
-            <a:extLst>
-              <a:ext uri="{FF2B5EF4-FFF2-40B4-BE49-F238E27FC236}">
-                <a16:creationId xmlns:a16="http://schemas.microsoft.com/office/drawing/2014/main" id="{6B6E251F-E8B4-1DEB-DF54-B9EF2188B373}"/>
+          <p:cNvPr id="7" name="図 6">
+            <a:extLst>
+              <a:ext uri="{FF2B5EF4-FFF2-40B4-BE49-F238E27FC236}">
+                <a16:creationId xmlns:a16="http://schemas.microsoft.com/office/drawing/2014/main" id="{CDFF45D3-C94D-FEAA-ADBC-E49932615E84}"/>
               </a:ext>
             </a:extLst>
           </p:cNvPr>
@@ -25758,8 +25764,8 @@
         </p:blipFill>
         <p:spPr>
           <a:xfrm>
-            <a:off x="0" y="509620"/>
-            <a:ext cx="12192000" cy="5838759"/>
+            <a:off x="0" y="457455"/>
+            <a:ext cx="12192000" cy="5943090"/>
           </a:xfrm>
           <a:prstGeom prst="rect">
             <a:avLst/>
@@ -25770,6 +25776,4914 @@
     <p:extLst>
       <p:ext uri="{BB962C8B-B14F-4D97-AF65-F5344CB8AC3E}">
         <p14:creationId xmlns:p14="http://schemas.microsoft.com/office/powerpoint/2010/main" val="3043772004"/>
+      </p:ext>
+    </p:extLst>
+  </p:cSld>
+  <p:clrMapOvr>
+    <a:masterClrMapping/>
+  </p:clrMapOvr>
+</p:sld>
+</file>
+
+<file path=ppt/slides/slide37.xml><?xml version="1.0" encoding="utf-8"?>
+<p:sld xmlns:a="http://schemas.openxmlformats.org/drawingml/2006/main" xmlns:r="http://schemas.openxmlformats.org/officeDocument/2006/relationships" xmlns:p="http://schemas.openxmlformats.org/presentationml/2006/main">
+  <p:cSld>
+    <p:spTree>
+      <p:nvGrpSpPr>
+        <p:cNvPr id="1" name=""/>
+        <p:cNvGrpSpPr/>
+        <p:nvPr/>
+      </p:nvGrpSpPr>
+      <p:grpSpPr>
+        <a:xfrm>
+          <a:off x="0" y="0"/>
+          <a:ext cx="0" cy="0"/>
+          <a:chOff x="0" y="0"/>
+          <a:chExt cx="0" cy="0"/>
+        </a:xfrm>
+      </p:grpSpPr>
+      <p:sp>
+        <p:nvSpPr>
+          <p:cNvPr id="11" name="楕円 10">
+            <a:extLst>
+              <a:ext uri="{FF2B5EF4-FFF2-40B4-BE49-F238E27FC236}">
+                <a16:creationId xmlns:a16="http://schemas.microsoft.com/office/drawing/2014/main" id="{61F6DF7D-A748-EE48-3EDD-9DD5FF2C9BD6}"/>
+              </a:ext>
+            </a:extLst>
+          </p:cNvPr>
+          <p:cNvSpPr/>
+          <p:nvPr/>
+        </p:nvSpPr>
+        <p:spPr>
+          <a:xfrm>
+            <a:off x="2188408" y="102870"/>
+            <a:ext cx="6713220" cy="6713220"/>
+          </a:xfrm>
+          <a:prstGeom prst="ellipse">
+            <a:avLst/>
+          </a:prstGeom>
+          <a:solidFill>
+            <a:schemeClr val="accent1">
+              <a:lumMod val="20000"/>
+              <a:lumOff val="80000"/>
+            </a:schemeClr>
+          </a:solidFill>
+          <a:ln>
+            <a:solidFill>
+              <a:schemeClr val="tx1"/>
+            </a:solidFill>
+          </a:ln>
+        </p:spPr>
+        <p:style>
+          <a:lnRef idx="2">
+            <a:schemeClr val="accent1"/>
+          </a:lnRef>
+          <a:fillRef idx="1">
+            <a:schemeClr val="lt1"/>
+          </a:fillRef>
+          <a:effectRef idx="0">
+            <a:schemeClr val="accent1"/>
+          </a:effectRef>
+          <a:fontRef idx="minor">
+            <a:schemeClr val="dk1"/>
+          </a:fontRef>
+        </p:style>
+        <p:txBody>
+          <a:bodyPr tIns="0" bIns="0" rtlCol="0" anchor="t"/>
+          <a:lstStyle/>
+          <a:p>
+            <a:pPr algn="ctr"/>
+            <a:endParaRPr kumimoji="1" lang="ja-JP" altLang="en-US" sz="1100" dirty="0"/>
+          </a:p>
+        </p:txBody>
+      </p:sp>
+      <p:sp>
+        <p:nvSpPr>
+          <p:cNvPr id="5" name="楕円 4">
+            <a:extLst>
+              <a:ext uri="{FF2B5EF4-FFF2-40B4-BE49-F238E27FC236}">
+                <a16:creationId xmlns:a16="http://schemas.microsoft.com/office/drawing/2014/main" id="{D8B52D55-1ACB-79D8-60DE-A16C4075EF0A}"/>
+              </a:ext>
+            </a:extLst>
+          </p:cNvPr>
+          <p:cNvSpPr/>
+          <p:nvPr/>
+        </p:nvSpPr>
+        <p:spPr>
+          <a:xfrm>
+            <a:off x="2489083" y="428957"/>
+            <a:ext cx="6061046" cy="6061046"/>
+          </a:xfrm>
+          <a:prstGeom prst="ellipse">
+            <a:avLst/>
+          </a:prstGeom>
+          <a:solidFill>
+            <a:schemeClr val="accent6">
+              <a:lumMod val="20000"/>
+              <a:lumOff val="80000"/>
+            </a:schemeClr>
+          </a:solidFill>
+          <a:ln>
+            <a:solidFill>
+              <a:schemeClr val="tx1"/>
+            </a:solidFill>
+          </a:ln>
+        </p:spPr>
+        <p:style>
+          <a:lnRef idx="2">
+            <a:schemeClr val="accent1"/>
+          </a:lnRef>
+          <a:fillRef idx="1">
+            <a:schemeClr val="lt1"/>
+          </a:fillRef>
+          <a:effectRef idx="0">
+            <a:schemeClr val="accent1"/>
+          </a:effectRef>
+          <a:fontRef idx="minor">
+            <a:schemeClr val="dk1"/>
+          </a:fontRef>
+        </p:style>
+        <p:txBody>
+          <a:bodyPr tIns="0" bIns="0" rtlCol="0" anchor="t"/>
+          <a:lstStyle/>
+          <a:p>
+            <a:pPr algn="ctr"/>
+            <a:endParaRPr kumimoji="1" lang="ja-JP" altLang="en-US" sz="1100" dirty="0"/>
+          </a:p>
+        </p:txBody>
+      </p:sp>
+      <p:sp>
+        <p:nvSpPr>
+          <p:cNvPr id="59" name="楕円 58">
+            <a:extLst>
+              <a:ext uri="{FF2B5EF4-FFF2-40B4-BE49-F238E27FC236}">
+                <a16:creationId xmlns:a16="http://schemas.microsoft.com/office/drawing/2014/main" id="{4B1A5908-B043-7189-0547-2A88C3D33D7C}"/>
+              </a:ext>
+            </a:extLst>
+          </p:cNvPr>
+          <p:cNvSpPr/>
+          <p:nvPr/>
+        </p:nvSpPr>
+        <p:spPr>
+          <a:xfrm>
+            <a:off x="3605728" y="1520190"/>
+            <a:ext cx="3878580" cy="3878580"/>
+          </a:xfrm>
+          <a:prstGeom prst="ellipse">
+            <a:avLst/>
+          </a:prstGeom>
+          <a:solidFill>
+            <a:schemeClr val="accent2">
+              <a:lumMod val="20000"/>
+              <a:lumOff val="80000"/>
+            </a:schemeClr>
+          </a:solidFill>
+          <a:ln>
+            <a:solidFill>
+              <a:schemeClr val="tx1"/>
+            </a:solidFill>
+          </a:ln>
+        </p:spPr>
+        <p:style>
+          <a:lnRef idx="2">
+            <a:schemeClr val="accent1"/>
+          </a:lnRef>
+          <a:fillRef idx="1">
+            <a:schemeClr val="lt1"/>
+          </a:fillRef>
+          <a:effectRef idx="0">
+            <a:schemeClr val="accent1"/>
+          </a:effectRef>
+          <a:fontRef idx="minor">
+            <a:schemeClr val="dk1"/>
+          </a:fontRef>
+        </p:style>
+        <p:txBody>
+          <a:bodyPr tIns="0" bIns="0" rtlCol="0" anchor="t"/>
+          <a:lstStyle/>
+          <a:p>
+            <a:pPr algn="ctr"/>
+            <a:endParaRPr kumimoji="1" lang="ja-JP" altLang="en-US" sz="1600" dirty="0"/>
+          </a:p>
+        </p:txBody>
+      </p:sp>
+      <p:sp>
+        <p:nvSpPr>
+          <p:cNvPr id="3" name="楕円 2">
+            <a:extLst>
+              <a:ext uri="{FF2B5EF4-FFF2-40B4-BE49-F238E27FC236}">
+                <a16:creationId xmlns:a16="http://schemas.microsoft.com/office/drawing/2014/main" id="{FD5F7EEE-98CD-3F37-082F-E28F6540080E}"/>
+              </a:ext>
+            </a:extLst>
+          </p:cNvPr>
+          <p:cNvSpPr/>
+          <p:nvPr/>
+        </p:nvSpPr>
+        <p:spPr>
+          <a:xfrm>
+            <a:off x="4188658" y="2103120"/>
+            <a:ext cx="2712720" cy="2712720"/>
+          </a:xfrm>
+          <a:prstGeom prst="ellipse">
+            <a:avLst/>
+          </a:prstGeom>
+          <a:solidFill>
+            <a:schemeClr val="accent4">
+              <a:lumMod val="20000"/>
+              <a:lumOff val="80000"/>
+            </a:schemeClr>
+          </a:solidFill>
+          <a:ln>
+            <a:solidFill>
+              <a:schemeClr val="tx1"/>
+            </a:solidFill>
+          </a:ln>
+        </p:spPr>
+        <p:style>
+          <a:lnRef idx="2">
+            <a:schemeClr val="accent1"/>
+          </a:lnRef>
+          <a:fillRef idx="1">
+            <a:schemeClr val="lt1"/>
+          </a:fillRef>
+          <a:effectRef idx="0">
+            <a:schemeClr val="accent1"/>
+          </a:effectRef>
+          <a:fontRef idx="minor">
+            <a:schemeClr val="dk1"/>
+          </a:fontRef>
+        </p:style>
+        <p:txBody>
+          <a:bodyPr tIns="0" bIns="0" rtlCol="0" anchor="t"/>
+          <a:lstStyle/>
+          <a:p>
+            <a:pPr algn="ctr"/>
+            <a:endParaRPr kumimoji="1" lang="ja-JP" altLang="en-US" sz="1100" dirty="0"/>
+          </a:p>
+        </p:txBody>
+      </p:sp>
+      <p:sp>
+        <p:nvSpPr>
+          <p:cNvPr id="52" name="楕円 51">
+            <a:extLst>
+              <a:ext uri="{FF2B5EF4-FFF2-40B4-BE49-F238E27FC236}">
+                <a16:creationId xmlns:a16="http://schemas.microsoft.com/office/drawing/2014/main" id="{FFE21E94-485A-C504-A486-1BA75B83CD04}"/>
+              </a:ext>
+            </a:extLst>
+          </p:cNvPr>
+          <p:cNvSpPr/>
+          <p:nvPr/>
+        </p:nvSpPr>
+        <p:spPr>
+          <a:xfrm>
+            <a:off x="4880734" y="2803519"/>
+            <a:ext cx="1277743" cy="1250962"/>
+          </a:xfrm>
+          <a:prstGeom prst="ellipse">
+            <a:avLst/>
+          </a:prstGeom>
+          <a:solidFill>
+            <a:schemeClr val="accent4">
+              <a:lumMod val="60000"/>
+              <a:lumOff val="40000"/>
+            </a:schemeClr>
+          </a:solidFill>
+          <a:ln>
+            <a:solidFill>
+              <a:schemeClr val="tx1"/>
+            </a:solidFill>
+          </a:ln>
+        </p:spPr>
+        <p:style>
+          <a:lnRef idx="2">
+            <a:schemeClr val="accent1"/>
+          </a:lnRef>
+          <a:fillRef idx="1">
+            <a:schemeClr val="lt1"/>
+          </a:fillRef>
+          <a:effectRef idx="0">
+            <a:schemeClr val="accent1"/>
+          </a:effectRef>
+          <a:fontRef idx="minor">
+            <a:schemeClr val="dk1"/>
+          </a:fontRef>
+        </p:style>
+        <p:txBody>
+          <a:bodyPr tIns="0" bIns="0" rtlCol="0" anchor="t"/>
+          <a:lstStyle/>
+          <a:p>
+            <a:pPr algn="ctr"/>
+            <a:endParaRPr kumimoji="1" lang="ja-JP" altLang="en-US" sz="1600" dirty="0"/>
+          </a:p>
+        </p:txBody>
+      </p:sp>
+      <p:sp>
+        <p:nvSpPr>
+          <p:cNvPr id="7" name="テキスト ボックス 6">
+            <a:extLst>
+              <a:ext uri="{FF2B5EF4-FFF2-40B4-BE49-F238E27FC236}">
+                <a16:creationId xmlns:a16="http://schemas.microsoft.com/office/drawing/2014/main" id="{7BC21E71-31D6-3669-41F4-DA16D9DF5ADC}"/>
+              </a:ext>
+            </a:extLst>
+          </p:cNvPr>
+          <p:cNvSpPr txBox="1"/>
+          <p:nvPr/>
+        </p:nvSpPr>
+        <p:spPr>
+          <a:xfrm>
+            <a:off x="4991020" y="2317193"/>
+            <a:ext cx="1107996" cy="276999"/>
+          </a:xfrm>
+          <a:prstGeom prst="rect">
+            <a:avLst/>
+          </a:prstGeom>
+          <a:noFill/>
+        </p:spPr>
+        <p:txBody>
+          <a:bodyPr wrap="none" rtlCol="0">
+            <a:spAutoFit/>
+          </a:bodyPr>
+          <a:lstStyle/>
+          <a:p>
+            <a:pPr algn="ctr"/>
+            <a:r>
+              <a:rPr kumimoji="1" lang="ja-JP" altLang="en-US" sz="1200" dirty="0"/>
+              <a:t>購買ドメイン</a:t>
+            </a:r>
+          </a:p>
+        </p:txBody>
+      </p:sp>
+      <p:sp>
+        <p:nvSpPr>
+          <p:cNvPr id="8" name="テキスト ボックス 7">
+            <a:extLst>
+              <a:ext uri="{FF2B5EF4-FFF2-40B4-BE49-F238E27FC236}">
+                <a16:creationId xmlns:a16="http://schemas.microsoft.com/office/drawing/2014/main" id="{6335DE73-44DD-9E74-441B-19CAE7799FA4}"/>
+              </a:ext>
+            </a:extLst>
+          </p:cNvPr>
+          <p:cNvSpPr txBox="1"/>
+          <p:nvPr/>
+        </p:nvSpPr>
+        <p:spPr>
+          <a:xfrm>
+            <a:off x="4991020" y="1707356"/>
+            <a:ext cx="1107996" cy="276999"/>
+          </a:xfrm>
+          <a:prstGeom prst="rect">
+            <a:avLst/>
+          </a:prstGeom>
+          <a:noFill/>
+        </p:spPr>
+        <p:txBody>
+          <a:bodyPr wrap="none" rtlCol="0">
+            <a:spAutoFit/>
+          </a:bodyPr>
+          <a:lstStyle/>
+          <a:p>
+            <a:pPr algn="ctr"/>
+            <a:r>
+              <a:rPr kumimoji="1" lang="ja-JP" altLang="en-US" sz="1200" dirty="0"/>
+              <a:t>ユースケース</a:t>
+            </a:r>
+          </a:p>
+        </p:txBody>
+      </p:sp>
+      <p:sp>
+        <p:nvSpPr>
+          <p:cNvPr id="9" name="テキスト ボックス 8">
+            <a:extLst>
+              <a:ext uri="{FF2B5EF4-FFF2-40B4-BE49-F238E27FC236}">
+                <a16:creationId xmlns:a16="http://schemas.microsoft.com/office/drawing/2014/main" id="{4AA4408E-BAFB-5176-6604-E8A23E3A94FF}"/>
+              </a:ext>
+            </a:extLst>
+          </p:cNvPr>
+          <p:cNvSpPr txBox="1"/>
+          <p:nvPr/>
+        </p:nvSpPr>
+        <p:spPr>
+          <a:xfrm rot="2860399">
+            <a:off x="2481656" y="5469640"/>
+            <a:ext cx="1511952" cy="276999"/>
+          </a:xfrm>
+          <a:prstGeom prst="rect">
+            <a:avLst/>
+          </a:prstGeom>
+          <a:noFill/>
+        </p:spPr>
+        <p:txBody>
+          <a:bodyPr wrap="none" rtlCol="0">
+            <a:spAutoFit/>
+          </a:bodyPr>
+          <a:lstStyle/>
+          <a:p>
+            <a:pPr algn="ctr"/>
+            <a:r>
+              <a:rPr kumimoji="1" lang="en-US" altLang="ja-JP" sz="1200" dirty="0"/>
+              <a:t>DB</a:t>
+            </a:r>
+            <a:r>
+              <a:rPr kumimoji="1" lang="ja-JP" altLang="en-US" sz="1200" dirty="0"/>
+              <a:t>（</a:t>
+            </a:r>
+            <a:r>
+              <a:rPr kumimoji="1" lang="en-US" altLang="ja-JP" sz="1200" dirty="0"/>
+              <a:t>SQL</a:t>
+            </a:r>
+            <a:r>
+              <a:rPr kumimoji="1" lang="ja-JP" altLang="en-US" sz="1200" dirty="0"/>
+              <a:t> </a:t>
+            </a:r>
+            <a:r>
+              <a:rPr kumimoji="1" lang="en-US" altLang="ja-JP" sz="1200" dirty="0"/>
+              <a:t>Server</a:t>
+            </a:r>
+            <a:r>
+              <a:rPr kumimoji="1" lang="ja-JP" altLang="en-US" sz="1200" dirty="0"/>
+              <a:t>）</a:t>
+            </a:r>
+          </a:p>
+        </p:txBody>
+      </p:sp>
+      <p:sp>
+        <p:nvSpPr>
+          <p:cNvPr id="12" name="テキスト ボックス 11">
+            <a:extLst>
+              <a:ext uri="{FF2B5EF4-FFF2-40B4-BE49-F238E27FC236}">
+                <a16:creationId xmlns:a16="http://schemas.microsoft.com/office/drawing/2014/main" id="{AC990C2C-0114-CB69-C9A5-F2BC15A6AE81}"/>
+              </a:ext>
+            </a:extLst>
+          </p:cNvPr>
+          <p:cNvSpPr txBox="1"/>
+          <p:nvPr/>
+        </p:nvSpPr>
+        <p:spPr>
+          <a:xfrm>
+            <a:off x="5040402" y="103658"/>
+            <a:ext cx="987770" cy="276999"/>
+          </a:xfrm>
+          <a:prstGeom prst="rect">
+            <a:avLst/>
+          </a:prstGeom>
+          <a:noFill/>
+        </p:spPr>
+        <p:txBody>
+          <a:bodyPr wrap="none" rtlCol="0">
+            <a:spAutoFit/>
+          </a:bodyPr>
+          <a:lstStyle/>
+          <a:p>
+            <a:pPr algn="ctr"/>
+            <a:r>
+              <a:rPr kumimoji="1" lang="en-US" altLang="ja-JP" sz="1200" dirty="0"/>
+              <a:t>UI</a:t>
+            </a:r>
+            <a:r>
+              <a:rPr kumimoji="1" lang="ja-JP" altLang="en-US" sz="1200" dirty="0"/>
+              <a:t>（</a:t>
+            </a:r>
+            <a:r>
+              <a:rPr kumimoji="1" lang="en-US" altLang="ja-JP" sz="1200" dirty="0"/>
+              <a:t>WPF</a:t>
+            </a:r>
+            <a:r>
+              <a:rPr kumimoji="1" lang="ja-JP" altLang="en-US" sz="1200" dirty="0"/>
+              <a:t>）</a:t>
+            </a:r>
+          </a:p>
+        </p:txBody>
+      </p:sp>
+      <p:sp>
+        <p:nvSpPr>
+          <p:cNvPr id="13" name="テキスト ボックス 12">
+            <a:extLst>
+              <a:ext uri="{FF2B5EF4-FFF2-40B4-BE49-F238E27FC236}">
+                <a16:creationId xmlns:a16="http://schemas.microsoft.com/office/drawing/2014/main" id="{986B2D26-80C0-618F-02ED-D175574E544B}"/>
+              </a:ext>
+            </a:extLst>
+          </p:cNvPr>
+          <p:cNvSpPr txBox="1"/>
+          <p:nvPr/>
+        </p:nvSpPr>
+        <p:spPr>
+          <a:xfrm rot="18838972">
+            <a:off x="6956017" y="5366979"/>
+            <a:ext cx="1951175" cy="276999"/>
+          </a:xfrm>
+          <a:prstGeom prst="rect">
+            <a:avLst/>
+          </a:prstGeom>
+          <a:noFill/>
+        </p:spPr>
+        <p:txBody>
+          <a:bodyPr wrap="none" rtlCol="0">
+            <a:spAutoFit/>
+          </a:bodyPr>
+          <a:lstStyle/>
+          <a:p>
+            <a:pPr algn="ctr"/>
+            <a:r>
+              <a:rPr kumimoji="1" lang="en-US" altLang="ja-JP" sz="1200" dirty="0"/>
+              <a:t>Web</a:t>
+            </a:r>
+            <a:r>
+              <a:rPr kumimoji="1" lang="ja-JP" altLang="en-US" sz="1200" dirty="0"/>
+              <a:t> </a:t>
+            </a:r>
+            <a:r>
+              <a:rPr kumimoji="1" lang="en-US" altLang="ja-JP" sz="1200" dirty="0"/>
+              <a:t>API</a:t>
+            </a:r>
+            <a:r>
+              <a:rPr kumimoji="1" lang="ja-JP" altLang="en-US" sz="1200" dirty="0"/>
+              <a:t>（</a:t>
+            </a:r>
+            <a:r>
+              <a:rPr kumimoji="1" lang="en-US" altLang="ja-JP" sz="1200" dirty="0"/>
+              <a:t>MagicOnion</a:t>
+            </a:r>
+            <a:r>
+              <a:rPr kumimoji="1" lang="ja-JP" altLang="en-US" sz="1200" dirty="0"/>
+              <a:t>）</a:t>
+            </a:r>
+          </a:p>
+        </p:txBody>
+      </p:sp>
+      <p:sp>
+        <p:nvSpPr>
+          <p:cNvPr id="10" name="正方形/長方形 9">
+            <a:extLst>
+              <a:ext uri="{FF2B5EF4-FFF2-40B4-BE49-F238E27FC236}">
+                <a16:creationId xmlns:a16="http://schemas.microsoft.com/office/drawing/2014/main" id="{DD300987-8C66-D866-FD9B-7DE8F5A9242A}"/>
+              </a:ext>
+            </a:extLst>
+          </p:cNvPr>
+          <p:cNvSpPr/>
+          <p:nvPr/>
+        </p:nvSpPr>
+        <p:spPr>
+          <a:xfrm>
+            <a:off x="4420170" y="3841337"/>
+            <a:ext cx="522515" cy="203879"/>
+          </a:xfrm>
+          <a:prstGeom prst="rect">
+            <a:avLst/>
+          </a:prstGeom>
+        </p:spPr>
+        <p:style>
+          <a:lnRef idx="2">
+            <a:schemeClr val="accent2">
+              <a:shade val="50000"/>
+            </a:schemeClr>
+          </a:lnRef>
+          <a:fillRef idx="1">
+            <a:schemeClr val="accent2"/>
+          </a:fillRef>
+          <a:effectRef idx="0">
+            <a:schemeClr val="accent2"/>
+          </a:effectRef>
+          <a:fontRef idx="minor">
+            <a:schemeClr val="lt1"/>
+          </a:fontRef>
+        </p:style>
+        <p:txBody>
+          <a:bodyPr rtlCol="0" anchor="ctr"/>
+          <a:lstStyle/>
+          <a:p>
+            <a:pPr algn="ctr"/>
+            <a:r>
+              <a:rPr kumimoji="1" lang="en-US" altLang="ja-JP" sz="800" dirty="0"/>
+              <a:t>Vendor</a:t>
+            </a:r>
+            <a:endParaRPr kumimoji="1" lang="ja-JP" altLang="en-US" sz="800" dirty="0"/>
+          </a:p>
+        </p:txBody>
+      </p:sp>
+      <p:sp>
+        <p:nvSpPr>
+          <p:cNvPr id="30" name="正方形/長方形 29">
+            <a:extLst>
+              <a:ext uri="{FF2B5EF4-FFF2-40B4-BE49-F238E27FC236}">
+                <a16:creationId xmlns:a16="http://schemas.microsoft.com/office/drawing/2014/main" id="{731D1CC2-2DD9-DD83-5AFE-6F5922CAD473}"/>
+              </a:ext>
+            </a:extLst>
+          </p:cNvPr>
+          <p:cNvSpPr/>
+          <p:nvPr/>
+        </p:nvSpPr>
+        <p:spPr>
+          <a:xfrm>
+            <a:off x="5238293" y="4285153"/>
+            <a:ext cx="1082889" cy="203879"/>
+          </a:xfrm>
+          <a:prstGeom prst="rect">
+            <a:avLst/>
+          </a:prstGeom>
+        </p:spPr>
+        <p:style>
+          <a:lnRef idx="2">
+            <a:schemeClr val="accent2">
+              <a:shade val="50000"/>
+            </a:schemeClr>
+          </a:lnRef>
+          <a:fillRef idx="1">
+            <a:schemeClr val="accent2"/>
+          </a:fillRef>
+          <a:effectRef idx="0">
+            <a:schemeClr val="accent2"/>
+          </a:effectRef>
+          <a:fontRef idx="minor">
+            <a:schemeClr val="lt1"/>
+          </a:fontRef>
+        </p:style>
+        <p:txBody>
+          <a:bodyPr rtlCol="0" anchor="ctr"/>
+          <a:lstStyle/>
+          <a:p>
+            <a:pPr algn="ctr"/>
+            <a:r>
+              <a:rPr kumimoji="1" lang="en-US" altLang="ja-JP" sz="800" dirty="0"/>
+              <a:t>IVendorRepository</a:t>
+            </a:r>
+            <a:endParaRPr kumimoji="1" lang="ja-JP" altLang="en-US" sz="800" dirty="0"/>
+          </a:p>
+        </p:txBody>
+      </p:sp>
+      <p:sp>
+        <p:nvSpPr>
+          <p:cNvPr id="31" name="正方形/長方形 30">
+            <a:extLst>
+              <a:ext uri="{FF2B5EF4-FFF2-40B4-BE49-F238E27FC236}">
+                <a16:creationId xmlns:a16="http://schemas.microsoft.com/office/drawing/2014/main" id="{A5EBE216-8792-3469-315F-DDFD8F1C2193}"/>
+              </a:ext>
+            </a:extLst>
+          </p:cNvPr>
+          <p:cNvSpPr/>
+          <p:nvPr/>
+        </p:nvSpPr>
+        <p:spPr>
+          <a:xfrm>
+            <a:off x="3759340" y="5450699"/>
+            <a:ext cx="1051374" cy="192131"/>
+          </a:xfrm>
+          <a:prstGeom prst="rect">
+            <a:avLst/>
+          </a:prstGeom>
+        </p:spPr>
+        <p:style>
+          <a:lnRef idx="2">
+            <a:schemeClr val="accent2">
+              <a:shade val="50000"/>
+            </a:schemeClr>
+          </a:lnRef>
+          <a:fillRef idx="1">
+            <a:schemeClr val="accent2"/>
+          </a:fillRef>
+          <a:effectRef idx="0">
+            <a:schemeClr val="accent2"/>
+          </a:effectRef>
+          <a:fontRef idx="minor">
+            <a:schemeClr val="lt1"/>
+          </a:fontRef>
+        </p:style>
+        <p:txBody>
+          <a:bodyPr rtlCol="0" anchor="ctr"/>
+          <a:lstStyle/>
+          <a:p>
+            <a:pPr algn="ctr"/>
+            <a:r>
+              <a:rPr kumimoji="1" lang="en-US" altLang="ja-JP" sz="800" dirty="0"/>
+              <a:t>VendorRepository</a:t>
+            </a:r>
+            <a:endParaRPr kumimoji="1" lang="ja-JP" altLang="en-US" sz="800" dirty="0"/>
+          </a:p>
+        </p:txBody>
+      </p:sp>
+      <p:cxnSp>
+        <p:nvCxnSpPr>
+          <p:cNvPr id="32" name="直線矢印コネクタ 31">
+            <a:extLst>
+              <a:ext uri="{FF2B5EF4-FFF2-40B4-BE49-F238E27FC236}">
+                <a16:creationId xmlns:a16="http://schemas.microsoft.com/office/drawing/2014/main" id="{DCD3C585-B900-CC94-C843-D931DC59920A}"/>
+              </a:ext>
+            </a:extLst>
+          </p:cNvPr>
+          <p:cNvCxnSpPr>
+            <a:cxnSpLocks/>
+            <a:stCxn id="30" idx="1"/>
+            <a:endCxn id="10" idx="2"/>
+          </p:cNvCxnSpPr>
+          <p:nvPr/>
+        </p:nvCxnSpPr>
+        <p:spPr>
+          <a:xfrm flipH="1" flipV="1">
+            <a:off x="4681428" y="4045216"/>
+            <a:ext cx="556865" cy="341877"/>
+          </a:xfrm>
+          <a:prstGeom prst="straightConnector1">
+            <a:avLst/>
+          </a:prstGeom>
+          <a:ln w="12700">
+            <a:solidFill>
+              <a:srgbClr val="FF0000"/>
+            </a:solidFill>
+            <a:prstDash val="dash"/>
+            <a:tailEnd type="triangle" w="lg" len="lg"/>
+          </a:ln>
+        </p:spPr>
+        <p:style>
+          <a:lnRef idx="1">
+            <a:schemeClr val="dk1"/>
+          </a:lnRef>
+          <a:fillRef idx="0">
+            <a:schemeClr val="dk1"/>
+          </a:fillRef>
+          <a:effectRef idx="0">
+            <a:schemeClr val="dk1"/>
+          </a:effectRef>
+          <a:fontRef idx="minor">
+            <a:schemeClr val="tx1"/>
+          </a:fontRef>
+        </p:style>
+      </p:cxnSp>
+      <p:cxnSp>
+        <p:nvCxnSpPr>
+          <p:cNvPr id="33" name="直線矢印コネクタ 32">
+            <a:extLst>
+              <a:ext uri="{FF2B5EF4-FFF2-40B4-BE49-F238E27FC236}">
+                <a16:creationId xmlns:a16="http://schemas.microsoft.com/office/drawing/2014/main" id="{F14900EF-3AF4-F268-B2C6-1188474FF171}"/>
+              </a:ext>
+            </a:extLst>
+          </p:cNvPr>
+          <p:cNvCxnSpPr>
+            <a:cxnSpLocks/>
+            <a:stCxn id="31" idx="0"/>
+            <a:endCxn id="30" idx="2"/>
+          </p:cNvCxnSpPr>
+          <p:nvPr/>
+        </p:nvCxnSpPr>
+        <p:spPr>
+          <a:xfrm flipV="1">
+            <a:off x="4285027" y="4489032"/>
+            <a:ext cx="1494711" cy="961667"/>
+          </a:xfrm>
+          <a:prstGeom prst="straightConnector1">
+            <a:avLst/>
+          </a:prstGeom>
+          <a:ln w="12700">
+            <a:solidFill>
+              <a:srgbClr val="FF0000"/>
+            </a:solidFill>
+            <a:prstDash val="solid"/>
+            <a:tailEnd type="triangle" w="lg" len="lg"/>
+          </a:ln>
+        </p:spPr>
+        <p:style>
+          <a:lnRef idx="1">
+            <a:schemeClr val="dk1"/>
+          </a:lnRef>
+          <a:fillRef idx="0">
+            <a:schemeClr val="dk1"/>
+          </a:fillRef>
+          <a:effectRef idx="0">
+            <a:schemeClr val="dk1"/>
+          </a:effectRef>
+          <a:fontRef idx="minor">
+            <a:schemeClr val="tx1"/>
+          </a:fontRef>
+        </p:style>
+      </p:cxnSp>
+      <p:cxnSp>
+        <p:nvCxnSpPr>
+          <p:cNvPr id="2" name="直線矢印コネクタ 1">
+            <a:extLst>
+              <a:ext uri="{FF2B5EF4-FFF2-40B4-BE49-F238E27FC236}">
+                <a16:creationId xmlns:a16="http://schemas.microsoft.com/office/drawing/2014/main" id="{1D9B2AD3-5955-0255-6EAD-C6325B89B686}"/>
+              </a:ext>
+            </a:extLst>
+          </p:cNvPr>
+          <p:cNvCxnSpPr>
+            <a:cxnSpLocks/>
+          </p:cNvCxnSpPr>
+          <p:nvPr/>
+        </p:nvCxnSpPr>
+        <p:spPr>
+          <a:xfrm flipH="1">
+            <a:off x="9225581" y="324027"/>
+            <a:ext cx="543434" cy="0"/>
+          </a:xfrm>
+          <a:prstGeom prst="straightConnector1">
+            <a:avLst/>
+          </a:prstGeom>
+          <a:ln w="12700">
+            <a:solidFill>
+              <a:srgbClr val="FF0000"/>
+            </a:solidFill>
+            <a:prstDash val="dash"/>
+            <a:tailEnd type="triangle" w="lg" len="lg"/>
+          </a:ln>
+        </p:spPr>
+        <p:style>
+          <a:lnRef idx="1">
+            <a:schemeClr val="dk1"/>
+          </a:lnRef>
+          <a:fillRef idx="0">
+            <a:schemeClr val="dk1"/>
+          </a:fillRef>
+          <a:effectRef idx="0">
+            <a:schemeClr val="dk1"/>
+          </a:effectRef>
+          <a:fontRef idx="minor">
+            <a:schemeClr val="tx1"/>
+          </a:fontRef>
+        </p:style>
+      </p:cxnSp>
+      <p:cxnSp>
+        <p:nvCxnSpPr>
+          <p:cNvPr id="6" name="直線矢印コネクタ 5">
+            <a:extLst>
+              <a:ext uri="{FF2B5EF4-FFF2-40B4-BE49-F238E27FC236}">
+                <a16:creationId xmlns:a16="http://schemas.microsoft.com/office/drawing/2014/main" id="{200752DB-385E-816E-74F6-C86975CAB38A}"/>
+              </a:ext>
+            </a:extLst>
+          </p:cNvPr>
+          <p:cNvCxnSpPr>
+            <a:cxnSpLocks/>
+          </p:cNvCxnSpPr>
+          <p:nvPr/>
+        </p:nvCxnSpPr>
+        <p:spPr>
+          <a:xfrm flipH="1">
+            <a:off x="9225581" y="645752"/>
+            <a:ext cx="543434" cy="0"/>
+          </a:xfrm>
+          <a:prstGeom prst="straightConnector1">
+            <a:avLst/>
+          </a:prstGeom>
+          <a:ln w="12700">
+            <a:solidFill>
+              <a:srgbClr val="FF0000"/>
+            </a:solidFill>
+            <a:prstDash val="solid"/>
+            <a:tailEnd type="triangle" w="lg" len="lg"/>
+          </a:ln>
+        </p:spPr>
+        <p:style>
+          <a:lnRef idx="1">
+            <a:schemeClr val="dk1"/>
+          </a:lnRef>
+          <a:fillRef idx="0">
+            <a:schemeClr val="dk1"/>
+          </a:fillRef>
+          <a:effectRef idx="0">
+            <a:schemeClr val="dk1"/>
+          </a:effectRef>
+          <a:fontRef idx="minor">
+            <a:schemeClr val="tx1"/>
+          </a:fontRef>
+        </p:style>
+      </p:cxnSp>
+      <p:sp>
+        <p:nvSpPr>
+          <p:cNvPr id="17" name="テキスト ボックス 16">
+            <a:extLst>
+              <a:ext uri="{FF2B5EF4-FFF2-40B4-BE49-F238E27FC236}">
+                <a16:creationId xmlns:a16="http://schemas.microsoft.com/office/drawing/2014/main" id="{02739AAC-0537-9316-337E-66D25B7948B5}"/>
+              </a:ext>
+            </a:extLst>
+          </p:cNvPr>
+          <p:cNvSpPr txBox="1"/>
+          <p:nvPr/>
+        </p:nvSpPr>
+        <p:spPr>
+          <a:xfrm>
+            <a:off x="9775445" y="193014"/>
+            <a:ext cx="466794" cy="261610"/>
+          </a:xfrm>
+          <a:prstGeom prst="rect">
+            <a:avLst/>
+          </a:prstGeom>
+          <a:noFill/>
+        </p:spPr>
+        <p:txBody>
+          <a:bodyPr wrap="none" rtlCol="0">
+            <a:spAutoFit/>
+          </a:bodyPr>
+          <a:lstStyle/>
+          <a:p>
+            <a:r>
+              <a:rPr kumimoji="1" lang="ja-JP" altLang="en-US" sz="1100" dirty="0"/>
+              <a:t>依存</a:t>
+            </a:r>
+          </a:p>
+        </p:txBody>
+      </p:sp>
+      <p:sp>
+        <p:nvSpPr>
+          <p:cNvPr id="18" name="テキスト ボックス 17">
+            <a:extLst>
+              <a:ext uri="{FF2B5EF4-FFF2-40B4-BE49-F238E27FC236}">
+                <a16:creationId xmlns:a16="http://schemas.microsoft.com/office/drawing/2014/main" id="{679DD35F-C7FD-3B3D-2ED1-3DDDA4D98BEE}"/>
+              </a:ext>
+            </a:extLst>
+          </p:cNvPr>
+          <p:cNvSpPr txBox="1"/>
+          <p:nvPr/>
+        </p:nvSpPr>
+        <p:spPr>
+          <a:xfrm>
+            <a:off x="9773544" y="509215"/>
+            <a:ext cx="889987" cy="261610"/>
+          </a:xfrm>
+          <a:prstGeom prst="rect">
+            <a:avLst/>
+          </a:prstGeom>
+          <a:noFill/>
+        </p:spPr>
+        <p:txBody>
+          <a:bodyPr wrap="none" rtlCol="0">
+            <a:spAutoFit/>
+          </a:bodyPr>
+          <a:lstStyle/>
+          <a:p>
+            <a:r>
+              <a:rPr kumimoji="1" lang="ja-JP" altLang="en-US" sz="1100" dirty="0"/>
+              <a:t>実現・継承</a:t>
+            </a:r>
+          </a:p>
+        </p:txBody>
+      </p:sp>
+      <p:grpSp>
+        <p:nvGrpSpPr>
+          <p:cNvPr id="19" name="グループ化 18">
+            <a:extLst>
+              <a:ext uri="{FF2B5EF4-FFF2-40B4-BE49-F238E27FC236}">
+                <a16:creationId xmlns:a16="http://schemas.microsoft.com/office/drawing/2014/main" id="{143D6D13-7976-0FB1-5B4A-24D43E2EE711}"/>
+              </a:ext>
+            </a:extLst>
+          </p:cNvPr>
+          <p:cNvGrpSpPr/>
+          <p:nvPr/>
+        </p:nvGrpSpPr>
+        <p:grpSpPr>
+          <a:xfrm>
+            <a:off x="9240410" y="6141948"/>
+            <a:ext cx="2494064" cy="388882"/>
+            <a:chOff x="8200596" y="5696761"/>
+            <a:chExt cx="2494064" cy="388882"/>
+          </a:xfrm>
+        </p:grpSpPr>
+        <p:sp>
+          <p:nvSpPr>
+            <p:cNvPr id="20" name="正方形/長方形 19">
+              <a:extLst>
+                <a:ext uri="{FF2B5EF4-FFF2-40B4-BE49-F238E27FC236}">
+                  <a16:creationId xmlns:a16="http://schemas.microsoft.com/office/drawing/2014/main" id="{7C1CF807-4DAF-6649-3246-B8D61EC89C99}"/>
+                </a:ext>
+              </a:extLst>
+            </p:cNvPr>
+            <p:cNvSpPr/>
+            <p:nvPr/>
+          </p:nvSpPr>
+          <p:spPr>
+            <a:xfrm>
+              <a:off x="8200596" y="5696761"/>
+              <a:ext cx="683953" cy="388882"/>
+            </a:xfrm>
+            <a:prstGeom prst="rect">
+              <a:avLst/>
+            </a:prstGeom>
+            <a:solidFill>
+              <a:schemeClr val="accent1">
+                <a:lumMod val="20000"/>
+                <a:lumOff val="80000"/>
+              </a:schemeClr>
+            </a:solidFill>
+            <a:ln>
+              <a:solidFill>
+                <a:schemeClr val="tx1"/>
+              </a:solidFill>
+            </a:ln>
+          </p:spPr>
+          <p:style>
+            <a:lnRef idx="2">
+              <a:schemeClr val="accent1"/>
+            </a:lnRef>
+            <a:fillRef idx="1">
+              <a:schemeClr val="lt1"/>
+            </a:fillRef>
+            <a:effectRef idx="0">
+              <a:schemeClr val="accent1"/>
+            </a:effectRef>
+            <a:fontRef idx="minor">
+              <a:schemeClr val="dk1"/>
+            </a:fontRef>
+          </p:style>
+          <p:txBody>
+            <a:bodyPr tIns="0" bIns="0" rtlCol="0" anchor="t"/>
+            <a:lstStyle/>
+            <a:p>
+              <a:pPr algn="ctr"/>
+              <a:endParaRPr kumimoji="1" lang="ja-JP" altLang="en-US" sz="1100" dirty="0"/>
+            </a:p>
+          </p:txBody>
+        </p:sp>
+        <p:sp>
+          <p:nvSpPr>
+            <p:cNvPr id="21" name="テキスト ボックス 20">
+              <a:extLst>
+                <a:ext uri="{FF2B5EF4-FFF2-40B4-BE49-F238E27FC236}">
+                  <a16:creationId xmlns:a16="http://schemas.microsoft.com/office/drawing/2014/main" id="{54AAF935-99E0-3F3E-CE77-DA03FA08B43F}"/>
+                </a:ext>
+              </a:extLst>
+            </p:cNvPr>
+            <p:cNvSpPr txBox="1"/>
+            <p:nvPr/>
+          </p:nvSpPr>
+          <p:spPr>
+            <a:xfrm>
+              <a:off x="8884549" y="5751294"/>
+              <a:ext cx="1810111" cy="276999"/>
+            </a:xfrm>
+            <a:prstGeom prst="rect">
+              <a:avLst/>
+            </a:prstGeom>
+            <a:noFill/>
+          </p:spPr>
+          <p:txBody>
+            <a:bodyPr wrap="none" rtlCol="0">
+              <a:spAutoFit/>
+            </a:bodyPr>
+            <a:lstStyle/>
+            <a:p>
+              <a:r>
+                <a:rPr kumimoji="1" lang="en-US" altLang="ja-JP" sz="1200" dirty="0"/>
+                <a:t>Frameworks</a:t>
+              </a:r>
+              <a:r>
+                <a:rPr kumimoji="1" lang="ja-JP" altLang="en-US" sz="1200" dirty="0"/>
+                <a:t> ＆ </a:t>
+              </a:r>
+              <a:r>
+                <a:rPr kumimoji="1" lang="en-US" altLang="ja-JP" sz="1200" dirty="0"/>
+                <a:t>Drivers</a:t>
+              </a:r>
+              <a:endParaRPr kumimoji="1" lang="ja-JP" altLang="en-US" sz="1200" dirty="0"/>
+            </a:p>
+          </p:txBody>
+        </p:sp>
+      </p:grpSp>
+      <p:grpSp>
+        <p:nvGrpSpPr>
+          <p:cNvPr id="22" name="グループ化 21">
+            <a:extLst>
+              <a:ext uri="{FF2B5EF4-FFF2-40B4-BE49-F238E27FC236}">
+                <a16:creationId xmlns:a16="http://schemas.microsoft.com/office/drawing/2014/main" id="{067AA25D-64B6-63BD-35ED-8D1D6CE8EAF4}"/>
+              </a:ext>
+            </a:extLst>
+          </p:cNvPr>
+          <p:cNvGrpSpPr/>
+          <p:nvPr/>
+        </p:nvGrpSpPr>
+        <p:grpSpPr>
+          <a:xfrm>
+            <a:off x="9247209" y="5563513"/>
+            <a:ext cx="2529330" cy="388882"/>
+            <a:chOff x="8200596" y="5696761"/>
+            <a:chExt cx="2529330" cy="388882"/>
+          </a:xfrm>
+        </p:grpSpPr>
+        <p:sp>
+          <p:nvSpPr>
+            <p:cNvPr id="23" name="正方形/長方形 22">
+              <a:extLst>
+                <a:ext uri="{FF2B5EF4-FFF2-40B4-BE49-F238E27FC236}">
+                  <a16:creationId xmlns:a16="http://schemas.microsoft.com/office/drawing/2014/main" id="{D7DBFDDF-7431-1A7E-0465-E34102A2FE87}"/>
+                </a:ext>
+              </a:extLst>
+            </p:cNvPr>
+            <p:cNvSpPr/>
+            <p:nvPr/>
+          </p:nvSpPr>
+          <p:spPr>
+            <a:xfrm>
+              <a:off x="8200596" y="5696761"/>
+              <a:ext cx="683953" cy="388882"/>
+            </a:xfrm>
+            <a:prstGeom prst="rect">
+              <a:avLst/>
+            </a:prstGeom>
+            <a:solidFill>
+              <a:schemeClr val="accent6">
+                <a:lumMod val="20000"/>
+                <a:lumOff val="80000"/>
+              </a:schemeClr>
+            </a:solidFill>
+            <a:ln>
+              <a:solidFill>
+                <a:schemeClr val="tx1"/>
+              </a:solidFill>
+            </a:ln>
+          </p:spPr>
+          <p:style>
+            <a:lnRef idx="2">
+              <a:schemeClr val="accent1"/>
+            </a:lnRef>
+            <a:fillRef idx="1">
+              <a:schemeClr val="lt1"/>
+            </a:fillRef>
+            <a:effectRef idx="0">
+              <a:schemeClr val="accent1"/>
+            </a:effectRef>
+            <a:fontRef idx="minor">
+              <a:schemeClr val="dk1"/>
+            </a:fontRef>
+          </p:style>
+          <p:txBody>
+            <a:bodyPr tIns="0" bIns="0" rtlCol="0" anchor="t"/>
+            <a:lstStyle/>
+            <a:p>
+              <a:pPr algn="ctr"/>
+              <a:endParaRPr kumimoji="1" lang="ja-JP" altLang="en-US" sz="1100" dirty="0"/>
+            </a:p>
+          </p:txBody>
+        </p:sp>
+        <p:sp>
+          <p:nvSpPr>
+            <p:cNvPr id="24" name="テキスト ボックス 23">
+              <a:extLst>
+                <a:ext uri="{FF2B5EF4-FFF2-40B4-BE49-F238E27FC236}">
+                  <a16:creationId xmlns:a16="http://schemas.microsoft.com/office/drawing/2014/main" id="{D2D227C2-0B8A-14CA-F946-3079B389AB10}"/>
+                </a:ext>
+              </a:extLst>
+            </p:cNvPr>
+            <p:cNvSpPr txBox="1"/>
+            <p:nvPr/>
+          </p:nvSpPr>
+          <p:spPr>
+            <a:xfrm>
+              <a:off x="8884549" y="5752702"/>
+              <a:ext cx="1845377" cy="276999"/>
+            </a:xfrm>
+            <a:prstGeom prst="rect">
+              <a:avLst/>
+            </a:prstGeom>
+            <a:noFill/>
+          </p:spPr>
+          <p:txBody>
+            <a:bodyPr wrap="none" rtlCol="0">
+              <a:spAutoFit/>
+            </a:bodyPr>
+            <a:lstStyle/>
+            <a:p>
+              <a:r>
+                <a:rPr kumimoji="1" lang="en-US" altLang="ja-JP" sz="1200" dirty="0"/>
+                <a:t>Infrastructure Adapters</a:t>
+              </a:r>
+              <a:endParaRPr kumimoji="1" lang="ja-JP" altLang="en-US" sz="1200" dirty="0"/>
+            </a:p>
+          </p:txBody>
+        </p:sp>
+      </p:grpSp>
+      <p:grpSp>
+        <p:nvGrpSpPr>
+          <p:cNvPr id="25" name="グループ化 24">
+            <a:extLst>
+              <a:ext uri="{FF2B5EF4-FFF2-40B4-BE49-F238E27FC236}">
+                <a16:creationId xmlns:a16="http://schemas.microsoft.com/office/drawing/2014/main" id="{9225EAFB-7951-5B55-40CC-F2AEF91B383E}"/>
+              </a:ext>
+            </a:extLst>
+          </p:cNvPr>
+          <p:cNvGrpSpPr/>
+          <p:nvPr/>
+        </p:nvGrpSpPr>
+        <p:grpSpPr>
+          <a:xfrm>
+            <a:off x="9240410" y="4985078"/>
+            <a:ext cx="2802227" cy="388882"/>
+            <a:chOff x="8200596" y="5696761"/>
+            <a:chExt cx="2802227" cy="388882"/>
+          </a:xfrm>
+        </p:grpSpPr>
+        <p:sp>
+          <p:nvSpPr>
+            <p:cNvPr id="26" name="正方形/長方形 25">
+              <a:extLst>
+                <a:ext uri="{FF2B5EF4-FFF2-40B4-BE49-F238E27FC236}">
+                  <a16:creationId xmlns:a16="http://schemas.microsoft.com/office/drawing/2014/main" id="{ACF72B8C-0B43-01C5-D62E-C5AB4E75796D}"/>
+                </a:ext>
+              </a:extLst>
+            </p:cNvPr>
+            <p:cNvSpPr/>
+            <p:nvPr/>
+          </p:nvSpPr>
+          <p:spPr>
+            <a:xfrm>
+              <a:off x="8200596" y="5696761"/>
+              <a:ext cx="683953" cy="388882"/>
+            </a:xfrm>
+            <a:prstGeom prst="rect">
+              <a:avLst/>
+            </a:prstGeom>
+            <a:solidFill>
+              <a:schemeClr val="accent2">
+                <a:lumMod val="20000"/>
+                <a:lumOff val="80000"/>
+              </a:schemeClr>
+            </a:solidFill>
+            <a:ln>
+              <a:solidFill>
+                <a:schemeClr val="tx1"/>
+              </a:solidFill>
+            </a:ln>
+          </p:spPr>
+          <p:style>
+            <a:lnRef idx="2">
+              <a:schemeClr val="accent1"/>
+            </a:lnRef>
+            <a:fillRef idx="1">
+              <a:schemeClr val="lt1"/>
+            </a:fillRef>
+            <a:effectRef idx="0">
+              <a:schemeClr val="accent1"/>
+            </a:effectRef>
+            <a:fontRef idx="minor">
+              <a:schemeClr val="dk1"/>
+            </a:fontRef>
+          </p:style>
+          <p:txBody>
+            <a:bodyPr tIns="0" bIns="0" rtlCol="0" anchor="t"/>
+            <a:lstStyle/>
+            <a:p>
+              <a:pPr algn="ctr"/>
+              <a:endParaRPr kumimoji="1" lang="ja-JP" altLang="en-US" sz="1100" dirty="0"/>
+            </a:p>
+          </p:txBody>
+        </p:sp>
+        <p:sp>
+          <p:nvSpPr>
+            <p:cNvPr id="27" name="テキスト ボックス 26">
+              <a:extLst>
+                <a:ext uri="{FF2B5EF4-FFF2-40B4-BE49-F238E27FC236}">
+                  <a16:creationId xmlns:a16="http://schemas.microsoft.com/office/drawing/2014/main" id="{C82123E2-72AF-C86F-8005-3E552BB63494}"/>
+                </a:ext>
+              </a:extLst>
+            </p:cNvPr>
+            <p:cNvSpPr txBox="1"/>
+            <p:nvPr/>
+          </p:nvSpPr>
+          <p:spPr>
+            <a:xfrm>
+              <a:off x="8891348" y="5747815"/>
+              <a:ext cx="2111475" cy="276999"/>
+            </a:xfrm>
+            <a:prstGeom prst="rect">
+              <a:avLst/>
+            </a:prstGeom>
+            <a:noFill/>
+          </p:spPr>
+          <p:txBody>
+            <a:bodyPr wrap="none" rtlCol="0">
+              <a:spAutoFit/>
+            </a:bodyPr>
+            <a:lstStyle/>
+            <a:p>
+              <a:r>
+                <a:rPr kumimoji="1" lang="en-US" altLang="ja-JP" sz="1200" dirty="0"/>
+                <a:t>Application Business Rules</a:t>
+              </a:r>
+              <a:endParaRPr kumimoji="1" lang="ja-JP" altLang="en-US" sz="1200" dirty="0"/>
+            </a:p>
+          </p:txBody>
+        </p:sp>
+      </p:grpSp>
+      <p:grpSp>
+        <p:nvGrpSpPr>
+          <p:cNvPr id="28" name="グループ化 27">
+            <a:extLst>
+              <a:ext uri="{FF2B5EF4-FFF2-40B4-BE49-F238E27FC236}">
+                <a16:creationId xmlns:a16="http://schemas.microsoft.com/office/drawing/2014/main" id="{94CBB834-F906-A1E0-3856-0F8FA6E60E15}"/>
+              </a:ext>
+            </a:extLst>
+          </p:cNvPr>
+          <p:cNvGrpSpPr/>
+          <p:nvPr/>
+        </p:nvGrpSpPr>
+        <p:grpSpPr>
+          <a:xfrm>
+            <a:off x="9240410" y="4387093"/>
+            <a:ext cx="2731308" cy="388882"/>
+            <a:chOff x="8200596" y="5696761"/>
+            <a:chExt cx="2731308" cy="388882"/>
+          </a:xfrm>
+        </p:grpSpPr>
+        <p:sp>
+          <p:nvSpPr>
+            <p:cNvPr id="29" name="正方形/長方形 28">
+              <a:extLst>
+                <a:ext uri="{FF2B5EF4-FFF2-40B4-BE49-F238E27FC236}">
+                  <a16:creationId xmlns:a16="http://schemas.microsoft.com/office/drawing/2014/main" id="{518D5DD0-4F6A-D850-9907-59B468801B16}"/>
+                </a:ext>
+              </a:extLst>
+            </p:cNvPr>
+            <p:cNvSpPr/>
+            <p:nvPr/>
+          </p:nvSpPr>
+          <p:spPr>
+            <a:xfrm>
+              <a:off x="8200596" y="5696761"/>
+              <a:ext cx="683953" cy="388882"/>
+            </a:xfrm>
+            <a:prstGeom prst="rect">
+              <a:avLst/>
+            </a:prstGeom>
+            <a:solidFill>
+              <a:schemeClr val="accent2">
+                <a:lumMod val="20000"/>
+                <a:lumOff val="80000"/>
+              </a:schemeClr>
+            </a:solidFill>
+            <a:ln>
+              <a:solidFill>
+                <a:schemeClr val="tx1"/>
+              </a:solidFill>
+            </a:ln>
+          </p:spPr>
+          <p:style>
+            <a:lnRef idx="2">
+              <a:schemeClr val="accent1"/>
+            </a:lnRef>
+            <a:fillRef idx="1">
+              <a:schemeClr val="lt1"/>
+            </a:fillRef>
+            <a:effectRef idx="0">
+              <a:schemeClr val="accent1"/>
+            </a:effectRef>
+            <a:fontRef idx="minor">
+              <a:schemeClr val="dk1"/>
+            </a:fontRef>
+          </p:style>
+          <p:txBody>
+            <a:bodyPr tIns="0" bIns="0" rtlCol="0" anchor="t"/>
+            <a:lstStyle/>
+            <a:p>
+              <a:pPr algn="ctr"/>
+              <a:endParaRPr kumimoji="1" lang="ja-JP" altLang="en-US" sz="1100" dirty="0"/>
+            </a:p>
+          </p:txBody>
+        </p:sp>
+        <p:sp>
+          <p:nvSpPr>
+            <p:cNvPr id="34" name="テキスト ボックス 33">
+              <a:extLst>
+                <a:ext uri="{FF2B5EF4-FFF2-40B4-BE49-F238E27FC236}">
+                  <a16:creationId xmlns:a16="http://schemas.microsoft.com/office/drawing/2014/main" id="{968EB53F-0F98-6A1D-DFD1-D4620DC8CA10}"/>
+                </a:ext>
+              </a:extLst>
+            </p:cNvPr>
+            <p:cNvSpPr txBox="1"/>
+            <p:nvPr/>
+          </p:nvSpPr>
+          <p:spPr>
+            <a:xfrm>
+              <a:off x="8884549" y="5751073"/>
+              <a:ext cx="2047355" cy="276999"/>
+            </a:xfrm>
+            <a:prstGeom prst="rect">
+              <a:avLst/>
+            </a:prstGeom>
+            <a:noFill/>
+          </p:spPr>
+          <p:txBody>
+            <a:bodyPr wrap="none" rtlCol="0">
+              <a:spAutoFit/>
+            </a:bodyPr>
+            <a:lstStyle/>
+            <a:p>
+              <a:r>
+                <a:rPr kumimoji="1" lang="en-US" altLang="ja-JP" sz="1200" dirty="0"/>
+                <a:t>Enterprise Business Rules</a:t>
+              </a:r>
+              <a:endParaRPr kumimoji="1" lang="ja-JP" altLang="en-US" sz="1200" dirty="0"/>
+            </a:p>
+          </p:txBody>
+        </p:sp>
+      </p:grpSp>
+      <p:sp>
+        <p:nvSpPr>
+          <p:cNvPr id="35" name="正方形/長方形 34">
+            <a:extLst>
+              <a:ext uri="{FF2B5EF4-FFF2-40B4-BE49-F238E27FC236}">
+                <a16:creationId xmlns:a16="http://schemas.microsoft.com/office/drawing/2014/main" id="{960ED00A-55A3-561B-0024-69CBFE31B2B7}"/>
+              </a:ext>
+            </a:extLst>
+          </p:cNvPr>
+          <p:cNvSpPr/>
+          <p:nvPr/>
+        </p:nvSpPr>
+        <p:spPr>
+          <a:xfrm>
+            <a:off x="9569470" y="4387093"/>
+            <a:ext cx="355827" cy="388882"/>
+          </a:xfrm>
+          <a:prstGeom prst="rect">
+            <a:avLst/>
+          </a:prstGeom>
+          <a:solidFill>
+            <a:schemeClr val="accent4">
+              <a:lumMod val="40000"/>
+              <a:lumOff val="60000"/>
+            </a:schemeClr>
+          </a:solidFill>
+          <a:ln>
+            <a:solidFill>
+              <a:schemeClr val="tx1"/>
+            </a:solidFill>
+          </a:ln>
+        </p:spPr>
+        <p:style>
+          <a:lnRef idx="2">
+            <a:schemeClr val="accent1"/>
+          </a:lnRef>
+          <a:fillRef idx="1">
+            <a:schemeClr val="lt1"/>
+          </a:fillRef>
+          <a:effectRef idx="0">
+            <a:schemeClr val="accent1"/>
+          </a:effectRef>
+          <a:fontRef idx="minor">
+            <a:schemeClr val="dk1"/>
+          </a:fontRef>
+        </p:style>
+        <p:txBody>
+          <a:bodyPr tIns="0" bIns="0" rtlCol="0" anchor="t"/>
+          <a:lstStyle/>
+          <a:p>
+            <a:pPr algn="ctr"/>
+            <a:endParaRPr kumimoji="1" lang="ja-JP" altLang="en-US" sz="1100" dirty="0"/>
+          </a:p>
+        </p:txBody>
+      </p:sp>
+      <p:cxnSp>
+        <p:nvCxnSpPr>
+          <p:cNvPr id="85" name="直線矢印コネクタ 84">
+            <a:extLst>
+              <a:ext uri="{FF2B5EF4-FFF2-40B4-BE49-F238E27FC236}">
+                <a16:creationId xmlns:a16="http://schemas.microsoft.com/office/drawing/2014/main" id="{A11D15D1-FEF6-55C1-AF7F-686EFC1E1429}"/>
+              </a:ext>
+            </a:extLst>
+          </p:cNvPr>
+          <p:cNvCxnSpPr>
+            <a:cxnSpLocks/>
+          </p:cNvCxnSpPr>
+          <p:nvPr/>
+        </p:nvCxnSpPr>
+        <p:spPr>
+          <a:xfrm flipH="1">
+            <a:off x="9225581" y="964712"/>
+            <a:ext cx="533852" cy="0"/>
+          </a:xfrm>
+          <a:prstGeom prst="straightConnector1">
+            <a:avLst/>
+          </a:prstGeom>
+          <a:ln w="12700">
+            <a:solidFill>
+              <a:srgbClr val="FF0000"/>
+            </a:solidFill>
+            <a:prstDash val="solid"/>
+            <a:tailEnd type="arrow" w="lg" len="lg"/>
+          </a:ln>
+        </p:spPr>
+        <p:style>
+          <a:lnRef idx="1">
+            <a:schemeClr val="dk1"/>
+          </a:lnRef>
+          <a:fillRef idx="0">
+            <a:schemeClr val="dk1"/>
+          </a:fillRef>
+          <a:effectRef idx="0">
+            <a:schemeClr val="dk1"/>
+          </a:effectRef>
+          <a:fontRef idx="minor">
+            <a:schemeClr val="tx1"/>
+          </a:fontRef>
+        </p:style>
+      </p:cxnSp>
+      <p:sp>
+        <p:nvSpPr>
+          <p:cNvPr id="88" name="テキスト ボックス 87">
+            <a:extLst>
+              <a:ext uri="{FF2B5EF4-FFF2-40B4-BE49-F238E27FC236}">
+                <a16:creationId xmlns:a16="http://schemas.microsoft.com/office/drawing/2014/main" id="{2B1A7DE9-ADE4-EFE8-833E-D3A5C9AB5E12}"/>
+              </a:ext>
+            </a:extLst>
+          </p:cNvPr>
+          <p:cNvSpPr txBox="1"/>
+          <p:nvPr/>
+        </p:nvSpPr>
+        <p:spPr>
+          <a:xfrm>
+            <a:off x="9775445" y="827940"/>
+            <a:ext cx="466794" cy="261610"/>
+          </a:xfrm>
+          <a:prstGeom prst="rect">
+            <a:avLst/>
+          </a:prstGeom>
+          <a:noFill/>
+        </p:spPr>
+        <p:txBody>
+          <a:bodyPr wrap="none" rtlCol="0">
+            <a:spAutoFit/>
+          </a:bodyPr>
+          <a:lstStyle/>
+          <a:p>
+            <a:r>
+              <a:rPr kumimoji="1" lang="ja-JP" altLang="en-US" sz="1100" dirty="0"/>
+              <a:t>関連</a:t>
+            </a:r>
+          </a:p>
+        </p:txBody>
+      </p:sp>
+      <p:sp>
+        <p:nvSpPr>
+          <p:cNvPr id="4" name="正方形/長方形 3">
+            <a:extLst>
+              <a:ext uri="{FF2B5EF4-FFF2-40B4-BE49-F238E27FC236}">
+                <a16:creationId xmlns:a16="http://schemas.microsoft.com/office/drawing/2014/main" id="{4A331F0C-DED6-9FEE-30FF-BFA9225DBCDC}"/>
+              </a:ext>
+            </a:extLst>
+          </p:cNvPr>
+          <p:cNvSpPr/>
+          <p:nvPr/>
+        </p:nvSpPr>
+        <p:spPr>
+          <a:xfrm>
+            <a:off x="6849345" y="4800521"/>
+            <a:ext cx="1307945" cy="192131"/>
+          </a:xfrm>
+          <a:prstGeom prst="rect">
+            <a:avLst/>
+          </a:prstGeom>
+        </p:spPr>
+        <p:style>
+          <a:lnRef idx="2">
+            <a:schemeClr val="accent2">
+              <a:shade val="50000"/>
+            </a:schemeClr>
+          </a:lnRef>
+          <a:fillRef idx="1">
+            <a:schemeClr val="accent2"/>
+          </a:fillRef>
+          <a:effectRef idx="0">
+            <a:schemeClr val="accent2"/>
+          </a:effectRef>
+          <a:fontRef idx="minor">
+            <a:schemeClr val="lt1"/>
+          </a:fontRef>
+        </p:style>
+        <p:txBody>
+          <a:bodyPr rtlCol="0" anchor="ctr"/>
+          <a:lstStyle/>
+          <a:p>
+            <a:pPr algn="ctr"/>
+            <a:r>
+              <a:rPr kumimoji="1" lang="en-US" altLang="ja-JP" sz="800" dirty="0"/>
+              <a:t>VendorRepositoryClient</a:t>
+            </a:r>
+            <a:endParaRPr kumimoji="1" lang="ja-JP" altLang="en-US" sz="800" dirty="0"/>
+          </a:p>
+        </p:txBody>
+      </p:sp>
+      <p:cxnSp>
+        <p:nvCxnSpPr>
+          <p:cNvPr id="15" name="直線矢印コネクタ 14">
+            <a:extLst>
+              <a:ext uri="{FF2B5EF4-FFF2-40B4-BE49-F238E27FC236}">
+                <a16:creationId xmlns:a16="http://schemas.microsoft.com/office/drawing/2014/main" id="{1E34BBF9-93DD-9871-FFF8-C6FFE1AF24C9}"/>
+              </a:ext>
+            </a:extLst>
+          </p:cNvPr>
+          <p:cNvCxnSpPr>
+            <a:cxnSpLocks/>
+            <a:stCxn id="4" idx="0"/>
+            <a:endCxn id="30" idx="3"/>
+          </p:cNvCxnSpPr>
+          <p:nvPr/>
+        </p:nvCxnSpPr>
+        <p:spPr>
+          <a:xfrm flipH="1" flipV="1">
+            <a:off x="6321182" y="4387093"/>
+            <a:ext cx="1182136" cy="413428"/>
+          </a:xfrm>
+          <a:prstGeom prst="straightConnector1">
+            <a:avLst/>
+          </a:prstGeom>
+          <a:ln w="12700">
+            <a:solidFill>
+              <a:srgbClr val="FF0000"/>
+            </a:solidFill>
+            <a:prstDash val="solid"/>
+            <a:tailEnd type="triangle" w="lg" len="lg"/>
+          </a:ln>
+        </p:spPr>
+        <p:style>
+          <a:lnRef idx="1">
+            <a:schemeClr val="dk1"/>
+          </a:lnRef>
+          <a:fillRef idx="0">
+            <a:schemeClr val="dk1"/>
+          </a:fillRef>
+          <a:effectRef idx="0">
+            <a:schemeClr val="dk1"/>
+          </a:effectRef>
+          <a:fontRef idx="minor">
+            <a:schemeClr val="tx1"/>
+          </a:fontRef>
+        </p:style>
+      </p:cxnSp>
+      <p:sp>
+        <p:nvSpPr>
+          <p:cNvPr id="41" name="正方形/長方形 40">
+            <a:extLst>
+              <a:ext uri="{FF2B5EF4-FFF2-40B4-BE49-F238E27FC236}">
+                <a16:creationId xmlns:a16="http://schemas.microsoft.com/office/drawing/2014/main" id="{D907DB74-4CF6-D07C-44AD-CAF599C0D461}"/>
+              </a:ext>
+            </a:extLst>
+          </p:cNvPr>
+          <p:cNvSpPr/>
+          <p:nvPr/>
+        </p:nvSpPr>
+        <p:spPr>
+          <a:xfrm>
+            <a:off x="5947629" y="668582"/>
+            <a:ext cx="522515" cy="203879"/>
+          </a:xfrm>
+          <a:prstGeom prst="rect">
+            <a:avLst/>
+          </a:prstGeom>
+        </p:spPr>
+        <p:style>
+          <a:lnRef idx="2">
+            <a:schemeClr val="accent2">
+              <a:shade val="50000"/>
+            </a:schemeClr>
+          </a:lnRef>
+          <a:fillRef idx="1">
+            <a:schemeClr val="accent2"/>
+          </a:fillRef>
+          <a:effectRef idx="0">
+            <a:schemeClr val="accent2"/>
+          </a:effectRef>
+          <a:fontRef idx="minor">
+            <a:schemeClr val="lt1"/>
+          </a:fontRef>
+        </p:style>
+        <p:txBody>
+          <a:bodyPr rtlCol="0" anchor="ctr"/>
+          <a:lstStyle/>
+          <a:p>
+            <a:pPr algn="ctr"/>
+            <a:r>
+              <a:rPr kumimoji="1" lang="en-US" altLang="ja-JP" sz="800" dirty="0"/>
+              <a:t>View</a:t>
+            </a:r>
+            <a:endParaRPr kumimoji="1" lang="ja-JP" altLang="en-US" sz="800" dirty="0"/>
+          </a:p>
+        </p:txBody>
+      </p:sp>
+      <p:sp>
+        <p:nvSpPr>
+          <p:cNvPr id="42" name="正方形/長方形 41">
+            <a:extLst>
+              <a:ext uri="{FF2B5EF4-FFF2-40B4-BE49-F238E27FC236}">
+                <a16:creationId xmlns:a16="http://schemas.microsoft.com/office/drawing/2014/main" id="{848D761A-C49F-F165-BBB0-05A62C3267A3}"/>
+              </a:ext>
+            </a:extLst>
+          </p:cNvPr>
+          <p:cNvSpPr/>
+          <p:nvPr/>
+        </p:nvSpPr>
+        <p:spPr>
+          <a:xfrm>
+            <a:off x="5855049" y="1248370"/>
+            <a:ext cx="730167" cy="203879"/>
+          </a:xfrm>
+          <a:prstGeom prst="rect">
+            <a:avLst/>
+          </a:prstGeom>
+        </p:spPr>
+        <p:style>
+          <a:lnRef idx="2">
+            <a:schemeClr val="accent2">
+              <a:shade val="50000"/>
+            </a:schemeClr>
+          </a:lnRef>
+          <a:fillRef idx="1">
+            <a:schemeClr val="accent2"/>
+          </a:fillRef>
+          <a:effectRef idx="0">
+            <a:schemeClr val="accent2"/>
+          </a:effectRef>
+          <a:fontRef idx="minor">
+            <a:schemeClr val="lt1"/>
+          </a:fontRef>
+        </p:style>
+        <p:txBody>
+          <a:bodyPr rtlCol="0" anchor="ctr"/>
+          <a:lstStyle/>
+          <a:p>
+            <a:pPr algn="ctr"/>
+            <a:r>
+              <a:rPr kumimoji="1" lang="en-US" altLang="ja-JP" sz="800" dirty="0"/>
+              <a:t>ViewModel</a:t>
+            </a:r>
+            <a:endParaRPr kumimoji="1" lang="ja-JP" altLang="en-US" sz="800" dirty="0"/>
+          </a:p>
+        </p:txBody>
+      </p:sp>
+      <p:cxnSp>
+        <p:nvCxnSpPr>
+          <p:cNvPr id="46" name="直線矢印コネクタ 45">
+            <a:extLst>
+              <a:ext uri="{FF2B5EF4-FFF2-40B4-BE49-F238E27FC236}">
+                <a16:creationId xmlns:a16="http://schemas.microsoft.com/office/drawing/2014/main" id="{5A2EC888-3B39-BAE5-ED8B-232F35AEDB16}"/>
+              </a:ext>
+            </a:extLst>
+          </p:cNvPr>
+          <p:cNvCxnSpPr>
+            <a:cxnSpLocks/>
+            <a:stCxn id="41" idx="2"/>
+            <a:endCxn id="42" idx="0"/>
+          </p:cNvCxnSpPr>
+          <p:nvPr/>
+        </p:nvCxnSpPr>
+        <p:spPr>
+          <a:xfrm>
+            <a:off x="6208887" y="872461"/>
+            <a:ext cx="11246" cy="375909"/>
+          </a:xfrm>
+          <a:prstGeom prst="straightConnector1">
+            <a:avLst/>
+          </a:prstGeom>
+          <a:ln w="12700">
+            <a:solidFill>
+              <a:srgbClr val="FF0000"/>
+            </a:solidFill>
+            <a:prstDash val="dash"/>
+            <a:tailEnd type="triangle" w="lg" len="lg"/>
+          </a:ln>
+        </p:spPr>
+        <p:style>
+          <a:lnRef idx="1">
+            <a:schemeClr val="dk1"/>
+          </a:lnRef>
+          <a:fillRef idx="0">
+            <a:schemeClr val="dk1"/>
+          </a:fillRef>
+          <a:effectRef idx="0">
+            <a:schemeClr val="dk1"/>
+          </a:effectRef>
+          <a:fontRef idx="minor">
+            <a:schemeClr val="tx1"/>
+          </a:fontRef>
+        </p:style>
+      </p:cxnSp>
+      <p:sp>
+        <p:nvSpPr>
+          <p:cNvPr id="62" name="正方形/長方形 61">
+            <a:extLst>
+              <a:ext uri="{FF2B5EF4-FFF2-40B4-BE49-F238E27FC236}">
+                <a16:creationId xmlns:a16="http://schemas.microsoft.com/office/drawing/2014/main" id="{A98648DD-CA39-A44E-987B-867781F0F296}"/>
+              </a:ext>
+            </a:extLst>
+          </p:cNvPr>
+          <p:cNvSpPr/>
+          <p:nvPr/>
+        </p:nvSpPr>
+        <p:spPr>
+          <a:xfrm>
+            <a:off x="5279232" y="3545375"/>
+            <a:ext cx="593294" cy="203879"/>
+          </a:xfrm>
+          <a:prstGeom prst="rect">
+            <a:avLst/>
+          </a:prstGeom>
+        </p:spPr>
+        <p:style>
+          <a:lnRef idx="2">
+            <a:schemeClr val="accent2">
+              <a:shade val="50000"/>
+            </a:schemeClr>
+          </a:lnRef>
+          <a:fillRef idx="1">
+            <a:schemeClr val="accent2"/>
+          </a:fillRef>
+          <a:effectRef idx="0">
+            <a:schemeClr val="accent2"/>
+          </a:effectRef>
+          <a:fontRef idx="minor">
+            <a:schemeClr val="lt1"/>
+          </a:fontRef>
+        </p:style>
+        <p:txBody>
+          <a:bodyPr rtlCol="0" anchor="ctr"/>
+          <a:lstStyle/>
+          <a:p>
+            <a:pPr algn="ctr"/>
+            <a:r>
+              <a:rPr kumimoji="1" lang="en-US" altLang="ja-JP" sz="800" dirty="0"/>
+              <a:t>TaxRate</a:t>
+            </a:r>
+            <a:endParaRPr kumimoji="1" lang="ja-JP" altLang="en-US" sz="800" dirty="0"/>
+          </a:p>
+        </p:txBody>
+      </p:sp>
+      <p:cxnSp>
+        <p:nvCxnSpPr>
+          <p:cNvPr id="63" name="直線矢印コネクタ 62">
+            <a:extLst>
+              <a:ext uri="{FF2B5EF4-FFF2-40B4-BE49-F238E27FC236}">
+                <a16:creationId xmlns:a16="http://schemas.microsoft.com/office/drawing/2014/main" id="{28DDE0D9-A709-A24B-FFDC-A52EEE59F4B9}"/>
+              </a:ext>
+            </a:extLst>
+          </p:cNvPr>
+          <p:cNvCxnSpPr>
+            <a:cxnSpLocks/>
+            <a:stCxn id="10" idx="3"/>
+            <a:endCxn id="62" idx="1"/>
+          </p:cNvCxnSpPr>
+          <p:nvPr/>
+        </p:nvCxnSpPr>
+        <p:spPr>
+          <a:xfrm flipV="1">
+            <a:off x="4942685" y="3647315"/>
+            <a:ext cx="336547" cy="295962"/>
+          </a:xfrm>
+          <a:prstGeom prst="straightConnector1">
+            <a:avLst/>
+          </a:prstGeom>
+          <a:ln w="12700">
+            <a:solidFill>
+              <a:srgbClr val="FF0000"/>
+            </a:solidFill>
+            <a:prstDash val="solid"/>
+            <a:tailEnd type="arrow" w="lg" len="lg"/>
+          </a:ln>
+        </p:spPr>
+        <p:style>
+          <a:lnRef idx="1">
+            <a:schemeClr val="dk1"/>
+          </a:lnRef>
+          <a:fillRef idx="0">
+            <a:schemeClr val="dk1"/>
+          </a:fillRef>
+          <a:effectRef idx="0">
+            <a:schemeClr val="dk1"/>
+          </a:effectRef>
+          <a:fontRef idx="minor">
+            <a:schemeClr val="tx1"/>
+          </a:fontRef>
+        </p:style>
+      </p:cxnSp>
+      <p:cxnSp>
+        <p:nvCxnSpPr>
+          <p:cNvPr id="94" name="直線矢印コネクタ 93">
+            <a:extLst>
+              <a:ext uri="{FF2B5EF4-FFF2-40B4-BE49-F238E27FC236}">
+                <a16:creationId xmlns:a16="http://schemas.microsoft.com/office/drawing/2014/main" id="{ACA23253-FB08-3D92-03CD-6B83A4575206}"/>
+              </a:ext>
+            </a:extLst>
+          </p:cNvPr>
+          <p:cNvCxnSpPr>
+            <a:cxnSpLocks/>
+            <a:stCxn id="42" idx="2"/>
+            <a:endCxn id="30" idx="0"/>
+          </p:cNvCxnSpPr>
+          <p:nvPr/>
+        </p:nvCxnSpPr>
+        <p:spPr>
+          <a:xfrm flipH="1">
+            <a:off x="5779738" y="1452249"/>
+            <a:ext cx="440395" cy="2832904"/>
+          </a:xfrm>
+          <a:prstGeom prst="straightConnector1">
+            <a:avLst/>
+          </a:prstGeom>
+          <a:ln w="12700">
+            <a:solidFill>
+              <a:srgbClr val="FF0000"/>
+            </a:solidFill>
+            <a:prstDash val="solid"/>
+            <a:tailEnd type="arrow" w="lg" len="lg"/>
+          </a:ln>
+        </p:spPr>
+        <p:style>
+          <a:lnRef idx="1">
+            <a:schemeClr val="dk1"/>
+          </a:lnRef>
+          <a:fillRef idx="0">
+            <a:schemeClr val="dk1"/>
+          </a:fillRef>
+          <a:effectRef idx="0">
+            <a:schemeClr val="dk1"/>
+          </a:effectRef>
+          <a:fontRef idx="minor">
+            <a:schemeClr val="tx1"/>
+          </a:fontRef>
+        </p:style>
+      </p:cxnSp>
+      <p:sp>
+        <p:nvSpPr>
+          <p:cNvPr id="99" name="テキスト ボックス 98">
+            <a:extLst>
+              <a:ext uri="{FF2B5EF4-FFF2-40B4-BE49-F238E27FC236}">
+                <a16:creationId xmlns:a16="http://schemas.microsoft.com/office/drawing/2014/main" id="{AA5D5232-5BEE-A25B-45B1-13CD85F12513}"/>
+              </a:ext>
+            </a:extLst>
+          </p:cNvPr>
+          <p:cNvSpPr txBox="1"/>
+          <p:nvPr/>
+        </p:nvSpPr>
+        <p:spPr>
+          <a:xfrm>
+            <a:off x="4885323" y="3050799"/>
+            <a:ext cx="1257074" cy="446276"/>
+          </a:xfrm>
+          <a:prstGeom prst="rect">
+            <a:avLst/>
+          </a:prstGeom>
+          <a:noFill/>
+        </p:spPr>
+        <p:txBody>
+          <a:bodyPr wrap="none" rtlCol="0">
+            <a:spAutoFit/>
+          </a:bodyPr>
+          <a:lstStyle/>
+          <a:p>
+            <a:pPr algn="ctr"/>
+            <a:r>
+              <a:rPr kumimoji="1" lang="en-US" altLang="ja-JP" sz="1100" dirty="0"/>
+              <a:t>AdventureWorks</a:t>
+            </a:r>
+            <a:endParaRPr kumimoji="1" lang="en-US" altLang="ja-JP" sz="1200" dirty="0"/>
+          </a:p>
+          <a:p>
+            <a:pPr algn="ctr"/>
+            <a:r>
+              <a:rPr kumimoji="1" lang="ja-JP" altLang="en-US" sz="1200" dirty="0"/>
+              <a:t>ドメイン</a:t>
+            </a:r>
+          </a:p>
+        </p:txBody>
+      </p:sp>
+      <p:sp>
+        <p:nvSpPr>
+          <p:cNvPr id="143" name="正方形/長方形 142">
+            <a:extLst>
+              <a:ext uri="{FF2B5EF4-FFF2-40B4-BE49-F238E27FC236}">
+                <a16:creationId xmlns:a16="http://schemas.microsoft.com/office/drawing/2014/main" id="{911F935A-0D88-78F3-98CB-FF65845765DE}"/>
+              </a:ext>
+            </a:extLst>
+          </p:cNvPr>
+          <p:cNvSpPr/>
+          <p:nvPr/>
+        </p:nvSpPr>
+        <p:spPr>
+          <a:xfrm>
+            <a:off x="6408894" y="5307337"/>
+            <a:ext cx="1401768" cy="192131"/>
+          </a:xfrm>
+          <a:prstGeom prst="rect">
+            <a:avLst/>
+          </a:prstGeom>
+        </p:spPr>
+        <p:style>
+          <a:lnRef idx="2">
+            <a:schemeClr val="accent2">
+              <a:shade val="50000"/>
+            </a:schemeClr>
+          </a:lnRef>
+          <a:fillRef idx="1">
+            <a:schemeClr val="accent2"/>
+          </a:fillRef>
+          <a:effectRef idx="0">
+            <a:schemeClr val="accent2"/>
+          </a:effectRef>
+          <a:fontRef idx="minor">
+            <a:schemeClr val="lt1"/>
+          </a:fontRef>
+        </p:style>
+        <p:txBody>
+          <a:bodyPr rtlCol="0" anchor="ctr"/>
+          <a:lstStyle/>
+          <a:p>
+            <a:pPr algn="ctr"/>
+            <a:r>
+              <a:rPr kumimoji="1" lang="en-US" altLang="ja-JP" sz="800" dirty="0"/>
+              <a:t>IVendorRepositoryService</a:t>
+            </a:r>
+            <a:endParaRPr kumimoji="1" lang="ja-JP" altLang="en-US" sz="800" dirty="0"/>
+          </a:p>
+        </p:txBody>
+      </p:sp>
+      <p:sp>
+        <p:nvSpPr>
+          <p:cNvPr id="144" name="正方形/長方形 143">
+            <a:extLst>
+              <a:ext uri="{FF2B5EF4-FFF2-40B4-BE49-F238E27FC236}">
+                <a16:creationId xmlns:a16="http://schemas.microsoft.com/office/drawing/2014/main" id="{F8FE543C-2B75-CE7A-8296-FEF7139D3CDA}"/>
+              </a:ext>
+            </a:extLst>
+          </p:cNvPr>
+          <p:cNvSpPr/>
+          <p:nvPr/>
+        </p:nvSpPr>
+        <p:spPr>
+          <a:xfrm>
+            <a:off x="5726600" y="5944525"/>
+            <a:ext cx="1364588" cy="192131"/>
+          </a:xfrm>
+          <a:prstGeom prst="rect">
+            <a:avLst/>
+          </a:prstGeom>
+        </p:spPr>
+        <p:style>
+          <a:lnRef idx="2">
+            <a:schemeClr val="accent2">
+              <a:shade val="50000"/>
+            </a:schemeClr>
+          </a:lnRef>
+          <a:fillRef idx="1">
+            <a:schemeClr val="accent2"/>
+          </a:fillRef>
+          <a:effectRef idx="0">
+            <a:schemeClr val="accent2"/>
+          </a:effectRef>
+          <a:fontRef idx="minor">
+            <a:schemeClr val="lt1"/>
+          </a:fontRef>
+        </p:style>
+        <p:txBody>
+          <a:bodyPr rtlCol="0" anchor="ctr"/>
+          <a:lstStyle/>
+          <a:p>
+            <a:pPr algn="ctr"/>
+            <a:r>
+              <a:rPr kumimoji="1" lang="en-US" altLang="ja-JP" sz="800" dirty="0"/>
+              <a:t>VendorRepositoryService</a:t>
+            </a:r>
+            <a:endParaRPr kumimoji="1" lang="ja-JP" altLang="en-US" sz="800" dirty="0"/>
+          </a:p>
+        </p:txBody>
+      </p:sp>
+      <p:cxnSp>
+        <p:nvCxnSpPr>
+          <p:cNvPr id="145" name="直線矢印コネクタ 144">
+            <a:extLst>
+              <a:ext uri="{FF2B5EF4-FFF2-40B4-BE49-F238E27FC236}">
+                <a16:creationId xmlns:a16="http://schemas.microsoft.com/office/drawing/2014/main" id="{F2AEEA68-0FB8-4DC0-DCBD-797E787F939D}"/>
+              </a:ext>
+            </a:extLst>
+          </p:cNvPr>
+          <p:cNvCxnSpPr>
+            <a:cxnSpLocks/>
+            <a:stCxn id="4" idx="2"/>
+            <a:endCxn id="143" idx="0"/>
+          </p:cNvCxnSpPr>
+          <p:nvPr/>
+        </p:nvCxnSpPr>
+        <p:spPr>
+          <a:xfrm flipH="1">
+            <a:off x="7109778" y="4992652"/>
+            <a:ext cx="393540" cy="314685"/>
+          </a:xfrm>
+          <a:prstGeom prst="straightConnector1">
+            <a:avLst/>
+          </a:prstGeom>
+          <a:ln w="12700">
+            <a:solidFill>
+              <a:srgbClr val="FF0000"/>
+            </a:solidFill>
+            <a:prstDash val="solid"/>
+            <a:tailEnd type="arrow" w="lg" len="lg"/>
+          </a:ln>
+        </p:spPr>
+        <p:style>
+          <a:lnRef idx="1">
+            <a:schemeClr val="dk1"/>
+          </a:lnRef>
+          <a:fillRef idx="0">
+            <a:schemeClr val="dk1"/>
+          </a:fillRef>
+          <a:effectRef idx="0">
+            <a:schemeClr val="dk1"/>
+          </a:effectRef>
+          <a:fontRef idx="minor">
+            <a:schemeClr val="tx1"/>
+          </a:fontRef>
+        </p:style>
+      </p:cxnSp>
+      <p:cxnSp>
+        <p:nvCxnSpPr>
+          <p:cNvPr id="151" name="直線矢印コネクタ 150">
+            <a:extLst>
+              <a:ext uri="{FF2B5EF4-FFF2-40B4-BE49-F238E27FC236}">
+                <a16:creationId xmlns:a16="http://schemas.microsoft.com/office/drawing/2014/main" id="{948FA136-FC6B-C86E-8662-6A5722464BC8}"/>
+              </a:ext>
+            </a:extLst>
+          </p:cNvPr>
+          <p:cNvCxnSpPr>
+            <a:cxnSpLocks/>
+            <a:stCxn id="144" idx="0"/>
+            <a:endCxn id="143" idx="2"/>
+          </p:cNvCxnSpPr>
+          <p:nvPr/>
+        </p:nvCxnSpPr>
+        <p:spPr>
+          <a:xfrm flipV="1">
+            <a:off x="6408894" y="5499468"/>
+            <a:ext cx="700884" cy="445057"/>
+          </a:xfrm>
+          <a:prstGeom prst="straightConnector1">
+            <a:avLst/>
+          </a:prstGeom>
+          <a:ln w="12700">
+            <a:solidFill>
+              <a:srgbClr val="FF0000"/>
+            </a:solidFill>
+            <a:prstDash val="solid"/>
+            <a:tailEnd type="triangle" w="lg" len="lg"/>
+          </a:ln>
+        </p:spPr>
+        <p:style>
+          <a:lnRef idx="1">
+            <a:schemeClr val="dk1"/>
+          </a:lnRef>
+          <a:fillRef idx="0">
+            <a:schemeClr val="dk1"/>
+          </a:fillRef>
+          <a:effectRef idx="0">
+            <a:schemeClr val="dk1"/>
+          </a:effectRef>
+          <a:fontRef idx="minor">
+            <a:schemeClr val="tx1"/>
+          </a:fontRef>
+        </p:style>
+      </p:cxnSp>
+      <p:cxnSp>
+        <p:nvCxnSpPr>
+          <p:cNvPr id="169" name="直線矢印コネクタ 168">
+            <a:extLst>
+              <a:ext uri="{FF2B5EF4-FFF2-40B4-BE49-F238E27FC236}">
+                <a16:creationId xmlns:a16="http://schemas.microsoft.com/office/drawing/2014/main" id="{F28BBDEA-4F70-4914-689F-9FF5F72D2C2A}"/>
+              </a:ext>
+            </a:extLst>
+          </p:cNvPr>
+          <p:cNvCxnSpPr>
+            <a:cxnSpLocks/>
+            <a:stCxn id="144" idx="0"/>
+            <a:endCxn id="30" idx="2"/>
+          </p:cNvCxnSpPr>
+          <p:nvPr/>
+        </p:nvCxnSpPr>
+        <p:spPr>
+          <a:xfrm flipH="1" flipV="1">
+            <a:off x="5779738" y="4489032"/>
+            <a:ext cx="629156" cy="1455493"/>
+          </a:xfrm>
+          <a:prstGeom prst="straightConnector1">
+            <a:avLst/>
+          </a:prstGeom>
+          <a:ln w="12700">
+            <a:solidFill>
+              <a:srgbClr val="FF0000"/>
+            </a:solidFill>
+            <a:prstDash val="solid"/>
+            <a:tailEnd type="arrow" w="lg" len="lg"/>
+          </a:ln>
+        </p:spPr>
+        <p:style>
+          <a:lnRef idx="1">
+            <a:schemeClr val="dk1"/>
+          </a:lnRef>
+          <a:fillRef idx="0">
+            <a:schemeClr val="dk1"/>
+          </a:fillRef>
+          <a:effectRef idx="0">
+            <a:schemeClr val="dk1"/>
+          </a:effectRef>
+          <a:fontRef idx="minor">
+            <a:schemeClr val="tx1"/>
+          </a:fontRef>
+        </p:style>
+      </p:cxnSp>
+    </p:spTree>
+    <p:extLst>
+      <p:ext uri="{BB962C8B-B14F-4D97-AF65-F5344CB8AC3E}">
+        <p14:creationId xmlns:p14="http://schemas.microsoft.com/office/powerpoint/2010/main" val="1416039326"/>
+      </p:ext>
+    </p:extLst>
+  </p:cSld>
+  <p:clrMapOvr>
+    <a:masterClrMapping/>
+  </p:clrMapOvr>
+</p:sld>
+</file>
+
+<file path=ppt/slides/slide38.xml><?xml version="1.0" encoding="utf-8"?>
+<p:sld xmlns:a="http://schemas.openxmlformats.org/drawingml/2006/main" xmlns:r="http://schemas.openxmlformats.org/officeDocument/2006/relationships" xmlns:p="http://schemas.openxmlformats.org/presentationml/2006/main">
+  <p:cSld>
+    <p:spTree>
+      <p:nvGrpSpPr>
+        <p:cNvPr id="1" name=""/>
+        <p:cNvGrpSpPr/>
+        <p:nvPr/>
+      </p:nvGrpSpPr>
+      <p:grpSpPr>
+        <a:xfrm>
+          <a:off x="0" y="0"/>
+          <a:ext cx="0" cy="0"/>
+          <a:chOff x="0" y="0"/>
+          <a:chExt cx="0" cy="0"/>
+        </a:xfrm>
+      </p:grpSpPr>
+      <p:sp>
+        <p:nvSpPr>
+          <p:cNvPr id="11" name="楕円 10">
+            <a:extLst>
+              <a:ext uri="{FF2B5EF4-FFF2-40B4-BE49-F238E27FC236}">
+                <a16:creationId xmlns:a16="http://schemas.microsoft.com/office/drawing/2014/main" id="{61F6DF7D-A748-EE48-3EDD-9DD5FF2C9BD6}"/>
+              </a:ext>
+            </a:extLst>
+          </p:cNvPr>
+          <p:cNvSpPr/>
+          <p:nvPr/>
+        </p:nvSpPr>
+        <p:spPr>
+          <a:xfrm>
+            <a:off x="2188408" y="102870"/>
+            <a:ext cx="6713220" cy="6713220"/>
+          </a:xfrm>
+          <a:prstGeom prst="ellipse">
+            <a:avLst/>
+          </a:prstGeom>
+          <a:solidFill>
+            <a:schemeClr val="accent1">
+              <a:lumMod val="20000"/>
+              <a:lumOff val="80000"/>
+            </a:schemeClr>
+          </a:solidFill>
+          <a:ln>
+            <a:solidFill>
+              <a:schemeClr val="tx1"/>
+            </a:solidFill>
+          </a:ln>
+        </p:spPr>
+        <p:style>
+          <a:lnRef idx="2">
+            <a:schemeClr val="accent1"/>
+          </a:lnRef>
+          <a:fillRef idx="1">
+            <a:schemeClr val="lt1"/>
+          </a:fillRef>
+          <a:effectRef idx="0">
+            <a:schemeClr val="accent1"/>
+          </a:effectRef>
+          <a:fontRef idx="minor">
+            <a:schemeClr val="dk1"/>
+          </a:fontRef>
+        </p:style>
+        <p:txBody>
+          <a:bodyPr tIns="0" bIns="0" rtlCol="0" anchor="t"/>
+          <a:lstStyle/>
+          <a:p>
+            <a:pPr algn="ctr"/>
+            <a:endParaRPr kumimoji="1" lang="ja-JP" altLang="en-US" sz="1100" dirty="0"/>
+          </a:p>
+        </p:txBody>
+      </p:sp>
+      <p:sp>
+        <p:nvSpPr>
+          <p:cNvPr id="5" name="楕円 4">
+            <a:extLst>
+              <a:ext uri="{FF2B5EF4-FFF2-40B4-BE49-F238E27FC236}">
+                <a16:creationId xmlns:a16="http://schemas.microsoft.com/office/drawing/2014/main" id="{D8B52D55-1ACB-79D8-60DE-A16C4075EF0A}"/>
+              </a:ext>
+            </a:extLst>
+          </p:cNvPr>
+          <p:cNvSpPr/>
+          <p:nvPr/>
+        </p:nvSpPr>
+        <p:spPr>
+          <a:xfrm>
+            <a:off x="2489083" y="428957"/>
+            <a:ext cx="6061046" cy="6061046"/>
+          </a:xfrm>
+          <a:prstGeom prst="ellipse">
+            <a:avLst/>
+          </a:prstGeom>
+          <a:solidFill>
+            <a:schemeClr val="accent6">
+              <a:lumMod val="20000"/>
+              <a:lumOff val="80000"/>
+            </a:schemeClr>
+          </a:solidFill>
+          <a:ln>
+            <a:solidFill>
+              <a:schemeClr val="tx1"/>
+            </a:solidFill>
+          </a:ln>
+        </p:spPr>
+        <p:style>
+          <a:lnRef idx="2">
+            <a:schemeClr val="accent1"/>
+          </a:lnRef>
+          <a:fillRef idx="1">
+            <a:schemeClr val="lt1"/>
+          </a:fillRef>
+          <a:effectRef idx="0">
+            <a:schemeClr val="accent1"/>
+          </a:effectRef>
+          <a:fontRef idx="minor">
+            <a:schemeClr val="dk1"/>
+          </a:fontRef>
+        </p:style>
+        <p:txBody>
+          <a:bodyPr tIns="0" bIns="0" rtlCol="0" anchor="t"/>
+          <a:lstStyle/>
+          <a:p>
+            <a:pPr algn="ctr"/>
+            <a:endParaRPr kumimoji="1" lang="ja-JP" altLang="en-US" sz="1100" dirty="0"/>
+          </a:p>
+        </p:txBody>
+      </p:sp>
+      <p:sp>
+        <p:nvSpPr>
+          <p:cNvPr id="59" name="楕円 58">
+            <a:extLst>
+              <a:ext uri="{FF2B5EF4-FFF2-40B4-BE49-F238E27FC236}">
+                <a16:creationId xmlns:a16="http://schemas.microsoft.com/office/drawing/2014/main" id="{4B1A5908-B043-7189-0547-2A88C3D33D7C}"/>
+              </a:ext>
+            </a:extLst>
+          </p:cNvPr>
+          <p:cNvSpPr/>
+          <p:nvPr/>
+        </p:nvSpPr>
+        <p:spPr>
+          <a:xfrm>
+            <a:off x="3605728" y="1520190"/>
+            <a:ext cx="3878580" cy="3878580"/>
+          </a:xfrm>
+          <a:prstGeom prst="ellipse">
+            <a:avLst/>
+          </a:prstGeom>
+          <a:solidFill>
+            <a:schemeClr val="accent2">
+              <a:lumMod val="20000"/>
+              <a:lumOff val="80000"/>
+            </a:schemeClr>
+          </a:solidFill>
+          <a:ln>
+            <a:solidFill>
+              <a:schemeClr val="tx1"/>
+            </a:solidFill>
+          </a:ln>
+        </p:spPr>
+        <p:style>
+          <a:lnRef idx="2">
+            <a:schemeClr val="accent1"/>
+          </a:lnRef>
+          <a:fillRef idx="1">
+            <a:schemeClr val="lt1"/>
+          </a:fillRef>
+          <a:effectRef idx="0">
+            <a:schemeClr val="accent1"/>
+          </a:effectRef>
+          <a:fontRef idx="minor">
+            <a:schemeClr val="dk1"/>
+          </a:fontRef>
+        </p:style>
+        <p:txBody>
+          <a:bodyPr tIns="0" bIns="0" rtlCol="0" anchor="t"/>
+          <a:lstStyle/>
+          <a:p>
+            <a:pPr algn="ctr"/>
+            <a:endParaRPr kumimoji="1" lang="ja-JP" altLang="en-US" sz="1600" dirty="0"/>
+          </a:p>
+        </p:txBody>
+      </p:sp>
+      <p:sp>
+        <p:nvSpPr>
+          <p:cNvPr id="3" name="楕円 2">
+            <a:extLst>
+              <a:ext uri="{FF2B5EF4-FFF2-40B4-BE49-F238E27FC236}">
+                <a16:creationId xmlns:a16="http://schemas.microsoft.com/office/drawing/2014/main" id="{FD5F7EEE-98CD-3F37-082F-E28F6540080E}"/>
+              </a:ext>
+            </a:extLst>
+          </p:cNvPr>
+          <p:cNvSpPr/>
+          <p:nvPr/>
+        </p:nvSpPr>
+        <p:spPr>
+          <a:xfrm>
+            <a:off x="4188658" y="2103120"/>
+            <a:ext cx="2712720" cy="2712720"/>
+          </a:xfrm>
+          <a:prstGeom prst="ellipse">
+            <a:avLst/>
+          </a:prstGeom>
+          <a:solidFill>
+            <a:schemeClr val="accent4">
+              <a:lumMod val="20000"/>
+              <a:lumOff val="80000"/>
+            </a:schemeClr>
+          </a:solidFill>
+          <a:ln>
+            <a:solidFill>
+              <a:schemeClr val="tx1"/>
+            </a:solidFill>
+          </a:ln>
+        </p:spPr>
+        <p:style>
+          <a:lnRef idx="2">
+            <a:schemeClr val="accent1"/>
+          </a:lnRef>
+          <a:fillRef idx="1">
+            <a:schemeClr val="lt1"/>
+          </a:fillRef>
+          <a:effectRef idx="0">
+            <a:schemeClr val="accent1"/>
+          </a:effectRef>
+          <a:fontRef idx="minor">
+            <a:schemeClr val="dk1"/>
+          </a:fontRef>
+        </p:style>
+        <p:txBody>
+          <a:bodyPr tIns="0" bIns="0" rtlCol="0" anchor="t"/>
+          <a:lstStyle/>
+          <a:p>
+            <a:pPr algn="ctr"/>
+            <a:endParaRPr kumimoji="1" lang="ja-JP" altLang="en-US" sz="1100" dirty="0"/>
+          </a:p>
+        </p:txBody>
+      </p:sp>
+      <p:sp>
+        <p:nvSpPr>
+          <p:cNvPr id="52" name="楕円 51">
+            <a:extLst>
+              <a:ext uri="{FF2B5EF4-FFF2-40B4-BE49-F238E27FC236}">
+                <a16:creationId xmlns:a16="http://schemas.microsoft.com/office/drawing/2014/main" id="{FFE21E94-485A-C504-A486-1BA75B83CD04}"/>
+              </a:ext>
+            </a:extLst>
+          </p:cNvPr>
+          <p:cNvSpPr/>
+          <p:nvPr/>
+        </p:nvSpPr>
+        <p:spPr>
+          <a:xfrm>
+            <a:off x="4880734" y="2803519"/>
+            <a:ext cx="1277743" cy="1250962"/>
+          </a:xfrm>
+          <a:prstGeom prst="ellipse">
+            <a:avLst/>
+          </a:prstGeom>
+          <a:solidFill>
+            <a:schemeClr val="accent4">
+              <a:lumMod val="60000"/>
+              <a:lumOff val="40000"/>
+            </a:schemeClr>
+          </a:solidFill>
+          <a:ln>
+            <a:solidFill>
+              <a:schemeClr val="tx1"/>
+            </a:solidFill>
+          </a:ln>
+        </p:spPr>
+        <p:style>
+          <a:lnRef idx="2">
+            <a:schemeClr val="accent1"/>
+          </a:lnRef>
+          <a:fillRef idx="1">
+            <a:schemeClr val="lt1"/>
+          </a:fillRef>
+          <a:effectRef idx="0">
+            <a:schemeClr val="accent1"/>
+          </a:effectRef>
+          <a:fontRef idx="minor">
+            <a:schemeClr val="dk1"/>
+          </a:fontRef>
+        </p:style>
+        <p:txBody>
+          <a:bodyPr tIns="0" bIns="0" rtlCol="0" anchor="t"/>
+          <a:lstStyle/>
+          <a:p>
+            <a:pPr algn="ctr"/>
+            <a:endParaRPr kumimoji="1" lang="ja-JP" altLang="en-US" sz="1600" dirty="0"/>
+          </a:p>
+        </p:txBody>
+      </p:sp>
+      <p:sp>
+        <p:nvSpPr>
+          <p:cNvPr id="16" name="フリーフォーム: 図形 15">
+            <a:extLst>
+              <a:ext uri="{FF2B5EF4-FFF2-40B4-BE49-F238E27FC236}">
+                <a16:creationId xmlns:a16="http://schemas.microsoft.com/office/drawing/2014/main" id="{3F35C2FC-8440-D656-936A-B50CD2EF9548}"/>
+              </a:ext>
+            </a:extLst>
+          </p:cNvPr>
+          <p:cNvSpPr/>
+          <p:nvPr/>
+        </p:nvSpPr>
+        <p:spPr>
+          <a:xfrm>
+            <a:off x="3638550" y="118110"/>
+            <a:ext cx="4081940" cy="6211644"/>
+          </a:xfrm>
+          <a:custGeom>
+            <a:avLst/>
+            <a:gdLst>
+              <a:gd name="connsiteX0" fmla="*/ 2697480 w 4081940"/>
+              <a:gd name="connsiteY0" fmla="*/ 0 h 6211644"/>
+              <a:gd name="connsiteX1" fmla="*/ 2023110 w 4081940"/>
+              <a:gd name="connsiteY1" fmla="*/ 3154680 h 6211644"/>
+              <a:gd name="connsiteX2" fmla="*/ 2381250 w 4081940"/>
+              <a:gd name="connsiteY2" fmla="*/ 4362450 h 6211644"/>
+              <a:gd name="connsiteX3" fmla="*/ 3851910 w 4081940"/>
+              <a:gd name="connsiteY3" fmla="*/ 4652010 h 6211644"/>
+              <a:gd name="connsiteX4" fmla="*/ 3970020 w 4081940"/>
+              <a:gd name="connsiteY4" fmla="*/ 5787390 h 6211644"/>
+              <a:gd name="connsiteX5" fmla="*/ 2781300 w 4081940"/>
+              <a:gd name="connsiteY5" fmla="*/ 6122670 h 6211644"/>
+              <a:gd name="connsiteX6" fmla="*/ 2019300 w 4081940"/>
+              <a:gd name="connsiteY6" fmla="*/ 4267200 h 6211644"/>
+              <a:gd name="connsiteX7" fmla="*/ 0 w 4081940"/>
+              <a:gd name="connsiteY7" fmla="*/ 5791200 h 6211644"/>
+            </a:gdLst>
+            <a:ahLst/>
+            <a:cxnLst>
+              <a:cxn ang="0">
+                <a:pos x="connsiteX0" y="connsiteY0"/>
+              </a:cxn>
+              <a:cxn ang="0">
+                <a:pos x="connsiteX1" y="connsiteY1"/>
+              </a:cxn>
+              <a:cxn ang="0">
+                <a:pos x="connsiteX2" y="connsiteY2"/>
+              </a:cxn>
+              <a:cxn ang="0">
+                <a:pos x="connsiteX3" y="connsiteY3"/>
+              </a:cxn>
+              <a:cxn ang="0">
+                <a:pos x="connsiteX4" y="connsiteY4"/>
+              </a:cxn>
+              <a:cxn ang="0">
+                <a:pos x="connsiteX5" y="connsiteY5"/>
+              </a:cxn>
+              <a:cxn ang="0">
+                <a:pos x="connsiteX6" y="connsiteY6"/>
+              </a:cxn>
+              <a:cxn ang="0">
+                <a:pos x="connsiteX7" y="connsiteY7"/>
+              </a:cxn>
+            </a:cxnLst>
+            <a:rect l="l" t="t" r="r" b="b"/>
+            <a:pathLst>
+              <a:path w="4081940" h="6211644">
+                <a:moveTo>
+                  <a:pt x="2697480" y="0"/>
+                </a:moveTo>
+                <a:cubicBezTo>
+                  <a:pt x="2386647" y="1213802"/>
+                  <a:pt x="2075815" y="2427605"/>
+                  <a:pt x="2023110" y="3154680"/>
+                </a:cubicBezTo>
+                <a:cubicBezTo>
+                  <a:pt x="1970405" y="3881755"/>
+                  <a:pt x="2076450" y="4112895"/>
+                  <a:pt x="2381250" y="4362450"/>
+                </a:cubicBezTo>
+                <a:cubicBezTo>
+                  <a:pt x="2686050" y="4612005"/>
+                  <a:pt x="3587115" y="4414520"/>
+                  <a:pt x="3851910" y="4652010"/>
+                </a:cubicBezTo>
+                <a:cubicBezTo>
+                  <a:pt x="4116705" y="4889500"/>
+                  <a:pt x="4148455" y="5542280"/>
+                  <a:pt x="3970020" y="5787390"/>
+                </a:cubicBezTo>
+                <a:cubicBezTo>
+                  <a:pt x="3791585" y="6032500"/>
+                  <a:pt x="3106420" y="6376035"/>
+                  <a:pt x="2781300" y="6122670"/>
+                </a:cubicBezTo>
+                <a:cubicBezTo>
+                  <a:pt x="2456180" y="5869305"/>
+                  <a:pt x="2482850" y="4322445"/>
+                  <a:pt x="2019300" y="4267200"/>
+                </a:cubicBezTo>
+                <a:cubicBezTo>
+                  <a:pt x="1555750" y="4211955"/>
+                  <a:pt x="777875" y="5001577"/>
+                  <a:pt x="0" y="5791200"/>
+                </a:cubicBezTo>
+              </a:path>
+            </a:pathLst>
+          </a:custGeom>
+          <a:noFill/>
+          <a:ln w="57150">
+            <a:prstDash val="sysDash"/>
+            <a:headEnd type="none" w="med" len="med"/>
+            <a:tailEnd type="triangle" w="med" len="med"/>
+          </a:ln>
+        </p:spPr>
+        <p:style>
+          <a:lnRef idx="2">
+            <a:schemeClr val="accent1">
+              <a:shade val="50000"/>
+            </a:schemeClr>
+          </a:lnRef>
+          <a:fillRef idx="1">
+            <a:schemeClr val="accent1"/>
+          </a:fillRef>
+          <a:effectRef idx="0">
+            <a:schemeClr val="accent1"/>
+          </a:effectRef>
+          <a:fontRef idx="minor">
+            <a:schemeClr val="lt1"/>
+          </a:fontRef>
+        </p:style>
+        <p:txBody>
+          <a:bodyPr rtlCol="0" anchor="ctr"/>
+          <a:lstStyle/>
+          <a:p>
+            <a:pPr algn="ctr"/>
+            <a:endParaRPr kumimoji="1" lang="ja-JP" altLang="en-US"/>
+          </a:p>
+        </p:txBody>
+      </p:sp>
+      <p:sp>
+        <p:nvSpPr>
+          <p:cNvPr id="7" name="テキスト ボックス 6">
+            <a:extLst>
+              <a:ext uri="{FF2B5EF4-FFF2-40B4-BE49-F238E27FC236}">
+                <a16:creationId xmlns:a16="http://schemas.microsoft.com/office/drawing/2014/main" id="{7BC21E71-31D6-3669-41F4-DA16D9DF5ADC}"/>
+              </a:ext>
+            </a:extLst>
+          </p:cNvPr>
+          <p:cNvSpPr txBox="1"/>
+          <p:nvPr/>
+        </p:nvSpPr>
+        <p:spPr>
+          <a:xfrm>
+            <a:off x="4991020" y="2317193"/>
+            <a:ext cx="1107996" cy="276999"/>
+          </a:xfrm>
+          <a:prstGeom prst="rect">
+            <a:avLst/>
+          </a:prstGeom>
+          <a:noFill/>
+        </p:spPr>
+        <p:txBody>
+          <a:bodyPr wrap="none" rtlCol="0">
+            <a:spAutoFit/>
+          </a:bodyPr>
+          <a:lstStyle/>
+          <a:p>
+            <a:pPr algn="ctr"/>
+            <a:r>
+              <a:rPr kumimoji="1" lang="ja-JP" altLang="en-US" sz="1200" dirty="0"/>
+              <a:t>購買ドメイン</a:t>
+            </a:r>
+          </a:p>
+        </p:txBody>
+      </p:sp>
+      <p:sp>
+        <p:nvSpPr>
+          <p:cNvPr id="8" name="テキスト ボックス 7">
+            <a:extLst>
+              <a:ext uri="{FF2B5EF4-FFF2-40B4-BE49-F238E27FC236}">
+                <a16:creationId xmlns:a16="http://schemas.microsoft.com/office/drawing/2014/main" id="{6335DE73-44DD-9E74-441B-19CAE7799FA4}"/>
+              </a:ext>
+            </a:extLst>
+          </p:cNvPr>
+          <p:cNvSpPr txBox="1"/>
+          <p:nvPr/>
+        </p:nvSpPr>
+        <p:spPr>
+          <a:xfrm>
+            <a:off x="4991020" y="1707356"/>
+            <a:ext cx="1107996" cy="276999"/>
+          </a:xfrm>
+          <a:prstGeom prst="rect">
+            <a:avLst/>
+          </a:prstGeom>
+          <a:noFill/>
+        </p:spPr>
+        <p:txBody>
+          <a:bodyPr wrap="none" rtlCol="0">
+            <a:spAutoFit/>
+          </a:bodyPr>
+          <a:lstStyle/>
+          <a:p>
+            <a:pPr algn="ctr"/>
+            <a:r>
+              <a:rPr kumimoji="1" lang="ja-JP" altLang="en-US" sz="1200" dirty="0"/>
+              <a:t>ユースケース</a:t>
+            </a:r>
+          </a:p>
+        </p:txBody>
+      </p:sp>
+      <p:sp>
+        <p:nvSpPr>
+          <p:cNvPr id="9" name="テキスト ボックス 8">
+            <a:extLst>
+              <a:ext uri="{FF2B5EF4-FFF2-40B4-BE49-F238E27FC236}">
+                <a16:creationId xmlns:a16="http://schemas.microsoft.com/office/drawing/2014/main" id="{4AA4408E-BAFB-5176-6604-E8A23E3A94FF}"/>
+              </a:ext>
+            </a:extLst>
+          </p:cNvPr>
+          <p:cNvSpPr txBox="1"/>
+          <p:nvPr/>
+        </p:nvSpPr>
+        <p:spPr>
+          <a:xfrm rot="2860399">
+            <a:off x="2481656" y="5469640"/>
+            <a:ext cx="1511952" cy="276999"/>
+          </a:xfrm>
+          <a:prstGeom prst="rect">
+            <a:avLst/>
+          </a:prstGeom>
+          <a:noFill/>
+        </p:spPr>
+        <p:txBody>
+          <a:bodyPr wrap="none" rtlCol="0">
+            <a:spAutoFit/>
+          </a:bodyPr>
+          <a:lstStyle/>
+          <a:p>
+            <a:pPr algn="ctr"/>
+            <a:r>
+              <a:rPr kumimoji="1" lang="en-US" altLang="ja-JP" sz="1200" dirty="0"/>
+              <a:t>DB</a:t>
+            </a:r>
+            <a:r>
+              <a:rPr kumimoji="1" lang="ja-JP" altLang="en-US" sz="1200" dirty="0"/>
+              <a:t>（</a:t>
+            </a:r>
+            <a:r>
+              <a:rPr kumimoji="1" lang="en-US" altLang="ja-JP" sz="1200" dirty="0"/>
+              <a:t>SQL</a:t>
+            </a:r>
+            <a:r>
+              <a:rPr kumimoji="1" lang="ja-JP" altLang="en-US" sz="1200" dirty="0"/>
+              <a:t> </a:t>
+            </a:r>
+            <a:r>
+              <a:rPr kumimoji="1" lang="en-US" altLang="ja-JP" sz="1200" dirty="0"/>
+              <a:t>Server</a:t>
+            </a:r>
+            <a:r>
+              <a:rPr kumimoji="1" lang="ja-JP" altLang="en-US" sz="1200" dirty="0"/>
+              <a:t>）</a:t>
+            </a:r>
+          </a:p>
+        </p:txBody>
+      </p:sp>
+      <p:sp>
+        <p:nvSpPr>
+          <p:cNvPr id="12" name="テキスト ボックス 11">
+            <a:extLst>
+              <a:ext uri="{FF2B5EF4-FFF2-40B4-BE49-F238E27FC236}">
+                <a16:creationId xmlns:a16="http://schemas.microsoft.com/office/drawing/2014/main" id="{AC990C2C-0114-CB69-C9A5-F2BC15A6AE81}"/>
+              </a:ext>
+            </a:extLst>
+          </p:cNvPr>
+          <p:cNvSpPr txBox="1"/>
+          <p:nvPr/>
+        </p:nvSpPr>
+        <p:spPr>
+          <a:xfrm>
+            <a:off x="5040402" y="103658"/>
+            <a:ext cx="987770" cy="276999"/>
+          </a:xfrm>
+          <a:prstGeom prst="rect">
+            <a:avLst/>
+          </a:prstGeom>
+          <a:noFill/>
+        </p:spPr>
+        <p:txBody>
+          <a:bodyPr wrap="none" rtlCol="0">
+            <a:spAutoFit/>
+          </a:bodyPr>
+          <a:lstStyle/>
+          <a:p>
+            <a:pPr algn="ctr"/>
+            <a:r>
+              <a:rPr kumimoji="1" lang="en-US" altLang="ja-JP" sz="1200" dirty="0"/>
+              <a:t>UI</a:t>
+            </a:r>
+            <a:r>
+              <a:rPr kumimoji="1" lang="ja-JP" altLang="en-US" sz="1200" dirty="0"/>
+              <a:t>（</a:t>
+            </a:r>
+            <a:r>
+              <a:rPr kumimoji="1" lang="en-US" altLang="ja-JP" sz="1200" dirty="0"/>
+              <a:t>WPF</a:t>
+            </a:r>
+            <a:r>
+              <a:rPr kumimoji="1" lang="ja-JP" altLang="en-US" sz="1200" dirty="0"/>
+              <a:t>）</a:t>
+            </a:r>
+          </a:p>
+        </p:txBody>
+      </p:sp>
+      <p:sp>
+        <p:nvSpPr>
+          <p:cNvPr id="13" name="テキスト ボックス 12">
+            <a:extLst>
+              <a:ext uri="{FF2B5EF4-FFF2-40B4-BE49-F238E27FC236}">
+                <a16:creationId xmlns:a16="http://schemas.microsoft.com/office/drawing/2014/main" id="{986B2D26-80C0-618F-02ED-D175574E544B}"/>
+              </a:ext>
+            </a:extLst>
+          </p:cNvPr>
+          <p:cNvSpPr txBox="1"/>
+          <p:nvPr/>
+        </p:nvSpPr>
+        <p:spPr>
+          <a:xfrm rot="18838972">
+            <a:off x="6956017" y="5366979"/>
+            <a:ext cx="1951175" cy="276999"/>
+          </a:xfrm>
+          <a:prstGeom prst="rect">
+            <a:avLst/>
+          </a:prstGeom>
+          <a:noFill/>
+        </p:spPr>
+        <p:txBody>
+          <a:bodyPr wrap="none" rtlCol="0">
+            <a:spAutoFit/>
+          </a:bodyPr>
+          <a:lstStyle/>
+          <a:p>
+            <a:pPr algn="ctr"/>
+            <a:r>
+              <a:rPr kumimoji="1" lang="en-US" altLang="ja-JP" sz="1200" dirty="0"/>
+              <a:t>Web</a:t>
+            </a:r>
+            <a:r>
+              <a:rPr kumimoji="1" lang="ja-JP" altLang="en-US" sz="1200" dirty="0"/>
+              <a:t> </a:t>
+            </a:r>
+            <a:r>
+              <a:rPr kumimoji="1" lang="en-US" altLang="ja-JP" sz="1200" dirty="0"/>
+              <a:t>API</a:t>
+            </a:r>
+            <a:r>
+              <a:rPr kumimoji="1" lang="ja-JP" altLang="en-US" sz="1200" dirty="0"/>
+              <a:t>（</a:t>
+            </a:r>
+            <a:r>
+              <a:rPr kumimoji="1" lang="en-US" altLang="ja-JP" sz="1200" dirty="0"/>
+              <a:t>MagicOnion</a:t>
+            </a:r>
+            <a:r>
+              <a:rPr kumimoji="1" lang="ja-JP" altLang="en-US" sz="1200" dirty="0"/>
+              <a:t>）</a:t>
+            </a:r>
+          </a:p>
+        </p:txBody>
+      </p:sp>
+      <p:sp>
+        <p:nvSpPr>
+          <p:cNvPr id="10" name="正方形/長方形 9">
+            <a:extLst>
+              <a:ext uri="{FF2B5EF4-FFF2-40B4-BE49-F238E27FC236}">
+                <a16:creationId xmlns:a16="http://schemas.microsoft.com/office/drawing/2014/main" id="{DD300987-8C66-D866-FD9B-7DE8F5A9242A}"/>
+              </a:ext>
+            </a:extLst>
+          </p:cNvPr>
+          <p:cNvSpPr/>
+          <p:nvPr/>
+        </p:nvSpPr>
+        <p:spPr>
+          <a:xfrm>
+            <a:off x="4420170" y="3841337"/>
+            <a:ext cx="522515" cy="203879"/>
+          </a:xfrm>
+          <a:prstGeom prst="rect">
+            <a:avLst/>
+          </a:prstGeom>
+        </p:spPr>
+        <p:style>
+          <a:lnRef idx="2">
+            <a:schemeClr val="accent2">
+              <a:shade val="50000"/>
+            </a:schemeClr>
+          </a:lnRef>
+          <a:fillRef idx="1">
+            <a:schemeClr val="accent2"/>
+          </a:fillRef>
+          <a:effectRef idx="0">
+            <a:schemeClr val="accent2"/>
+          </a:effectRef>
+          <a:fontRef idx="minor">
+            <a:schemeClr val="lt1"/>
+          </a:fontRef>
+        </p:style>
+        <p:txBody>
+          <a:bodyPr rtlCol="0" anchor="ctr"/>
+          <a:lstStyle/>
+          <a:p>
+            <a:pPr algn="ctr"/>
+            <a:r>
+              <a:rPr kumimoji="1" lang="en-US" altLang="ja-JP" sz="800" dirty="0"/>
+              <a:t>Vendor</a:t>
+            </a:r>
+            <a:endParaRPr kumimoji="1" lang="ja-JP" altLang="en-US" sz="800" dirty="0"/>
+          </a:p>
+        </p:txBody>
+      </p:sp>
+      <p:sp>
+        <p:nvSpPr>
+          <p:cNvPr id="30" name="正方形/長方形 29">
+            <a:extLst>
+              <a:ext uri="{FF2B5EF4-FFF2-40B4-BE49-F238E27FC236}">
+                <a16:creationId xmlns:a16="http://schemas.microsoft.com/office/drawing/2014/main" id="{731D1CC2-2DD9-DD83-5AFE-6F5922CAD473}"/>
+              </a:ext>
+            </a:extLst>
+          </p:cNvPr>
+          <p:cNvSpPr/>
+          <p:nvPr/>
+        </p:nvSpPr>
+        <p:spPr>
+          <a:xfrm>
+            <a:off x="5238293" y="4285153"/>
+            <a:ext cx="1082889" cy="203879"/>
+          </a:xfrm>
+          <a:prstGeom prst="rect">
+            <a:avLst/>
+          </a:prstGeom>
+        </p:spPr>
+        <p:style>
+          <a:lnRef idx="2">
+            <a:schemeClr val="accent2">
+              <a:shade val="50000"/>
+            </a:schemeClr>
+          </a:lnRef>
+          <a:fillRef idx="1">
+            <a:schemeClr val="accent2"/>
+          </a:fillRef>
+          <a:effectRef idx="0">
+            <a:schemeClr val="accent2"/>
+          </a:effectRef>
+          <a:fontRef idx="minor">
+            <a:schemeClr val="lt1"/>
+          </a:fontRef>
+        </p:style>
+        <p:txBody>
+          <a:bodyPr rtlCol="0" anchor="ctr"/>
+          <a:lstStyle/>
+          <a:p>
+            <a:pPr algn="ctr"/>
+            <a:r>
+              <a:rPr kumimoji="1" lang="en-US" altLang="ja-JP" sz="800" dirty="0"/>
+              <a:t>IVendorRepository</a:t>
+            </a:r>
+            <a:endParaRPr kumimoji="1" lang="ja-JP" altLang="en-US" sz="800" dirty="0"/>
+          </a:p>
+        </p:txBody>
+      </p:sp>
+      <p:sp>
+        <p:nvSpPr>
+          <p:cNvPr id="31" name="正方形/長方形 30">
+            <a:extLst>
+              <a:ext uri="{FF2B5EF4-FFF2-40B4-BE49-F238E27FC236}">
+                <a16:creationId xmlns:a16="http://schemas.microsoft.com/office/drawing/2014/main" id="{A5EBE216-8792-3469-315F-DDFD8F1C2193}"/>
+              </a:ext>
+            </a:extLst>
+          </p:cNvPr>
+          <p:cNvSpPr/>
+          <p:nvPr/>
+        </p:nvSpPr>
+        <p:spPr>
+          <a:xfrm>
+            <a:off x="3759340" y="5450699"/>
+            <a:ext cx="1051374" cy="192131"/>
+          </a:xfrm>
+          <a:prstGeom prst="rect">
+            <a:avLst/>
+          </a:prstGeom>
+        </p:spPr>
+        <p:style>
+          <a:lnRef idx="2">
+            <a:schemeClr val="accent2">
+              <a:shade val="50000"/>
+            </a:schemeClr>
+          </a:lnRef>
+          <a:fillRef idx="1">
+            <a:schemeClr val="accent2"/>
+          </a:fillRef>
+          <a:effectRef idx="0">
+            <a:schemeClr val="accent2"/>
+          </a:effectRef>
+          <a:fontRef idx="minor">
+            <a:schemeClr val="lt1"/>
+          </a:fontRef>
+        </p:style>
+        <p:txBody>
+          <a:bodyPr rtlCol="0" anchor="ctr"/>
+          <a:lstStyle/>
+          <a:p>
+            <a:pPr algn="ctr"/>
+            <a:r>
+              <a:rPr kumimoji="1" lang="en-US" altLang="ja-JP" sz="800" dirty="0"/>
+              <a:t>VendorRepository</a:t>
+            </a:r>
+            <a:endParaRPr kumimoji="1" lang="ja-JP" altLang="en-US" sz="800" dirty="0"/>
+          </a:p>
+        </p:txBody>
+      </p:sp>
+      <p:cxnSp>
+        <p:nvCxnSpPr>
+          <p:cNvPr id="32" name="直線矢印コネクタ 31">
+            <a:extLst>
+              <a:ext uri="{FF2B5EF4-FFF2-40B4-BE49-F238E27FC236}">
+                <a16:creationId xmlns:a16="http://schemas.microsoft.com/office/drawing/2014/main" id="{DCD3C585-B900-CC94-C843-D931DC59920A}"/>
+              </a:ext>
+            </a:extLst>
+          </p:cNvPr>
+          <p:cNvCxnSpPr>
+            <a:cxnSpLocks/>
+            <a:stCxn id="30" idx="1"/>
+            <a:endCxn id="10" idx="2"/>
+          </p:cNvCxnSpPr>
+          <p:nvPr/>
+        </p:nvCxnSpPr>
+        <p:spPr>
+          <a:xfrm flipH="1" flipV="1">
+            <a:off x="4681428" y="4045216"/>
+            <a:ext cx="556865" cy="341877"/>
+          </a:xfrm>
+          <a:prstGeom prst="straightConnector1">
+            <a:avLst/>
+          </a:prstGeom>
+          <a:ln w="12700">
+            <a:solidFill>
+              <a:srgbClr val="FF0000"/>
+            </a:solidFill>
+            <a:prstDash val="dash"/>
+            <a:tailEnd type="triangle" w="lg" len="lg"/>
+          </a:ln>
+        </p:spPr>
+        <p:style>
+          <a:lnRef idx="1">
+            <a:schemeClr val="dk1"/>
+          </a:lnRef>
+          <a:fillRef idx="0">
+            <a:schemeClr val="dk1"/>
+          </a:fillRef>
+          <a:effectRef idx="0">
+            <a:schemeClr val="dk1"/>
+          </a:effectRef>
+          <a:fontRef idx="minor">
+            <a:schemeClr val="tx1"/>
+          </a:fontRef>
+        </p:style>
+      </p:cxnSp>
+      <p:cxnSp>
+        <p:nvCxnSpPr>
+          <p:cNvPr id="2" name="直線矢印コネクタ 1">
+            <a:extLst>
+              <a:ext uri="{FF2B5EF4-FFF2-40B4-BE49-F238E27FC236}">
+                <a16:creationId xmlns:a16="http://schemas.microsoft.com/office/drawing/2014/main" id="{1D9B2AD3-5955-0255-6EAD-C6325B89B686}"/>
+              </a:ext>
+            </a:extLst>
+          </p:cNvPr>
+          <p:cNvCxnSpPr>
+            <a:cxnSpLocks/>
+          </p:cNvCxnSpPr>
+          <p:nvPr/>
+        </p:nvCxnSpPr>
+        <p:spPr>
+          <a:xfrm flipH="1">
+            <a:off x="9225581" y="324027"/>
+            <a:ext cx="543434" cy="0"/>
+          </a:xfrm>
+          <a:prstGeom prst="straightConnector1">
+            <a:avLst/>
+          </a:prstGeom>
+          <a:ln w="12700">
+            <a:solidFill>
+              <a:srgbClr val="FF0000"/>
+            </a:solidFill>
+            <a:prstDash val="dash"/>
+            <a:tailEnd type="triangle" w="lg" len="lg"/>
+          </a:ln>
+        </p:spPr>
+        <p:style>
+          <a:lnRef idx="1">
+            <a:schemeClr val="dk1"/>
+          </a:lnRef>
+          <a:fillRef idx="0">
+            <a:schemeClr val="dk1"/>
+          </a:fillRef>
+          <a:effectRef idx="0">
+            <a:schemeClr val="dk1"/>
+          </a:effectRef>
+          <a:fontRef idx="minor">
+            <a:schemeClr val="tx1"/>
+          </a:fontRef>
+        </p:style>
+      </p:cxnSp>
+      <p:cxnSp>
+        <p:nvCxnSpPr>
+          <p:cNvPr id="6" name="直線矢印コネクタ 5">
+            <a:extLst>
+              <a:ext uri="{FF2B5EF4-FFF2-40B4-BE49-F238E27FC236}">
+                <a16:creationId xmlns:a16="http://schemas.microsoft.com/office/drawing/2014/main" id="{200752DB-385E-816E-74F6-C86975CAB38A}"/>
+              </a:ext>
+            </a:extLst>
+          </p:cNvPr>
+          <p:cNvCxnSpPr>
+            <a:cxnSpLocks/>
+          </p:cNvCxnSpPr>
+          <p:nvPr/>
+        </p:nvCxnSpPr>
+        <p:spPr>
+          <a:xfrm flipH="1">
+            <a:off x="9225581" y="645752"/>
+            <a:ext cx="543434" cy="0"/>
+          </a:xfrm>
+          <a:prstGeom prst="straightConnector1">
+            <a:avLst/>
+          </a:prstGeom>
+          <a:ln w="12700">
+            <a:solidFill>
+              <a:srgbClr val="FF0000"/>
+            </a:solidFill>
+            <a:prstDash val="solid"/>
+            <a:tailEnd type="triangle" w="lg" len="lg"/>
+          </a:ln>
+        </p:spPr>
+        <p:style>
+          <a:lnRef idx="1">
+            <a:schemeClr val="dk1"/>
+          </a:lnRef>
+          <a:fillRef idx="0">
+            <a:schemeClr val="dk1"/>
+          </a:fillRef>
+          <a:effectRef idx="0">
+            <a:schemeClr val="dk1"/>
+          </a:effectRef>
+          <a:fontRef idx="minor">
+            <a:schemeClr val="tx1"/>
+          </a:fontRef>
+        </p:style>
+      </p:cxnSp>
+      <p:sp>
+        <p:nvSpPr>
+          <p:cNvPr id="17" name="テキスト ボックス 16">
+            <a:extLst>
+              <a:ext uri="{FF2B5EF4-FFF2-40B4-BE49-F238E27FC236}">
+                <a16:creationId xmlns:a16="http://schemas.microsoft.com/office/drawing/2014/main" id="{02739AAC-0537-9316-337E-66D25B7948B5}"/>
+              </a:ext>
+            </a:extLst>
+          </p:cNvPr>
+          <p:cNvSpPr txBox="1"/>
+          <p:nvPr/>
+        </p:nvSpPr>
+        <p:spPr>
+          <a:xfrm>
+            <a:off x="9775445" y="193014"/>
+            <a:ext cx="466794" cy="261610"/>
+          </a:xfrm>
+          <a:prstGeom prst="rect">
+            <a:avLst/>
+          </a:prstGeom>
+          <a:noFill/>
+        </p:spPr>
+        <p:txBody>
+          <a:bodyPr wrap="none" rtlCol="0">
+            <a:spAutoFit/>
+          </a:bodyPr>
+          <a:lstStyle/>
+          <a:p>
+            <a:r>
+              <a:rPr kumimoji="1" lang="ja-JP" altLang="en-US" sz="1100" dirty="0"/>
+              <a:t>依存</a:t>
+            </a:r>
+          </a:p>
+        </p:txBody>
+      </p:sp>
+      <p:sp>
+        <p:nvSpPr>
+          <p:cNvPr id="18" name="テキスト ボックス 17">
+            <a:extLst>
+              <a:ext uri="{FF2B5EF4-FFF2-40B4-BE49-F238E27FC236}">
+                <a16:creationId xmlns:a16="http://schemas.microsoft.com/office/drawing/2014/main" id="{679DD35F-C7FD-3B3D-2ED1-3DDDA4D98BEE}"/>
+              </a:ext>
+            </a:extLst>
+          </p:cNvPr>
+          <p:cNvSpPr txBox="1"/>
+          <p:nvPr/>
+        </p:nvSpPr>
+        <p:spPr>
+          <a:xfrm>
+            <a:off x="9773544" y="509215"/>
+            <a:ext cx="889987" cy="261610"/>
+          </a:xfrm>
+          <a:prstGeom prst="rect">
+            <a:avLst/>
+          </a:prstGeom>
+          <a:noFill/>
+        </p:spPr>
+        <p:txBody>
+          <a:bodyPr wrap="none" rtlCol="0">
+            <a:spAutoFit/>
+          </a:bodyPr>
+          <a:lstStyle/>
+          <a:p>
+            <a:r>
+              <a:rPr kumimoji="1" lang="ja-JP" altLang="en-US" sz="1100" dirty="0"/>
+              <a:t>実現・継承</a:t>
+            </a:r>
+          </a:p>
+        </p:txBody>
+      </p:sp>
+      <p:grpSp>
+        <p:nvGrpSpPr>
+          <p:cNvPr id="19" name="グループ化 18">
+            <a:extLst>
+              <a:ext uri="{FF2B5EF4-FFF2-40B4-BE49-F238E27FC236}">
+                <a16:creationId xmlns:a16="http://schemas.microsoft.com/office/drawing/2014/main" id="{143D6D13-7976-0FB1-5B4A-24D43E2EE711}"/>
+              </a:ext>
+            </a:extLst>
+          </p:cNvPr>
+          <p:cNvGrpSpPr/>
+          <p:nvPr/>
+        </p:nvGrpSpPr>
+        <p:grpSpPr>
+          <a:xfrm>
+            <a:off x="9240410" y="6141948"/>
+            <a:ext cx="2494064" cy="388882"/>
+            <a:chOff x="8200596" y="5696761"/>
+            <a:chExt cx="2494064" cy="388882"/>
+          </a:xfrm>
+        </p:grpSpPr>
+        <p:sp>
+          <p:nvSpPr>
+            <p:cNvPr id="20" name="正方形/長方形 19">
+              <a:extLst>
+                <a:ext uri="{FF2B5EF4-FFF2-40B4-BE49-F238E27FC236}">
+                  <a16:creationId xmlns:a16="http://schemas.microsoft.com/office/drawing/2014/main" id="{7C1CF807-4DAF-6649-3246-B8D61EC89C99}"/>
+                </a:ext>
+              </a:extLst>
+            </p:cNvPr>
+            <p:cNvSpPr/>
+            <p:nvPr/>
+          </p:nvSpPr>
+          <p:spPr>
+            <a:xfrm>
+              <a:off x="8200596" y="5696761"/>
+              <a:ext cx="683953" cy="388882"/>
+            </a:xfrm>
+            <a:prstGeom prst="rect">
+              <a:avLst/>
+            </a:prstGeom>
+            <a:solidFill>
+              <a:schemeClr val="accent1">
+                <a:lumMod val="20000"/>
+                <a:lumOff val="80000"/>
+              </a:schemeClr>
+            </a:solidFill>
+            <a:ln>
+              <a:solidFill>
+                <a:schemeClr val="tx1"/>
+              </a:solidFill>
+            </a:ln>
+          </p:spPr>
+          <p:style>
+            <a:lnRef idx="2">
+              <a:schemeClr val="accent1"/>
+            </a:lnRef>
+            <a:fillRef idx="1">
+              <a:schemeClr val="lt1"/>
+            </a:fillRef>
+            <a:effectRef idx="0">
+              <a:schemeClr val="accent1"/>
+            </a:effectRef>
+            <a:fontRef idx="minor">
+              <a:schemeClr val="dk1"/>
+            </a:fontRef>
+          </p:style>
+          <p:txBody>
+            <a:bodyPr tIns="0" bIns="0" rtlCol="0" anchor="t"/>
+            <a:lstStyle/>
+            <a:p>
+              <a:pPr algn="ctr"/>
+              <a:endParaRPr kumimoji="1" lang="ja-JP" altLang="en-US" sz="1100" dirty="0"/>
+            </a:p>
+          </p:txBody>
+        </p:sp>
+        <p:sp>
+          <p:nvSpPr>
+            <p:cNvPr id="21" name="テキスト ボックス 20">
+              <a:extLst>
+                <a:ext uri="{FF2B5EF4-FFF2-40B4-BE49-F238E27FC236}">
+                  <a16:creationId xmlns:a16="http://schemas.microsoft.com/office/drawing/2014/main" id="{54AAF935-99E0-3F3E-CE77-DA03FA08B43F}"/>
+                </a:ext>
+              </a:extLst>
+            </p:cNvPr>
+            <p:cNvSpPr txBox="1"/>
+            <p:nvPr/>
+          </p:nvSpPr>
+          <p:spPr>
+            <a:xfrm>
+              <a:off x="8884549" y="5751294"/>
+              <a:ext cx="1810111" cy="276999"/>
+            </a:xfrm>
+            <a:prstGeom prst="rect">
+              <a:avLst/>
+            </a:prstGeom>
+            <a:noFill/>
+          </p:spPr>
+          <p:txBody>
+            <a:bodyPr wrap="none" rtlCol="0">
+              <a:spAutoFit/>
+            </a:bodyPr>
+            <a:lstStyle/>
+            <a:p>
+              <a:r>
+                <a:rPr kumimoji="1" lang="en-US" altLang="ja-JP" sz="1200" dirty="0"/>
+                <a:t>Frameworks</a:t>
+              </a:r>
+              <a:r>
+                <a:rPr kumimoji="1" lang="ja-JP" altLang="en-US" sz="1200" dirty="0"/>
+                <a:t> ＆ </a:t>
+              </a:r>
+              <a:r>
+                <a:rPr kumimoji="1" lang="en-US" altLang="ja-JP" sz="1200" dirty="0"/>
+                <a:t>Drivers</a:t>
+              </a:r>
+              <a:endParaRPr kumimoji="1" lang="ja-JP" altLang="en-US" sz="1200" dirty="0"/>
+            </a:p>
+          </p:txBody>
+        </p:sp>
+      </p:grpSp>
+      <p:grpSp>
+        <p:nvGrpSpPr>
+          <p:cNvPr id="22" name="グループ化 21">
+            <a:extLst>
+              <a:ext uri="{FF2B5EF4-FFF2-40B4-BE49-F238E27FC236}">
+                <a16:creationId xmlns:a16="http://schemas.microsoft.com/office/drawing/2014/main" id="{067AA25D-64B6-63BD-35ED-8D1D6CE8EAF4}"/>
+              </a:ext>
+            </a:extLst>
+          </p:cNvPr>
+          <p:cNvGrpSpPr/>
+          <p:nvPr/>
+        </p:nvGrpSpPr>
+        <p:grpSpPr>
+          <a:xfrm>
+            <a:off x="9247209" y="5563513"/>
+            <a:ext cx="2529330" cy="388882"/>
+            <a:chOff x="8200596" y="5696761"/>
+            <a:chExt cx="2529330" cy="388882"/>
+          </a:xfrm>
+        </p:grpSpPr>
+        <p:sp>
+          <p:nvSpPr>
+            <p:cNvPr id="23" name="正方形/長方形 22">
+              <a:extLst>
+                <a:ext uri="{FF2B5EF4-FFF2-40B4-BE49-F238E27FC236}">
+                  <a16:creationId xmlns:a16="http://schemas.microsoft.com/office/drawing/2014/main" id="{D7DBFDDF-7431-1A7E-0465-E34102A2FE87}"/>
+                </a:ext>
+              </a:extLst>
+            </p:cNvPr>
+            <p:cNvSpPr/>
+            <p:nvPr/>
+          </p:nvSpPr>
+          <p:spPr>
+            <a:xfrm>
+              <a:off x="8200596" y="5696761"/>
+              <a:ext cx="683953" cy="388882"/>
+            </a:xfrm>
+            <a:prstGeom prst="rect">
+              <a:avLst/>
+            </a:prstGeom>
+            <a:solidFill>
+              <a:schemeClr val="accent6">
+                <a:lumMod val="20000"/>
+                <a:lumOff val="80000"/>
+              </a:schemeClr>
+            </a:solidFill>
+            <a:ln>
+              <a:solidFill>
+                <a:schemeClr val="tx1"/>
+              </a:solidFill>
+            </a:ln>
+          </p:spPr>
+          <p:style>
+            <a:lnRef idx="2">
+              <a:schemeClr val="accent1"/>
+            </a:lnRef>
+            <a:fillRef idx="1">
+              <a:schemeClr val="lt1"/>
+            </a:fillRef>
+            <a:effectRef idx="0">
+              <a:schemeClr val="accent1"/>
+            </a:effectRef>
+            <a:fontRef idx="minor">
+              <a:schemeClr val="dk1"/>
+            </a:fontRef>
+          </p:style>
+          <p:txBody>
+            <a:bodyPr tIns="0" bIns="0" rtlCol="0" anchor="t"/>
+            <a:lstStyle/>
+            <a:p>
+              <a:pPr algn="ctr"/>
+              <a:endParaRPr kumimoji="1" lang="ja-JP" altLang="en-US" sz="1100" dirty="0"/>
+            </a:p>
+          </p:txBody>
+        </p:sp>
+        <p:sp>
+          <p:nvSpPr>
+            <p:cNvPr id="24" name="テキスト ボックス 23">
+              <a:extLst>
+                <a:ext uri="{FF2B5EF4-FFF2-40B4-BE49-F238E27FC236}">
+                  <a16:creationId xmlns:a16="http://schemas.microsoft.com/office/drawing/2014/main" id="{D2D227C2-0B8A-14CA-F946-3079B389AB10}"/>
+                </a:ext>
+              </a:extLst>
+            </p:cNvPr>
+            <p:cNvSpPr txBox="1"/>
+            <p:nvPr/>
+          </p:nvSpPr>
+          <p:spPr>
+            <a:xfrm>
+              <a:off x="8884549" y="5752702"/>
+              <a:ext cx="1845377" cy="276999"/>
+            </a:xfrm>
+            <a:prstGeom prst="rect">
+              <a:avLst/>
+            </a:prstGeom>
+            <a:noFill/>
+          </p:spPr>
+          <p:txBody>
+            <a:bodyPr wrap="none" rtlCol="0">
+              <a:spAutoFit/>
+            </a:bodyPr>
+            <a:lstStyle/>
+            <a:p>
+              <a:r>
+                <a:rPr kumimoji="1" lang="en-US" altLang="ja-JP" sz="1200" dirty="0"/>
+                <a:t>Infrastructure Adapters</a:t>
+              </a:r>
+              <a:endParaRPr kumimoji="1" lang="ja-JP" altLang="en-US" sz="1200" dirty="0"/>
+            </a:p>
+          </p:txBody>
+        </p:sp>
+      </p:grpSp>
+      <p:grpSp>
+        <p:nvGrpSpPr>
+          <p:cNvPr id="25" name="グループ化 24">
+            <a:extLst>
+              <a:ext uri="{FF2B5EF4-FFF2-40B4-BE49-F238E27FC236}">
+                <a16:creationId xmlns:a16="http://schemas.microsoft.com/office/drawing/2014/main" id="{9225EAFB-7951-5B55-40CC-F2AEF91B383E}"/>
+              </a:ext>
+            </a:extLst>
+          </p:cNvPr>
+          <p:cNvGrpSpPr/>
+          <p:nvPr/>
+        </p:nvGrpSpPr>
+        <p:grpSpPr>
+          <a:xfrm>
+            <a:off x="9240410" y="4985078"/>
+            <a:ext cx="2802227" cy="388882"/>
+            <a:chOff x="8200596" y="5696761"/>
+            <a:chExt cx="2802227" cy="388882"/>
+          </a:xfrm>
+        </p:grpSpPr>
+        <p:sp>
+          <p:nvSpPr>
+            <p:cNvPr id="26" name="正方形/長方形 25">
+              <a:extLst>
+                <a:ext uri="{FF2B5EF4-FFF2-40B4-BE49-F238E27FC236}">
+                  <a16:creationId xmlns:a16="http://schemas.microsoft.com/office/drawing/2014/main" id="{ACF72B8C-0B43-01C5-D62E-C5AB4E75796D}"/>
+                </a:ext>
+              </a:extLst>
+            </p:cNvPr>
+            <p:cNvSpPr/>
+            <p:nvPr/>
+          </p:nvSpPr>
+          <p:spPr>
+            <a:xfrm>
+              <a:off x="8200596" y="5696761"/>
+              <a:ext cx="683953" cy="388882"/>
+            </a:xfrm>
+            <a:prstGeom prst="rect">
+              <a:avLst/>
+            </a:prstGeom>
+            <a:solidFill>
+              <a:schemeClr val="accent2">
+                <a:lumMod val="20000"/>
+                <a:lumOff val="80000"/>
+              </a:schemeClr>
+            </a:solidFill>
+            <a:ln>
+              <a:solidFill>
+                <a:schemeClr val="tx1"/>
+              </a:solidFill>
+            </a:ln>
+          </p:spPr>
+          <p:style>
+            <a:lnRef idx="2">
+              <a:schemeClr val="accent1"/>
+            </a:lnRef>
+            <a:fillRef idx="1">
+              <a:schemeClr val="lt1"/>
+            </a:fillRef>
+            <a:effectRef idx="0">
+              <a:schemeClr val="accent1"/>
+            </a:effectRef>
+            <a:fontRef idx="minor">
+              <a:schemeClr val="dk1"/>
+            </a:fontRef>
+          </p:style>
+          <p:txBody>
+            <a:bodyPr tIns="0" bIns="0" rtlCol="0" anchor="t"/>
+            <a:lstStyle/>
+            <a:p>
+              <a:pPr algn="ctr"/>
+              <a:endParaRPr kumimoji="1" lang="ja-JP" altLang="en-US" sz="1100" dirty="0"/>
+            </a:p>
+          </p:txBody>
+        </p:sp>
+        <p:sp>
+          <p:nvSpPr>
+            <p:cNvPr id="27" name="テキスト ボックス 26">
+              <a:extLst>
+                <a:ext uri="{FF2B5EF4-FFF2-40B4-BE49-F238E27FC236}">
+                  <a16:creationId xmlns:a16="http://schemas.microsoft.com/office/drawing/2014/main" id="{C82123E2-72AF-C86F-8005-3E552BB63494}"/>
+                </a:ext>
+              </a:extLst>
+            </p:cNvPr>
+            <p:cNvSpPr txBox="1"/>
+            <p:nvPr/>
+          </p:nvSpPr>
+          <p:spPr>
+            <a:xfrm>
+              <a:off x="8891348" y="5747815"/>
+              <a:ext cx="2111475" cy="276999"/>
+            </a:xfrm>
+            <a:prstGeom prst="rect">
+              <a:avLst/>
+            </a:prstGeom>
+            <a:noFill/>
+          </p:spPr>
+          <p:txBody>
+            <a:bodyPr wrap="none" rtlCol="0">
+              <a:spAutoFit/>
+            </a:bodyPr>
+            <a:lstStyle/>
+            <a:p>
+              <a:r>
+                <a:rPr kumimoji="1" lang="en-US" altLang="ja-JP" sz="1200" dirty="0"/>
+                <a:t>Application Business Rules</a:t>
+              </a:r>
+              <a:endParaRPr kumimoji="1" lang="ja-JP" altLang="en-US" sz="1200" dirty="0"/>
+            </a:p>
+          </p:txBody>
+        </p:sp>
+      </p:grpSp>
+      <p:grpSp>
+        <p:nvGrpSpPr>
+          <p:cNvPr id="28" name="グループ化 27">
+            <a:extLst>
+              <a:ext uri="{FF2B5EF4-FFF2-40B4-BE49-F238E27FC236}">
+                <a16:creationId xmlns:a16="http://schemas.microsoft.com/office/drawing/2014/main" id="{94CBB834-F906-A1E0-3856-0F8FA6E60E15}"/>
+              </a:ext>
+            </a:extLst>
+          </p:cNvPr>
+          <p:cNvGrpSpPr/>
+          <p:nvPr/>
+        </p:nvGrpSpPr>
+        <p:grpSpPr>
+          <a:xfrm>
+            <a:off x="9240410" y="4387093"/>
+            <a:ext cx="2731308" cy="388882"/>
+            <a:chOff x="8200596" y="5696761"/>
+            <a:chExt cx="2731308" cy="388882"/>
+          </a:xfrm>
+        </p:grpSpPr>
+        <p:sp>
+          <p:nvSpPr>
+            <p:cNvPr id="29" name="正方形/長方形 28">
+              <a:extLst>
+                <a:ext uri="{FF2B5EF4-FFF2-40B4-BE49-F238E27FC236}">
+                  <a16:creationId xmlns:a16="http://schemas.microsoft.com/office/drawing/2014/main" id="{518D5DD0-4F6A-D850-9907-59B468801B16}"/>
+                </a:ext>
+              </a:extLst>
+            </p:cNvPr>
+            <p:cNvSpPr/>
+            <p:nvPr/>
+          </p:nvSpPr>
+          <p:spPr>
+            <a:xfrm>
+              <a:off x="8200596" y="5696761"/>
+              <a:ext cx="683953" cy="388882"/>
+            </a:xfrm>
+            <a:prstGeom prst="rect">
+              <a:avLst/>
+            </a:prstGeom>
+            <a:solidFill>
+              <a:schemeClr val="accent2">
+                <a:lumMod val="20000"/>
+                <a:lumOff val="80000"/>
+              </a:schemeClr>
+            </a:solidFill>
+            <a:ln>
+              <a:solidFill>
+                <a:schemeClr val="tx1"/>
+              </a:solidFill>
+            </a:ln>
+          </p:spPr>
+          <p:style>
+            <a:lnRef idx="2">
+              <a:schemeClr val="accent1"/>
+            </a:lnRef>
+            <a:fillRef idx="1">
+              <a:schemeClr val="lt1"/>
+            </a:fillRef>
+            <a:effectRef idx="0">
+              <a:schemeClr val="accent1"/>
+            </a:effectRef>
+            <a:fontRef idx="minor">
+              <a:schemeClr val="dk1"/>
+            </a:fontRef>
+          </p:style>
+          <p:txBody>
+            <a:bodyPr tIns="0" bIns="0" rtlCol="0" anchor="t"/>
+            <a:lstStyle/>
+            <a:p>
+              <a:pPr algn="ctr"/>
+              <a:endParaRPr kumimoji="1" lang="ja-JP" altLang="en-US" sz="1100" dirty="0"/>
+            </a:p>
+          </p:txBody>
+        </p:sp>
+        <p:sp>
+          <p:nvSpPr>
+            <p:cNvPr id="34" name="テキスト ボックス 33">
+              <a:extLst>
+                <a:ext uri="{FF2B5EF4-FFF2-40B4-BE49-F238E27FC236}">
+                  <a16:creationId xmlns:a16="http://schemas.microsoft.com/office/drawing/2014/main" id="{968EB53F-0F98-6A1D-DFD1-D4620DC8CA10}"/>
+                </a:ext>
+              </a:extLst>
+            </p:cNvPr>
+            <p:cNvSpPr txBox="1"/>
+            <p:nvPr/>
+          </p:nvSpPr>
+          <p:spPr>
+            <a:xfrm>
+              <a:off x="8884549" y="5751073"/>
+              <a:ext cx="2047355" cy="276999"/>
+            </a:xfrm>
+            <a:prstGeom prst="rect">
+              <a:avLst/>
+            </a:prstGeom>
+            <a:noFill/>
+          </p:spPr>
+          <p:txBody>
+            <a:bodyPr wrap="none" rtlCol="0">
+              <a:spAutoFit/>
+            </a:bodyPr>
+            <a:lstStyle/>
+            <a:p>
+              <a:r>
+                <a:rPr kumimoji="1" lang="en-US" altLang="ja-JP" sz="1200" dirty="0"/>
+                <a:t>Enterprise Business Rules</a:t>
+              </a:r>
+              <a:endParaRPr kumimoji="1" lang="ja-JP" altLang="en-US" sz="1200" dirty="0"/>
+            </a:p>
+          </p:txBody>
+        </p:sp>
+      </p:grpSp>
+      <p:sp>
+        <p:nvSpPr>
+          <p:cNvPr id="35" name="正方形/長方形 34">
+            <a:extLst>
+              <a:ext uri="{FF2B5EF4-FFF2-40B4-BE49-F238E27FC236}">
+                <a16:creationId xmlns:a16="http://schemas.microsoft.com/office/drawing/2014/main" id="{960ED00A-55A3-561B-0024-69CBFE31B2B7}"/>
+              </a:ext>
+            </a:extLst>
+          </p:cNvPr>
+          <p:cNvSpPr/>
+          <p:nvPr/>
+        </p:nvSpPr>
+        <p:spPr>
+          <a:xfrm>
+            <a:off x="9569470" y="4387093"/>
+            <a:ext cx="355827" cy="388882"/>
+          </a:xfrm>
+          <a:prstGeom prst="rect">
+            <a:avLst/>
+          </a:prstGeom>
+          <a:solidFill>
+            <a:schemeClr val="accent4">
+              <a:lumMod val="40000"/>
+              <a:lumOff val="60000"/>
+            </a:schemeClr>
+          </a:solidFill>
+          <a:ln>
+            <a:solidFill>
+              <a:schemeClr val="tx1"/>
+            </a:solidFill>
+          </a:ln>
+        </p:spPr>
+        <p:style>
+          <a:lnRef idx="2">
+            <a:schemeClr val="accent1"/>
+          </a:lnRef>
+          <a:fillRef idx="1">
+            <a:schemeClr val="lt1"/>
+          </a:fillRef>
+          <a:effectRef idx="0">
+            <a:schemeClr val="accent1"/>
+          </a:effectRef>
+          <a:fontRef idx="minor">
+            <a:schemeClr val="dk1"/>
+          </a:fontRef>
+        </p:style>
+        <p:txBody>
+          <a:bodyPr tIns="0" bIns="0" rtlCol="0" anchor="t"/>
+          <a:lstStyle/>
+          <a:p>
+            <a:pPr algn="ctr"/>
+            <a:endParaRPr kumimoji="1" lang="ja-JP" altLang="en-US" sz="1100" dirty="0"/>
+          </a:p>
+        </p:txBody>
+      </p:sp>
+      <p:cxnSp>
+        <p:nvCxnSpPr>
+          <p:cNvPr id="85" name="直線矢印コネクタ 84">
+            <a:extLst>
+              <a:ext uri="{FF2B5EF4-FFF2-40B4-BE49-F238E27FC236}">
+                <a16:creationId xmlns:a16="http://schemas.microsoft.com/office/drawing/2014/main" id="{A11D15D1-FEF6-55C1-AF7F-686EFC1E1429}"/>
+              </a:ext>
+            </a:extLst>
+          </p:cNvPr>
+          <p:cNvCxnSpPr>
+            <a:cxnSpLocks/>
+          </p:cNvCxnSpPr>
+          <p:nvPr/>
+        </p:nvCxnSpPr>
+        <p:spPr>
+          <a:xfrm flipH="1">
+            <a:off x="9225581" y="964712"/>
+            <a:ext cx="533852" cy="0"/>
+          </a:xfrm>
+          <a:prstGeom prst="straightConnector1">
+            <a:avLst/>
+          </a:prstGeom>
+          <a:ln w="12700">
+            <a:solidFill>
+              <a:srgbClr val="FF0000"/>
+            </a:solidFill>
+            <a:prstDash val="solid"/>
+            <a:tailEnd type="arrow" w="lg" len="lg"/>
+          </a:ln>
+        </p:spPr>
+        <p:style>
+          <a:lnRef idx="1">
+            <a:schemeClr val="dk1"/>
+          </a:lnRef>
+          <a:fillRef idx="0">
+            <a:schemeClr val="dk1"/>
+          </a:fillRef>
+          <a:effectRef idx="0">
+            <a:schemeClr val="dk1"/>
+          </a:effectRef>
+          <a:fontRef idx="minor">
+            <a:schemeClr val="tx1"/>
+          </a:fontRef>
+        </p:style>
+      </p:cxnSp>
+      <p:sp>
+        <p:nvSpPr>
+          <p:cNvPr id="88" name="テキスト ボックス 87">
+            <a:extLst>
+              <a:ext uri="{FF2B5EF4-FFF2-40B4-BE49-F238E27FC236}">
+                <a16:creationId xmlns:a16="http://schemas.microsoft.com/office/drawing/2014/main" id="{2B1A7DE9-ADE4-EFE8-833E-D3A5C9AB5E12}"/>
+              </a:ext>
+            </a:extLst>
+          </p:cNvPr>
+          <p:cNvSpPr txBox="1"/>
+          <p:nvPr/>
+        </p:nvSpPr>
+        <p:spPr>
+          <a:xfrm>
+            <a:off x="9775445" y="827940"/>
+            <a:ext cx="466794" cy="261610"/>
+          </a:xfrm>
+          <a:prstGeom prst="rect">
+            <a:avLst/>
+          </a:prstGeom>
+          <a:noFill/>
+        </p:spPr>
+        <p:txBody>
+          <a:bodyPr wrap="none" rtlCol="0">
+            <a:spAutoFit/>
+          </a:bodyPr>
+          <a:lstStyle/>
+          <a:p>
+            <a:r>
+              <a:rPr kumimoji="1" lang="ja-JP" altLang="en-US" sz="1100" dirty="0"/>
+              <a:t>関連</a:t>
+            </a:r>
+          </a:p>
+        </p:txBody>
+      </p:sp>
+      <p:sp>
+        <p:nvSpPr>
+          <p:cNvPr id="4" name="正方形/長方形 3">
+            <a:extLst>
+              <a:ext uri="{FF2B5EF4-FFF2-40B4-BE49-F238E27FC236}">
+                <a16:creationId xmlns:a16="http://schemas.microsoft.com/office/drawing/2014/main" id="{4A331F0C-DED6-9FEE-30FF-BFA9225DBCDC}"/>
+              </a:ext>
+            </a:extLst>
+          </p:cNvPr>
+          <p:cNvSpPr/>
+          <p:nvPr/>
+        </p:nvSpPr>
+        <p:spPr>
+          <a:xfrm>
+            <a:off x="6849345" y="4800521"/>
+            <a:ext cx="1307945" cy="192131"/>
+          </a:xfrm>
+          <a:prstGeom prst="rect">
+            <a:avLst/>
+          </a:prstGeom>
+        </p:spPr>
+        <p:style>
+          <a:lnRef idx="2">
+            <a:schemeClr val="accent2">
+              <a:shade val="50000"/>
+            </a:schemeClr>
+          </a:lnRef>
+          <a:fillRef idx="1">
+            <a:schemeClr val="accent2"/>
+          </a:fillRef>
+          <a:effectRef idx="0">
+            <a:schemeClr val="accent2"/>
+          </a:effectRef>
+          <a:fontRef idx="minor">
+            <a:schemeClr val="lt1"/>
+          </a:fontRef>
+        </p:style>
+        <p:txBody>
+          <a:bodyPr rtlCol="0" anchor="ctr"/>
+          <a:lstStyle/>
+          <a:p>
+            <a:pPr algn="ctr"/>
+            <a:r>
+              <a:rPr kumimoji="1" lang="en-US" altLang="ja-JP" sz="800" dirty="0"/>
+              <a:t>VendorRepositoryClient</a:t>
+            </a:r>
+            <a:endParaRPr kumimoji="1" lang="ja-JP" altLang="en-US" sz="800" dirty="0"/>
+          </a:p>
+        </p:txBody>
+      </p:sp>
+      <p:cxnSp>
+        <p:nvCxnSpPr>
+          <p:cNvPr id="15" name="直線矢印コネクタ 14">
+            <a:extLst>
+              <a:ext uri="{FF2B5EF4-FFF2-40B4-BE49-F238E27FC236}">
+                <a16:creationId xmlns:a16="http://schemas.microsoft.com/office/drawing/2014/main" id="{1E34BBF9-93DD-9871-FFF8-C6FFE1AF24C9}"/>
+              </a:ext>
+            </a:extLst>
+          </p:cNvPr>
+          <p:cNvCxnSpPr>
+            <a:cxnSpLocks/>
+            <a:stCxn id="4" idx="0"/>
+            <a:endCxn id="30" idx="3"/>
+          </p:cNvCxnSpPr>
+          <p:nvPr/>
+        </p:nvCxnSpPr>
+        <p:spPr>
+          <a:xfrm flipH="1" flipV="1">
+            <a:off x="6321182" y="4387093"/>
+            <a:ext cx="1182136" cy="413428"/>
+          </a:xfrm>
+          <a:prstGeom prst="straightConnector1">
+            <a:avLst/>
+          </a:prstGeom>
+          <a:ln w="12700">
+            <a:solidFill>
+              <a:srgbClr val="FF0000"/>
+            </a:solidFill>
+            <a:prstDash val="solid"/>
+            <a:tailEnd type="triangle" w="lg" len="lg"/>
+          </a:ln>
+        </p:spPr>
+        <p:style>
+          <a:lnRef idx="1">
+            <a:schemeClr val="dk1"/>
+          </a:lnRef>
+          <a:fillRef idx="0">
+            <a:schemeClr val="dk1"/>
+          </a:fillRef>
+          <a:effectRef idx="0">
+            <a:schemeClr val="dk1"/>
+          </a:effectRef>
+          <a:fontRef idx="minor">
+            <a:schemeClr val="tx1"/>
+          </a:fontRef>
+        </p:style>
+      </p:cxnSp>
+      <p:sp>
+        <p:nvSpPr>
+          <p:cNvPr id="41" name="正方形/長方形 40">
+            <a:extLst>
+              <a:ext uri="{FF2B5EF4-FFF2-40B4-BE49-F238E27FC236}">
+                <a16:creationId xmlns:a16="http://schemas.microsoft.com/office/drawing/2014/main" id="{D907DB74-4CF6-D07C-44AD-CAF599C0D461}"/>
+              </a:ext>
+            </a:extLst>
+          </p:cNvPr>
+          <p:cNvSpPr/>
+          <p:nvPr/>
+        </p:nvSpPr>
+        <p:spPr>
+          <a:xfrm>
+            <a:off x="5947629" y="668582"/>
+            <a:ext cx="522515" cy="203879"/>
+          </a:xfrm>
+          <a:prstGeom prst="rect">
+            <a:avLst/>
+          </a:prstGeom>
+        </p:spPr>
+        <p:style>
+          <a:lnRef idx="2">
+            <a:schemeClr val="accent2">
+              <a:shade val="50000"/>
+            </a:schemeClr>
+          </a:lnRef>
+          <a:fillRef idx="1">
+            <a:schemeClr val="accent2"/>
+          </a:fillRef>
+          <a:effectRef idx="0">
+            <a:schemeClr val="accent2"/>
+          </a:effectRef>
+          <a:fontRef idx="minor">
+            <a:schemeClr val="lt1"/>
+          </a:fontRef>
+        </p:style>
+        <p:txBody>
+          <a:bodyPr rtlCol="0" anchor="ctr"/>
+          <a:lstStyle/>
+          <a:p>
+            <a:pPr algn="ctr"/>
+            <a:r>
+              <a:rPr kumimoji="1" lang="en-US" altLang="ja-JP" sz="800" dirty="0"/>
+              <a:t>View</a:t>
+            </a:r>
+            <a:endParaRPr kumimoji="1" lang="ja-JP" altLang="en-US" sz="800" dirty="0"/>
+          </a:p>
+        </p:txBody>
+      </p:sp>
+      <p:sp>
+        <p:nvSpPr>
+          <p:cNvPr id="42" name="正方形/長方形 41">
+            <a:extLst>
+              <a:ext uri="{FF2B5EF4-FFF2-40B4-BE49-F238E27FC236}">
+                <a16:creationId xmlns:a16="http://schemas.microsoft.com/office/drawing/2014/main" id="{848D761A-C49F-F165-BBB0-05A62C3267A3}"/>
+              </a:ext>
+            </a:extLst>
+          </p:cNvPr>
+          <p:cNvSpPr/>
+          <p:nvPr/>
+        </p:nvSpPr>
+        <p:spPr>
+          <a:xfrm>
+            <a:off x="5855049" y="1248370"/>
+            <a:ext cx="730167" cy="203879"/>
+          </a:xfrm>
+          <a:prstGeom prst="rect">
+            <a:avLst/>
+          </a:prstGeom>
+        </p:spPr>
+        <p:style>
+          <a:lnRef idx="2">
+            <a:schemeClr val="accent2">
+              <a:shade val="50000"/>
+            </a:schemeClr>
+          </a:lnRef>
+          <a:fillRef idx="1">
+            <a:schemeClr val="accent2"/>
+          </a:fillRef>
+          <a:effectRef idx="0">
+            <a:schemeClr val="accent2"/>
+          </a:effectRef>
+          <a:fontRef idx="minor">
+            <a:schemeClr val="lt1"/>
+          </a:fontRef>
+        </p:style>
+        <p:txBody>
+          <a:bodyPr rtlCol="0" anchor="ctr"/>
+          <a:lstStyle/>
+          <a:p>
+            <a:pPr algn="ctr"/>
+            <a:r>
+              <a:rPr kumimoji="1" lang="en-US" altLang="ja-JP" sz="800" dirty="0"/>
+              <a:t>ViewModel</a:t>
+            </a:r>
+            <a:endParaRPr kumimoji="1" lang="ja-JP" altLang="en-US" sz="800" dirty="0"/>
+          </a:p>
+        </p:txBody>
+      </p:sp>
+      <p:cxnSp>
+        <p:nvCxnSpPr>
+          <p:cNvPr id="46" name="直線矢印コネクタ 45">
+            <a:extLst>
+              <a:ext uri="{FF2B5EF4-FFF2-40B4-BE49-F238E27FC236}">
+                <a16:creationId xmlns:a16="http://schemas.microsoft.com/office/drawing/2014/main" id="{5A2EC888-3B39-BAE5-ED8B-232F35AEDB16}"/>
+              </a:ext>
+            </a:extLst>
+          </p:cNvPr>
+          <p:cNvCxnSpPr>
+            <a:cxnSpLocks/>
+            <a:stCxn id="41" idx="2"/>
+            <a:endCxn id="42" idx="0"/>
+          </p:cNvCxnSpPr>
+          <p:nvPr/>
+        </p:nvCxnSpPr>
+        <p:spPr>
+          <a:xfrm>
+            <a:off x="6208887" y="872461"/>
+            <a:ext cx="11246" cy="375909"/>
+          </a:xfrm>
+          <a:prstGeom prst="straightConnector1">
+            <a:avLst/>
+          </a:prstGeom>
+          <a:ln w="12700">
+            <a:solidFill>
+              <a:srgbClr val="FF0000"/>
+            </a:solidFill>
+            <a:prstDash val="dash"/>
+            <a:tailEnd type="triangle" w="lg" len="lg"/>
+          </a:ln>
+        </p:spPr>
+        <p:style>
+          <a:lnRef idx="1">
+            <a:schemeClr val="dk1"/>
+          </a:lnRef>
+          <a:fillRef idx="0">
+            <a:schemeClr val="dk1"/>
+          </a:fillRef>
+          <a:effectRef idx="0">
+            <a:schemeClr val="dk1"/>
+          </a:effectRef>
+          <a:fontRef idx="minor">
+            <a:schemeClr val="tx1"/>
+          </a:fontRef>
+        </p:style>
+      </p:cxnSp>
+      <p:sp>
+        <p:nvSpPr>
+          <p:cNvPr id="62" name="正方形/長方形 61">
+            <a:extLst>
+              <a:ext uri="{FF2B5EF4-FFF2-40B4-BE49-F238E27FC236}">
+                <a16:creationId xmlns:a16="http://schemas.microsoft.com/office/drawing/2014/main" id="{A98648DD-CA39-A44E-987B-867781F0F296}"/>
+              </a:ext>
+            </a:extLst>
+          </p:cNvPr>
+          <p:cNvSpPr/>
+          <p:nvPr/>
+        </p:nvSpPr>
+        <p:spPr>
+          <a:xfrm>
+            <a:off x="5279232" y="3545375"/>
+            <a:ext cx="593294" cy="203879"/>
+          </a:xfrm>
+          <a:prstGeom prst="rect">
+            <a:avLst/>
+          </a:prstGeom>
+        </p:spPr>
+        <p:style>
+          <a:lnRef idx="2">
+            <a:schemeClr val="accent2">
+              <a:shade val="50000"/>
+            </a:schemeClr>
+          </a:lnRef>
+          <a:fillRef idx="1">
+            <a:schemeClr val="accent2"/>
+          </a:fillRef>
+          <a:effectRef idx="0">
+            <a:schemeClr val="accent2"/>
+          </a:effectRef>
+          <a:fontRef idx="minor">
+            <a:schemeClr val="lt1"/>
+          </a:fontRef>
+        </p:style>
+        <p:txBody>
+          <a:bodyPr rtlCol="0" anchor="ctr"/>
+          <a:lstStyle/>
+          <a:p>
+            <a:pPr algn="ctr"/>
+            <a:r>
+              <a:rPr kumimoji="1" lang="en-US" altLang="ja-JP" sz="800" dirty="0"/>
+              <a:t>TaxRate</a:t>
+            </a:r>
+            <a:endParaRPr kumimoji="1" lang="ja-JP" altLang="en-US" sz="800" dirty="0"/>
+          </a:p>
+        </p:txBody>
+      </p:sp>
+      <p:cxnSp>
+        <p:nvCxnSpPr>
+          <p:cNvPr id="63" name="直線矢印コネクタ 62">
+            <a:extLst>
+              <a:ext uri="{FF2B5EF4-FFF2-40B4-BE49-F238E27FC236}">
+                <a16:creationId xmlns:a16="http://schemas.microsoft.com/office/drawing/2014/main" id="{28DDE0D9-A709-A24B-FFDC-A52EEE59F4B9}"/>
+              </a:ext>
+            </a:extLst>
+          </p:cNvPr>
+          <p:cNvCxnSpPr>
+            <a:cxnSpLocks/>
+            <a:stCxn id="10" idx="3"/>
+            <a:endCxn id="62" idx="1"/>
+          </p:cNvCxnSpPr>
+          <p:nvPr/>
+        </p:nvCxnSpPr>
+        <p:spPr>
+          <a:xfrm flipV="1">
+            <a:off x="4942685" y="3647315"/>
+            <a:ext cx="336547" cy="295962"/>
+          </a:xfrm>
+          <a:prstGeom prst="straightConnector1">
+            <a:avLst/>
+          </a:prstGeom>
+          <a:ln w="12700">
+            <a:solidFill>
+              <a:srgbClr val="FF0000"/>
+            </a:solidFill>
+            <a:prstDash val="solid"/>
+            <a:tailEnd type="arrow" w="lg" len="lg"/>
+          </a:ln>
+        </p:spPr>
+        <p:style>
+          <a:lnRef idx="1">
+            <a:schemeClr val="dk1"/>
+          </a:lnRef>
+          <a:fillRef idx="0">
+            <a:schemeClr val="dk1"/>
+          </a:fillRef>
+          <a:effectRef idx="0">
+            <a:schemeClr val="dk1"/>
+          </a:effectRef>
+          <a:fontRef idx="minor">
+            <a:schemeClr val="tx1"/>
+          </a:fontRef>
+        </p:style>
+      </p:cxnSp>
+      <p:sp>
+        <p:nvSpPr>
+          <p:cNvPr id="99" name="テキスト ボックス 98">
+            <a:extLst>
+              <a:ext uri="{FF2B5EF4-FFF2-40B4-BE49-F238E27FC236}">
+                <a16:creationId xmlns:a16="http://schemas.microsoft.com/office/drawing/2014/main" id="{AA5D5232-5BEE-A25B-45B1-13CD85F12513}"/>
+              </a:ext>
+            </a:extLst>
+          </p:cNvPr>
+          <p:cNvSpPr txBox="1"/>
+          <p:nvPr/>
+        </p:nvSpPr>
+        <p:spPr>
+          <a:xfrm>
+            <a:off x="4885323" y="3050799"/>
+            <a:ext cx="1257074" cy="446276"/>
+          </a:xfrm>
+          <a:prstGeom prst="rect">
+            <a:avLst/>
+          </a:prstGeom>
+          <a:noFill/>
+        </p:spPr>
+        <p:txBody>
+          <a:bodyPr wrap="none" rtlCol="0">
+            <a:spAutoFit/>
+          </a:bodyPr>
+          <a:lstStyle/>
+          <a:p>
+            <a:pPr algn="ctr"/>
+            <a:r>
+              <a:rPr kumimoji="1" lang="en-US" altLang="ja-JP" sz="1100" dirty="0"/>
+              <a:t>AdventureWorks</a:t>
+            </a:r>
+            <a:endParaRPr kumimoji="1" lang="en-US" altLang="ja-JP" sz="1200" dirty="0"/>
+          </a:p>
+          <a:p>
+            <a:pPr algn="ctr"/>
+            <a:r>
+              <a:rPr kumimoji="1" lang="ja-JP" altLang="en-US" sz="1200" dirty="0"/>
+              <a:t>ドメイン</a:t>
+            </a:r>
+          </a:p>
+        </p:txBody>
+      </p:sp>
+      <p:sp>
+        <p:nvSpPr>
+          <p:cNvPr id="143" name="正方形/長方形 142">
+            <a:extLst>
+              <a:ext uri="{FF2B5EF4-FFF2-40B4-BE49-F238E27FC236}">
+                <a16:creationId xmlns:a16="http://schemas.microsoft.com/office/drawing/2014/main" id="{911F935A-0D88-78F3-98CB-FF65845765DE}"/>
+              </a:ext>
+            </a:extLst>
+          </p:cNvPr>
+          <p:cNvSpPr/>
+          <p:nvPr/>
+        </p:nvSpPr>
+        <p:spPr>
+          <a:xfrm>
+            <a:off x="6381991" y="5395909"/>
+            <a:ext cx="1401768" cy="192131"/>
+          </a:xfrm>
+          <a:prstGeom prst="rect">
+            <a:avLst/>
+          </a:prstGeom>
+        </p:spPr>
+        <p:style>
+          <a:lnRef idx="2">
+            <a:schemeClr val="accent2">
+              <a:shade val="50000"/>
+            </a:schemeClr>
+          </a:lnRef>
+          <a:fillRef idx="1">
+            <a:schemeClr val="accent2"/>
+          </a:fillRef>
+          <a:effectRef idx="0">
+            <a:schemeClr val="accent2"/>
+          </a:effectRef>
+          <a:fontRef idx="minor">
+            <a:schemeClr val="lt1"/>
+          </a:fontRef>
+        </p:style>
+        <p:txBody>
+          <a:bodyPr rtlCol="0" anchor="ctr"/>
+          <a:lstStyle/>
+          <a:p>
+            <a:pPr algn="ctr"/>
+            <a:r>
+              <a:rPr kumimoji="1" lang="en-US" altLang="ja-JP" sz="800" dirty="0"/>
+              <a:t>IVendorRepositoryService</a:t>
+            </a:r>
+            <a:endParaRPr kumimoji="1" lang="ja-JP" altLang="en-US" sz="800" dirty="0"/>
+          </a:p>
+        </p:txBody>
+      </p:sp>
+      <p:sp>
+        <p:nvSpPr>
+          <p:cNvPr id="144" name="正方形/長方形 143">
+            <a:extLst>
+              <a:ext uri="{FF2B5EF4-FFF2-40B4-BE49-F238E27FC236}">
+                <a16:creationId xmlns:a16="http://schemas.microsoft.com/office/drawing/2014/main" id="{F8FE543C-2B75-CE7A-8296-FEF7139D3CDA}"/>
+              </a:ext>
+            </a:extLst>
+          </p:cNvPr>
+          <p:cNvSpPr/>
+          <p:nvPr/>
+        </p:nvSpPr>
+        <p:spPr>
+          <a:xfrm>
+            <a:off x="5726600" y="5944525"/>
+            <a:ext cx="1364588" cy="192131"/>
+          </a:xfrm>
+          <a:prstGeom prst="rect">
+            <a:avLst/>
+          </a:prstGeom>
+        </p:spPr>
+        <p:style>
+          <a:lnRef idx="2">
+            <a:schemeClr val="accent2">
+              <a:shade val="50000"/>
+            </a:schemeClr>
+          </a:lnRef>
+          <a:fillRef idx="1">
+            <a:schemeClr val="accent2"/>
+          </a:fillRef>
+          <a:effectRef idx="0">
+            <a:schemeClr val="accent2"/>
+          </a:effectRef>
+          <a:fontRef idx="minor">
+            <a:schemeClr val="lt1"/>
+          </a:fontRef>
+        </p:style>
+        <p:txBody>
+          <a:bodyPr rtlCol="0" anchor="ctr"/>
+          <a:lstStyle/>
+          <a:p>
+            <a:pPr algn="ctr"/>
+            <a:r>
+              <a:rPr kumimoji="1" lang="en-US" altLang="ja-JP" sz="800" dirty="0"/>
+              <a:t>VendorRepositoryService</a:t>
+            </a:r>
+            <a:endParaRPr kumimoji="1" lang="ja-JP" altLang="en-US" sz="800" dirty="0"/>
+          </a:p>
+        </p:txBody>
+      </p:sp>
+      <p:cxnSp>
+        <p:nvCxnSpPr>
+          <p:cNvPr id="145" name="直線矢印コネクタ 144">
+            <a:extLst>
+              <a:ext uri="{FF2B5EF4-FFF2-40B4-BE49-F238E27FC236}">
+                <a16:creationId xmlns:a16="http://schemas.microsoft.com/office/drawing/2014/main" id="{F2AEEA68-0FB8-4DC0-DCBD-797E787F939D}"/>
+              </a:ext>
+            </a:extLst>
+          </p:cNvPr>
+          <p:cNvCxnSpPr>
+            <a:cxnSpLocks/>
+            <a:stCxn id="4" idx="2"/>
+            <a:endCxn id="143" idx="0"/>
+          </p:cNvCxnSpPr>
+          <p:nvPr/>
+        </p:nvCxnSpPr>
+        <p:spPr>
+          <a:xfrm flipH="1">
+            <a:off x="7082875" y="4992652"/>
+            <a:ext cx="420443" cy="403257"/>
+          </a:xfrm>
+          <a:prstGeom prst="straightConnector1">
+            <a:avLst/>
+          </a:prstGeom>
+          <a:ln w="12700">
+            <a:solidFill>
+              <a:srgbClr val="FF0000"/>
+            </a:solidFill>
+            <a:prstDash val="solid"/>
+            <a:tailEnd type="arrow" w="lg" len="lg"/>
+          </a:ln>
+        </p:spPr>
+        <p:style>
+          <a:lnRef idx="1">
+            <a:schemeClr val="dk1"/>
+          </a:lnRef>
+          <a:fillRef idx="0">
+            <a:schemeClr val="dk1"/>
+          </a:fillRef>
+          <a:effectRef idx="0">
+            <a:schemeClr val="dk1"/>
+          </a:effectRef>
+          <a:fontRef idx="minor">
+            <a:schemeClr val="tx1"/>
+          </a:fontRef>
+        </p:style>
+      </p:cxnSp>
+      <p:cxnSp>
+        <p:nvCxnSpPr>
+          <p:cNvPr id="151" name="直線矢印コネクタ 150">
+            <a:extLst>
+              <a:ext uri="{FF2B5EF4-FFF2-40B4-BE49-F238E27FC236}">
+                <a16:creationId xmlns:a16="http://schemas.microsoft.com/office/drawing/2014/main" id="{948FA136-FC6B-C86E-8662-6A5722464BC8}"/>
+              </a:ext>
+            </a:extLst>
+          </p:cNvPr>
+          <p:cNvCxnSpPr>
+            <a:cxnSpLocks/>
+            <a:stCxn id="144" idx="0"/>
+            <a:endCxn id="143" idx="2"/>
+          </p:cNvCxnSpPr>
+          <p:nvPr/>
+        </p:nvCxnSpPr>
+        <p:spPr>
+          <a:xfrm flipV="1">
+            <a:off x="6408894" y="5588040"/>
+            <a:ext cx="673981" cy="356485"/>
+          </a:xfrm>
+          <a:prstGeom prst="straightConnector1">
+            <a:avLst/>
+          </a:prstGeom>
+          <a:ln w="12700">
+            <a:solidFill>
+              <a:srgbClr val="FF0000"/>
+            </a:solidFill>
+            <a:prstDash val="solid"/>
+            <a:tailEnd type="triangle" w="lg" len="lg"/>
+          </a:ln>
+        </p:spPr>
+        <p:style>
+          <a:lnRef idx="1">
+            <a:schemeClr val="dk1"/>
+          </a:lnRef>
+          <a:fillRef idx="0">
+            <a:schemeClr val="dk1"/>
+          </a:fillRef>
+          <a:effectRef idx="0">
+            <a:schemeClr val="dk1"/>
+          </a:effectRef>
+          <a:fontRef idx="minor">
+            <a:schemeClr val="tx1"/>
+          </a:fontRef>
+        </p:style>
+      </p:cxnSp>
+      <p:cxnSp>
+        <p:nvCxnSpPr>
+          <p:cNvPr id="169" name="直線矢印コネクタ 168">
+            <a:extLst>
+              <a:ext uri="{FF2B5EF4-FFF2-40B4-BE49-F238E27FC236}">
+                <a16:creationId xmlns:a16="http://schemas.microsoft.com/office/drawing/2014/main" id="{F28BBDEA-4F70-4914-689F-9FF5F72D2C2A}"/>
+              </a:ext>
+            </a:extLst>
+          </p:cNvPr>
+          <p:cNvCxnSpPr>
+            <a:cxnSpLocks/>
+            <a:stCxn id="144" idx="0"/>
+            <a:endCxn id="30" idx="2"/>
+          </p:cNvCxnSpPr>
+          <p:nvPr/>
+        </p:nvCxnSpPr>
+        <p:spPr>
+          <a:xfrm flipH="1" flipV="1">
+            <a:off x="5779738" y="4489032"/>
+            <a:ext cx="629156" cy="1455493"/>
+          </a:xfrm>
+          <a:prstGeom prst="straightConnector1">
+            <a:avLst/>
+          </a:prstGeom>
+          <a:ln w="12700">
+            <a:solidFill>
+              <a:srgbClr val="FF0000"/>
+            </a:solidFill>
+            <a:prstDash val="solid"/>
+            <a:tailEnd type="arrow" w="lg" len="lg"/>
+          </a:ln>
+        </p:spPr>
+        <p:style>
+          <a:lnRef idx="1">
+            <a:schemeClr val="dk1"/>
+          </a:lnRef>
+          <a:fillRef idx="0">
+            <a:schemeClr val="dk1"/>
+          </a:fillRef>
+          <a:effectRef idx="0">
+            <a:schemeClr val="dk1"/>
+          </a:effectRef>
+          <a:fontRef idx="minor">
+            <a:schemeClr val="tx1"/>
+          </a:fontRef>
+        </p:style>
+      </p:cxnSp>
+      <p:sp>
+        <p:nvSpPr>
+          <p:cNvPr id="36" name="テキスト ボックス 35">
+            <a:extLst>
+              <a:ext uri="{FF2B5EF4-FFF2-40B4-BE49-F238E27FC236}">
+                <a16:creationId xmlns:a16="http://schemas.microsoft.com/office/drawing/2014/main" id="{83A4021A-FD8E-92DC-2DFB-7D70B038D8AF}"/>
+              </a:ext>
+            </a:extLst>
+          </p:cNvPr>
+          <p:cNvSpPr txBox="1"/>
+          <p:nvPr/>
+        </p:nvSpPr>
+        <p:spPr>
+          <a:xfrm>
+            <a:off x="6238525" y="314714"/>
+            <a:ext cx="1726755" cy="230832"/>
+          </a:xfrm>
+          <a:prstGeom prst="rect">
+            <a:avLst/>
+          </a:prstGeom>
+          <a:noFill/>
+        </p:spPr>
+        <p:txBody>
+          <a:bodyPr wrap="none" rtlCol="0">
+            <a:spAutoFit/>
+          </a:bodyPr>
+          <a:lstStyle/>
+          <a:p>
+            <a:r>
+              <a:rPr kumimoji="1" lang="en-US" altLang="ja-JP" sz="900" dirty="0">
+                <a:highlight>
+                  <a:srgbClr val="FFFF00"/>
+                </a:highlight>
+              </a:rPr>
+              <a:t>1. </a:t>
+            </a:r>
+            <a:r>
+              <a:rPr kumimoji="1" lang="ja-JP" altLang="en-US" sz="900" dirty="0">
+                <a:highlight>
+                  <a:srgbClr val="FFFF00"/>
+                </a:highlight>
+              </a:rPr>
+              <a:t>ユーザーが</a:t>
+            </a:r>
+            <a:r>
+              <a:rPr kumimoji="1" lang="en-US" altLang="ja-JP" sz="900" dirty="0">
+                <a:highlight>
+                  <a:srgbClr val="FFFF00"/>
+                </a:highlight>
+              </a:rPr>
+              <a:t>View</a:t>
+            </a:r>
+            <a:r>
+              <a:rPr kumimoji="1" lang="ja-JP" altLang="en-US" sz="900" dirty="0">
+                <a:highlight>
+                  <a:srgbClr val="FFFF00"/>
+                </a:highlight>
+              </a:rPr>
+              <a:t>を操作する</a:t>
+            </a:r>
+          </a:p>
+        </p:txBody>
+      </p:sp>
+      <p:sp>
+        <p:nvSpPr>
+          <p:cNvPr id="37" name="テキスト ボックス 36">
+            <a:extLst>
+              <a:ext uri="{FF2B5EF4-FFF2-40B4-BE49-F238E27FC236}">
+                <a16:creationId xmlns:a16="http://schemas.microsoft.com/office/drawing/2014/main" id="{A4F3768F-E66A-DC39-9600-DD8923CD41EC}"/>
+              </a:ext>
+            </a:extLst>
+          </p:cNvPr>
+          <p:cNvSpPr txBox="1"/>
+          <p:nvPr/>
+        </p:nvSpPr>
+        <p:spPr>
+          <a:xfrm>
+            <a:off x="6201790" y="946592"/>
+            <a:ext cx="1625766" cy="230832"/>
+          </a:xfrm>
+          <a:prstGeom prst="rect">
+            <a:avLst/>
+          </a:prstGeom>
+          <a:noFill/>
+        </p:spPr>
+        <p:txBody>
+          <a:bodyPr wrap="none" rtlCol="0">
+            <a:spAutoFit/>
+          </a:bodyPr>
+          <a:lstStyle/>
+          <a:p>
+            <a:r>
+              <a:rPr kumimoji="1" lang="en-US" altLang="ja-JP" sz="900" dirty="0">
+                <a:highlight>
+                  <a:srgbClr val="FFFF00"/>
+                </a:highlight>
+              </a:rPr>
+              <a:t>2. View</a:t>
+            </a:r>
+            <a:r>
+              <a:rPr kumimoji="1" lang="ja-JP" altLang="en-US" sz="900" dirty="0">
+                <a:highlight>
+                  <a:srgbClr val="FFFF00"/>
+                </a:highlight>
+              </a:rPr>
+              <a:t>は</a:t>
+            </a:r>
+            <a:r>
+              <a:rPr kumimoji="1" lang="en-US" altLang="ja-JP" sz="900" dirty="0">
+                <a:highlight>
+                  <a:srgbClr val="FFFF00"/>
+                </a:highlight>
+              </a:rPr>
+              <a:t>ViewModel</a:t>
+            </a:r>
+            <a:r>
+              <a:rPr kumimoji="1" lang="ja-JP" altLang="en-US" sz="900" dirty="0">
+                <a:highlight>
+                  <a:srgbClr val="FFFF00"/>
+                </a:highlight>
+              </a:rPr>
+              <a:t>を呼ぶ</a:t>
+            </a:r>
+          </a:p>
+        </p:txBody>
+      </p:sp>
+      <p:sp>
+        <p:nvSpPr>
+          <p:cNvPr id="38" name="テキスト ボックス 37">
+            <a:extLst>
+              <a:ext uri="{FF2B5EF4-FFF2-40B4-BE49-F238E27FC236}">
+                <a16:creationId xmlns:a16="http://schemas.microsoft.com/office/drawing/2014/main" id="{B3B7F709-6543-773A-E04B-13FD3336641F}"/>
+              </a:ext>
+            </a:extLst>
+          </p:cNvPr>
+          <p:cNvSpPr txBox="1"/>
+          <p:nvPr/>
+        </p:nvSpPr>
+        <p:spPr>
+          <a:xfrm>
+            <a:off x="5649356" y="3794005"/>
+            <a:ext cx="3905236" cy="230832"/>
+          </a:xfrm>
+          <a:prstGeom prst="rect">
+            <a:avLst/>
+          </a:prstGeom>
+          <a:noFill/>
+        </p:spPr>
+        <p:txBody>
+          <a:bodyPr wrap="none" rtlCol="0">
+            <a:spAutoFit/>
+          </a:bodyPr>
+          <a:lstStyle/>
+          <a:p>
+            <a:r>
+              <a:rPr kumimoji="1" lang="en-US" altLang="ja-JP" sz="900" dirty="0">
+                <a:highlight>
+                  <a:srgbClr val="FFFF00"/>
+                </a:highlight>
+              </a:rPr>
+              <a:t>3. ViewModel</a:t>
+            </a:r>
+            <a:r>
+              <a:rPr kumimoji="1" lang="ja-JP" altLang="en-US" sz="900" dirty="0">
+                <a:highlight>
+                  <a:srgbClr val="FFFF00"/>
+                </a:highlight>
+              </a:rPr>
+              <a:t>はリポジトリーを呼び出してエンティティの取得を試みる</a:t>
+            </a:r>
+          </a:p>
+        </p:txBody>
+      </p:sp>
+      <p:cxnSp>
+        <p:nvCxnSpPr>
+          <p:cNvPr id="94" name="直線矢印コネクタ 93">
+            <a:extLst>
+              <a:ext uri="{FF2B5EF4-FFF2-40B4-BE49-F238E27FC236}">
+                <a16:creationId xmlns:a16="http://schemas.microsoft.com/office/drawing/2014/main" id="{ACA23253-FB08-3D92-03CD-6B83A4575206}"/>
+              </a:ext>
+            </a:extLst>
+          </p:cNvPr>
+          <p:cNvCxnSpPr>
+            <a:cxnSpLocks/>
+            <a:stCxn id="42" idx="2"/>
+            <a:endCxn id="30" idx="0"/>
+          </p:cNvCxnSpPr>
+          <p:nvPr/>
+        </p:nvCxnSpPr>
+        <p:spPr>
+          <a:xfrm flipH="1">
+            <a:off x="5779738" y="1452249"/>
+            <a:ext cx="440395" cy="2832904"/>
+          </a:xfrm>
+          <a:prstGeom prst="straightConnector1">
+            <a:avLst/>
+          </a:prstGeom>
+          <a:ln w="12700">
+            <a:solidFill>
+              <a:srgbClr val="FF0000"/>
+            </a:solidFill>
+            <a:prstDash val="solid"/>
+            <a:tailEnd type="arrow" w="lg" len="lg"/>
+          </a:ln>
+        </p:spPr>
+        <p:style>
+          <a:lnRef idx="1">
+            <a:schemeClr val="dk1"/>
+          </a:lnRef>
+          <a:fillRef idx="0">
+            <a:schemeClr val="dk1"/>
+          </a:fillRef>
+          <a:effectRef idx="0">
+            <a:schemeClr val="dk1"/>
+          </a:effectRef>
+          <a:fontRef idx="minor">
+            <a:schemeClr val="tx1"/>
+          </a:fontRef>
+        </p:style>
+      </p:cxnSp>
+      <p:sp>
+        <p:nvSpPr>
+          <p:cNvPr id="39" name="テキスト ボックス 38">
+            <a:extLst>
+              <a:ext uri="{FF2B5EF4-FFF2-40B4-BE49-F238E27FC236}">
+                <a16:creationId xmlns:a16="http://schemas.microsoft.com/office/drawing/2014/main" id="{422188DF-2013-25C5-A063-B37976BD4F81}"/>
+              </a:ext>
+            </a:extLst>
+          </p:cNvPr>
+          <p:cNvSpPr txBox="1"/>
+          <p:nvPr/>
+        </p:nvSpPr>
+        <p:spPr>
+          <a:xfrm>
+            <a:off x="6858506" y="5051342"/>
+            <a:ext cx="3493264" cy="230832"/>
+          </a:xfrm>
+          <a:prstGeom prst="rect">
+            <a:avLst/>
+          </a:prstGeom>
+          <a:noFill/>
+        </p:spPr>
+        <p:txBody>
+          <a:bodyPr wrap="none" rtlCol="0">
+            <a:spAutoFit/>
+          </a:bodyPr>
+          <a:lstStyle/>
+          <a:p>
+            <a:r>
+              <a:rPr kumimoji="1" lang="en-US" altLang="ja-JP" sz="900" dirty="0">
+                <a:highlight>
+                  <a:srgbClr val="FFFF00"/>
+                </a:highlight>
+              </a:rPr>
+              <a:t>4. </a:t>
+            </a:r>
+            <a:r>
+              <a:rPr kumimoji="1" lang="ja-JP" altLang="en-US" sz="900" dirty="0">
+                <a:highlight>
+                  <a:srgbClr val="FFFF00"/>
+                </a:highlight>
+              </a:rPr>
+              <a:t>クライアントから</a:t>
+            </a:r>
+            <a:r>
+              <a:rPr kumimoji="1" lang="en-US" altLang="ja-JP" sz="900" dirty="0">
+                <a:highlight>
+                  <a:srgbClr val="FFFF00"/>
+                </a:highlight>
+              </a:rPr>
+              <a:t>gRPC</a:t>
+            </a:r>
+            <a:r>
+              <a:rPr kumimoji="1" lang="ja-JP" altLang="en-US" sz="900" dirty="0">
+                <a:highlight>
+                  <a:srgbClr val="FFFF00"/>
+                </a:highlight>
+              </a:rPr>
+              <a:t>を利用してサーバーサイドを呼び出す</a:t>
+            </a:r>
+          </a:p>
+        </p:txBody>
+      </p:sp>
+      <p:sp>
+        <p:nvSpPr>
+          <p:cNvPr id="44" name="テキスト ボックス 43">
+            <a:extLst>
+              <a:ext uri="{FF2B5EF4-FFF2-40B4-BE49-F238E27FC236}">
+                <a16:creationId xmlns:a16="http://schemas.microsoft.com/office/drawing/2014/main" id="{F3E2BDB3-B078-785A-0624-E7BA95B9FD85}"/>
+              </a:ext>
+            </a:extLst>
+          </p:cNvPr>
+          <p:cNvSpPr txBox="1"/>
+          <p:nvPr/>
+        </p:nvSpPr>
+        <p:spPr>
+          <a:xfrm>
+            <a:off x="3497027" y="4663275"/>
+            <a:ext cx="2390398" cy="369332"/>
+          </a:xfrm>
+          <a:prstGeom prst="rect">
+            <a:avLst/>
+          </a:prstGeom>
+          <a:noFill/>
+        </p:spPr>
+        <p:txBody>
+          <a:bodyPr wrap="none" rtlCol="0">
+            <a:spAutoFit/>
+          </a:bodyPr>
+          <a:lstStyle/>
+          <a:p>
+            <a:r>
+              <a:rPr kumimoji="1" lang="en-US" altLang="ja-JP" sz="900" dirty="0">
+                <a:highlight>
+                  <a:srgbClr val="FFFF00"/>
+                </a:highlight>
+              </a:rPr>
+              <a:t>5. </a:t>
+            </a:r>
+            <a:r>
+              <a:rPr kumimoji="1" lang="ja-JP" altLang="en-US" sz="900" dirty="0">
+                <a:highlight>
+                  <a:srgbClr val="FFFF00"/>
+                </a:highlight>
+              </a:rPr>
+              <a:t>サーバーサイドはリポジトリーの実装を</a:t>
+            </a:r>
+            <a:endParaRPr kumimoji="1" lang="en-US" altLang="ja-JP" sz="900" dirty="0">
+              <a:highlight>
+                <a:srgbClr val="FFFF00"/>
+              </a:highlight>
+            </a:endParaRPr>
+          </a:p>
+          <a:p>
+            <a:r>
+              <a:rPr kumimoji="1" lang="ja-JP" altLang="en-US" sz="900" dirty="0">
+                <a:highlight>
+                  <a:srgbClr val="FFFF00"/>
+                </a:highlight>
+              </a:rPr>
+              <a:t>　 呼び出してエンティティを取得する</a:t>
+            </a:r>
+          </a:p>
+        </p:txBody>
+      </p:sp>
+      <p:cxnSp>
+        <p:nvCxnSpPr>
+          <p:cNvPr id="33" name="直線矢印コネクタ 32">
+            <a:extLst>
+              <a:ext uri="{FF2B5EF4-FFF2-40B4-BE49-F238E27FC236}">
+                <a16:creationId xmlns:a16="http://schemas.microsoft.com/office/drawing/2014/main" id="{F14900EF-3AF4-F268-B2C6-1188474FF171}"/>
+              </a:ext>
+            </a:extLst>
+          </p:cNvPr>
+          <p:cNvCxnSpPr>
+            <a:cxnSpLocks/>
+            <a:stCxn id="31" idx="0"/>
+            <a:endCxn id="30" idx="2"/>
+          </p:cNvCxnSpPr>
+          <p:nvPr/>
+        </p:nvCxnSpPr>
+        <p:spPr>
+          <a:xfrm flipV="1">
+            <a:off x="4285027" y="4489032"/>
+            <a:ext cx="1494711" cy="961667"/>
+          </a:xfrm>
+          <a:prstGeom prst="straightConnector1">
+            <a:avLst/>
+          </a:prstGeom>
+          <a:ln w="12700">
+            <a:solidFill>
+              <a:srgbClr val="FF0000"/>
+            </a:solidFill>
+            <a:prstDash val="solid"/>
+            <a:tailEnd type="triangle" w="lg" len="lg"/>
+          </a:ln>
+        </p:spPr>
+        <p:style>
+          <a:lnRef idx="1">
+            <a:schemeClr val="dk1"/>
+          </a:lnRef>
+          <a:fillRef idx="0">
+            <a:schemeClr val="dk1"/>
+          </a:fillRef>
+          <a:effectRef idx="0">
+            <a:schemeClr val="dk1"/>
+          </a:effectRef>
+          <a:fontRef idx="minor">
+            <a:schemeClr val="tx1"/>
+          </a:fontRef>
+        </p:style>
+      </p:cxnSp>
+    </p:spTree>
+    <p:extLst>
+      <p:ext uri="{BB962C8B-B14F-4D97-AF65-F5344CB8AC3E}">
+        <p14:creationId xmlns:p14="http://schemas.microsoft.com/office/powerpoint/2010/main" val="1838052722"/>
+      </p:ext>
+    </p:extLst>
+  </p:cSld>
+  <p:clrMapOvr>
+    <a:masterClrMapping/>
+  </p:clrMapOvr>
+</p:sld>
+</file>
+
+<file path=ppt/slides/slide39.xml><?xml version="1.0" encoding="utf-8"?>
+<p:sld xmlns:a="http://schemas.openxmlformats.org/drawingml/2006/main" xmlns:r="http://schemas.openxmlformats.org/officeDocument/2006/relationships" xmlns:p="http://schemas.openxmlformats.org/presentationml/2006/main">
+  <p:cSld>
+    <p:spTree>
+      <p:nvGrpSpPr>
+        <p:cNvPr id="1" name=""/>
+        <p:cNvGrpSpPr/>
+        <p:nvPr/>
+      </p:nvGrpSpPr>
+      <p:grpSpPr>
+        <a:xfrm>
+          <a:off x="0" y="0"/>
+          <a:ext cx="0" cy="0"/>
+          <a:chOff x="0" y="0"/>
+          <a:chExt cx="0" cy="0"/>
+        </a:xfrm>
+      </p:grpSpPr>
+      <p:pic>
+        <p:nvPicPr>
+          <p:cNvPr id="5" name="図 4">
+            <a:extLst>
+              <a:ext uri="{FF2B5EF4-FFF2-40B4-BE49-F238E27FC236}">
+                <a16:creationId xmlns:a16="http://schemas.microsoft.com/office/drawing/2014/main" id="{1CC355F5-CAA3-ACE3-284D-2A3741AAF8D0}"/>
+              </a:ext>
+            </a:extLst>
+          </p:cNvPr>
+          <p:cNvPicPr>
+            <a:picLocks noChangeAspect="1"/>
+          </p:cNvPicPr>
+          <p:nvPr/>
+        </p:nvPicPr>
+        <p:blipFill>
+          <a:blip r:embed="rId2"/>
+          <a:stretch>
+            <a:fillRect/>
+          </a:stretch>
+        </p:blipFill>
+        <p:spPr>
+          <a:xfrm>
+            <a:off x="707024" y="0"/>
+            <a:ext cx="10777952" cy="6858000"/>
+          </a:xfrm>
+          <a:prstGeom prst="rect">
+            <a:avLst/>
+          </a:prstGeom>
+        </p:spPr>
+      </p:pic>
+    </p:spTree>
+    <p:extLst>
+      <p:ext uri="{BB962C8B-B14F-4D97-AF65-F5344CB8AC3E}">
+        <p14:creationId xmlns:p14="http://schemas.microsoft.com/office/powerpoint/2010/main" val="3101861067"/>
       </p:ext>
     </p:extLst>
   </p:cSld>
@@ -26552,6 +31466,3070 @@
     <p:extLst>
       <p:ext uri="{BB962C8B-B14F-4D97-AF65-F5344CB8AC3E}">
         <p14:creationId xmlns:p14="http://schemas.microsoft.com/office/powerpoint/2010/main" val="1270613406"/>
+      </p:ext>
+    </p:extLst>
+  </p:cSld>
+  <p:clrMapOvr>
+    <a:masterClrMapping/>
+  </p:clrMapOvr>
+</p:sld>
+</file>
+
+<file path=ppt/slides/slide40.xml><?xml version="1.0" encoding="utf-8"?>
+<p:sld xmlns:a="http://schemas.openxmlformats.org/drawingml/2006/main" xmlns:r="http://schemas.openxmlformats.org/officeDocument/2006/relationships" xmlns:p="http://schemas.openxmlformats.org/presentationml/2006/main">
+  <p:cSld>
+    <p:spTree>
+      <p:nvGrpSpPr>
+        <p:cNvPr id="1" name=""/>
+        <p:cNvGrpSpPr/>
+        <p:nvPr/>
+      </p:nvGrpSpPr>
+      <p:grpSpPr>
+        <a:xfrm>
+          <a:off x="0" y="0"/>
+          <a:ext cx="0" cy="0"/>
+          <a:chOff x="0" y="0"/>
+          <a:chExt cx="0" cy="0"/>
+        </a:xfrm>
+      </p:grpSpPr>
+      <p:pic>
+        <p:nvPicPr>
+          <p:cNvPr id="5" name="図 4">
+            <a:extLst>
+              <a:ext uri="{FF2B5EF4-FFF2-40B4-BE49-F238E27FC236}">
+                <a16:creationId xmlns:a16="http://schemas.microsoft.com/office/drawing/2014/main" id="{1CC355F5-CAA3-ACE3-284D-2A3741AAF8D0}"/>
+              </a:ext>
+            </a:extLst>
+          </p:cNvPr>
+          <p:cNvPicPr>
+            <a:picLocks noChangeAspect="1"/>
+          </p:cNvPicPr>
+          <p:nvPr/>
+        </p:nvPicPr>
+        <p:blipFill>
+          <a:blip r:embed="rId2"/>
+          <a:stretch>
+            <a:fillRect/>
+          </a:stretch>
+        </p:blipFill>
+        <p:spPr>
+          <a:xfrm>
+            <a:off x="707024" y="0"/>
+            <a:ext cx="10777952" cy="6858000"/>
+          </a:xfrm>
+          <a:prstGeom prst="rect">
+            <a:avLst/>
+          </a:prstGeom>
+        </p:spPr>
+      </p:pic>
+      <p:sp>
+        <p:nvSpPr>
+          <p:cNvPr id="2" name="フリーフォーム: 図形 1">
+            <a:extLst>
+              <a:ext uri="{FF2B5EF4-FFF2-40B4-BE49-F238E27FC236}">
+                <a16:creationId xmlns:a16="http://schemas.microsoft.com/office/drawing/2014/main" id="{4D250D1F-64FF-8554-E4E8-DE4D30899028}"/>
+              </a:ext>
+            </a:extLst>
+          </p:cNvPr>
+          <p:cNvSpPr/>
+          <p:nvPr/>
+        </p:nvSpPr>
+        <p:spPr>
+          <a:xfrm>
+            <a:off x="5935862" y="421054"/>
+            <a:ext cx="4563925" cy="5939692"/>
+          </a:xfrm>
+          <a:custGeom>
+            <a:avLst/>
+            <a:gdLst>
+              <a:gd name="connsiteX0" fmla="*/ 329634 w 4563925"/>
+              <a:gd name="connsiteY0" fmla="*/ 0 h 5939692"/>
+              <a:gd name="connsiteX1" fmla="*/ 368711 w 4563925"/>
+              <a:gd name="connsiteY1" fmla="*/ 3634154 h 5939692"/>
+              <a:gd name="connsiteX2" fmla="*/ 4065388 w 4563925"/>
+              <a:gd name="connsiteY2" fmla="*/ 4243754 h 5939692"/>
+              <a:gd name="connsiteX3" fmla="*/ 4166988 w 4563925"/>
+              <a:gd name="connsiteY3" fmla="*/ 5838092 h 5939692"/>
+              <a:gd name="connsiteX4" fmla="*/ 720403 w 4563925"/>
+              <a:gd name="connsiteY4" fmla="*/ 4314092 h 5939692"/>
+              <a:gd name="connsiteX5" fmla="*/ 110803 w 4563925"/>
+              <a:gd name="connsiteY5" fmla="*/ 5939692 h 5939692"/>
+            </a:gdLst>
+            <a:ahLst/>
+            <a:cxnLst>
+              <a:cxn ang="0">
+                <a:pos x="connsiteX0" y="connsiteY0"/>
+              </a:cxn>
+              <a:cxn ang="0">
+                <a:pos x="connsiteX1" y="connsiteY1"/>
+              </a:cxn>
+              <a:cxn ang="0">
+                <a:pos x="connsiteX2" y="connsiteY2"/>
+              </a:cxn>
+              <a:cxn ang="0">
+                <a:pos x="connsiteX3" y="connsiteY3"/>
+              </a:cxn>
+              <a:cxn ang="0">
+                <a:pos x="connsiteX4" y="connsiteY4"/>
+              </a:cxn>
+              <a:cxn ang="0">
+                <a:pos x="connsiteX5" y="connsiteY5"/>
+              </a:cxn>
+            </a:cxnLst>
+            <a:rect l="l" t="t" r="r" b="b"/>
+            <a:pathLst>
+              <a:path w="4563925" h="5939692">
+                <a:moveTo>
+                  <a:pt x="329634" y="0"/>
+                </a:moveTo>
+                <a:cubicBezTo>
+                  <a:pt x="37859" y="1463431"/>
+                  <a:pt x="-253915" y="2926862"/>
+                  <a:pt x="368711" y="3634154"/>
+                </a:cubicBezTo>
+                <a:cubicBezTo>
+                  <a:pt x="991337" y="4341446"/>
+                  <a:pt x="3432342" y="3876431"/>
+                  <a:pt x="4065388" y="4243754"/>
+                </a:cubicBezTo>
+                <a:cubicBezTo>
+                  <a:pt x="4698434" y="4611077"/>
+                  <a:pt x="4724485" y="5826369"/>
+                  <a:pt x="4166988" y="5838092"/>
+                </a:cubicBezTo>
+                <a:cubicBezTo>
+                  <a:pt x="3609491" y="5849815"/>
+                  <a:pt x="1396434" y="4297159"/>
+                  <a:pt x="720403" y="4314092"/>
+                </a:cubicBezTo>
+                <a:cubicBezTo>
+                  <a:pt x="44372" y="4331025"/>
+                  <a:pt x="77587" y="5135358"/>
+                  <a:pt x="110803" y="5939692"/>
+                </a:cubicBezTo>
+              </a:path>
+            </a:pathLst>
+          </a:custGeom>
+          <a:noFill/>
+          <a:ln w="57150">
+            <a:prstDash val="sysDash"/>
+            <a:headEnd type="none" w="med" len="med"/>
+            <a:tailEnd type="triangle" w="med" len="med"/>
+          </a:ln>
+        </p:spPr>
+        <p:style>
+          <a:lnRef idx="2">
+            <a:schemeClr val="accent1">
+              <a:shade val="50000"/>
+            </a:schemeClr>
+          </a:lnRef>
+          <a:fillRef idx="1">
+            <a:schemeClr val="accent1"/>
+          </a:fillRef>
+          <a:effectRef idx="0">
+            <a:schemeClr val="accent1"/>
+          </a:effectRef>
+          <a:fontRef idx="minor">
+            <a:schemeClr val="lt1"/>
+          </a:fontRef>
+        </p:style>
+        <p:txBody>
+          <a:bodyPr rtlCol="0" anchor="ctr"/>
+          <a:lstStyle/>
+          <a:p>
+            <a:pPr algn="ctr"/>
+            <a:endParaRPr kumimoji="1" lang="ja-JP" altLang="en-US"/>
+          </a:p>
+        </p:txBody>
+      </p:sp>
+    </p:spTree>
+    <p:extLst>
+      <p:ext uri="{BB962C8B-B14F-4D97-AF65-F5344CB8AC3E}">
+        <p14:creationId xmlns:p14="http://schemas.microsoft.com/office/powerpoint/2010/main" val="14977550"/>
+      </p:ext>
+    </p:extLst>
+  </p:cSld>
+  <p:clrMapOvr>
+    <a:masterClrMapping/>
+  </p:clrMapOvr>
+</p:sld>
+</file>
+
+<file path=ppt/slides/slide41.xml><?xml version="1.0" encoding="utf-8"?>
+<p:sld xmlns:a="http://schemas.openxmlformats.org/drawingml/2006/main" xmlns:r="http://schemas.openxmlformats.org/officeDocument/2006/relationships" xmlns:p="http://schemas.openxmlformats.org/presentationml/2006/main">
+  <p:cSld>
+    <p:spTree>
+      <p:nvGrpSpPr>
+        <p:cNvPr id="1" name=""/>
+        <p:cNvGrpSpPr/>
+        <p:nvPr/>
+      </p:nvGrpSpPr>
+      <p:grpSpPr>
+        <a:xfrm>
+          <a:off x="0" y="0"/>
+          <a:ext cx="0" cy="0"/>
+          <a:chOff x="0" y="0"/>
+          <a:chExt cx="0" cy="0"/>
+        </a:xfrm>
+      </p:grpSpPr>
+      <p:sp>
+        <p:nvSpPr>
+          <p:cNvPr id="11" name="楕円 10">
+            <a:extLst>
+              <a:ext uri="{FF2B5EF4-FFF2-40B4-BE49-F238E27FC236}">
+                <a16:creationId xmlns:a16="http://schemas.microsoft.com/office/drawing/2014/main" id="{61F6DF7D-A748-EE48-3EDD-9DD5FF2C9BD6}"/>
+              </a:ext>
+            </a:extLst>
+          </p:cNvPr>
+          <p:cNvSpPr/>
+          <p:nvPr/>
+        </p:nvSpPr>
+        <p:spPr>
+          <a:xfrm>
+            <a:off x="2188408" y="102870"/>
+            <a:ext cx="6713220" cy="6713220"/>
+          </a:xfrm>
+          <a:prstGeom prst="ellipse">
+            <a:avLst/>
+          </a:prstGeom>
+          <a:solidFill>
+            <a:schemeClr val="accent1">
+              <a:lumMod val="20000"/>
+              <a:lumOff val="80000"/>
+            </a:schemeClr>
+          </a:solidFill>
+          <a:ln>
+            <a:solidFill>
+              <a:schemeClr val="tx1"/>
+            </a:solidFill>
+          </a:ln>
+        </p:spPr>
+        <p:style>
+          <a:lnRef idx="2">
+            <a:schemeClr val="accent1"/>
+          </a:lnRef>
+          <a:fillRef idx="1">
+            <a:schemeClr val="lt1"/>
+          </a:fillRef>
+          <a:effectRef idx="0">
+            <a:schemeClr val="accent1"/>
+          </a:effectRef>
+          <a:fontRef idx="minor">
+            <a:schemeClr val="dk1"/>
+          </a:fontRef>
+        </p:style>
+        <p:txBody>
+          <a:bodyPr tIns="0" bIns="0" rtlCol="0" anchor="t"/>
+          <a:lstStyle/>
+          <a:p>
+            <a:pPr algn="ctr"/>
+            <a:endParaRPr kumimoji="1" lang="ja-JP" altLang="en-US" sz="1100" dirty="0"/>
+          </a:p>
+        </p:txBody>
+      </p:sp>
+      <p:sp>
+        <p:nvSpPr>
+          <p:cNvPr id="5" name="楕円 4">
+            <a:extLst>
+              <a:ext uri="{FF2B5EF4-FFF2-40B4-BE49-F238E27FC236}">
+                <a16:creationId xmlns:a16="http://schemas.microsoft.com/office/drawing/2014/main" id="{D8B52D55-1ACB-79D8-60DE-A16C4075EF0A}"/>
+              </a:ext>
+            </a:extLst>
+          </p:cNvPr>
+          <p:cNvSpPr/>
+          <p:nvPr/>
+        </p:nvSpPr>
+        <p:spPr>
+          <a:xfrm>
+            <a:off x="2489083" y="428957"/>
+            <a:ext cx="6061046" cy="6061046"/>
+          </a:xfrm>
+          <a:prstGeom prst="ellipse">
+            <a:avLst/>
+          </a:prstGeom>
+          <a:solidFill>
+            <a:schemeClr val="accent6">
+              <a:lumMod val="20000"/>
+              <a:lumOff val="80000"/>
+            </a:schemeClr>
+          </a:solidFill>
+          <a:ln>
+            <a:solidFill>
+              <a:schemeClr val="tx1"/>
+            </a:solidFill>
+          </a:ln>
+        </p:spPr>
+        <p:style>
+          <a:lnRef idx="2">
+            <a:schemeClr val="accent1"/>
+          </a:lnRef>
+          <a:fillRef idx="1">
+            <a:schemeClr val="lt1"/>
+          </a:fillRef>
+          <a:effectRef idx="0">
+            <a:schemeClr val="accent1"/>
+          </a:effectRef>
+          <a:fontRef idx="minor">
+            <a:schemeClr val="dk1"/>
+          </a:fontRef>
+        </p:style>
+        <p:txBody>
+          <a:bodyPr tIns="0" bIns="0" rtlCol="0" anchor="t"/>
+          <a:lstStyle/>
+          <a:p>
+            <a:pPr algn="ctr"/>
+            <a:endParaRPr kumimoji="1" lang="ja-JP" altLang="en-US" sz="1100" dirty="0"/>
+          </a:p>
+        </p:txBody>
+      </p:sp>
+      <p:sp>
+        <p:nvSpPr>
+          <p:cNvPr id="59" name="楕円 58">
+            <a:extLst>
+              <a:ext uri="{FF2B5EF4-FFF2-40B4-BE49-F238E27FC236}">
+                <a16:creationId xmlns:a16="http://schemas.microsoft.com/office/drawing/2014/main" id="{4B1A5908-B043-7189-0547-2A88C3D33D7C}"/>
+              </a:ext>
+            </a:extLst>
+          </p:cNvPr>
+          <p:cNvSpPr/>
+          <p:nvPr/>
+        </p:nvSpPr>
+        <p:spPr>
+          <a:xfrm>
+            <a:off x="3605728" y="1520190"/>
+            <a:ext cx="3878580" cy="3878580"/>
+          </a:xfrm>
+          <a:prstGeom prst="ellipse">
+            <a:avLst/>
+          </a:prstGeom>
+          <a:solidFill>
+            <a:schemeClr val="accent2">
+              <a:lumMod val="20000"/>
+              <a:lumOff val="80000"/>
+            </a:schemeClr>
+          </a:solidFill>
+          <a:ln>
+            <a:solidFill>
+              <a:schemeClr val="tx1"/>
+            </a:solidFill>
+          </a:ln>
+        </p:spPr>
+        <p:style>
+          <a:lnRef idx="2">
+            <a:schemeClr val="accent1"/>
+          </a:lnRef>
+          <a:fillRef idx="1">
+            <a:schemeClr val="lt1"/>
+          </a:fillRef>
+          <a:effectRef idx="0">
+            <a:schemeClr val="accent1"/>
+          </a:effectRef>
+          <a:fontRef idx="minor">
+            <a:schemeClr val="dk1"/>
+          </a:fontRef>
+        </p:style>
+        <p:txBody>
+          <a:bodyPr tIns="0" bIns="0" rtlCol="0" anchor="t"/>
+          <a:lstStyle/>
+          <a:p>
+            <a:pPr algn="ctr"/>
+            <a:endParaRPr kumimoji="1" lang="ja-JP" altLang="en-US" sz="1600" dirty="0"/>
+          </a:p>
+        </p:txBody>
+      </p:sp>
+      <p:sp>
+        <p:nvSpPr>
+          <p:cNvPr id="3" name="楕円 2">
+            <a:extLst>
+              <a:ext uri="{FF2B5EF4-FFF2-40B4-BE49-F238E27FC236}">
+                <a16:creationId xmlns:a16="http://schemas.microsoft.com/office/drawing/2014/main" id="{FD5F7EEE-98CD-3F37-082F-E28F6540080E}"/>
+              </a:ext>
+            </a:extLst>
+          </p:cNvPr>
+          <p:cNvSpPr/>
+          <p:nvPr/>
+        </p:nvSpPr>
+        <p:spPr>
+          <a:xfrm>
+            <a:off x="4188658" y="2103120"/>
+            <a:ext cx="2712720" cy="2712720"/>
+          </a:xfrm>
+          <a:prstGeom prst="ellipse">
+            <a:avLst/>
+          </a:prstGeom>
+          <a:solidFill>
+            <a:schemeClr val="accent4">
+              <a:lumMod val="20000"/>
+              <a:lumOff val="80000"/>
+            </a:schemeClr>
+          </a:solidFill>
+          <a:ln>
+            <a:solidFill>
+              <a:schemeClr val="tx1"/>
+            </a:solidFill>
+          </a:ln>
+        </p:spPr>
+        <p:style>
+          <a:lnRef idx="2">
+            <a:schemeClr val="accent1"/>
+          </a:lnRef>
+          <a:fillRef idx="1">
+            <a:schemeClr val="lt1"/>
+          </a:fillRef>
+          <a:effectRef idx="0">
+            <a:schemeClr val="accent1"/>
+          </a:effectRef>
+          <a:fontRef idx="minor">
+            <a:schemeClr val="dk1"/>
+          </a:fontRef>
+        </p:style>
+        <p:txBody>
+          <a:bodyPr tIns="0" bIns="0" rtlCol="0" anchor="t"/>
+          <a:lstStyle/>
+          <a:p>
+            <a:pPr algn="ctr"/>
+            <a:endParaRPr kumimoji="1" lang="ja-JP" altLang="en-US" sz="1100" dirty="0"/>
+          </a:p>
+        </p:txBody>
+      </p:sp>
+      <p:sp>
+        <p:nvSpPr>
+          <p:cNvPr id="52" name="楕円 51">
+            <a:extLst>
+              <a:ext uri="{FF2B5EF4-FFF2-40B4-BE49-F238E27FC236}">
+                <a16:creationId xmlns:a16="http://schemas.microsoft.com/office/drawing/2014/main" id="{FFE21E94-485A-C504-A486-1BA75B83CD04}"/>
+              </a:ext>
+            </a:extLst>
+          </p:cNvPr>
+          <p:cNvSpPr/>
+          <p:nvPr/>
+        </p:nvSpPr>
+        <p:spPr>
+          <a:xfrm>
+            <a:off x="4880734" y="2803519"/>
+            <a:ext cx="1277743" cy="1250962"/>
+          </a:xfrm>
+          <a:prstGeom prst="ellipse">
+            <a:avLst/>
+          </a:prstGeom>
+          <a:solidFill>
+            <a:schemeClr val="accent4">
+              <a:lumMod val="60000"/>
+              <a:lumOff val="40000"/>
+            </a:schemeClr>
+          </a:solidFill>
+          <a:ln>
+            <a:solidFill>
+              <a:schemeClr val="tx1"/>
+            </a:solidFill>
+          </a:ln>
+        </p:spPr>
+        <p:style>
+          <a:lnRef idx="2">
+            <a:schemeClr val="accent1"/>
+          </a:lnRef>
+          <a:fillRef idx="1">
+            <a:schemeClr val="lt1"/>
+          </a:fillRef>
+          <a:effectRef idx="0">
+            <a:schemeClr val="accent1"/>
+          </a:effectRef>
+          <a:fontRef idx="minor">
+            <a:schemeClr val="dk1"/>
+          </a:fontRef>
+        </p:style>
+        <p:txBody>
+          <a:bodyPr tIns="0" bIns="0" rtlCol="0" anchor="t"/>
+          <a:lstStyle/>
+          <a:p>
+            <a:pPr algn="ctr"/>
+            <a:endParaRPr kumimoji="1" lang="ja-JP" altLang="en-US" sz="1600" dirty="0"/>
+          </a:p>
+        </p:txBody>
+      </p:sp>
+      <p:sp>
+        <p:nvSpPr>
+          <p:cNvPr id="7" name="テキスト ボックス 6">
+            <a:extLst>
+              <a:ext uri="{FF2B5EF4-FFF2-40B4-BE49-F238E27FC236}">
+                <a16:creationId xmlns:a16="http://schemas.microsoft.com/office/drawing/2014/main" id="{7BC21E71-31D6-3669-41F4-DA16D9DF5ADC}"/>
+              </a:ext>
+            </a:extLst>
+          </p:cNvPr>
+          <p:cNvSpPr txBox="1"/>
+          <p:nvPr/>
+        </p:nvSpPr>
+        <p:spPr>
+          <a:xfrm>
+            <a:off x="4991020" y="2317193"/>
+            <a:ext cx="1107996" cy="276999"/>
+          </a:xfrm>
+          <a:prstGeom prst="rect">
+            <a:avLst/>
+          </a:prstGeom>
+          <a:noFill/>
+        </p:spPr>
+        <p:txBody>
+          <a:bodyPr wrap="none" rtlCol="0">
+            <a:spAutoFit/>
+          </a:bodyPr>
+          <a:lstStyle/>
+          <a:p>
+            <a:pPr algn="ctr"/>
+            <a:r>
+              <a:rPr kumimoji="1" lang="ja-JP" altLang="en-US" sz="1200" dirty="0"/>
+              <a:t>購買ドメイン</a:t>
+            </a:r>
+          </a:p>
+        </p:txBody>
+      </p:sp>
+      <p:sp>
+        <p:nvSpPr>
+          <p:cNvPr id="8" name="テキスト ボックス 7">
+            <a:extLst>
+              <a:ext uri="{FF2B5EF4-FFF2-40B4-BE49-F238E27FC236}">
+                <a16:creationId xmlns:a16="http://schemas.microsoft.com/office/drawing/2014/main" id="{6335DE73-44DD-9E74-441B-19CAE7799FA4}"/>
+              </a:ext>
+            </a:extLst>
+          </p:cNvPr>
+          <p:cNvSpPr txBox="1"/>
+          <p:nvPr/>
+        </p:nvSpPr>
+        <p:spPr>
+          <a:xfrm>
+            <a:off x="4991020" y="1707356"/>
+            <a:ext cx="1107996" cy="276999"/>
+          </a:xfrm>
+          <a:prstGeom prst="rect">
+            <a:avLst/>
+          </a:prstGeom>
+          <a:noFill/>
+        </p:spPr>
+        <p:txBody>
+          <a:bodyPr wrap="none" rtlCol="0">
+            <a:spAutoFit/>
+          </a:bodyPr>
+          <a:lstStyle/>
+          <a:p>
+            <a:pPr algn="ctr"/>
+            <a:r>
+              <a:rPr kumimoji="1" lang="ja-JP" altLang="en-US" sz="1200" dirty="0"/>
+              <a:t>ユースケース</a:t>
+            </a:r>
+          </a:p>
+        </p:txBody>
+      </p:sp>
+      <p:sp>
+        <p:nvSpPr>
+          <p:cNvPr id="9" name="テキスト ボックス 8">
+            <a:extLst>
+              <a:ext uri="{FF2B5EF4-FFF2-40B4-BE49-F238E27FC236}">
+                <a16:creationId xmlns:a16="http://schemas.microsoft.com/office/drawing/2014/main" id="{4AA4408E-BAFB-5176-6604-E8A23E3A94FF}"/>
+              </a:ext>
+            </a:extLst>
+          </p:cNvPr>
+          <p:cNvSpPr txBox="1"/>
+          <p:nvPr/>
+        </p:nvSpPr>
+        <p:spPr>
+          <a:xfrm rot="2860399">
+            <a:off x="2481656" y="5469640"/>
+            <a:ext cx="1511952" cy="276999"/>
+          </a:xfrm>
+          <a:prstGeom prst="rect">
+            <a:avLst/>
+          </a:prstGeom>
+          <a:noFill/>
+        </p:spPr>
+        <p:txBody>
+          <a:bodyPr wrap="none" rtlCol="0">
+            <a:spAutoFit/>
+          </a:bodyPr>
+          <a:lstStyle/>
+          <a:p>
+            <a:pPr algn="ctr"/>
+            <a:r>
+              <a:rPr kumimoji="1" lang="en-US" altLang="ja-JP" sz="1200" dirty="0"/>
+              <a:t>DB</a:t>
+            </a:r>
+            <a:r>
+              <a:rPr kumimoji="1" lang="ja-JP" altLang="en-US" sz="1200" dirty="0"/>
+              <a:t>（</a:t>
+            </a:r>
+            <a:r>
+              <a:rPr kumimoji="1" lang="en-US" altLang="ja-JP" sz="1200" dirty="0"/>
+              <a:t>SQL</a:t>
+            </a:r>
+            <a:r>
+              <a:rPr kumimoji="1" lang="ja-JP" altLang="en-US" sz="1200" dirty="0"/>
+              <a:t> </a:t>
+            </a:r>
+            <a:r>
+              <a:rPr kumimoji="1" lang="en-US" altLang="ja-JP" sz="1200" dirty="0"/>
+              <a:t>Server</a:t>
+            </a:r>
+            <a:r>
+              <a:rPr kumimoji="1" lang="ja-JP" altLang="en-US" sz="1200" dirty="0"/>
+              <a:t>）</a:t>
+            </a:r>
+          </a:p>
+        </p:txBody>
+      </p:sp>
+      <p:sp>
+        <p:nvSpPr>
+          <p:cNvPr id="12" name="テキスト ボックス 11">
+            <a:extLst>
+              <a:ext uri="{FF2B5EF4-FFF2-40B4-BE49-F238E27FC236}">
+                <a16:creationId xmlns:a16="http://schemas.microsoft.com/office/drawing/2014/main" id="{AC990C2C-0114-CB69-C9A5-F2BC15A6AE81}"/>
+              </a:ext>
+            </a:extLst>
+          </p:cNvPr>
+          <p:cNvSpPr txBox="1"/>
+          <p:nvPr/>
+        </p:nvSpPr>
+        <p:spPr>
+          <a:xfrm>
+            <a:off x="5040402" y="103658"/>
+            <a:ext cx="987770" cy="276999"/>
+          </a:xfrm>
+          <a:prstGeom prst="rect">
+            <a:avLst/>
+          </a:prstGeom>
+          <a:noFill/>
+        </p:spPr>
+        <p:txBody>
+          <a:bodyPr wrap="none" rtlCol="0">
+            <a:spAutoFit/>
+          </a:bodyPr>
+          <a:lstStyle/>
+          <a:p>
+            <a:pPr algn="ctr"/>
+            <a:r>
+              <a:rPr kumimoji="1" lang="en-US" altLang="ja-JP" sz="1200" dirty="0"/>
+              <a:t>UI</a:t>
+            </a:r>
+            <a:r>
+              <a:rPr kumimoji="1" lang="ja-JP" altLang="en-US" sz="1200" dirty="0"/>
+              <a:t>（</a:t>
+            </a:r>
+            <a:r>
+              <a:rPr kumimoji="1" lang="en-US" altLang="ja-JP" sz="1200" dirty="0"/>
+              <a:t>WPF</a:t>
+            </a:r>
+            <a:r>
+              <a:rPr kumimoji="1" lang="ja-JP" altLang="en-US" sz="1200" dirty="0"/>
+              <a:t>）</a:t>
+            </a:r>
+          </a:p>
+        </p:txBody>
+      </p:sp>
+      <p:sp>
+        <p:nvSpPr>
+          <p:cNvPr id="13" name="テキスト ボックス 12">
+            <a:extLst>
+              <a:ext uri="{FF2B5EF4-FFF2-40B4-BE49-F238E27FC236}">
+                <a16:creationId xmlns:a16="http://schemas.microsoft.com/office/drawing/2014/main" id="{986B2D26-80C0-618F-02ED-D175574E544B}"/>
+              </a:ext>
+            </a:extLst>
+          </p:cNvPr>
+          <p:cNvSpPr txBox="1"/>
+          <p:nvPr/>
+        </p:nvSpPr>
+        <p:spPr>
+          <a:xfrm rot="18838972">
+            <a:off x="6956017" y="5366979"/>
+            <a:ext cx="1951175" cy="276999"/>
+          </a:xfrm>
+          <a:prstGeom prst="rect">
+            <a:avLst/>
+          </a:prstGeom>
+          <a:noFill/>
+        </p:spPr>
+        <p:txBody>
+          <a:bodyPr wrap="none" rtlCol="0">
+            <a:spAutoFit/>
+          </a:bodyPr>
+          <a:lstStyle/>
+          <a:p>
+            <a:pPr algn="ctr"/>
+            <a:r>
+              <a:rPr kumimoji="1" lang="en-US" altLang="ja-JP" sz="1200" dirty="0"/>
+              <a:t>Web</a:t>
+            </a:r>
+            <a:r>
+              <a:rPr kumimoji="1" lang="ja-JP" altLang="en-US" sz="1200" dirty="0"/>
+              <a:t> </a:t>
+            </a:r>
+            <a:r>
+              <a:rPr kumimoji="1" lang="en-US" altLang="ja-JP" sz="1200" dirty="0"/>
+              <a:t>API</a:t>
+            </a:r>
+            <a:r>
+              <a:rPr kumimoji="1" lang="ja-JP" altLang="en-US" sz="1200" dirty="0"/>
+              <a:t>（</a:t>
+            </a:r>
+            <a:r>
+              <a:rPr kumimoji="1" lang="en-US" altLang="ja-JP" sz="1200" dirty="0"/>
+              <a:t>MagicOnion</a:t>
+            </a:r>
+            <a:r>
+              <a:rPr kumimoji="1" lang="ja-JP" altLang="en-US" sz="1200" dirty="0"/>
+              <a:t>）</a:t>
+            </a:r>
+          </a:p>
+        </p:txBody>
+      </p:sp>
+      <p:sp>
+        <p:nvSpPr>
+          <p:cNvPr id="10" name="正方形/長方形 9">
+            <a:extLst>
+              <a:ext uri="{FF2B5EF4-FFF2-40B4-BE49-F238E27FC236}">
+                <a16:creationId xmlns:a16="http://schemas.microsoft.com/office/drawing/2014/main" id="{DD300987-8C66-D866-FD9B-7DE8F5A9242A}"/>
+              </a:ext>
+            </a:extLst>
+          </p:cNvPr>
+          <p:cNvSpPr/>
+          <p:nvPr/>
+        </p:nvSpPr>
+        <p:spPr>
+          <a:xfrm>
+            <a:off x="4420170" y="3841337"/>
+            <a:ext cx="522515" cy="203879"/>
+          </a:xfrm>
+          <a:prstGeom prst="rect">
+            <a:avLst/>
+          </a:prstGeom>
+        </p:spPr>
+        <p:style>
+          <a:lnRef idx="2">
+            <a:schemeClr val="accent2">
+              <a:shade val="50000"/>
+            </a:schemeClr>
+          </a:lnRef>
+          <a:fillRef idx="1">
+            <a:schemeClr val="accent2"/>
+          </a:fillRef>
+          <a:effectRef idx="0">
+            <a:schemeClr val="accent2"/>
+          </a:effectRef>
+          <a:fontRef idx="minor">
+            <a:schemeClr val="lt1"/>
+          </a:fontRef>
+        </p:style>
+        <p:txBody>
+          <a:bodyPr rtlCol="0" anchor="ctr"/>
+          <a:lstStyle/>
+          <a:p>
+            <a:pPr algn="ctr"/>
+            <a:r>
+              <a:rPr kumimoji="1" lang="en-US" altLang="ja-JP" sz="800" dirty="0"/>
+              <a:t>Vendor</a:t>
+            </a:r>
+            <a:endParaRPr kumimoji="1" lang="ja-JP" altLang="en-US" sz="800" dirty="0"/>
+          </a:p>
+        </p:txBody>
+      </p:sp>
+      <p:sp>
+        <p:nvSpPr>
+          <p:cNvPr id="30" name="正方形/長方形 29">
+            <a:extLst>
+              <a:ext uri="{FF2B5EF4-FFF2-40B4-BE49-F238E27FC236}">
+                <a16:creationId xmlns:a16="http://schemas.microsoft.com/office/drawing/2014/main" id="{731D1CC2-2DD9-DD83-5AFE-6F5922CAD473}"/>
+              </a:ext>
+            </a:extLst>
+          </p:cNvPr>
+          <p:cNvSpPr/>
+          <p:nvPr/>
+        </p:nvSpPr>
+        <p:spPr>
+          <a:xfrm>
+            <a:off x="5238293" y="4285153"/>
+            <a:ext cx="1082889" cy="203879"/>
+          </a:xfrm>
+          <a:prstGeom prst="rect">
+            <a:avLst/>
+          </a:prstGeom>
+        </p:spPr>
+        <p:style>
+          <a:lnRef idx="2">
+            <a:schemeClr val="accent2">
+              <a:shade val="50000"/>
+            </a:schemeClr>
+          </a:lnRef>
+          <a:fillRef idx="1">
+            <a:schemeClr val="accent2"/>
+          </a:fillRef>
+          <a:effectRef idx="0">
+            <a:schemeClr val="accent2"/>
+          </a:effectRef>
+          <a:fontRef idx="minor">
+            <a:schemeClr val="lt1"/>
+          </a:fontRef>
+        </p:style>
+        <p:txBody>
+          <a:bodyPr rtlCol="0" anchor="ctr"/>
+          <a:lstStyle/>
+          <a:p>
+            <a:pPr algn="ctr"/>
+            <a:r>
+              <a:rPr kumimoji="1" lang="en-US" altLang="ja-JP" sz="800" dirty="0"/>
+              <a:t>IVendorRepository</a:t>
+            </a:r>
+            <a:endParaRPr kumimoji="1" lang="ja-JP" altLang="en-US" sz="800" dirty="0"/>
+          </a:p>
+        </p:txBody>
+      </p:sp>
+      <p:sp>
+        <p:nvSpPr>
+          <p:cNvPr id="31" name="正方形/長方形 30">
+            <a:extLst>
+              <a:ext uri="{FF2B5EF4-FFF2-40B4-BE49-F238E27FC236}">
+                <a16:creationId xmlns:a16="http://schemas.microsoft.com/office/drawing/2014/main" id="{A5EBE216-8792-3469-315F-DDFD8F1C2193}"/>
+              </a:ext>
+            </a:extLst>
+          </p:cNvPr>
+          <p:cNvSpPr/>
+          <p:nvPr/>
+        </p:nvSpPr>
+        <p:spPr>
+          <a:xfrm>
+            <a:off x="3759340" y="5450699"/>
+            <a:ext cx="1051374" cy="192131"/>
+          </a:xfrm>
+          <a:prstGeom prst="rect">
+            <a:avLst/>
+          </a:prstGeom>
+        </p:spPr>
+        <p:style>
+          <a:lnRef idx="2">
+            <a:schemeClr val="accent2">
+              <a:shade val="50000"/>
+            </a:schemeClr>
+          </a:lnRef>
+          <a:fillRef idx="1">
+            <a:schemeClr val="accent2"/>
+          </a:fillRef>
+          <a:effectRef idx="0">
+            <a:schemeClr val="accent2"/>
+          </a:effectRef>
+          <a:fontRef idx="minor">
+            <a:schemeClr val="lt1"/>
+          </a:fontRef>
+        </p:style>
+        <p:txBody>
+          <a:bodyPr rtlCol="0" anchor="ctr"/>
+          <a:lstStyle/>
+          <a:p>
+            <a:pPr algn="ctr"/>
+            <a:r>
+              <a:rPr kumimoji="1" lang="en-US" altLang="ja-JP" sz="800" dirty="0"/>
+              <a:t>VendorRepository</a:t>
+            </a:r>
+            <a:endParaRPr kumimoji="1" lang="ja-JP" altLang="en-US" sz="800" dirty="0"/>
+          </a:p>
+        </p:txBody>
+      </p:sp>
+      <p:cxnSp>
+        <p:nvCxnSpPr>
+          <p:cNvPr id="32" name="直線矢印コネクタ 31">
+            <a:extLst>
+              <a:ext uri="{FF2B5EF4-FFF2-40B4-BE49-F238E27FC236}">
+                <a16:creationId xmlns:a16="http://schemas.microsoft.com/office/drawing/2014/main" id="{DCD3C585-B900-CC94-C843-D931DC59920A}"/>
+              </a:ext>
+            </a:extLst>
+          </p:cNvPr>
+          <p:cNvCxnSpPr>
+            <a:cxnSpLocks/>
+            <a:stCxn id="30" idx="1"/>
+            <a:endCxn id="10" idx="2"/>
+          </p:cNvCxnSpPr>
+          <p:nvPr/>
+        </p:nvCxnSpPr>
+        <p:spPr>
+          <a:xfrm flipH="1" flipV="1">
+            <a:off x="4681428" y="4045216"/>
+            <a:ext cx="556865" cy="341877"/>
+          </a:xfrm>
+          <a:prstGeom prst="straightConnector1">
+            <a:avLst/>
+          </a:prstGeom>
+          <a:ln w="12700">
+            <a:solidFill>
+              <a:srgbClr val="FF0000"/>
+            </a:solidFill>
+            <a:prstDash val="dash"/>
+            <a:tailEnd type="triangle" w="lg" len="lg"/>
+          </a:ln>
+        </p:spPr>
+        <p:style>
+          <a:lnRef idx="1">
+            <a:schemeClr val="dk1"/>
+          </a:lnRef>
+          <a:fillRef idx="0">
+            <a:schemeClr val="dk1"/>
+          </a:fillRef>
+          <a:effectRef idx="0">
+            <a:schemeClr val="dk1"/>
+          </a:effectRef>
+          <a:fontRef idx="minor">
+            <a:schemeClr val="tx1"/>
+          </a:fontRef>
+        </p:style>
+      </p:cxnSp>
+      <p:sp>
+        <p:nvSpPr>
+          <p:cNvPr id="4" name="正方形/長方形 3">
+            <a:extLst>
+              <a:ext uri="{FF2B5EF4-FFF2-40B4-BE49-F238E27FC236}">
+                <a16:creationId xmlns:a16="http://schemas.microsoft.com/office/drawing/2014/main" id="{4A331F0C-DED6-9FEE-30FF-BFA9225DBCDC}"/>
+              </a:ext>
+            </a:extLst>
+          </p:cNvPr>
+          <p:cNvSpPr/>
+          <p:nvPr/>
+        </p:nvSpPr>
+        <p:spPr>
+          <a:xfrm>
+            <a:off x="6849345" y="4800521"/>
+            <a:ext cx="1307945" cy="192131"/>
+          </a:xfrm>
+          <a:prstGeom prst="rect">
+            <a:avLst/>
+          </a:prstGeom>
+        </p:spPr>
+        <p:style>
+          <a:lnRef idx="2">
+            <a:schemeClr val="accent2">
+              <a:shade val="50000"/>
+            </a:schemeClr>
+          </a:lnRef>
+          <a:fillRef idx="1">
+            <a:schemeClr val="accent2"/>
+          </a:fillRef>
+          <a:effectRef idx="0">
+            <a:schemeClr val="accent2"/>
+          </a:effectRef>
+          <a:fontRef idx="minor">
+            <a:schemeClr val="lt1"/>
+          </a:fontRef>
+        </p:style>
+        <p:txBody>
+          <a:bodyPr rtlCol="0" anchor="ctr"/>
+          <a:lstStyle/>
+          <a:p>
+            <a:pPr algn="ctr"/>
+            <a:r>
+              <a:rPr kumimoji="1" lang="en-US" altLang="ja-JP" sz="800" dirty="0"/>
+              <a:t>VendorRepositoryClient</a:t>
+            </a:r>
+            <a:endParaRPr kumimoji="1" lang="ja-JP" altLang="en-US" sz="800" dirty="0"/>
+          </a:p>
+        </p:txBody>
+      </p:sp>
+      <p:cxnSp>
+        <p:nvCxnSpPr>
+          <p:cNvPr id="15" name="直線矢印コネクタ 14">
+            <a:extLst>
+              <a:ext uri="{FF2B5EF4-FFF2-40B4-BE49-F238E27FC236}">
+                <a16:creationId xmlns:a16="http://schemas.microsoft.com/office/drawing/2014/main" id="{1E34BBF9-93DD-9871-FFF8-C6FFE1AF24C9}"/>
+              </a:ext>
+            </a:extLst>
+          </p:cNvPr>
+          <p:cNvCxnSpPr>
+            <a:cxnSpLocks/>
+            <a:stCxn id="4" idx="0"/>
+            <a:endCxn id="30" idx="3"/>
+          </p:cNvCxnSpPr>
+          <p:nvPr/>
+        </p:nvCxnSpPr>
+        <p:spPr>
+          <a:xfrm flipH="1" flipV="1">
+            <a:off x="6321182" y="4387093"/>
+            <a:ext cx="1182136" cy="413428"/>
+          </a:xfrm>
+          <a:prstGeom prst="straightConnector1">
+            <a:avLst/>
+          </a:prstGeom>
+          <a:ln w="12700">
+            <a:solidFill>
+              <a:srgbClr val="FF0000"/>
+            </a:solidFill>
+            <a:prstDash val="solid"/>
+            <a:tailEnd type="triangle" w="lg" len="lg"/>
+          </a:ln>
+        </p:spPr>
+        <p:style>
+          <a:lnRef idx="1">
+            <a:schemeClr val="dk1"/>
+          </a:lnRef>
+          <a:fillRef idx="0">
+            <a:schemeClr val="dk1"/>
+          </a:fillRef>
+          <a:effectRef idx="0">
+            <a:schemeClr val="dk1"/>
+          </a:effectRef>
+          <a:fontRef idx="minor">
+            <a:schemeClr val="tx1"/>
+          </a:fontRef>
+        </p:style>
+      </p:cxnSp>
+      <p:sp>
+        <p:nvSpPr>
+          <p:cNvPr id="41" name="正方形/長方形 40">
+            <a:extLst>
+              <a:ext uri="{FF2B5EF4-FFF2-40B4-BE49-F238E27FC236}">
+                <a16:creationId xmlns:a16="http://schemas.microsoft.com/office/drawing/2014/main" id="{D907DB74-4CF6-D07C-44AD-CAF599C0D461}"/>
+              </a:ext>
+            </a:extLst>
+          </p:cNvPr>
+          <p:cNvSpPr/>
+          <p:nvPr/>
+        </p:nvSpPr>
+        <p:spPr>
+          <a:xfrm>
+            <a:off x="5947629" y="668582"/>
+            <a:ext cx="522515" cy="203879"/>
+          </a:xfrm>
+          <a:prstGeom prst="rect">
+            <a:avLst/>
+          </a:prstGeom>
+        </p:spPr>
+        <p:style>
+          <a:lnRef idx="2">
+            <a:schemeClr val="accent2">
+              <a:shade val="50000"/>
+            </a:schemeClr>
+          </a:lnRef>
+          <a:fillRef idx="1">
+            <a:schemeClr val="accent2"/>
+          </a:fillRef>
+          <a:effectRef idx="0">
+            <a:schemeClr val="accent2"/>
+          </a:effectRef>
+          <a:fontRef idx="minor">
+            <a:schemeClr val="lt1"/>
+          </a:fontRef>
+        </p:style>
+        <p:txBody>
+          <a:bodyPr rtlCol="0" anchor="ctr"/>
+          <a:lstStyle/>
+          <a:p>
+            <a:pPr algn="ctr"/>
+            <a:r>
+              <a:rPr kumimoji="1" lang="en-US" altLang="ja-JP" sz="800" dirty="0"/>
+              <a:t>View</a:t>
+            </a:r>
+            <a:endParaRPr kumimoji="1" lang="ja-JP" altLang="en-US" sz="800" dirty="0"/>
+          </a:p>
+        </p:txBody>
+      </p:sp>
+      <p:sp>
+        <p:nvSpPr>
+          <p:cNvPr id="42" name="正方形/長方形 41">
+            <a:extLst>
+              <a:ext uri="{FF2B5EF4-FFF2-40B4-BE49-F238E27FC236}">
+                <a16:creationId xmlns:a16="http://schemas.microsoft.com/office/drawing/2014/main" id="{848D761A-C49F-F165-BBB0-05A62C3267A3}"/>
+              </a:ext>
+            </a:extLst>
+          </p:cNvPr>
+          <p:cNvSpPr/>
+          <p:nvPr/>
+        </p:nvSpPr>
+        <p:spPr>
+          <a:xfrm>
+            <a:off x="5855049" y="1248370"/>
+            <a:ext cx="730167" cy="203879"/>
+          </a:xfrm>
+          <a:prstGeom prst="rect">
+            <a:avLst/>
+          </a:prstGeom>
+        </p:spPr>
+        <p:style>
+          <a:lnRef idx="2">
+            <a:schemeClr val="accent2">
+              <a:shade val="50000"/>
+            </a:schemeClr>
+          </a:lnRef>
+          <a:fillRef idx="1">
+            <a:schemeClr val="accent2"/>
+          </a:fillRef>
+          <a:effectRef idx="0">
+            <a:schemeClr val="accent2"/>
+          </a:effectRef>
+          <a:fontRef idx="minor">
+            <a:schemeClr val="lt1"/>
+          </a:fontRef>
+        </p:style>
+        <p:txBody>
+          <a:bodyPr rtlCol="0" anchor="ctr"/>
+          <a:lstStyle/>
+          <a:p>
+            <a:pPr algn="ctr"/>
+            <a:r>
+              <a:rPr kumimoji="1" lang="en-US" altLang="ja-JP" sz="800" dirty="0"/>
+              <a:t>ViewModel</a:t>
+            </a:r>
+            <a:endParaRPr kumimoji="1" lang="ja-JP" altLang="en-US" sz="800" dirty="0"/>
+          </a:p>
+        </p:txBody>
+      </p:sp>
+      <p:cxnSp>
+        <p:nvCxnSpPr>
+          <p:cNvPr id="46" name="直線矢印コネクタ 45">
+            <a:extLst>
+              <a:ext uri="{FF2B5EF4-FFF2-40B4-BE49-F238E27FC236}">
+                <a16:creationId xmlns:a16="http://schemas.microsoft.com/office/drawing/2014/main" id="{5A2EC888-3B39-BAE5-ED8B-232F35AEDB16}"/>
+              </a:ext>
+            </a:extLst>
+          </p:cNvPr>
+          <p:cNvCxnSpPr>
+            <a:cxnSpLocks/>
+            <a:stCxn id="41" idx="2"/>
+            <a:endCxn id="42" idx="0"/>
+          </p:cNvCxnSpPr>
+          <p:nvPr/>
+        </p:nvCxnSpPr>
+        <p:spPr>
+          <a:xfrm>
+            <a:off x="6208887" y="872461"/>
+            <a:ext cx="11246" cy="375909"/>
+          </a:xfrm>
+          <a:prstGeom prst="straightConnector1">
+            <a:avLst/>
+          </a:prstGeom>
+          <a:ln w="12700">
+            <a:solidFill>
+              <a:srgbClr val="FF0000"/>
+            </a:solidFill>
+            <a:prstDash val="dash"/>
+            <a:tailEnd type="triangle" w="lg" len="lg"/>
+          </a:ln>
+        </p:spPr>
+        <p:style>
+          <a:lnRef idx="1">
+            <a:schemeClr val="dk1"/>
+          </a:lnRef>
+          <a:fillRef idx="0">
+            <a:schemeClr val="dk1"/>
+          </a:fillRef>
+          <a:effectRef idx="0">
+            <a:schemeClr val="dk1"/>
+          </a:effectRef>
+          <a:fontRef idx="minor">
+            <a:schemeClr val="tx1"/>
+          </a:fontRef>
+        </p:style>
+      </p:cxnSp>
+      <p:sp>
+        <p:nvSpPr>
+          <p:cNvPr id="62" name="正方形/長方形 61">
+            <a:extLst>
+              <a:ext uri="{FF2B5EF4-FFF2-40B4-BE49-F238E27FC236}">
+                <a16:creationId xmlns:a16="http://schemas.microsoft.com/office/drawing/2014/main" id="{A98648DD-CA39-A44E-987B-867781F0F296}"/>
+              </a:ext>
+            </a:extLst>
+          </p:cNvPr>
+          <p:cNvSpPr/>
+          <p:nvPr/>
+        </p:nvSpPr>
+        <p:spPr>
+          <a:xfrm>
+            <a:off x="5279232" y="3545375"/>
+            <a:ext cx="593294" cy="203879"/>
+          </a:xfrm>
+          <a:prstGeom prst="rect">
+            <a:avLst/>
+          </a:prstGeom>
+        </p:spPr>
+        <p:style>
+          <a:lnRef idx="2">
+            <a:schemeClr val="accent2">
+              <a:shade val="50000"/>
+            </a:schemeClr>
+          </a:lnRef>
+          <a:fillRef idx="1">
+            <a:schemeClr val="accent2"/>
+          </a:fillRef>
+          <a:effectRef idx="0">
+            <a:schemeClr val="accent2"/>
+          </a:effectRef>
+          <a:fontRef idx="minor">
+            <a:schemeClr val="lt1"/>
+          </a:fontRef>
+        </p:style>
+        <p:txBody>
+          <a:bodyPr rtlCol="0" anchor="ctr"/>
+          <a:lstStyle/>
+          <a:p>
+            <a:pPr algn="ctr"/>
+            <a:r>
+              <a:rPr kumimoji="1" lang="en-US" altLang="ja-JP" sz="800" dirty="0"/>
+              <a:t>TaxRate</a:t>
+            </a:r>
+            <a:endParaRPr kumimoji="1" lang="ja-JP" altLang="en-US" sz="800" dirty="0"/>
+          </a:p>
+        </p:txBody>
+      </p:sp>
+      <p:cxnSp>
+        <p:nvCxnSpPr>
+          <p:cNvPr id="63" name="直線矢印コネクタ 62">
+            <a:extLst>
+              <a:ext uri="{FF2B5EF4-FFF2-40B4-BE49-F238E27FC236}">
+                <a16:creationId xmlns:a16="http://schemas.microsoft.com/office/drawing/2014/main" id="{28DDE0D9-A709-A24B-FFDC-A52EEE59F4B9}"/>
+              </a:ext>
+            </a:extLst>
+          </p:cNvPr>
+          <p:cNvCxnSpPr>
+            <a:cxnSpLocks/>
+            <a:stCxn id="10" idx="3"/>
+            <a:endCxn id="62" idx="1"/>
+          </p:cNvCxnSpPr>
+          <p:nvPr/>
+        </p:nvCxnSpPr>
+        <p:spPr>
+          <a:xfrm flipV="1">
+            <a:off x="4942685" y="3647315"/>
+            <a:ext cx="336547" cy="295962"/>
+          </a:xfrm>
+          <a:prstGeom prst="straightConnector1">
+            <a:avLst/>
+          </a:prstGeom>
+          <a:ln w="12700">
+            <a:solidFill>
+              <a:srgbClr val="FF0000"/>
+            </a:solidFill>
+            <a:prstDash val="solid"/>
+            <a:tailEnd type="arrow" w="lg" len="lg"/>
+          </a:ln>
+        </p:spPr>
+        <p:style>
+          <a:lnRef idx="1">
+            <a:schemeClr val="dk1"/>
+          </a:lnRef>
+          <a:fillRef idx="0">
+            <a:schemeClr val="dk1"/>
+          </a:fillRef>
+          <a:effectRef idx="0">
+            <a:schemeClr val="dk1"/>
+          </a:effectRef>
+          <a:fontRef idx="minor">
+            <a:schemeClr val="tx1"/>
+          </a:fontRef>
+        </p:style>
+      </p:cxnSp>
+      <p:sp>
+        <p:nvSpPr>
+          <p:cNvPr id="99" name="テキスト ボックス 98">
+            <a:extLst>
+              <a:ext uri="{FF2B5EF4-FFF2-40B4-BE49-F238E27FC236}">
+                <a16:creationId xmlns:a16="http://schemas.microsoft.com/office/drawing/2014/main" id="{AA5D5232-5BEE-A25B-45B1-13CD85F12513}"/>
+              </a:ext>
+            </a:extLst>
+          </p:cNvPr>
+          <p:cNvSpPr txBox="1"/>
+          <p:nvPr/>
+        </p:nvSpPr>
+        <p:spPr>
+          <a:xfrm>
+            <a:off x="4885323" y="3050799"/>
+            <a:ext cx="1257074" cy="446276"/>
+          </a:xfrm>
+          <a:prstGeom prst="rect">
+            <a:avLst/>
+          </a:prstGeom>
+          <a:noFill/>
+        </p:spPr>
+        <p:txBody>
+          <a:bodyPr wrap="none" rtlCol="0">
+            <a:spAutoFit/>
+          </a:bodyPr>
+          <a:lstStyle/>
+          <a:p>
+            <a:pPr algn="ctr"/>
+            <a:r>
+              <a:rPr kumimoji="1" lang="en-US" altLang="ja-JP" sz="1100" dirty="0"/>
+              <a:t>AdventureWorks</a:t>
+            </a:r>
+            <a:endParaRPr kumimoji="1" lang="en-US" altLang="ja-JP" sz="1200" dirty="0"/>
+          </a:p>
+          <a:p>
+            <a:pPr algn="ctr"/>
+            <a:r>
+              <a:rPr kumimoji="1" lang="ja-JP" altLang="en-US" sz="1200" dirty="0"/>
+              <a:t>ドメイン</a:t>
+            </a:r>
+          </a:p>
+        </p:txBody>
+      </p:sp>
+      <p:sp>
+        <p:nvSpPr>
+          <p:cNvPr id="143" name="正方形/長方形 142">
+            <a:extLst>
+              <a:ext uri="{FF2B5EF4-FFF2-40B4-BE49-F238E27FC236}">
+                <a16:creationId xmlns:a16="http://schemas.microsoft.com/office/drawing/2014/main" id="{911F935A-0D88-78F3-98CB-FF65845765DE}"/>
+              </a:ext>
+            </a:extLst>
+          </p:cNvPr>
+          <p:cNvSpPr/>
+          <p:nvPr/>
+        </p:nvSpPr>
+        <p:spPr>
+          <a:xfrm>
+            <a:off x="6381991" y="5395909"/>
+            <a:ext cx="1401768" cy="192131"/>
+          </a:xfrm>
+          <a:prstGeom prst="rect">
+            <a:avLst/>
+          </a:prstGeom>
+        </p:spPr>
+        <p:style>
+          <a:lnRef idx="2">
+            <a:schemeClr val="accent2">
+              <a:shade val="50000"/>
+            </a:schemeClr>
+          </a:lnRef>
+          <a:fillRef idx="1">
+            <a:schemeClr val="accent2"/>
+          </a:fillRef>
+          <a:effectRef idx="0">
+            <a:schemeClr val="accent2"/>
+          </a:effectRef>
+          <a:fontRef idx="minor">
+            <a:schemeClr val="lt1"/>
+          </a:fontRef>
+        </p:style>
+        <p:txBody>
+          <a:bodyPr rtlCol="0" anchor="ctr"/>
+          <a:lstStyle/>
+          <a:p>
+            <a:pPr algn="ctr"/>
+            <a:r>
+              <a:rPr kumimoji="1" lang="en-US" altLang="ja-JP" sz="800" dirty="0"/>
+              <a:t>IVendorRepositoryService</a:t>
+            </a:r>
+            <a:endParaRPr kumimoji="1" lang="ja-JP" altLang="en-US" sz="800" dirty="0"/>
+          </a:p>
+        </p:txBody>
+      </p:sp>
+      <p:sp>
+        <p:nvSpPr>
+          <p:cNvPr id="144" name="正方形/長方形 143">
+            <a:extLst>
+              <a:ext uri="{FF2B5EF4-FFF2-40B4-BE49-F238E27FC236}">
+                <a16:creationId xmlns:a16="http://schemas.microsoft.com/office/drawing/2014/main" id="{F8FE543C-2B75-CE7A-8296-FEF7139D3CDA}"/>
+              </a:ext>
+            </a:extLst>
+          </p:cNvPr>
+          <p:cNvSpPr/>
+          <p:nvPr/>
+        </p:nvSpPr>
+        <p:spPr>
+          <a:xfrm>
+            <a:off x="5726600" y="5944525"/>
+            <a:ext cx="1364588" cy="192131"/>
+          </a:xfrm>
+          <a:prstGeom prst="rect">
+            <a:avLst/>
+          </a:prstGeom>
+        </p:spPr>
+        <p:style>
+          <a:lnRef idx="2">
+            <a:schemeClr val="accent2">
+              <a:shade val="50000"/>
+            </a:schemeClr>
+          </a:lnRef>
+          <a:fillRef idx="1">
+            <a:schemeClr val="accent2"/>
+          </a:fillRef>
+          <a:effectRef idx="0">
+            <a:schemeClr val="accent2"/>
+          </a:effectRef>
+          <a:fontRef idx="minor">
+            <a:schemeClr val="lt1"/>
+          </a:fontRef>
+        </p:style>
+        <p:txBody>
+          <a:bodyPr rtlCol="0" anchor="ctr"/>
+          <a:lstStyle/>
+          <a:p>
+            <a:pPr algn="ctr"/>
+            <a:r>
+              <a:rPr kumimoji="1" lang="en-US" altLang="ja-JP" sz="800" dirty="0"/>
+              <a:t>VendorRepositoryService</a:t>
+            </a:r>
+            <a:endParaRPr kumimoji="1" lang="ja-JP" altLang="en-US" sz="800" dirty="0"/>
+          </a:p>
+        </p:txBody>
+      </p:sp>
+      <p:cxnSp>
+        <p:nvCxnSpPr>
+          <p:cNvPr id="145" name="直線矢印コネクタ 144">
+            <a:extLst>
+              <a:ext uri="{FF2B5EF4-FFF2-40B4-BE49-F238E27FC236}">
+                <a16:creationId xmlns:a16="http://schemas.microsoft.com/office/drawing/2014/main" id="{F2AEEA68-0FB8-4DC0-DCBD-797E787F939D}"/>
+              </a:ext>
+            </a:extLst>
+          </p:cNvPr>
+          <p:cNvCxnSpPr>
+            <a:cxnSpLocks/>
+            <a:stCxn id="4" idx="2"/>
+            <a:endCxn id="143" idx="0"/>
+          </p:cNvCxnSpPr>
+          <p:nvPr/>
+        </p:nvCxnSpPr>
+        <p:spPr>
+          <a:xfrm flipH="1">
+            <a:off x="7082875" y="4992652"/>
+            <a:ext cx="420443" cy="403257"/>
+          </a:xfrm>
+          <a:prstGeom prst="straightConnector1">
+            <a:avLst/>
+          </a:prstGeom>
+          <a:ln w="12700">
+            <a:solidFill>
+              <a:srgbClr val="FF0000"/>
+            </a:solidFill>
+            <a:prstDash val="solid"/>
+            <a:tailEnd type="arrow" w="lg" len="lg"/>
+          </a:ln>
+        </p:spPr>
+        <p:style>
+          <a:lnRef idx="1">
+            <a:schemeClr val="dk1"/>
+          </a:lnRef>
+          <a:fillRef idx="0">
+            <a:schemeClr val="dk1"/>
+          </a:fillRef>
+          <a:effectRef idx="0">
+            <a:schemeClr val="dk1"/>
+          </a:effectRef>
+          <a:fontRef idx="minor">
+            <a:schemeClr val="tx1"/>
+          </a:fontRef>
+        </p:style>
+      </p:cxnSp>
+      <p:cxnSp>
+        <p:nvCxnSpPr>
+          <p:cNvPr id="151" name="直線矢印コネクタ 150">
+            <a:extLst>
+              <a:ext uri="{FF2B5EF4-FFF2-40B4-BE49-F238E27FC236}">
+                <a16:creationId xmlns:a16="http://schemas.microsoft.com/office/drawing/2014/main" id="{948FA136-FC6B-C86E-8662-6A5722464BC8}"/>
+              </a:ext>
+            </a:extLst>
+          </p:cNvPr>
+          <p:cNvCxnSpPr>
+            <a:cxnSpLocks/>
+            <a:stCxn id="144" idx="0"/>
+            <a:endCxn id="143" idx="2"/>
+          </p:cNvCxnSpPr>
+          <p:nvPr/>
+        </p:nvCxnSpPr>
+        <p:spPr>
+          <a:xfrm flipV="1">
+            <a:off x="6408894" y="5588040"/>
+            <a:ext cx="673981" cy="356485"/>
+          </a:xfrm>
+          <a:prstGeom prst="straightConnector1">
+            <a:avLst/>
+          </a:prstGeom>
+          <a:ln w="12700">
+            <a:solidFill>
+              <a:srgbClr val="FF0000"/>
+            </a:solidFill>
+            <a:prstDash val="solid"/>
+            <a:tailEnd type="triangle" w="lg" len="lg"/>
+          </a:ln>
+        </p:spPr>
+        <p:style>
+          <a:lnRef idx="1">
+            <a:schemeClr val="dk1"/>
+          </a:lnRef>
+          <a:fillRef idx="0">
+            <a:schemeClr val="dk1"/>
+          </a:fillRef>
+          <a:effectRef idx="0">
+            <a:schemeClr val="dk1"/>
+          </a:effectRef>
+          <a:fontRef idx="minor">
+            <a:schemeClr val="tx1"/>
+          </a:fontRef>
+        </p:style>
+      </p:cxnSp>
+      <p:cxnSp>
+        <p:nvCxnSpPr>
+          <p:cNvPr id="169" name="直線矢印コネクタ 168">
+            <a:extLst>
+              <a:ext uri="{FF2B5EF4-FFF2-40B4-BE49-F238E27FC236}">
+                <a16:creationId xmlns:a16="http://schemas.microsoft.com/office/drawing/2014/main" id="{F28BBDEA-4F70-4914-689F-9FF5F72D2C2A}"/>
+              </a:ext>
+            </a:extLst>
+          </p:cNvPr>
+          <p:cNvCxnSpPr>
+            <a:cxnSpLocks/>
+            <a:stCxn id="144" idx="0"/>
+            <a:endCxn id="30" idx="2"/>
+          </p:cNvCxnSpPr>
+          <p:nvPr/>
+        </p:nvCxnSpPr>
+        <p:spPr>
+          <a:xfrm flipH="1" flipV="1">
+            <a:off x="5779738" y="4489032"/>
+            <a:ext cx="629156" cy="1455493"/>
+          </a:xfrm>
+          <a:prstGeom prst="straightConnector1">
+            <a:avLst/>
+          </a:prstGeom>
+          <a:ln w="12700">
+            <a:solidFill>
+              <a:srgbClr val="FF0000"/>
+            </a:solidFill>
+            <a:prstDash val="solid"/>
+            <a:tailEnd type="arrow" w="lg" len="lg"/>
+          </a:ln>
+        </p:spPr>
+        <p:style>
+          <a:lnRef idx="1">
+            <a:schemeClr val="dk1"/>
+          </a:lnRef>
+          <a:fillRef idx="0">
+            <a:schemeClr val="dk1"/>
+          </a:fillRef>
+          <a:effectRef idx="0">
+            <a:schemeClr val="dk1"/>
+          </a:effectRef>
+          <a:fontRef idx="minor">
+            <a:schemeClr val="tx1"/>
+          </a:fontRef>
+        </p:style>
+      </p:cxnSp>
+      <p:cxnSp>
+        <p:nvCxnSpPr>
+          <p:cNvPr id="94" name="直線矢印コネクタ 93">
+            <a:extLst>
+              <a:ext uri="{FF2B5EF4-FFF2-40B4-BE49-F238E27FC236}">
+                <a16:creationId xmlns:a16="http://schemas.microsoft.com/office/drawing/2014/main" id="{ACA23253-FB08-3D92-03CD-6B83A4575206}"/>
+              </a:ext>
+            </a:extLst>
+          </p:cNvPr>
+          <p:cNvCxnSpPr>
+            <a:cxnSpLocks/>
+            <a:stCxn id="42" idx="2"/>
+            <a:endCxn id="30" idx="0"/>
+          </p:cNvCxnSpPr>
+          <p:nvPr/>
+        </p:nvCxnSpPr>
+        <p:spPr>
+          <a:xfrm flipH="1">
+            <a:off x="5779738" y="1452249"/>
+            <a:ext cx="440395" cy="2832904"/>
+          </a:xfrm>
+          <a:prstGeom prst="straightConnector1">
+            <a:avLst/>
+          </a:prstGeom>
+          <a:ln w="12700">
+            <a:solidFill>
+              <a:srgbClr val="FF0000"/>
+            </a:solidFill>
+            <a:prstDash val="solid"/>
+            <a:tailEnd type="arrow" w="lg" len="lg"/>
+          </a:ln>
+        </p:spPr>
+        <p:style>
+          <a:lnRef idx="1">
+            <a:schemeClr val="dk1"/>
+          </a:lnRef>
+          <a:fillRef idx="0">
+            <a:schemeClr val="dk1"/>
+          </a:fillRef>
+          <a:effectRef idx="0">
+            <a:schemeClr val="dk1"/>
+          </a:effectRef>
+          <a:fontRef idx="minor">
+            <a:schemeClr val="tx1"/>
+          </a:fontRef>
+        </p:style>
+      </p:cxnSp>
+      <p:cxnSp>
+        <p:nvCxnSpPr>
+          <p:cNvPr id="33" name="直線矢印コネクタ 32">
+            <a:extLst>
+              <a:ext uri="{FF2B5EF4-FFF2-40B4-BE49-F238E27FC236}">
+                <a16:creationId xmlns:a16="http://schemas.microsoft.com/office/drawing/2014/main" id="{F14900EF-3AF4-F268-B2C6-1188474FF171}"/>
+              </a:ext>
+            </a:extLst>
+          </p:cNvPr>
+          <p:cNvCxnSpPr>
+            <a:cxnSpLocks/>
+            <a:stCxn id="31" idx="0"/>
+            <a:endCxn id="30" idx="2"/>
+          </p:cNvCxnSpPr>
+          <p:nvPr/>
+        </p:nvCxnSpPr>
+        <p:spPr>
+          <a:xfrm flipV="1">
+            <a:off x="4285027" y="4489032"/>
+            <a:ext cx="1494711" cy="961667"/>
+          </a:xfrm>
+          <a:prstGeom prst="straightConnector1">
+            <a:avLst/>
+          </a:prstGeom>
+          <a:ln w="12700">
+            <a:solidFill>
+              <a:srgbClr val="FF0000"/>
+            </a:solidFill>
+            <a:prstDash val="solid"/>
+            <a:tailEnd type="triangle" w="lg" len="lg"/>
+          </a:ln>
+        </p:spPr>
+        <p:style>
+          <a:lnRef idx="1">
+            <a:schemeClr val="dk1"/>
+          </a:lnRef>
+          <a:fillRef idx="0">
+            <a:schemeClr val="dk1"/>
+          </a:fillRef>
+          <a:effectRef idx="0">
+            <a:schemeClr val="dk1"/>
+          </a:effectRef>
+          <a:fontRef idx="minor">
+            <a:schemeClr val="tx1"/>
+          </a:fontRef>
+        </p:style>
+      </p:cxnSp>
+      <p:sp>
+        <p:nvSpPr>
+          <p:cNvPr id="14" name="楕円 13">
+            <a:extLst>
+              <a:ext uri="{FF2B5EF4-FFF2-40B4-BE49-F238E27FC236}">
+                <a16:creationId xmlns:a16="http://schemas.microsoft.com/office/drawing/2014/main" id="{41B99B1F-982C-9914-D4FD-0BF96ED3098F}"/>
+              </a:ext>
+            </a:extLst>
+          </p:cNvPr>
+          <p:cNvSpPr/>
+          <p:nvPr/>
+        </p:nvSpPr>
+        <p:spPr>
+          <a:xfrm>
+            <a:off x="66488" y="2460390"/>
+            <a:ext cx="2042444" cy="1856277"/>
+          </a:xfrm>
+          <a:prstGeom prst="ellipse">
+            <a:avLst/>
+          </a:prstGeom>
+          <a:solidFill>
+            <a:schemeClr val="bg1">
+              <a:lumMod val="85000"/>
+            </a:schemeClr>
+          </a:solidFill>
+          <a:ln>
+            <a:solidFill>
+              <a:schemeClr val="tx1"/>
+            </a:solidFill>
+          </a:ln>
+        </p:spPr>
+        <p:style>
+          <a:lnRef idx="2">
+            <a:schemeClr val="accent1"/>
+          </a:lnRef>
+          <a:fillRef idx="1">
+            <a:schemeClr val="lt1"/>
+          </a:fillRef>
+          <a:effectRef idx="0">
+            <a:schemeClr val="accent1"/>
+          </a:effectRef>
+          <a:fontRef idx="minor">
+            <a:schemeClr val="dk1"/>
+          </a:fontRef>
+        </p:style>
+        <p:txBody>
+          <a:bodyPr tIns="0" bIns="0" rtlCol="0" anchor="t"/>
+          <a:lstStyle/>
+          <a:p>
+            <a:pPr algn="ctr"/>
+            <a:endParaRPr kumimoji="1" lang="ja-JP" altLang="en-US" sz="1100" dirty="0"/>
+          </a:p>
+        </p:txBody>
+      </p:sp>
+      <p:sp>
+        <p:nvSpPr>
+          <p:cNvPr id="40" name="正方形/長方形 39">
+            <a:extLst>
+              <a:ext uri="{FF2B5EF4-FFF2-40B4-BE49-F238E27FC236}">
+                <a16:creationId xmlns:a16="http://schemas.microsoft.com/office/drawing/2014/main" id="{BDDDB001-54A2-785E-3901-CE0A0172AC03}"/>
+              </a:ext>
+            </a:extLst>
+          </p:cNvPr>
+          <p:cNvSpPr/>
+          <p:nvPr/>
+        </p:nvSpPr>
+        <p:spPr>
+          <a:xfrm>
+            <a:off x="712747" y="3552638"/>
+            <a:ext cx="749927" cy="223520"/>
+          </a:xfrm>
+          <a:prstGeom prst="rect">
+            <a:avLst/>
+          </a:prstGeom>
+        </p:spPr>
+        <p:style>
+          <a:lnRef idx="2">
+            <a:schemeClr val="accent2">
+              <a:shade val="50000"/>
+            </a:schemeClr>
+          </a:lnRef>
+          <a:fillRef idx="1">
+            <a:schemeClr val="accent2"/>
+          </a:fillRef>
+          <a:effectRef idx="0">
+            <a:schemeClr val="accent2"/>
+          </a:effectRef>
+          <a:fontRef idx="minor">
+            <a:schemeClr val="lt1"/>
+          </a:fontRef>
+        </p:style>
+        <p:txBody>
+          <a:bodyPr rtlCol="0" anchor="ctr"/>
+          <a:lstStyle/>
+          <a:p>
+            <a:pPr algn="ctr"/>
+            <a:r>
+              <a:rPr kumimoji="1" lang="en-US" altLang="ja-JP" sz="900" dirty="0"/>
+              <a:t>IDatabase</a:t>
+            </a:r>
+            <a:endParaRPr kumimoji="1" lang="ja-JP" altLang="en-US" sz="900" dirty="0"/>
+          </a:p>
+        </p:txBody>
+      </p:sp>
+      <p:sp>
+        <p:nvSpPr>
+          <p:cNvPr id="43" name="正方形/長方形 42">
+            <a:extLst>
+              <a:ext uri="{FF2B5EF4-FFF2-40B4-BE49-F238E27FC236}">
+                <a16:creationId xmlns:a16="http://schemas.microsoft.com/office/drawing/2014/main" id="{E3409B24-3D40-E788-4C8B-9FD9BC48FB43}"/>
+              </a:ext>
+            </a:extLst>
+          </p:cNvPr>
+          <p:cNvSpPr/>
+          <p:nvPr/>
+        </p:nvSpPr>
+        <p:spPr>
+          <a:xfrm>
+            <a:off x="664554" y="3108527"/>
+            <a:ext cx="846312" cy="223520"/>
+          </a:xfrm>
+          <a:prstGeom prst="rect">
+            <a:avLst/>
+          </a:prstGeom>
+        </p:spPr>
+        <p:style>
+          <a:lnRef idx="2">
+            <a:schemeClr val="accent2">
+              <a:shade val="50000"/>
+            </a:schemeClr>
+          </a:lnRef>
+          <a:fillRef idx="1">
+            <a:schemeClr val="accent2"/>
+          </a:fillRef>
+          <a:effectRef idx="0">
+            <a:schemeClr val="accent2"/>
+          </a:effectRef>
+          <a:fontRef idx="minor">
+            <a:schemeClr val="lt1"/>
+          </a:fontRef>
+        </p:style>
+        <p:txBody>
+          <a:bodyPr rtlCol="0" anchor="ctr"/>
+          <a:lstStyle/>
+          <a:p>
+            <a:pPr algn="ctr"/>
+            <a:r>
+              <a:rPr kumimoji="1" lang="en-US" altLang="ja-JP" sz="900" dirty="0"/>
+              <a:t>ITransaction</a:t>
+            </a:r>
+            <a:endParaRPr kumimoji="1" lang="ja-JP" altLang="en-US" sz="900" dirty="0"/>
+          </a:p>
+        </p:txBody>
+      </p:sp>
+      <p:cxnSp>
+        <p:nvCxnSpPr>
+          <p:cNvPr id="45" name="直線矢印コネクタ 44">
+            <a:extLst>
+              <a:ext uri="{FF2B5EF4-FFF2-40B4-BE49-F238E27FC236}">
+                <a16:creationId xmlns:a16="http://schemas.microsoft.com/office/drawing/2014/main" id="{3179C7DF-1336-8E26-71F3-9C138FE80417}"/>
+              </a:ext>
+            </a:extLst>
+          </p:cNvPr>
+          <p:cNvCxnSpPr>
+            <a:cxnSpLocks/>
+            <a:stCxn id="40" idx="0"/>
+            <a:endCxn id="43" idx="2"/>
+          </p:cNvCxnSpPr>
+          <p:nvPr/>
+        </p:nvCxnSpPr>
+        <p:spPr>
+          <a:xfrm flipH="1" flipV="1">
+            <a:off x="1087710" y="3332047"/>
+            <a:ext cx="1" cy="220591"/>
+          </a:xfrm>
+          <a:prstGeom prst="straightConnector1">
+            <a:avLst/>
+          </a:prstGeom>
+          <a:ln w="12700">
+            <a:solidFill>
+              <a:srgbClr val="FF0000"/>
+            </a:solidFill>
+            <a:prstDash val="dash"/>
+            <a:tailEnd type="triangle" w="lg" len="lg"/>
+          </a:ln>
+        </p:spPr>
+        <p:style>
+          <a:lnRef idx="1">
+            <a:schemeClr val="dk1"/>
+          </a:lnRef>
+          <a:fillRef idx="0">
+            <a:schemeClr val="dk1"/>
+          </a:fillRef>
+          <a:effectRef idx="0">
+            <a:schemeClr val="dk1"/>
+          </a:effectRef>
+          <a:fontRef idx="minor">
+            <a:schemeClr val="tx1"/>
+          </a:fontRef>
+        </p:style>
+      </p:cxnSp>
+      <p:sp>
+        <p:nvSpPr>
+          <p:cNvPr id="47" name="テキスト ボックス 46">
+            <a:extLst>
+              <a:ext uri="{FF2B5EF4-FFF2-40B4-BE49-F238E27FC236}">
+                <a16:creationId xmlns:a16="http://schemas.microsoft.com/office/drawing/2014/main" id="{D198647C-118E-D35C-1C9E-81088F591FF7}"/>
+              </a:ext>
+            </a:extLst>
+          </p:cNvPr>
+          <p:cNvSpPr txBox="1"/>
+          <p:nvPr/>
+        </p:nvSpPr>
+        <p:spPr>
+          <a:xfrm>
+            <a:off x="233396" y="2544351"/>
+            <a:ext cx="1723549" cy="461665"/>
+          </a:xfrm>
+          <a:prstGeom prst="rect">
+            <a:avLst/>
+          </a:prstGeom>
+          <a:noFill/>
+        </p:spPr>
+        <p:txBody>
+          <a:bodyPr wrap="none" rtlCol="0">
+            <a:spAutoFit/>
+          </a:bodyPr>
+          <a:lstStyle/>
+          <a:p>
+            <a:pPr algn="ctr"/>
+            <a:r>
+              <a:rPr kumimoji="1" lang="en-US" altLang="ja-JP" sz="1200" dirty="0"/>
+              <a:t>&lt;</a:t>
+            </a:r>
+            <a:r>
+              <a:rPr kumimoji="1" lang="ja-JP" altLang="en-US" sz="1200" dirty="0"/>
+              <a:t>サプライヤー</a:t>
+            </a:r>
+            <a:r>
+              <a:rPr kumimoji="1" lang="en-US" altLang="ja-JP" sz="1200" dirty="0"/>
+              <a:t>&gt;</a:t>
+            </a:r>
+          </a:p>
+          <a:p>
+            <a:pPr algn="ctr"/>
+            <a:r>
+              <a:rPr kumimoji="1" lang="ja-JP" altLang="en-US" sz="1200" dirty="0"/>
+              <a:t>データベースドメイン</a:t>
+            </a:r>
+          </a:p>
+        </p:txBody>
+      </p:sp>
+      <p:sp>
+        <p:nvSpPr>
+          <p:cNvPr id="48" name="正方形/長方形 47">
+            <a:extLst>
+              <a:ext uri="{FF2B5EF4-FFF2-40B4-BE49-F238E27FC236}">
+                <a16:creationId xmlns:a16="http://schemas.microsoft.com/office/drawing/2014/main" id="{D06ACCB0-E2F8-46B3-15D6-10061969B446}"/>
+              </a:ext>
+            </a:extLst>
+          </p:cNvPr>
+          <p:cNvSpPr/>
+          <p:nvPr/>
+        </p:nvSpPr>
+        <p:spPr>
+          <a:xfrm>
+            <a:off x="712747" y="3977918"/>
+            <a:ext cx="749927" cy="223520"/>
+          </a:xfrm>
+          <a:prstGeom prst="rect">
+            <a:avLst/>
+          </a:prstGeom>
+        </p:spPr>
+        <p:style>
+          <a:lnRef idx="2">
+            <a:schemeClr val="accent2">
+              <a:shade val="50000"/>
+            </a:schemeClr>
+          </a:lnRef>
+          <a:fillRef idx="1">
+            <a:schemeClr val="accent2"/>
+          </a:fillRef>
+          <a:effectRef idx="0">
+            <a:schemeClr val="accent2"/>
+          </a:effectRef>
+          <a:fontRef idx="minor">
+            <a:schemeClr val="lt1"/>
+          </a:fontRef>
+        </p:style>
+        <p:txBody>
+          <a:bodyPr rtlCol="0" anchor="ctr"/>
+          <a:lstStyle/>
+          <a:p>
+            <a:pPr algn="ctr"/>
+            <a:r>
+              <a:rPr kumimoji="1" lang="en-US" altLang="ja-JP" sz="900" dirty="0"/>
+              <a:t>Database</a:t>
+            </a:r>
+            <a:endParaRPr kumimoji="1" lang="ja-JP" altLang="en-US" sz="900" dirty="0"/>
+          </a:p>
+        </p:txBody>
+      </p:sp>
+      <p:cxnSp>
+        <p:nvCxnSpPr>
+          <p:cNvPr id="49" name="直線矢印コネクタ 48">
+            <a:extLst>
+              <a:ext uri="{FF2B5EF4-FFF2-40B4-BE49-F238E27FC236}">
+                <a16:creationId xmlns:a16="http://schemas.microsoft.com/office/drawing/2014/main" id="{0285CED7-5F73-8E0A-2258-52EACF0A93FD}"/>
+              </a:ext>
+            </a:extLst>
+          </p:cNvPr>
+          <p:cNvCxnSpPr>
+            <a:cxnSpLocks/>
+            <a:stCxn id="48" idx="0"/>
+            <a:endCxn id="40" idx="2"/>
+          </p:cNvCxnSpPr>
+          <p:nvPr/>
+        </p:nvCxnSpPr>
+        <p:spPr>
+          <a:xfrm flipV="1">
+            <a:off x="1087711" y="3776158"/>
+            <a:ext cx="0" cy="201760"/>
+          </a:xfrm>
+          <a:prstGeom prst="straightConnector1">
+            <a:avLst/>
+          </a:prstGeom>
+          <a:ln w="12700">
+            <a:solidFill>
+              <a:srgbClr val="FF0000"/>
+            </a:solidFill>
+            <a:prstDash val="solid"/>
+            <a:tailEnd type="triangle" w="lg" len="lg"/>
+          </a:ln>
+        </p:spPr>
+        <p:style>
+          <a:lnRef idx="1">
+            <a:schemeClr val="dk1"/>
+          </a:lnRef>
+          <a:fillRef idx="0">
+            <a:schemeClr val="dk1"/>
+          </a:fillRef>
+          <a:effectRef idx="0">
+            <a:schemeClr val="dk1"/>
+          </a:effectRef>
+          <a:fontRef idx="minor">
+            <a:schemeClr val="tx1"/>
+          </a:fontRef>
+        </p:style>
+      </p:cxnSp>
+      <p:sp>
+        <p:nvSpPr>
+          <p:cNvPr id="50" name="正方形/長方形 49">
+            <a:extLst>
+              <a:ext uri="{FF2B5EF4-FFF2-40B4-BE49-F238E27FC236}">
+                <a16:creationId xmlns:a16="http://schemas.microsoft.com/office/drawing/2014/main" id="{5412EFC9-183D-3C63-481C-8497A94C18A0}"/>
+              </a:ext>
+            </a:extLst>
+          </p:cNvPr>
+          <p:cNvSpPr/>
+          <p:nvPr/>
+        </p:nvSpPr>
+        <p:spPr>
+          <a:xfrm>
+            <a:off x="2797899" y="4701643"/>
+            <a:ext cx="1337612" cy="223520"/>
+          </a:xfrm>
+          <a:prstGeom prst="rect">
+            <a:avLst/>
+          </a:prstGeom>
+        </p:spPr>
+        <p:style>
+          <a:lnRef idx="2">
+            <a:schemeClr val="accent2">
+              <a:shade val="50000"/>
+            </a:schemeClr>
+          </a:lnRef>
+          <a:fillRef idx="1">
+            <a:schemeClr val="accent2"/>
+          </a:fillRef>
+          <a:effectRef idx="0">
+            <a:schemeClr val="accent2"/>
+          </a:effectRef>
+          <a:fontRef idx="minor">
+            <a:schemeClr val="lt1"/>
+          </a:fontRef>
+        </p:style>
+        <p:txBody>
+          <a:bodyPr rtlCol="0" anchor="ctr"/>
+          <a:lstStyle/>
+          <a:p>
+            <a:pPr algn="ctr"/>
+            <a:r>
+              <a:rPr kumimoji="1" lang="en-US" altLang="ja-JP" sz="900" dirty="0"/>
+              <a:t>PurchasingDatabase</a:t>
+            </a:r>
+            <a:endParaRPr kumimoji="1" lang="ja-JP" altLang="en-US" sz="900" dirty="0"/>
+          </a:p>
+        </p:txBody>
+      </p:sp>
+      <p:cxnSp>
+        <p:nvCxnSpPr>
+          <p:cNvPr id="51" name="直線矢印コネクタ 50">
+            <a:extLst>
+              <a:ext uri="{FF2B5EF4-FFF2-40B4-BE49-F238E27FC236}">
+                <a16:creationId xmlns:a16="http://schemas.microsoft.com/office/drawing/2014/main" id="{5D8F4FBF-7589-5550-B03B-00751DB9C6A9}"/>
+              </a:ext>
+            </a:extLst>
+          </p:cNvPr>
+          <p:cNvCxnSpPr>
+            <a:cxnSpLocks/>
+          </p:cNvCxnSpPr>
+          <p:nvPr/>
+        </p:nvCxnSpPr>
+        <p:spPr>
+          <a:xfrm flipH="1">
+            <a:off x="9225581" y="324027"/>
+            <a:ext cx="543434" cy="0"/>
+          </a:xfrm>
+          <a:prstGeom prst="straightConnector1">
+            <a:avLst/>
+          </a:prstGeom>
+          <a:ln w="12700">
+            <a:solidFill>
+              <a:srgbClr val="FF0000"/>
+            </a:solidFill>
+            <a:prstDash val="dash"/>
+            <a:tailEnd type="triangle" w="lg" len="lg"/>
+          </a:ln>
+        </p:spPr>
+        <p:style>
+          <a:lnRef idx="1">
+            <a:schemeClr val="dk1"/>
+          </a:lnRef>
+          <a:fillRef idx="0">
+            <a:schemeClr val="dk1"/>
+          </a:fillRef>
+          <a:effectRef idx="0">
+            <a:schemeClr val="dk1"/>
+          </a:effectRef>
+          <a:fontRef idx="minor">
+            <a:schemeClr val="tx1"/>
+          </a:fontRef>
+        </p:style>
+      </p:cxnSp>
+      <p:cxnSp>
+        <p:nvCxnSpPr>
+          <p:cNvPr id="53" name="直線矢印コネクタ 52">
+            <a:extLst>
+              <a:ext uri="{FF2B5EF4-FFF2-40B4-BE49-F238E27FC236}">
+                <a16:creationId xmlns:a16="http://schemas.microsoft.com/office/drawing/2014/main" id="{6CFCCD8F-0A01-2D2E-8F15-33FB21CD8BC8}"/>
+              </a:ext>
+            </a:extLst>
+          </p:cNvPr>
+          <p:cNvCxnSpPr>
+            <a:cxnSpLocks/>
+          </p:cNvCxnSpPr>
+          <p:nvPr/>
+        </p:nvCxnSpPr>
+        <p:spPr>
+          <a:xfrm flipH="1">
+            <a:off x="9225581" y="645752"/>
+            <a:ext cx="543434" cy="0"/>
+          </a:xfrm>
+          <a:prstGeom prst="straightConnector1">
+            <a:avLst/>
+          </a:prstGeom>
+          <a:ln w="12700">
+            <a:solidFill>
+              <a:srgbClr val="FF0000"/>
+            </a:solidFill>
+            <a:prstDash val="solid"/>
+            <a:tailEnd type="triangle" w="lg" len="lg"/>
+          </a:ln>
+        </p:spPr>
+        <p:style>
+          <a:lnRef idx="1">
+            <a:schemeClr val="dk1"/>
+          </a:lnRef>
+          <a:fillRef idx="0">
+            <a:schemeClr val="dk1"/>
+          </a:fillRef>
+          <a:effectRef idx="0">
+            <a:schemeClr val="dk1"/>
+          </a:effectRef>
+          <a:fontRef idx="minor">
+            <a:schemeClr val="tx1"/>
+          </a:fontRef>
+        </p:style>
+      </p:cxnSp>
+      <p:sp>
+        <p:nvSpPr>
+          <p:cNvPr id="54" name="テキスト ボックス 53">
+            <a:extLst>
+              <a:ext uri="{FF2B5EF4-FFF2-40B4-BE49-F238E27FC236}">
+                <a16:creationId xmlns:a16="http://schemas.microsoft.com/office/drawing/2014/main" id="{F3FCBB33-7C8C-2282-D71D-3EE106C9F76E}"/>
+              </a:ext>
+            </a:extLst>
+          </p:cNvPr>
+          <p:cNvSpPr txBox="1"/>
+          <p:nvPr/>
+        </p:nvSpPr>
+        <p:spPr>
+          <a:xfrm>
+            <a:off x="9775445" y="193014"/>
+            <a:ext cx="466794" cy="261610"/>
+          </a:xfrm>
+          <a:prstGeom prst="rect">
+            <a:avLst/>
+          </a:prstGeom>
+          <a:noFill/>
+        </p:spPr>
+        <p:txBody>
+          <a:bodyPr wrap="none" rtlCol="0">
+            <a:spAutoFit/>
+          </a:bodyPr>
+          <a:lstStyle/>
+          <a:p>
+            <a:r>
+              <a:rPr kumimoji="1" lang="ja-JP" altLang="en-US" sz="1100" dirty="0"/>
+              <a:t>依存</a:t>
+            </a:r>
+          </a:p>
+        </p:txBody>
+      </p:sp>
+      <p:sp>
+        <p:nvSpPr>
+          <p:cNvPr id="55" name="テキスト ボックス 54">
+            <a:extLst>
+              <a:ext uri="{FF2B5EF4-FFF2-40B4-BE49-F238E27FC236}">
+                <a16:creationId xmlns:a16="http://schemas.microsoft.com/office/drawing/2014/main" id="{53B51D49-7F0D-8EB5-88A1-D7AD077A4D2F}"/>
+              </a:ext>
+            </a:extLst>
+          </p:cNvPr>
+          <p:cNvSpPr txBox="1"/>
+          <p:nvPr/>
+        </p:nvSpPr>
+        <p:spPr>
+          <a:xfrm>
+            <a:off x="9773544" y="509215"/>
+            <a:ext cx="889987" cy="261610"/>
+          </a:xfrm>
+          <a:prstGeom prst="rect">
+            <a:avLst/>
+          </a:prstGeom>
+          <a:noFill/>
+        </p:spPr>
+        <p:txBody>
+          <a:bodyPr wrap="none" rtlCol="0">
+            <a:spAutoFit/>
+          </a:bodyPr>
+          <a:lstStyle/>
+          <a:p>
+            <a:r>
+              <a:rPr kumimoji="1" lang="ja-JP" altLang="en-US" sz="1100" dirty="0"/>
+              <a:t>実現・継承</a:t>
+            </a:r>
+          </a:p>
+        </p:txBody>
+      </p:sp>
+      <p:grpSp>
+        <p:nvGrpSpPr>
+          <p:cNvPr id="56" name="グループ化 55">
+            <a:extLst>
+              <a:ext uri="{FF2B5EF4-FFF2-40B4-BE49-F238E27FC236}">
+                <a16:creationId xmlns:a16="http://schemas.microsoft.com/office/drawing/2014/main" id="{47515E68-A98B-00B2-EDA0-CD7DAECE2BA1}"/>
+              </a:ext>
+            </a:extLst>
+          </p:cNvPr>
+          <p:cNvGrpSpPr/>
+          <p:nvPr/>
+        </p:nvGrpSpPr>
+        <p:grpSpPr>
+          <a:xfrm>
+            <a:off x="9240410" y="6141948"/>
+            <a:ext cx="2494064" cy="388882"/>
+            <a:chOff x="8200596" y="5696761"/>
+            <a:chExt cx="2494064" cy="388882"/>
+          </a:xfrm>
+        </p:grpSpPr>
+        <p:sp>
+          <p:nvSpPr>
+            <p:cNvPr id="57" name="正方形/長方形 56">
+              <a:extLst>
+                <a:ext uri="{FF2B5EF4-FFF2-40B4-BE49-F238E27FC236}">
+                  <a16:creationId xmlns:a16="http://schemas.microsoft.com/office/drawing/2014/main" id="{2039C824-807A-0DC2-BCB0-12D14BC2E29A}"/>
+                </a:ext>
+              </a:extLst>
+            </p:cNvPr>
+            <p:cNvSpPr/>
+            <p:nvPr/>
+          </p:nvSpPr>
+          <p:spPr>
+            <a:xfrm>
+              <a:off x="8200596" y="5696761"/>
+              <a:ext cx="683953" cy="388882"/>
+            </a:xfrm>
+            <a:prstGeom prst="rect">
+              <a:avLst/>
+            </a:prstGeom>
+            <a:solidFill>
+              <a:schemeClr val="accent1">
+                <a:lumMod val="20000"/>
+                <a:lumOff val="80000"/>
+              </a:schemeClr>
+            </a:solidFill>
+            <a:ln>
+              <a:solidFill>
+                <a:schemeClr val="tx1"/>
+              </a:solidFill>
+            </a:ln>
+          </p:spPr>
+          <p:style>
+            <a:lnRef idx="2">
+              <a:schemeClr val="accent1"/>
+            </a:lnRef>
+            <a:fillRef idx="1">
+              <a:schemeClr val="lt1"/>
+            </a:fillRef>
+            <a:effectRef idx="0">
+              <a:schemeClr val="accent1"/>
+            </a:effectRef>
+            <a:fontRef idx="minor">
+              <a:schemeClr val="dk1"/>
+            </a:fontRef>
+          </p:style>
+          <p:txBody>
+            <a:bodyPr tIns="0" bIns="0" rtlCol="0" anchor="t"/>
+            <a:lstStyle/>
+            <a:p>
+              <a:pPr algn="ctr"/>
+              <a:endParaRPr kumimoji="1" lang="ja-JP" altLang="en-US" sz="1100" dirty="0"/>
+            </a:p>
+          </p:txBody>
+        </p:sp>
+        <p:sp>
+          <p:nvSpPr>
+            <p:cNvPr id="58" name="テキスト ボックス 57">
+              <a:extLst>
+                <a:ext uri="{FF2B5EF4-FFF2-40B4-BE49-F238E27FC236}">
+                  <a16:creationId xmlns:a16="http://schemas.microsoft.com/office/drawing/2014/main" id="{32A268E7-9042-D6FA-308B-C7D8B9D3D2BD}"/>
+                </a:ext>
+              </a:extLst>
+            </p:cNvPr>
+            <p:cNvSpPr txBox="1"/>
+            <p:nvPr/>
+          </p:nvSpPr>
+          <p:spPr>
+            <a:xfrm>
+              <a:off x="8884549" y="5751294"/>
+              <a:ext cx="1810111" cy="276999"/>
+            </a:xfrm>
+            <a:prstGeom prst="rect">
+              <a:avLst/>
+            </a:prstGeom>
+            <a:noFill/>
+          </p:spPr>
+          <p:txBody>
+            <a:bodyPr wrap="none" rtlCol="0">
+              <a:spAutoFit/>
+            </a:bodyPr>
+            <a:lstStyle/>
+            <a:p>
+              <a:r>
+                <a:rPr kumimoji="1" lang="en-US" altLang="ja-JP" sz="1200" dirty="0"/>
+                <a:t>Frameworks</a:t>
+              </a:r>
+              <a:r>
+                <a:rPr kumimoji="1" lang="ja-JP" altLang="en-US" sz="1200" dirty="0"/>
+                <a:t> ＆ </a:t>
+              </a:r>
+              <a:r>
+                <a:rPr kumimoji="1" lang="en-US" altLang="ja-JP" sz="1200" dirty="0"/>
+                <a:t>Drivers</a:t>
+              </a:r>
+              <a:endParaRPr kumimoji="1" lang="ja-JP" altLang="en-US" sz="1200" dirty="0"/>
+            </a:p>
+          </p:txBody>
+        </p:sp>
+      </p:grpSp>
+      <p:grpSp>
+        <p:nvGrpSpPr>
+          <p:cNvPr id="60" name="グループ化 59">
+            <a:extLst>
+              <a:ext uri="{FF2B5EF4-FFF2-40B4-BE49-F238E27FC236}">
+                <a16:creationId xmlns:a16="http://schemas.microsoft.com/office/drawing/2014/main" id="{60B90672-2FB8-4805-89D5-8C0B4389A97C}"/>
+              </a:ext>
+            </a:extLst>
+          </p:cNvPr>
+          <p:cNvGrpSpPr/>
+          <p:nvPr/>
+        </p:nvGrpSpPr>
+        <p:grpSpPr>
+          <a:xfrm>
+            <a:off x="9247209" y="5563513"/>
+            <a:ext cx="2529330" cy="388882"/>
+            <a:chOff x="8200596" y="5696761"/>
+            <a:chExt cx="2529330" cy="388882"/>
+          </a:xfrm>
+        </p:grpSpPr>
+        <p:sp>
+          <p:nvSpPr>
+            <p:cNvPr id="61" name="正方形/長方形 60">
+              <a:extLst>
+                <a:ext uri="{FF2B5EF4-FFF2-40B4-BE49-F238E27FC236}">
+                  <a16:creationId xmlns:a16="http://schemas.microsoft.com/office/drawing/2014/main" id="{27E92ED9-0E21-DED0-29F2-FE27770305F2}"/>
+                </a:ext>
+              </a:extLst>
+            </p:cNvPr>
+            <p:cNvSpPr/>
+            <p:nvPr/>
+          </p:nvSpPr>
+          <p:spPr>
+            <a:xfrm>
+              <a:off x="8200596" y="5696761"/>
+              <a:ext cx="683953" cy="388882"/>
+            </a:xfrm>
+            <a:prstGeom prst="rect">
+              <a:avLst/>
+            </a:prstGeom>
+            <a:solidFill>
+              <a:schemeClr val="accent6">
+                <a:lumMod val="20000"/>
+                <a:lumOff val="80000"/>
+              </a:schemeClr>
+            </a:solidFill>
+            <a:ln>
+              <a:solidFill>
+                <a:schemeClr val="tx1"/>
+              </a:solidFill>
+            </a:ln>
+          </p:spPr>
+          <p:style>
+            <a:lnRef idx="2">
+              <a:schemeClr val="accent1"/>
+            </a:lnRef>
+            <a:fillRef idx="1">
+              <a:schemeClr val="lt1"/>
+            </a:fillRef>
+            <a:effectRef idx="0">
+              <a:schemeClr val="accent1"/>
+            </a:effectRef>
+            <a:fontRef idx="minor">
+              <a:schemeClr val="dk1"/>
+            </a:fontRef>
+          </p:style>
+          <p:txBody>
+            <a:bodyPr tIns="0" bIns="0" rtlCol="0" anchor="t"/>
+            <a:lstStyle/>
+            <a:p>
+              <a:pPr algn="ctr"/>
+              <a:endParaRPr kumimoji="1" lang="ja-JP" altLang="en-US" sz="1100" dirty="0"/>
+            </a:p>
+          </p:txBody>
+        </p:sp>
+        <p:sp>
+          <p:nvSpPr>
+            <p:cNvPr id="64" name="テキスト ボックス 63">
+              <a:extLst>
+                <a:ext uri="{FF2B5EF4-FFF2-40B4-BE49-F238E27FC236}">
+                  <a16:creationId xmlns:a16="http://schemas.microsoft.com/office/drawing/2014/main" id="{A0A2275A-0130-2092-0D31-2FCEC3552163}"/>
+                </a:ext>
+              </a:extLst>
+            </p:cNvPr>
+            <p:cNvSpPr txBox="1"/>
+            <p:nvPr/>
+          </p:nvSpPr>
+          <p:spPr>
+            <a:xfrm>
+              <a:off x="8884549" y="5752702"/>
+              <a:ext cx="1845377" cy="276999"/>
+            </a:xfrm>
+            <a:prstGeom prst="rect">
+              <a:avLst/>
+            </a:prstGeom>
+            <a:noFill/>
+          </p:spPr>
+          <p:txBody>
+            <a:bodyPr wrap="none" rtlCol="0">
+              <a:spAutoFit/>
+            </a:bodyPr>
+            <a:lstStyle/>
+            <a:p>
+              <a:r>
+                <a:rPr kumimoji="1" lang="en-US" altLang="ja-JP" sz="1200" dirty="0"/>
+                <a:t>Infrastructure Adapters</a:t>
+              </a:r>
+              <a:endParaRPr kumimoji="1" lang="ja-JP" altLang="en-US" sz="1200" dirty="0"/>
+            </a:p>
+          </p:txBody>
+        </p:sp>
+      </p:grpSp>
+      <p:grpSp>
+        <p:nvGrpSpPr>
+          <p:cNvPr id="65" name="グループ化 64">
+            <a:extLst>
+              <a:ext uri="{FF2B5EF4-FFF2-40B4-BE49-F238E27FC236}">
+                <a16:creationId xmlns:a16="http://schemas.microsoft.com/office/drawing/2014/main" id="{704E3067-887D-5F2A-9F5C-325EF0EAE0FB}"/>
+              </a:ext>
+            </a:extLst>
+          </p:cNvPr>
+          <p:cNvGrpSpPr/>
+          <p:nvPr/>
+        </p:nvGrpSpPr>
+        <p:grpSpPr>
+          <a:xfrm>
+            <a:off x="9240410" y="4985078"/>
+            <a:ext cx="2802227" cy="388882"/>
+            <a:chOff x="8200596" y="5696761"/>
+            <a:chExt cx="2802227" cy="388882"/>
+          </a:xfrm>
+        </p:grpSpPr>
+        <p:sp>
+          <p:nvSpPr>
+            <p:cNvPr id="66" name="正方形/長方形 65">
+              <a:extLst>
+                <a:ext uri="{FF2B5EF4-FFF2-40B4-BE49-F238E27FC236}">
+                  <a16:creationId xmlns:a16="http://schemas.microsoft.com/office/drawing/2014/main" id="{7E8185B8-D17A-2A85-8D85-E6CD2C6213A4}"/>
+                </a:ext>
+              </a:extLst>
+            </p:cNvPr>
+            <p:cNvSpPr/>
+            <p:nvPr/>
+          </p:nvSpPr>
+          <p:spPr>
+            <a:xfrm>
+              <a:off x="8200596" y="5696761"/>
+              <a:ext cx="683953" cy="388882"/>
+            </a:xfrm>
+            <a:prstGeom prst="rect">
+              <a:avLst/>
+            </a:prstGeom>
+            <a:solidFill>
+              <a:schemeClr val="accent2">
+                <a:lumMod val="20000"/>
+                <a:lumOff val="80000"/>
+              </a:schemeClr>
+            </a:solidFill>
+            <a:ln>
+              <a:solidFill>
+                <a:schemeClr val="tx1"/>
+              </a:solidFill>
+            </a:ln>
+          </p:spPr>
+          <p:style>
+            <a:lnRef idx="2">
+              <a:schemeClr val="accent1"/>
+            </a:lnRef>
+            <a:fillRef idx="1">
+              <a:schemeClr val="lt1"/>
+            </a:fillRef>
+            <a:effectRef idx="0">
+              <a:schemeClr val="accent1"/>
+            </a:effectRef>
+            <a:fontRef idx="minor">
+              <a:schemeClr val="dk1"/>
+            </a:fontRef>
+          </p:style>
+          <p:txBody>
+            <a:bodyPr tIns="0" bIns="0" rtlCol="0" anchor="t"/>
+            <a:lstStyle/>
+            <a:p>
+              <a:pPr algn="ctr"/>
+              <a:endParaRPr kumimoji="1" lang="ja-JP" altLang="en-US" sz="1100" dirty="0"/>
+            </a:p>
+          </p:txBody>
+        </p:sp>
+        <p:sp>
+          <p:nvSpPr>
+            <p:cNvPr id="67" name="テキスト ボックス 66">
+              <a:extLst>
+                <a:ext uri="{FF2B5EF4-FFF2-40B4-BE49-F238E27FC236}">
+                  <a16:creationId xmlns:a16="http://schemas.microsoft.com/office/drawing/2014/main" id="{D30EA470-A2EA-F4C5-C585-7881695D08FE}"/>
+                </a:ext>
+              </a:extLst>
+            </p:cNvPr>
+            <p:cNvSpPr txBox="1"/>
+            <p:nvPr/>
+          </p:nvSpPr>
+          <p:spPr>
+            <a:xfrm>
+              <a:off x="8891348" y="5747815"/>
+              <a:ext cx="2111475" cy="276999"/>
+            </a:xfrm>
+            <a:prstGeom prst="rect">
+              <a:avLst/>
+            </a:prstGeom>
+            <a:noFill/>
+          </p:spPr>
+          <p:txBody>
+            <a:bodyPr wrap="none" rtlCol="0">
+              <a:spAutoFit/>
+            </a:bodyPr>
+            <a:lstStyle/>
+            <a:p>
+              <a:r>
+                <a:rPr kumimoji="1" lang="en-US" altLang="ja-JP" sz="1200" dirty="0"/>
+                <a:t>Application Business Rules</a:t>
+              </a:r>
+              <a:endParaRPr kumimoji="1" lang="ja-JP" altLang="en-US" sz="1200" dirty="0"/>
+            </a:p>
+          </p:txBody>
+        </p:sp>
+      </p:grpSp>
+      <p:grpSp>
+        <p:nvGrpSpPr>
+          <p:cNvPr id="68" name="グループ化 67">
+            <a:extLst>
+              <a:ext uri="{FF2B5EF4-FFF2-40B4-BE49-F238E27FC236}">
+                <a16:creationId xmlns:a16="http://schemas.microsoft.com/office/drawing/2014/main" id="{0E94B87E-897A-7216-3DF6-C0ED2471F926}"/>
+              </a:ext>
+            </a:extLst>
+          </p:cNvPr>
+          <p:cNvGrpSpPr/>
+          <p:nvPr/>
+        </p:nvGrpSpPr>
+        <p:grpSpPr>
+          <a:xfrm>
+            <a:off x="9240410" y="4387093"/>
+            <a:ext cx="2731308" cy="388882"/>
+            <a:chOff x="8200596" y="5696761"/>
+            <a:chExt cx="2731308" cy="388882"/>
+          </a:xfrm>
+        </p:grpSpPr>
+        <p:sp>
+          <p:nvSpPr>
+            <p:cNvPr id="69" name="正方形/長方形 68">
+              <a:extLst>
+                <a:ext uri="{FF2B5EF4-FFF2-40B4-BE49-F238E27FC236}">
+                  <a16:creationId xmlns:a16="http://schemas.microsoft.com/office/drawing/2014/main" id="{80ED7EC9-AE2E-D90E-12A3-F8B0D24A1000}"/>
+                </a:ext>
+              </a:extLst>
+            </p:cNvPr>
+            <p:cNvSpPr/>
+            <p:nvPr/>
+          </p:nvSpPr>
+          <p:spPr>
+            <a:xfrm>
+              <a:off x="8200596" y="5696761"/>
+              <a:ext cx="683953" cy="388882"/>
+            </a:xfrm>
+            <a:prstGeom prst="rect">
+              <a:avLst/>
+            </a:prstGeom>
+            <a:solidFill>
+              <a:schemeClr val="accent2">
+                <a:lumMod val="20000"/>
+                <a:lumOff val="80000"/>
+              </a:schemeClr>
+            </a:solidFill>
+            <a:ln>
+              <a:solidFill>
+                <a:schemeClr val="tx1"/>
+              </a:solidFill>
+            </a:ln>
+          </p:spPr>
+          <p:style>
+            <a:lnRef idx="2">
+              <a:schemeClr val="accent1"/>
+            </a:lnRef>
+            <a:fillRef idx="1">
+              <a:schemeClr val="lt1"/>
+            </a:fillRef>
+            <a:effectRef idx="0">
+              <a:schemeClr val="accent1"/>
+            </a:effectRef>
+            <a:fontRef idx="minor">
+              <a:schemeClr val="dk1"/>
+            </a:fontRef>
+          </p:style>
+          <p:txBody>
+            <a:bodyPr tIns="0" bIns="0" rtlCol="0" anchor="t"/>
+            <a:lstStyle/>
+            <a:p>
+              <a:pPr algn="ctr"/>
+              <a:endParaRPr kumimoji="1" lang="ja-JP" altLang="en-US" sz="1100" dirty="0"/>
+            </a:p>
+          </p:txBody>
+        </p:sp>
+        <p:sp>
+          <p:nvSpPr>
+            <p:cNvPr id="70" name="テキスト ボックス 69">
+              <a:extLst>
+                <a:ext uri="{FF2B5EF4-FFF2-40B4-BE49-F238E27FC236}">
+                  <a16:creationId xmlns:a16="http://schemas.microsoft.com/office/drawing/2014/main" id="{EA3F8B82-A81B-5434-36EA-A95867238C82}"/>
+                </a:ext>
+              </a:extLst>
+            </p:cNvPr>
+            <p:cNvSpPr txBox="1"/>
+            <p:nvPr/>
+          </p:nvSpPr>
+          <p:spPr>
+            <a:xfrm>
+              <a:off x="8884549" y="5751073"/>
+              <a:ext cx="2047355" cy="276999"/>
+            </a:xfrm>
+            <a:prstGeom prst="rect">
+              <a:avLst/>
+            </a:prstGeom>
+            <a:noFill/>
+          </p:spPr>
+          <p:txBody>
+            <a:bodyPr wrap="none" rtlCol="0">
+              <a:spAutoFit/>
+            </a:bodyPr>
+            <a:lstStyle/>
+            <a:p>
+              <a:r>
+                <a:rPr kumimoji="1" lang="en-US" altLang="ja-JP" sz="1200" dirty="0"/>
+                <a:t>Enterprise Business Rules</a:t>
+              </a:r>
+              <a:endParaRPr kumimoji="1" lang="ja-JP" altLang="en-US" sz="1200" dirty="0"/>
+            </a:p>
+          </p:txBody>
+        </p:sp>
+      </p:grpSp>
+      <p:sp>
+        <p:nvSpPr>
+          <p:cNvPr id="71" name="正方形/長方形 70">
+            <a:extLst>
+              <a:ext uri="{FF2B5EF4-FFF2-40B4-BE49-F238E27FC236}">
+                <a16:creationId xmlns:a16="http://schemas.microsoft.com/office/drawing/2014/main" id="{F0314780-4F17-A06A-7223-B296B009172D}"/>
+              </a:ext>
+            </a:extLst>
+          </p:cNvPr>
+          <p:cNvSpPr/>
+          <p:nvPr/>
+        </p:nvSpPr>
+        <p:spPr>
+          <a:xfrm>
+            <a:off x="9569470" y="4387093"/>
+            <a:ext cx="355827" cy="388882"/>
+          </a:xfrm>
+          <a:prstGeom prst="rect">
+            <a:avLst/>
+          </a:prstGeom>
+          <a:solidFill>
+            <a:schemeClr val="accent4">
+              <a:lumMod val="40000"/>
+              <a:lumOff val="60000"/>
+            </a:schemeClr>
+          </a:solidFill>
+          <a:ln>
+            <a:solidFill>
+              <a:schemeClr val="tx1"/>
+            </a:solidFill>
+          </a:ln>
+        </p:spPr>
+        <p:style>
+          <a:lnRef idx="2">
+            <a:schemeClr val="accent1"/>
+          </a:lnRef>
+          <a:fillRef idx="1">
+            <a:schemeClr val="lt1"/>
+          </a:fillRef>
+          <a:effectRef idx="0">
+            <a:schemeClr val="accent1"/>
+          </a:effectRef>
+          <a:fontRef idx="minor">
+            <a:schemeClr val="dk1"/>
+          </a:fontRef>
+        </p:style>
+        <p:txBody>
+          <a:bodyPr tIns="0" bIns="0" rtlCol="0" anchor="t"/>
+          <a:lstStyle/>
+          <a:p>
+            <a:pPr algn="ctr"/>
+            <a:endParaRPr kumimoji="1" lang="ja-JP" altLang="en-US" sz="1100" dirty="0"/>
+          </a:p>
+        </p:txBody>
+      </p:sp>
+      <p:cxnSp>
+        <p:nvCxnSpPr>
+          <p:cNvPr id="72" name="直線矢印コネクタ 71">
+            <a:extLst>
+              <a:ext uri="{FF2B5EF4-FFF2-40B4-BE49-F238E27FC236}">
+                <a16:creationId xmlns:a16="http://schemas.microsoft.com/office/drawing/2014/main" id="{316DFB80-B758-E183-910A-E465FB0EC362}"/>
+              </a:ext>
+            </a:extLst>
+          </p:cNvPr>
+          <p:cNvCxnSpPr>
+            <a:cxnSpLocks/>
+          </p:cNvCxnSpPr>
+          <p:nvPr/>
+        </p:nvCxnSpPr>
+        <p:spPr>
+          <a:xfrm flipH="1">
+            <a:off x="9225581" y="964712"/>
+            <a:ext cx="533852" cy="0"/>
+          </a:xfrm>
+          <a:prstGeom prst="straightConnector1">
+            <a:avLst/>
+          </a:prstGeom>
+          <a:ln w="12700">
+            <a:solidFill>
+              <a:srgbClr val="FF0000"/>
+            </a:solidFill>
+            <a:prstDash val="solid"/>
+            <a:tailEnd type="arrow" w="lg" len="lg"/>
+          </a:ln>
+        </p:spPr>
+        <p:style>
+          <a:lnRef idx="1">
+            <a:schemeClr val="dk1"/>
+          </a:lnRef>
+          <a:fillRef idx="0">
+            <a:schemeClr val="dk1"/>
+          </a:fillRef>
+          <a:effectRef idx="0">
+            <a:schemeClr val="dk1"/>
+          </a:effectRef>
+          <a:fontRef idx="minor">
+            <a:schemeClr val="tx1"/>
+          </a:fontRef>
+        </p:style>
+      </p:cxnSp>
+      <p:sp>
+        <p:nvSpPr>
+          <p:cNvPr id="73" name="テキスト ボックス 72">
+            <a:extLst>
+              <a:ext uri="{FF2B5EF4-FFF2-40B4-BE49-F238E27FC236}">
+                <a16:creationId xmlns:a16="http://schemas.microsoft.com/office/drawing/2014/main" id="{107778CC-6F4F-6BDC-556A-B7181E6379DE}"/>
+              </a:ext>
+            </a:extLst>
+          </p:cNvPr>
+          <p:cNvSpPr txBox="1"/>
+          <p:nvPr/>
+        </p:nvSpPr>
+        <p:spPr>
+          <a:xfrm>
+            <a:off x="9775445" y="827940"/>
+            <a:ext cx="466794" cy="261610"/>
+          </a:xfrm>
+          <a:prstGeom prst="rect">
+            <a:avLst/>
+          </a:prstGeom>
+          <a:noFill/>
+        </p:spPr>
+        <p:txBody>
+          <a:bodyPr wrap="none" rtlCol="0">
+            <a:spAutoFit/>
+          </a:bodyPr>
+          <a:lstStyle/>
+          <a:p>
+            <a:r>
+              <a:rPr kumimoji="1" lang="ja-JP" altLang="en-US" sz="1100" dirty="0"/>
+              <a:t>関連</a:t>
+            </a:r>
+          </a:p>
+        </p:txBody>
+      </p:sp>
+      <p:cxnSp>
+        <p:nvCxnSpPr>
+          <p:cNvPr id="74" name="直線矢印コネクタ 73">
+            <a:extLst>
+              <a:ext uri="{FF2B5EF4-FFF2-40B4-BE49-F238E27FC236}">
+                <a16:creationId xmlns:a16="http://schemas.microsoft.com/office/drawing/2014/main" id="{1DBC564B-2012-49D5-F206-C2678EC1C529}"/>
+              </a:ext>
+            </a:extLst>
+          </p:cNvPr>
+          <p:cNvCxnSpPr>
+            <a:cxnSpLocks/>
+            <a:stCxn id="31" idx="0"/>
+            <a:endCxn id="50" idx="2"/>
+          </p:cNvCxnSpPr>
+          <p:nvPr/>
+        </p:nvCxnSpPr>
+        <p:spPr>
+          <a:xfrm flipH="1" flipV="1">
+            <a:off x="3466705" y="4925163"/>
+            <a:ext cx="818322" cy="525536"/>
+          </a:xfrm>
+          <a:prstGeom prst="straightConnector1">
+            <a:avLst/>
+          </a:prstGeom>
+          <a:ln w="12700">
+            <a:solidFill>
+              <a:srgbClr val="FF0000"/>
+            </a:solidFill>
+            <a:prstDash val="solid"/>
+            <a:tailEnd type="arrow" w="lg" len="lg"/>
+          </a:ln>
+        </p:spPr>
+        <p:style>
+          <a:lnRef idx="1">
+            <a:schemeClr val="dk1"/>
+          </a:lnRef>
+          <a:fillRef idx="0">
+            <a:schemeClr val="dk1"/>
+          </a:fillRef>
+          <a:effectRef idx="0">
+            <a:schemeClr val="dk1"/>
+          </a:effectRef>
+          <a:fontRef idx="minor">
+            <a:schemeClr val="tx1"/>
+          </a:fontRef>
+        </p:style>
+      </p:cxnSp>
+      <p:cxnSp>
+        <p:nvCxnSpPr>
+          <p:cNvPr id="78" name="直線矢印コネクタ 77">
+            <a:extLst>
+              <a:ext uri="{FF2B5EF4-FFF2-40B4-BE49-F238E27FC236}">
+                <a16:creationId xmlns:a16="http://schemas.microsoft.com/office/drawing/2014/main" id="{888D8AFF-1878-BED8-8181-AF6D02261B2B}"/>
+              </a:ext>
+            </a:extLst>
+          </p:cNvPr>
+          <p:cNvCxnSpPr>
+            <a:cxnSpLocks/>
+            <a:stCxn id="50" idx="1"/>
+          </p:cNvCxnSpPr>
+          <p:nvPr/>
+        </p:nvCxnSpPr>
+        <p:spPr>
+          <a:xfrm flipH="1" flipV="1">
+            <a:off x="1462674" y="4176737"/>
+            <a:ext cx="1335225" cy="636666"/>
+          </a:xfrm>
+          <a:prstGeom prst="straightConnector1">
+            <a:avLst/>
+          </a:prstGeom>
+          <a:ln w="12700">
+            <a:solidFill>
+              <a:srgbClr val="FF0000"/>
+            </a:solidFill>
+            <a:prstDash val="solid"/>
+            <a:tailEnd type="triangle" w="lg" len="lg"/>
+          </a:ln>
+        </p:spPr>
+        <p:style>
+          <a:lnRef idx="1">
+            <a:schemeClr val="dk1"/>
+          </a:lnRef>
+          <a:fillRef idx="0">
+            <a:schemeClr val="dk1"/>
+          </a:fillRef>
+          <a:effectRef idx="0">
+            <a:schemeClr val="dk1"/>
+          </a:effectRef>
+          <a:fontRef idx="minor">
+            <a:schemeClr val="tx1"/>
+          </a:fontRef>
+        </p:style>
+      </p:cxnSp>
+      <p:sp>
+        <p:nvSpPr>
+          <p:cNvPr id="81" name="正方形/長方形 80">
+            <a:extLst>
+              <a:ext uri="{FF2B5EF4-FFF2-40B4-BE49-F238E27FC236}">
+                <a16:creationId xmlns:a16="http://schemas.microsoft.com/office/drawing/2014/main" id="{AD39F71D-ACB7-EE64-A0E3-0EF078916E60}"/>
+              </a:ext>
+            </a:extLst>
+          </p:cNvPr>
+          <p:cNvSpPr/>
+          <p:nvPr/>
+        </p:nvSpPr>
+        <p:spPr>
+          <a:xfrm>
+            <a:off x="2449787" y="3982055"/>
+            <a:ext cx="1433701" cy="223520"/>
+          </a:xfrm>
+          <a:prstGeom prst="rect">
+            <a:avLst/>
+          </a:prstGeom>
+        </p:spPr>
+        <p:style>
+          <a:lnRef idx="2">
+            <a:schemeClr val="accent2">
+              <a:shade val="50000"/>
+            </a:schemeClr>
+          </a:lnRef>
+          <a:fillRef idx="1">
+            <a:schemeClr val="accent2"/>
+          </a:fillRef>
+          <a:effectRef idx="0">
+            <a:schemeClr val="accent2"/>
+          </a:effectRef>
+          <a:fontRef idx="minor">
+            <a:schemeClr val="lt1"/>
+          </a:fontRef>
+        </p:style>
+        <p:txBody>
+          <a:bodyPr rtlCol="0" anchor="ctr"/>
+          <a:lstStyle/>
+          <a:p>
+            <a:pPr algn="ctr"/>
+            <a:r>
+              <a:rPr kumimoji="1" lang="en-US" altLang="ja-JP" sz="900" dirty="0"/>
+              <a:t>RePurchasingDatabase</a:t>
+            </a:r>
+            <a:endParaRPr kumimoji="1" lang="ja-JP" altLang="en-US" sz="900" dirty="0"/>
+          </a:p>
+        </p:txBody>
+      </p:sp>
+      <p:cxnSp>
+        <p:nvCxnSpPr>
+          <p:cNvPr id="82" name="直線矢印コネクタ 81">
+            <a:extLst>
+              <a:ext uri="{FF2B5EF4-FFF2-40B4-BE49-F238E27FC236}">
+                <a16:creationId xmlns:a16="http://schemas.microsoft.com/office/drawing/2014/main" id="{5906C520-0CC9-5269-B46E-1D676C89052E}"/>
+              </a:ext>
+            </a:extLst>
+          </p:cNvPr>
+          <p:cNvCxnSpPr>
+            <a:cxnSpLocks/>
+            <a:stCxn id="81" idx="1"/>
+            <a:endCxn id="48" idx="3"/>
+          </p:cNvCxnSpPr>
+          <p:nvPr/>
+        </p:nvCxnSpPr>
+        <p:spPr>
+          <a:xfrm flipH="1" flipV="1">
+            <a:off x="1462674" y="4089678"/>
+            <a:ext cx="987113" cy="4137"/>
+          </a:xfrm>
+          <a:prstGeom prst="straightConnector1">
+            <a:avLst/>
+          </a:prstGeom>
+          <a:ln w="12700">
+            <a:solidFill>
+              <a:srgbClr val="FF0000"/>
+            </a:solidFill>
+            <a:prstDash val="solid"/>
+            <a:tailEnd type="triangle" w="lg" len="lg"/>
+          </a:ln>
+        </p:spPr>
+        <p:style>
+          <a:lnRef idx="1">
+            <a:schemeClr val="dk1"/>
+          </a:lnRef>
+          <a:fillRef idx="0">
+            <a:schemeClr val="dk1"/>
+          </a:fillRef>
+          <a:effectRef idx="0">
+            <a:schemeClr val="dk1"/>
+          </a:effectRef>
+          <a:fontRef idx="minor">
+            <a:schemeClr val="tx1"/>
+          </a:fontRef>
+        </p:style>
+      </p:cxnSp>
+    </p:spTree>
+    <p:extLst>
+      <p:ext uri="{BB962C8B-B14F-4D97-AF65-F5344CB8AC3E}">
+        <p14:creationId xmlns:p14="http://schemas.microsoft.com/office/powerpoint/2010/main" val="1756740815"/>
+      </p:ext>
+    </p:extLst>
+  </p:cSld>
+  <p:clrMapOvr>
+    <a:masterClrMapping/>
+  </p:clrMapOvr>
+</p:sld>
+</file>
+
+<file path=ppt/slides/slide42.xml><?xml version="1.0" encoding="utf-8"?>
+<p:sld xmlns:a="http://schemas.openxmlformats.org/drawingml/2006/main" xmlns:r="http://schemas.openxmlformats.org/officeDocument/2006/relationships" xmlns:p="http://schemas.openxmlformats.org/presentationml/2006/main">
+  <p:cSld>
+    <p:spTree>
+      <p:nvGrpSpPr>
+        <p:cNvPr id="1" name=""/>
+        <p:cNvGrpSpPr/>
+        <p:nvPr/>
+      </p:nvGrpSpPr>
+      <p:grpSpPr>
+        <a:xfrm>
+          <a:off x="0" y="0"/>
+          <a:ext cx="0" cy="0"/>
+          <a:chOff x="0" y="0"/>
+          <a:chExt cx="0" cy="0"/>
+        </a:xfrm>
+      </p:grpSpPr>
+      <p:pic>
+        <p:nvPicPr>
+          <p:cNvPr id="7" name="図 6">
+            <a:extLst>
+              <a:ext uri="{FF2B5EF4-FFF2-40B4-BE49-F238E27FC236}">
+                <a16:creationId xmlns:a16="http://schemas.microsoft.com/office/drawing/2014/main" id="{C7D62A7E-FB91-E8FC-9E9A-292066F06B4B}"/>
+              </a:ext>
+            </a:extLst>
+          </p:cNvPr>
+          <p:cNvPicPr>
+            <a:picLocks noChangeAspect="1"/>
+          </p:cNvPicPr>
+          <p:nvPr/>
+        </p:nvPicPr>
+        <p:blipFill>
+          <a:blip r:embed="rId2"/>
+          <a:stretch>
+            <a:fillRect/>
+          </a:stretch>
+        </p:blipFill>
+        <p:spPr>
+          <a:xfrm>
+            <a:off x="37672" y="808061"/>
+            <a:ext cx="5050171" cy="4937148"/>
+          </a:xfrm>
+          <a:prstGeom prst="rect">
+            <a:avLst/>
+          </a:prstGeom>
+        </p:spPr>
+      </p:pic>
+      <p:pic>
+        <p:nvPicPr>
+          <p:cNvPr id="9" name="図 8">
+            <a:extLst>
+              <a:ext uri="{FF2B5EF4-FFF2-40B4-BE49-F238E27FC236}">
+                <a16:creationId xmlns:a16="http://schemas.microsoft.com/office/drawing/2014/main" id="{A599395C-AC9C-2E2D-281E-0F8E0816C8D4}"/>
+              </a:ext>
+            </a:extLst>
+          </p:cNvPr>
+          <p:cNvPicPr>
+            <a:picLocks noChangeAspect="1"/>
+          </p:cNvPicPr>
+          <p:nvPr/>
+        </p:nvPicPr>
+        <p:blipFill>
+          <a:blip r:embed="rId3"/>
+          <a:stretch>
+            <a:fillRect/>
+          </a:stretch>
+        </p:blipFill>
+        <p:spPr>
+          <a:xfrm>
+            <a:off x="5268285" y="1063859"/>
+            <a:ext cx="6886043" cy="4393281"/>
+          </a:xfrm>
+          <a:prstGeom prst="rect">
+            <a:avLst/>
+          </a:prstGeom>
+        </p:spPr>
+      </p:pic>
+    </p:spTree>
+    <p:extLst>
+      <p:ext uri="{BB962C8B-B14F-4D97-AF65-F5344CB8AC3E}">
+        <p14:creationId xmlns:p14="http://schemas.microsoft.com/office/powerpoint/2010/main" val="1570436842"/>
       </p:ext>
     </p:extLst>
   </p:cSld>

--- a/Article02.pptx
+++ b/Article02.pptx
@@ -25684,10 +25684,10 @@
       </p:grpSpPr>
       <p:pic>
         <p:nvPicPr>
-          <p:cNvPr id="15" name="図 14">
-            <a:extLst>
-              <a:ext uri="{FF2B5EF4-FFF2-40B4-BE49-F238E27FC236}">
-                <a16:creationId xmlns:a16="http://schemas.microsoft.com/office/drawing/2014/main" id="{742F994E-66C6-7F5C-406C-29A06A4E5214}"/>
+          <p:cNvPr id="17" name="図 16">
+            <a:extLst>
+              <a:ext uri="{FF2B5EF4-FFF2-40B4-BE49-F238E27FC236}">
+                <a16:creationId xmlns:a16="http://schemas.microsoft.com/office/drawing/2014/main" id="{8845AA48-31C6-C857-8DBE-43CFB2F74F3B}"/>
               </a:ext>
             </a:extLst>
           </p:cNvPr>
@@ -25744,10 +25744,10 @@
       </p:grpSpPr>
       <p:pic>
         <p:nvPicPr>
-          <p:cNvPr id="7" name="図 6">
-            <a:extLst>
-              <a:ext uri="{FF2B5EF4-FFF2-40B4-BE49-F238E27FC236}">
-                <a16:creationId xmlns:a16="http://schemas.microsoft.com/office/drawing/2014/main" id="{CDFF45D3-C94D-FEAA-ADBC-E49932615E84}"/>
+          <p:cNvPr id="9" name="図 8">
+            <a:extLst>
+              <a:ext uri="{FF2B5EF4-FFF2-40B4-BE49-F238E27FC236}">
+                <a16:creationId xmlns:a16="http://schemas.microsoft.com/office/drawing/2014/main" id="{F18982B4-444E-6826-F8A9-3910C4044D0F}"/>
               </a:ext>
             </a:extLst>
           </p:cNvPr>

--- a/Article02.pptx
+++ b/Article02.pptx
@@ -48,6 +48,7 @@
     <p:sldId id="299" r:id="rId42"/>
     <p:sldId id="298" r:id="rId43"/>
     <p:sldId id="297" r:id="rId44"/>
+    <p:sldId id="300" r:id="rId45"/>
   </p:sldIdLst>
   <p:sldSz cx="12192000" cy="6858000"/>
   <p:notesSz cx="6858000" cy="9144000"/>
@@ -34530,6 +34531,66 @@
     <p:extLst>
       <p:ext uri="{BB962C8B-B14F-4D97-AF65-F5344CB8AC3E}">
         <p14:creationId xmlns:p14="http://schemas.microsoft.com/office/powerpoint/2010/main" val="1570436842"/>
+      </p:ext>
+    </p:extLst>
+  </p:cSld>
+  <p:clrMapOvr>
+    <a:masterClrMapping/>
+  </p:clrMapOvr>
+</p:sld>
+</file>
+
+<file path=ppt/slides/slide43.xml><?xml version="1.0" encoding="utf-8"?>
+<p:sld xmlns:a="http://schemas.openxmlformats.org/drawingml/2006/main" xmlns:r="http://schemas.openxmlformats.org/officeDocument/2006/relationships" xmlns:p="http://schemas.openxmlformats.org/presentationml/2006/main">
+  <p:cSld>
+    <p:spTree>
+      <p:nvGrpSpPr>
+        <p:cNvPr id="1" name=""/>
+        <p:cNvGrpSpPr/>
+        <p:nvPr/>
+      </p:nvGrpSpPr>
+      <p:grpSpPr>
+        <a:xfrm>
+          <a:off x="0" y="0"/>
+          <a:ext cx="0" cy="0"/>
+          <a:chOff x="0" y="0"/>
+          <a:chExt cx="0" cy="0"/>
+        </a:xfrm>
+      </p:grpSpPr>
+      <p:pic>
+        <p:nvPicPr>
+          <p:cNvPr id="3" name="図 2">
+            <a:extLst>
+              <a:ext uri="{FF2B5EF4-FFF2-40B4-BE49-F238E27FC236}">
+                <a16:creationId xmlns:a16="http://schemas.microsoft.com/office/drawing/2014/main" id="{25FE564B-74BE-6F7B-B98F-E2B130D3CA2A}"/>
+              </a:ext>
+            </a:extLst>
+          </p:cNvPr>
+          <p:cNvPicPr>
+            <a:picLocks noChangeAspect="1"/>
+          </p:cNvPicPr>
+          <p:nvPr/>
+        </p:nvPicPr>
+        <p:blipFill>
+          <a:blip r:embed="rId2"/>
+          <a:stretch>
+            <a:fillRect/>
+          </a:stretch>
+        </p:blipFill>
+        <p:spPr>
+          <a:xfrm>
+            <a:off x="146714" y="0"/>
+            <a:ext cx="11898571" cy="6858000"/>
+          </a:xfrm>
+          <a:prstGeom prst="rect">
+            <a:avLst/>
+          </a:prstGeom>
+        </p:spPr>
+      </p:pic>
+    </p:spTree>
+    <p:extLst>
+      <p:ext uri="{BB962C8B-B14F-4D97-AF65-F5344CB8AC3E}">
+        <p14:creationId xmlns:p14="http://schemas.microsoft.com/office/powerpoint/2010/main" val="3085232051"/>
       </p:ext>
     </p:extLst>
   </p:cSld>
